--- a/benchmark.pptx
+++ b/benchmark.pptx
@@ -3,16 +3,32 @@
 <p:presentation xmlns:a="http://schemas.openxmlformats.org/drawingml/2006/main" xmlns:r="http://schemas.openxmlformats.org/officeDocument/2006/relationships" xmlns:p="http://schemas.openxmlformats.org/presentationml/2006/main" saveSubsetFonts="1">
   <p:sldMasterIdLst>
     <p:sldMasterId id="2147483648" r:id="rId1"/>
+    <p:sldMasterId id="2147483660" r:id="rId2"/>
   </p:sldMasterIdLst>
+  <p:notesMasterIdLst>
+    <p:notesMasterId r:id="rId20"/>
+  </p:notesMasterIdLst>
+  <p:handoutMasterIdLst>
+    <p:handoutMasterId r:id="rId21"/>
+  </p:handoutMasterIdLst>
   <p:sldIdLst>
-    <p:sldId id="256" r:id="rId2"/>
-    <p:sldId id="257" r:id="rId3"/>
-    <p:sldId id="258" r:id="rId4"/>
-    <p:sldId id="263" r:id="rId5"/>
-    <p:sldId id="259" r:id="rId6"/>
-    <p:sldId id="260" r:id="rId7"/>
-    <p:sldId id="261" r:id="rId8"/>
-    <p:sldId id="264" r:id="rId9"/>
+    <p:sldId id="256" r:id="rId3"/>
+    <p:sldId id="257" r:id="rId4"/>
+    <p:sldId id="273" r:id="rId5"/>
+    <p:sldId id="258" r:id="rId6"/>
+    <p:sldId id="265" r:id="rId7"/>
+    <p:sldId id="263" r:id="rId8"/>
+    <p:sldId id="259" r:id="rId9"/>
+    <p:sldId id="260" r:id="rId10"/>
+    <p:sldId id="266" r:id="rId11"/>
+    <p:sldId id="268" r:id="rId12"/>
+    <p:sldId id="269" r:id="rId13"/>
+    <p:sldId id="270" r:id="rId14"/>
+    <p:sldId id="271" r:id="rId15"/>
+    <p:sldId id="267" r:id="rId16"/>
+    <p:sldId id="272" r:id="rId17"/>
+    <p:sldId id="261" r:id="rId18"/>
+    <p:sldId id="264" r:id="rId19"/>
   </p:sldIdLst>
   <p:sldSz cx="9144000" cy="6858000" type="screen4x3"/>
   <p:notesSz cx="6858000" cy="9144000"/>
@@ -114,6 +130,689 @@
 </p:presentation>
 </file>
 
+<file path=ppt/handoutMasters/handoutMaster1.xml><?xml version="1.0" encoding="utf-8"?>
+<p:handoutMaster xmlns:a="http://schemas.openxmlformats.org/drawingml/2006/main" xmlns:r="http://schemas.openxmlformats.org/officeDocument/2006/relationships" xmlns:p="http://schemas.openxmlformats.org/presentationml/2006/main">
+  <p:cSld>
+    <p:bg>
+      <p:bgRef idx="1001">
+        <a:schemeClr val="bg1"/>
+      </p:bgRef>
+    </p:bg>
+    <p:spTree>
+      <p:nvGrpSpPr>
+        <p:cNvPr id="1" name=""/>
+        <p:cNvGrpSpPr/>
+        <p:nvPr/>
+      </p:nvGrpSpPr>
+      <p:grpSpPr>
+        <a:xfrm>
+          <a:off x="0" y="0"/>
+          <a:ext cx="0" cy="0"/>
+          <a:chOff x="0" y="0"/>
+          <a:chExt cx="0" cy="0"/>
+        </a:xfrm>
+      </p:grpSpPr>
+      <p:sp>
+        <p:nvSpPr>
+          <p:cNvPr id="2" name="Header Placeholder 1"/>
+          <p:cNvSpPr>
+            <a:spLocks noGrp="1"/>
+          </p:cNvSpPr>
+          <p:nvPr>
+            <p:ph type="hdr" sz="quarter"/>
+          </p:nvPr>
+        </p:nvSpPr>
+        <p:spPr>
+          <a:xfrm>
+            <a:off x="0" y="0"/>
+            <a:ext cx="2971800" cy="457200"/>
+          </a:xfrm>
+          <a:prstGeom prst="rect">
+            <a:avLst/>
+          </a:prstGeom>
+        </p:spPr>
+        <p:txBody>
+          <a:bodyPr vert="horz" lIns="91440" tIns="45720" rIns="91440" bIns="45720" rtlCol="0"/>
+          <a:lstStyle>
+            <a:lvl1pPr algn="l">
+              <a:defRPr sz="1200"/>
+            </a:lvl1pPr>
+          </a:lstStyle>
+          <a:p>
+            <a:endParaRPr lang="en-US"/>
+          </a:p>
+        </p:txBody>
+      </p:sp>
+      <p:sp>
+        <p:nvSpPr>
+          <p:cNvPr id="3" name="Date Placeholder 2"/>
+          <p:cNvSpPr>
+            <a:spLocks noGrp="1"/>
+          </p:cNvSpPr>
+          <p:nvPr>
+            <p:ph type="dt" sz="quarter" idx="1"/>
+          </p:nvPr>
+        </p:nvSpPr>
+        <p:spPr>
+          <a:xfrm>
+            <a:off x="3884613" y="0"/>
+            <a:ext cx="2971800" cy="457200"/>
+          </a:xfrm>
+          <a:prstGeom prst="rect">
+            <a:avLst/>
+          </a:prstGeom>
+        </p:spPr>
+        <p:txBody>
+          <a:bodyPr vert="horz" lIns="91440" tIns="45720" rIns="91440" bIns="45720" rtlCol="0"/>
+          <a:lstStyle>
+            <a:lvl1pPr algn="r">
+              <a:defRPr sz="1200"/>
+            </a:lvl1pPr>
+          </a:lstStyle>
+          <a:p>
+            <a:fld id="{CCE33303-72BA-4FB2-B2EF-C4C02F7F8703}" type="datetimeFigureOut">
+              <a:rPr lang="en-US" smtClean="0"/>
+              <a:t>6/29/2012</a:t>
+            </a:fld>
+            <a:endParaRPr lang="en-US"/>
+          </a:p>
+        </p:txBody>
+      </p:sp>
+      <p:sp>
+        <p:nvSpPr>
+          <p:cNvPr id="4" name="Footer Placeholder 3"/>
+          <p:cNvSpPr>
+            <a:spLocks noGrp="1"/>
+          </p:cNvSpPr>
+          <p:nvPr>
+            <p:ph type="ftr" sz="quarter" idx="2"/>
+          </p:nvPr>
+        </p:nvSpPr>
+        <p:spPr>
+          <a:xfrm>
+            <a:off x="0" y="8685213"/>
+            <a:ext cx="2971800" cy="457200"/>
+          </a:xfrm>
+          <a:prstGeom prst="rect">
+            <a:avLst/>
+          </a:prstGeom>
+        </p:spPr>
+        <p:txBody>
+          <a:bodyPr vert="horz" lIns="91440" tIns="45720" rIns="91440" bIns="45720" rtlCol="0" anchor="b"/>
+          <a:lstStyle>
+            <a:lvl1pPr algn="l">
+              <a:defRPr sz="1200"/>
+            </a:lvl1pPr>
+          </a:lstStyle>
+          <a:p>
+            <a:endParaRPr lang="en-US"/>
+          </a:p>
+        </p:txBody>
+      </p:sp>
+      <p:sp>
+        <p:nvSpPr>
+          <p:cNvPr id="5" name="Slide Number Placeholder 4"/>
+          <p:cNvSpPr>
+            <a:spLocks noGrp="1"/>
+          </p:cNvSpPr>
+          <p:nvPr>
+            <p:ph type="sldNum" sz="quarter" idx="3"/>
+          </p:nvPr>
+        </p:nvSpPr>
+        <p:spPr>
+          <a:xfrm>
+            <a:off x="3884613" y="8685213"/>
+            <a:ext cx="2971800" cy="457200"/>
+          </a:xfrm>
+          <a:prstGeom prst="rect">
+            <a:avLst/>
+          </a:prstGeom>
+        </p:spPr>
+        <p:txBody>
+          <a:bodyPr vert="horz" lIns="91440" tIns="45720" rIns="91440" bIns="45720" rtlCol="0" anchor="b"/>
+          <a:lstStyle>
+            <a:lvl1pPr algn="r">
+              <a:defRPr sz="1200"/>
+            </a:lvl1pPr>
+          </a:lstStyle>
+          <a:p>
+            <a:fld id="{04DD5B95-70A3-4EC7-92A5-3702778DB4BF}" type="slidenum">
+              <a:rPr lang="en-US" smtClean="0"/>
+              <a:t>‹#›</a:t>
+            </a:fld>
+            <a:endParaRPr lang="en-US"/>
+          </a:p>
+        </p:txBody>
+      </p:sp>
+    </p:spTree>
+    <p:extLst>
+      <p:ext uri="{BB962C8B-B14F-4D97-AF65-F5344CB8AC3E}">
+        <p14:creationId xmlns:p14="http://schemas.microsoft.com/office/powerpoint/2010/main" val="1728360524"/>
+      </p:ext>
+    </p:extLst>
+  </p:cSld>
+  <p:clrMap bg1="lt1" tx1="dk1" bg2="lt2" tx2="dk2" accent1="accent1" accent2="accent2" accent3="accent3" accent4="accent4" accent5="accent5" accent6="accent6" hlink="hlink" folHlink="folHlink"/>
+</p:handoutMaster>
+</file>
+
+<file path=ppt/notesMasters/notesMaster1.xml><?xml version="1.0" encoding="utf-8"?>
+<p:notesMaster xmlns:a="http://schemas.openxmlformats.org/drawingml/2006/main" xmlns:r="http://schemas.openxmlformats.org/officeDocument/2006/relationships" xmlns:p="http://schemas.openxmlformats.org/presentationml/2006/main">
+  <p:cSld>
+    <p:bg>
+      <p:bgRef idx="1001">
+        <a:schemeClr val="bg1"/>
+      </p:bgRef>
+    </p:bg>
+    <p:spTree>
+      <p:nvGrpSpPr>
+        <p:cNvPr id="1" name=""/>
+        <p:cNvGrpSpPr/>
+        <p:nvPr/>
+      </p:nvGrpSpPr>
+      <p:grpSpPr>
+        <a:xfrm>
+          <a:off x="0" y="0"/>
+          <a:ext cx="0" cy="0"/>
+          <a:chOff x="0" y="0"/>
+          <a:chExt cx="0" cy="0"/>
+        </a:xfrm>
+      </p:grpSpPr>
+      <p:sp>
+        <p:nvSpPr>
+          <p:cNvPr id="2" name="Header Placeholder 1"/>
+          <p:cNvSpPr>
+            <a:spLocks noGrp="1"/>
+          </p:cNvSpPr>
+          <p:nvPr>
+            <p:ph type="hdr" sz="quarter"/>
+          </p:nvPr>
+        </p:nvSpPr>
+        <p:spPr>
+          <a:xfrm>
+            <a:off x="0" y="0"/>
+            <a:ext cx="2971800" cy="457200"/>
+          </a:xfrm>
+          <a:prstGeom prst="rect">
+            <a:avLst/>
+          </a:prstGeom>
+        </p:spPr>
+        <p:txBody>
+          <a:bodyPr vert="horz" lIns="91440" tIns="45720" rIns="91440" bIns="45720" rtlCol="0"/>
+          <a:lstStyle>
+            <a:lvl1pPr algn="l">
+              <a:defRPr sz="1200"/>
+            </a:lvl1pPr>
+          </a:lstStyle>
+          <a:p>
+            <a:endParaRPr lang="en-US"/>
+          </a:p>
+        </p:txBody>
+      </p:sp>
+      <p:sp>
+        <p:nvSpPr>
+          <p:cNvPr id="3" name="Date Placeholder 2"/>
+          <p:cNvSpPr>
+            <a:spLocks noGrp="1"/>
+          </p:cNvSpPr>
+          <p:nvPr>
+            <p:ph type="dt" idx="1"/>
+          </p:nvPr>
+        </p:nvSpPr>
+        <p:spPr>
+          <a:xfrm>
+            <a:off x="3884613" y="0"/>
+            <a:ext cx="2971800" cy="457200"/>
+          </a:xfrm>
+          <a:prstGeom prst="rect">
+            <a:avLst/>
+          </a:prstGeom>
+        </p:spPr>
+        <p:txBody>
+          <a:bodyPr vert="horz" lIns="91440" tIns="45720" rIns="91440" bIns="45720" rtlCol="0"/>
+          <a:lstStyle>
+            <a:lvl1pPr algn="r">
+              <a:defRPr sz="1200"/>
+            </a:lvl1pPr>
+          </a:lstStyle>
+          <a:p>
+            <a:fld id="{A1E62AE7-B727-4968-8D78-71B0188CF367}" type="datetimeFigureOut">
+              <a:rPr lang="en-US" smtClean="0"/>
+              <a:t>6/29/2012</a:t>
+            </a:fld>
+            <a:endParaRPr lang="en-US"/>
+          </a:p>
+        </p:txBody>
+      </p:sp>
+      <p:sp>
+        <p:nvSpPr>
+          <p:cNvPr id="4" name="Slide Image Placeholder 3"/>
+          <p:cNvSpPr>
+            <a:spLocks noGrp="1" noRot="1" noChangeAspect="1"/>
+          </p:cNvSpPr>
+          <p:nvPr>
+            <p:ph type="sldImg" idx="2"/>
+          </p:nvPr>
+        </p:nvSpPr>
+        <p:spPr>
+          <a:xfrm>
+            <a:off x="1143000" y="685800"/>
+            <a:ext cx="4572000" cy="3429000"/>
+          </a:xfrm>
+          <a:prstGeom prst="rect">
+            <a:avLst/>
+          </a:prstGeom>
+          <a:noFill/>
+          <a:ln w="12700">
+            <a:solidFill>
+              <a:prstClr val="black"/>
+            </a:solidFill>
+          </a:ln>
+        </p:spPr>
+        <p:txBody>
+          <a:bodyPr vert="horz" lIns="91440" tIns="45720" rIns="91440" bIns="45720" rtlCol="0" anchor="ctr"/>
+          <a:lstStyle/>
+          <a:p>
+            <a:endParaRPr lang="en-US"/>
+          </a:p>
+        </p:txBody>
+      </p:sp>
+      <p:sp>
+        <p:nvSpPr>
+          <p:cNvPr id="5" name="Notes Placeholder 4"/>
+          <p:cNvSpPr>
+            <a:spLocks noGrp="1"/>
+          </p:cNvSpPr>
+          <p:nvPr>
+            <p:ph type="body" sz="quarter" idx="3"/>
+          </p:nvPr>
+        </p:nvSpPr>
+        <p:spPr>
+          <a:xfrm>
+            <a:off x="685800" y="4343400"/>
+            <a:ext cx="5486400" cy="4114800"/>
+          </a:xfrm>
+          <a:prstGeom prst="rect">
+            <a:avLst/>
+          </a:prstGeom>
+        </p:spPr>
+        <p:txBody>
+          <a:bodyPr vert="horz" lIns="91440" tIns="45720" rIns="91440" bIns="45720" rtlCol="0"/>
+          <a:lstStyle/>
+          <a:p>
+            <a:pPr lvl="0"/>
+            <a:r>
+              <a:rPr lang="en-US" smtClean="0"/>
+              <a:t>Click to edit Master text styles</a:t>
+            </a:r>
+          </a:p>
+          <a:p>
+            <a:pPr lvl="1"/>
+            <a:r>
+              <a:rPr lang="en-US" smtClean="0"/>
+              <a:t>Second level</a:t>
+            </a:r>
+          </a:p>
+          <a:p>
+            <a:pPr lvl="2"/>
+            <a:r>
+              <a:rPr lang="en-US" smtClean="0"/>
+              <a:t>Third level</a:t>
+            </a:r>
+          </a:p>
+          <a:p>
+            <a:pPr lvl="3"/>
+            <a:r>
+              <a:rPr lang="en-US" smtClean="0"/>
+              <a:t>Fourth level</a:t>
+            </a:r>
+          </a:p>
+          <a:p>
+            <a:pPr lvl="4"/>
+            <a:r>
+              <a:rPr lang="en-US" smtClean="0"/>
+              <a:t>Fifth level</a:t>
+            </a:r>
+            <a:endParaRPr lang="en-US"/>
+          </a:p>
+        </p:txBody>
+      </p:sp>
+      <p:sp>
+        <p:nvSpPr>
+          <p:cNvPr id="6" name="Footer Placeholder 5"/>
+          <p:cNvSpPr>
+            <a:spLocks noGrp="1"/>
+          </p:cNvSpPr>
+          <p:nvPr>
+            <p:ph type="ftr" sz="quarter" idx="4"/>
+          </p:nvPr>
+        </p:nvSpPr>
+        <p:spPr>
+          <a:xfrm>
+            <a:off x="0" y="8685213"/>
+            <a:ext cx="2971800" cy="457200"/>
+          </a:xfrm>
+          <a:prstGeom prst="rect">
+            <a:avLst/>
+          </a:prstGeom>
+        </p:spPr>
+        <p:txBody>
+          <a:bodyPr vert="horz" lIns="91440" tIns="45720" rIns="91440" bIns="45720" rtlCol="0" anchor="b"/>
+          <a:lstStyle>
+            <a:lvl1pPr algn="l">
+              <a:defRPr sz="1200"/>
+            </a:lvl1pPr>
+          </a:lstStyle>
+          <a:p>
+            <a:endParaRPr lang="en-US"/>
+          </a:p>
+        </p:txBody>
+      </p:sp>
+      <p:sp>
+        <p:nvSpPr>
+          <p:cNvPr id="7" name="Slide Number Placeholder 6"/>
+          <p:cNvSpPr>
+            <a:spLocks noGrp="1"/>
+          </p:cNvSpPr>
+          <p:nvPr>
+            <p:ph type="sldNum" sz="quarter" idx="5"/>
+          </p:nvPr>
+        </p:nvSpPr>
+        <p:spPr>
+          <a:xfrm>
+            <a:off x="3884613" y="8685213"/>
+            <a:ext cx="2971800" cy="457200"/>
+          </a:xfrm>
+          <a:prstGeom prst="rect">
+            <a:avLst/>
+          </a:prstGeom>
+        </p:spPr>
+        <p:txBody>
+          <a:bodyPr vert="horz" lIns="91440" tIns="45720" rIns="91440" bIns="45720" rtlCol="0" anchor="b"/>
+          <a:lstStyle>
+            <a:lvl1pPr algn="r">
+              <a:defRPr sz="1200"/>
+            </a:lvl1pPr>
+          </a:lstStyle>
+          <a:p>
+            <a:fld id="{B63DC3D0-48AD-48F3-8595-473248E95381}" type="slidenum">
+              <a:rPr lang="en-US" smtClean="0"/>
+              <a:t>‹#›</a:t>
+            </a:fld>
+            <a:endParaRPr lang="en-US"/>
+          </a:p>
+        </p:txBody>
+      </p:sp>
+    </p:spTree>
+    <p:extLst>
+      <p:ext uri="{BB962C8B-B14F-4D97-AF65-F5344CB8AC3E}">
+        <p14:creationId xmlns:p14="http://schemas.microsoft.com/office/powerpoint/2010/main" val="2555581265"/>
+      </p:ext>
+    </p:extLst>
+  </p:cSld>
+  <p:clrMap bg1="lt1" tx1="dk1" bg2="lt2" tx2="dk2" accent1="accent1" accent2="accent2" accent3="accent3" accent4="accent4" accent5="accent5" accent6="accent6" hlink="hlink" folHlink="folHlink"/>
+  <p:notesStyle>
+    <a:lvl1pPr marL="0" algn="l" defTabSz="914400" rtl="0" eaLnBrk="1" latinLnBrk="0" hangingPunct="1">
+      <a:defRPr sz="1200" kern="1200">
+        <a:solidFill>
+          <a:schemeClr val="tx1"/>
+        </a:solidFill>
+        <a:latin typeface="+mn-lt"/>
+        <a:ea typeface="+mn-ea"/>
+        <a:cs typeface="+mn-cs"/>
+      </a:defRPr>
+    </a:lvl1pPr>
+    <a:lvl2pPr marL="457200" algn="l" defTabSz="914400" rtl="0" eaLnBrk="1" latinLnBrk="0" hangingPunct="1">
+      <a:defRPr sz="1200" kern="1200">
+        <a:solidFill>
+          <a:schemeClr val="tx1"/>
+        </a:solidFill>
+        <a:latin typeface="+mn-lt"/>
+        <a:ea typeface="+mn-ea"/>
+        <a:cs typeface="+mn-cs"/>
+      </a:defRPr>
+    </a:lvl2pPr>
+    <a:lvl3pPr marL="914400" algn="l" defTabSz="914400" rtl="0" eaLnBrk="1" latinLnBrk="0" hangingPunct="1">
+      <a:defRPr sz="1200" kern="1200">
+        <a:solidFill>
+          <a:schemeClr val="tx1"/>
+        </a:solidFill>
+        <a:latin typeface="+mn-lt"/>
+        <a:ea typeface="+mn-ea"/>
+        <a:cs typeface="+mn-cs"/>
+      </a:defRPr>
+    </a:lvl3pPr>
+    <a:lvl4pPr marL="1371600" algn="l" defTabSz="914400" rtl="0" eaLnBrk="1" latinLnBrk="0" hangingPunct="1">
+      <a:defRPr sz="1200" kern="1200">
+        <a:solidFill>
+          <a:schemeClr val="tx1"/>
+        </a:solidFill>
+        <a:latin typeface="+mn-lt"/>
+        <a:ea typeface="+mn-ea"/>
+        <a:cs typeface="+mn-cs"/>
+      </a:defRPr>
+    </a:lvl4pPr>
+    <a:lvl5pPr marL="1828800" algn="l" defTabSz="914400" rtl="0" eaLnBrk="1" latinLnBrk="0" hangingPunct="1">
+      <a:defRPr sz="1200" kern="1200">
+        <a:solidFill>
+          <a:schemeClr val="tx1"/>
+        </a:solidFill>
+        <a:latin typeface="+mn-lt"/>
+        <a:ea typeface="+mn-ea"/>
+        <a:cs typeface="+mn-cs"/>
+      </a:defRPr>
+    </a:lvl5pPr>
+    <a:lvl6pPr marL="2286000" algn="l" defTabSz="914400" rtl="0" eaLnBrk="1" latinLnBrk="0" hangingPunct="1">
+      <a:defRPr sz="1200" kern="1200">
+        <a:solidFill>
+          <a:schemeClr val="tx1"/>
+        </a:solidFill>
+        <a:latin typeface="+mn-lt"/>
+        <a:ea typeface="+mn-ea"/>
+        <a:cs typeface="+mn-cs"/>
+      </a:defRPr>
+    </a:lvl6pPr>
+    <a:lvl7pPr marL="2743200" algn="l" defTabSz="914400" rtl="0" eaLnBrk="1" latinLnBrk="0" hangingPunct="1">
+      <a:defRPr sz="1200" kern="1200">
+        <a:solidFill>
+          <a:schemeClr val="tx1"/>
+        </a:solidFill>
+        <a:latin typeface="+mn-lt"/>
+        <a:ea typeface="+mn-ea"/>
+        <a:cs typeface="+mn-cs"/>
+      </a:defRPr>
+    </a:lvl7pPr>
+    <a:lvl8pPr marL="3200400" algn="l" defTabSz="914400" rtl="0" eaLnBrk="1" latinLnBrk="0" hangingPunct="1">
+      <a:defRPr sz="1200" kern="1200">
+        <a:solidFill>
+          <a:schemeClr val="tx1"/>
+        </a:solidFill>
+        <a:latin typeface="+mn-lt"/>
+        <a:ea typeface="+mn-ea"/>
+        <a:cs typeface="+mn-cs"/>
+      </a:defRPr>
+    </a:lvl8pPr>
+    <a:lvl9pPr marL="3657600" algn="l" defTabSz="914400" rtl="0" eaLnBrk="1" latinLnBrk="0" hangingPunct="1">
+      <a:defRPr sz="1200" kern="1200">
+        <a:solidFill>
+          <a:schemeClr val="tx1"/>
+        </a:solidFill>
+        <a:latin typeface="+mn-lt"/>
+        <a:ea typeface="+mn-ea"/>
+        <a:cs typeface="+mn-cs"/>
+      </a:defRPr>
+    </a:lvl9pPr>
+  </p:notesStyle>
+</p:notesMaster>
+</file>
+
+<file path=ppt/notesSlides/notesSlide1.xml><?xml version="1.0" encoding="utf-8"?>
+<p:notes xmlns:a="http://schemas.openxmlformats.org/drawingml/2006/main" xmlns:r="http://schemas.openxmlformats.org/officeDocument/2006/relationships" xmlns:p="http://schemas.openxmlformats.org/presentationml/2006/main">
+  <p:cSld>
+    <p:spTree>
+      <p:nvGrpSpPr>
+        <p:cNvPr id="1" name=""/>
+        <p:cNvGrpSpPr/>
+        <p:nvPr/>
+      </p:nvGrpSpPr>
+      <p:grpSpPr>
+        <a:xfrm>
+          <a:off x="0" y="0"/>
+          <a:ext cx="0" cy="0"/>
+          <a:chOff x="0" y="0"/>
+          <a:chExt cx="0" cy="0"/>
+        </a:xfrm>
+      </p:grpSpPr>
+      <p:sp>
+        <p:nvSpPr>
+          <p:cNvPr id="2" name="Slide Image Placeholder 1"/>
+          <p:cNvSpPr>
+            <a:spLocks noGrp="1" noRot="1" noChangeAspect="1"/>
+          </p:cNvSpPr>
+          <p:nvPr>
+            <p:ph type="sldImg"/>
+          </p:nvPr>
+        </p:nvSpPr>
+        <p:spPr/>
+      </p:sp>
+      <p:sp>
+        <p:nvSpPr>
+          <p:cNvPr id="3" name="Notes Placeholder 2"/>
+          <p:cNvSpPr>
+            <a:spLocks noGrp="1"/>
+          </p:cNvSpPr>
+          <p:nvPr>
+            <p:ph type="body" idx="1"/>
+          </p:nvPr>
+        </p:nvSpPr>
+        <p:spPr/>
+        <p:txBody>
+          <a:bodyPr/>
+          <a:lstStyle/>
+          <a:p>
+            <a:endParaRPr lang="en-US"/>
+          </a:p>
+        </p:txBody>
+      </p:sp>
+      <p:sp>
+        <p:nvSpPr>
+          <p:cNvPr id="4" name="Slide Number Placeholder 3"/>
+          <p:cNvSpPr>
+            <a:spLocks noGrp="1"/>
+          </p:cNvSpPr>
+          <p:nvPr>
+            <p:ph type="sldNum" sz="quarter" idx="10"/>
+          </p:nvPr>
+        </p:nvSpPr>
+        <p:spPr/>
+        <p:txBody>
+          <a:bodyPr/>
+          <a:lstStyle/>
+          <a:p>
+            <a:fld id="{B63DC3D0-48AD-48F3-8595-473248E95381}" type="slidenum">
+              <a:rPr lang="en-US" smtClean="0"/>
+              <a:t>2</a:t>
+            </a:fld>
+            <a:endParaRPr lang="en-US"/>
+          </a:p>
+        </p:txBody>
+      </p:sp>
+    </p:spTree>
+    <p:extLst>
+      <p:ext uri="{BB962C8B-B14F-4D97-AF65-F5344CB8AC3E}">
+        <p14:creationId xmlns:p14="http://schemas.microsoft.com/office/powerpoint/2010/main" val="1109849725"/>
+      </p:ext>
+    </p:extLst>
+  </p:cSld>
+  <p:clrMapOvr>
+    <a:masterClrMapping/>
+  </p:clrMapOvr>
+</p:notes>
+</file>
+
+<file path=ppt/notesSlides/notesSlide2.xml><?xml version="1.0" encoding="utf-8"?>
+<p:notes xmlns:a="http://schemas.openxmlformats.org/drawingml/2006/main" xmlns:r="http://schemas.openxmlformats.org/officeDocument/2006/relationships" xmlns:p="http://schemas.openxmlformats.org/presentationml/2006/main">
+  <p:cSld>
+    <p:spTree>
+      <p:nvGrpSpPr>
+        <p:cNvPr id="1" name=""/>
+        <p:cNvGrpSpPr/>
+        <p:nvPr/>
+      </p:nvGrpSpPr>
+      <p:grpSpPr>
+        <a:xfrm>
+          <a:off x="0" y="0"/>
+          <a:ext cx="0" cy="0"/>
+          <a:chOff x="0" y="0"/>
+          <a:chExt cx="0" cy="0"/>
+        </a:xfrm>
+      </p:grpSpPr>
+      <p:sp>
+        <p:nvSpPr>
+          <p:cNvPr id="2" name="Slide Image Placeholder 1"/>
+          <p:cNvSpPr>
+            <a:spLocks noGrp="1" noRot="1" noChangeAspect="1"/>
+          </p:cNvSpPr>
+          <p:nvPr>
+            <p:ph type="sldImg"/>
+          </p:nvPr>
+        </p:nvSpPr>
+        <p:spPr/>
+      </p:sp>
+      <p:sp>
+        <p:nvSpPr>
+          <p:cNvPr id="3" name="Notes Placeholder 2"/>
+          <p:cNvSpPr>
+            <a:spLocks noGrp="1"/>
+          </p:cNvSpPr>
+          <p:nvPr>
+            <p:ph type="body" idx="1"/>
+          </p:nvPr>
+        </p:nvSpPr>
+        <p:spPr/>
+        <p:txBody>
+          <a:bodyPr/>
+          <a:lstStyle/>
+          <a:p>
+            <a:endParaRPr lang="en-US" dirty="0"/>
+          </a:p>
+        </p:txBody>
+      </p:sp>
+      <p:sp>
+        <p:nvSpPr>
+          <p:cNvPr id="4" name="Slide Number Placeholder 3"/>
+          <p:cNvSpPr>
+            <a:spLocks noGrp="1"/>
+          </p:cNvSpPr>
+          <p:nvPr>
+            <p:ph type="sldNum" sz="quarter" idx="10"/>
+          </p:nvPr>
+        </p:nvSpPr>
+        <p:spPr/>
+        <p:txBody>
+          <a:bodyPr/>
+          <a:lstStyle/>
+          <a:p>
+            <a:fld id="{B63DC3D0-48AD-48F3-8595-473248E95381}" type="slidenum">
+              <a:rPr lang="en-US" smtClean="0"/>
+              <a:t>11</a:t>
+            </a:fld>
+            <a:endParaRPr lang="en-US"/>
+          </a:p>
+        </p:txBody>
+      </p:sp>
+    </p:spTree>
+    <p:extLst>
+      <p:ext uri="{BB962C8B-B14F-4D97-AF65-F5344CB8AC3E}">
+        <p14:creationId xmlns:p14="http://schemas.microsoft.com/office/powerpoint/2010/main" val="4243776667"/>
+      </p:ext>
+    </p:extLst>
+  </p:cSld>
+  <p:clrMapOvr>
+    <a:masterClrMapping/>
+  </p:clrMapOvr>
+</p:notes>
+</file>
+
 <file path=ppt/slideLayouts/slideLayout1.xml><?xml version="1.0" encoding="utf-8"?>
 <p:sldLayout xmlns:a="http://schemas.openxmlformats.org/drawingml/2006/main" xmlns:r="http://schemas.openxmlformats.org/officeDocument/2006/relationships" xmlns:p="http://schemas.openxmlformats.org/presentationml/2006/main" type="title" preserve="1">
   <p:cSld name="Title Slide">
@@ -295,7 +994,7 @@
           <a:p>
             <a:fld id="{6A814141-4123-430A-9D32-7C9F93C128E8}" type="datetimeFigureOut">
               <a:rPr lang="en-US" smtClean="0"/>
-              <a:t>6/18/2012</a:t>
+              <a:t>6/29/2012</a:t>
             </a:fld>
             <a:endParaRPr lang="en-US"/>
           </a:p>
@@ -353,6 +1052,13 @@
   <p:clrMapOvr>
     <a:masterClrMapping/>
   </p:clrMapOvr>
+  <p:timing>
+    <p:tnLst>
+      <p:par>
+        <p:cTn id="1" dur="indefinite" restart="never" nodeType="tmRoot"/>
+      </p:par>
+    </p:tnLst>
+  </p:timing>
 </p:sldLayout>
 </file>
 
@@ -465,7 +1171,7 @@
           <a:p>
             <a:fld id="{6A814141-4123-430A-9D32-7C9F93C128E8}" type="datetimeFigureOut">
               <a:rPr lang="en-US" smtClean="0"/>
-              <a:t>6/18/2012</a:t>
+              <a:t>6/29/2012</a:t>
             </a:fld>
             <a:endParaRPr lang="en-US"/>
           </a:p>
@@ -645,7 +1351,7 @@
           <a:p>
             <a:fld id="{6A814141-4123-430A-9D32-7C9F93C128E8}" type="datetimeFigureOut">
               <a:rPr lang="en-US" smtClean="0"/>
-              <a:t>6/18/2012</a:t>
+              <a:t>6/29/2012</a:t>
             </a:fld>
             <a:endParaRPr lang="en-US"/>
           </a:p>
@@ -697,6 +1403,1864 @@
     <p:extLst>
       <p:ext uri="{BB962C8B-B14F-4D97-AF65-F5344CB8AC3E}">
         <p14:creationId xmlns:p14="http://schemas.microsoft.com/office/powerpoint/2010/main" val="3596018743"/>
+      </p:ext>
+    </p:extLst>
+  </p:cSld>
+  <p:clrMapOvr>
+    <a:masterClrMapping/>
+  </p:clrMapOvr>
+</p:sldLayout>
+</file>
+
+<file path=ppt/slideLayouts/slideLayout12.xml><?xml version="1.0" encoding="utf-8"?>
+<p:sldLayout xmlns:a="http://schemas.openxmlformats.org/drawingml/2006/main" xmlns:r="http://schemas.openxmlformats.org/officeDocument/2006/relationships" xmlns:p="http://schemas.openxmlformats.org/presentationml/2006/main" type="title" preserve="1">
+  <p:cSld name="Title Slide">
+    <p:spTree>
+      <p:nvGrpSpPr>
+        <p:cNvPr id="1" name=""/>
+        <p:cNvGrpSpPr/>
+        <p:nvPr/>
+      </p:nvGrpSpPr>
+      <p:grpSpPr>
+        <a:xfrm>
+          <a:off x="0" y="0"/>
+          <a:ext cx="0" cy="0"/>
+          <a:chOff x="0" y="0"/>
+          <a:chExt cx="0" cy="0"/>
+        </a:xfrm>
+      </p:grpSpPr>
+      <p:sp>
+        <p:nvSpPr>
+          <p:cNvPr id="2" name="Title 1"/>
+          <p:cNvSpPr>
+            <a:spLocks noGrp="1"/>
+          </p:cNvSpPr>
+          <p:nvPr>
+            <p:ph type="ctrTitle"/>
+          </p:nvPr>
+        </p:nvSpPr>
+        <p:spPr>
+          <a:xfrm>
+            <a:off x="685800" y="2130425"/>
+            <a:ext cx="7772400" cy="1470025"/>
+          </a:xfrm>
+        </p:spPr>
+        <p:txBody>
+          <a:bodyPr/>
+          <a:lstStyle/>
+          <a:p>
+            <a:r>
+              <a:rPr lang="en-US" smtClean="0"/>
+              <a:t>Click to edit Master title style</a:t>
+            </a:r>
+            <a:endParaRPr lang="en-US"/>
+          </a:p>
+        </p:txBody>
+      </p:sp>
+      <p:sp>
+        <p:nvSpPr>
+          <p:cNvPr id="3" name="Subtitle 2"/>
+          <p:cNvSpPr>
+            <a:spLocks noGrp="1"/>
+          </p:cNvSpPr>
+          <p:nvPr>
+            <p:ph type="subTitle" idx="1"/>
+          </p:nvPr>
+        </p:nvSpPr>
+        <p:spPr>
+          <a:xfrm>
+            <a:off x="1371600" y="3886200"/>
+            <a:ext cx="6400800" cy="1752600"/>
+          </a:xfrm>
+        </p:spPr>
+        <p:txBody>
+          <a:bodyPr/>
+          <a:lstStyle>
+            <a:lvl1pPr marL="0" indent="0" algn="ctr">
+              <a:buNone/>
+              <a:defRPr>
+                <a:solidFill>
+                  <a:schemeClr val="tx1">
+                    <a:tint val="75000"/>
+                  </a:schemeClr>
+                </a:solidFill>
+              </a:defRPr>
+            </a:lvl1pPr>
+            <a:lvl2pPr marL="457200" indent="0" algn="ctr">
+              <a:buNone/>
+              <a:defRPr>
+                <a:solidFill>
+                  <a:schemeClr val="tx1">
+                    <a:tint val="75000"/>
+                  </a:schemeClr>
+                </a:solidFill>
+              </a:defRPr>
+            </a:lvl2pPr>
+            <a:lvl3pPr marL="914400" indent="0" algn="ctr">
+              <a:buNone/>
+              <a:defRPr>
+                <a:solidFill>
+                  <a:schemeClr val="tx1">
+                    <a:tint val="75000"/>
+                  </a:schemeClr>
+                </a:solidFill>
+              </a:defRPr>
+            </a:lvl3pPr>
+            <a:lvl4pPr marL="1371600" indent="0" algn="ctr">
+              <a:buNone/>
+              <a:defRPr>
+                <a:solidFill>
+                  <a:schemeClr val="tx1">
+                    <a:tint val="75000"/>
+                  </a:schemeClr>
+                </a:solidFill>
+              </a:defRPr>
+            </a:lvl4pPr>
+            <a:lvl5pPr marL="1828800" indent="0" algn="ctr">
+              <a:buNone/>
+              <a:defRPr>
+                <a:solidFill>
+                  <a:schemeClr val="tx1">
+                    <a:tint val="75000"/>
+                  </a:schemeClr>
+                </a:solidFill>
+              </a:defRPr>
+            </a:lvl5pPr>
+            <a:lvl6pPr marL="2286000" indent="0" algn="ctr">
+              <a:buNone/>
+              <a:defRPr>
+                <a:solidFill>
+                  <a:schemeClr val="tx1">
+                    <a:tint val="75000"/>
+                  </a:schemeClr>
+                </a:solidFill>
+              </a:defRPr>
+            </a:lvl6pPr>
+            <a:lvl7pPr marL="2743200" indent="0" algn="ctr">
+              <a:buNone/>
+              <a:defRPr>
+                <a:solidFill>
+                  <a:schemeClr val="tx1">
+                    <a:tint val="75000"/>
+                  </a:schemeClr>
+                </a:solidFill>
+              </a:defRPr>
+            </a:lvl7pPr>
+            <a:lvl8pPr marL="3200400" indent="0" algn="ctr">
+              <a:buNone/>
+              <a:defRPr>
+                <a:solidFill>
+                  <a:schemeClr val="tx1">
+                    <a:tint val="75000"/>
+                  </a:schemeClr>
+                </a:solidFill>
+              </a:defRPr>
+            </a:lvl8pPr>
+            <a:lvl9pPr marL="3657600" indent="0" algn="ctr">
+              <a:buNone/>
+              <a:defRPr>
+                <a:solidFill>
+                  <a:schemeClr val="tx1">
+                    <a:tint val="75000"/>
+                  </a:schemeClr>
+                </a:solidFill>
+              </a:defRPr>
+            </a:lvl9pPr>
+          </a:lstStyle>
+          <a:p>
+            <a:r>
+              <a:rPr lang="en-US" smtClean="0"/>
+              <a:t>Click to edit Master subtitle style</a:t>
+            </a:r>
+            <a:endParaRPr lang="en-US"/>
+          </a:p>
+        </p:txBody>
+      </p:sp>
+      <p:sp>
+        <p:nvSpPr>
+          <p:cNvPr id="4" name="Date Placeholder 3"/>
+          <p:cNvSpPr>
+            <a:spLocks noGrp="1"/>
+          </p:cNvSpPr>
+          <p:nvPr>
+            <p:ph type="dt" sz="half" idx="10"/>
+          </p:nvPr>
+        </p:nvSpPr>
+        <p:spPr/>
+        <p:txBody>
+          <a:bodyPr/>
+          <a:lstStyle/>
+          <a:p>
+            <a:fld id="{535550C0-5D70-4405-B956-2B4ED937123E}" type="datetimeFigureOut">
+              <a:rPr lang="en-US" smtClean="0"/>
+              <a:t>6/29/2012</a:t>
+            </a:fld>
+            <a:endParaRPr lang="en-US"/>
+          </a:p>
+        </p:txBody>
+      </p:sp>
+      <p:sp>
+        <p:nvSpPr>
+          <p:cNvPr id="5" name="Footer Placeholder 4"/>
+          <p:cNvSpPr>
+            <a:spLocks noGrp="1"/>
+          </p:cNvSpPr>
+          <p:nvPr>
+            <p:ph type="ftr" sz="quarter" idx="11"/>
+          </p:nvPr>
+        </p:nvSpPr>
+        <p:spPr/>
+        <p:txBody>
+          <a:bodyPr/>
+          <a:lstStyle/>
+          <a:p>
+            <a:endParaRPr lang="en-US"/>
+          </a:p>
+        </p:txBody>
+      </p:sp>
+      <p:sp>
+        <p:nvSpPr>
+          <p:cNvPr id="6" name="Slide Number Placeholder 5"/>
+          <p:cNvSpPr>
+            <a:spLocks noGrp="1"/>
+          </p:cNvSpPr>
+          <p:nvPr>
+            <p:ph type="sldNum" sz="quarter" idx="12"/>
+          </p:nvPr>
+        </p:nvSpPr>
+        <p:spPr/>
+        <p:txBody>
+          <a:bodyPr/>
+          <a:lstStyle/>
+          <a:p>
+            <a:fld id="{2B3D637E-E549-4532-8B97-95C13BB837E9}" type="slidenum">
+              <a:rPr lang="en-US" smtClean="0"/>
+              <a:t>‹#›</a:t>
+            </a:fld>
+            <a:endParaRPr lang="en-US"/>
+          </a:p>
+        </p:txBody>
+      </p:sp>
+    </p:spTree>
+    <p:extLst>
+      <p:ext uri="{BB962C8B-B14F-4D97-AF65-F5344CB8AC3E}">
+        <p14:creationId xmlns:p14="http://schemas.microsoft.com/office/powerpoint/2010/main" val="1272431019"/>
+      </p:ext>
+    </p:extLst>
+  </p:cSld>
+  <p:clrMapOvr>
+    <a:masterClrMapping/>
+  </p:clrMapOvr>
+</p:sldLayout>
+</file>
+
+<file path=ppt/slideLayouts/slideLayout13.xml><?xml version="1.0" encoding="utf-8"?>
+<p:sldLayout xmlns:a="http://schemas.openxmlformats.org/drawingml/2006/main" xmlns:r="http://schemas.openxmlformats.org/officeDocument/2006/relationships" xmlns:p="http://schemas.openxmlformats.org/presentationml/2006/main" type="obj" preserve="1">
+  <p:cSld name="Title and Content">
+    <p:spTree>
+      <p:nvGrpSpPr>
+        <p:cNvPr id="1" name=""/>
+        <p:cNvGrpSpPr/>
+        <p:nvPr/>
+      </p:nvGrpSpPr>
+      <p:grpSpPr>
+        <a:xfrm>
+          <a:off x="0" y="0"/>
+          <a:ext cx="0" cy="0"/>
+          <a:chOff x="0" y="0"/>
+          <a:chExt cx="0" cy="0"/>
+        </a:xfrm>
+      </p:grpSpPr>
+      <p:sp>
+        <p:nvSpPr>
+          <p:cNvPr id="2" name="Title 1"/>
+          <p:cNvSpPr>
+            <a:spLocks noGrp="1"/>
+          </p:cNvSpPr>
+          <p:nvPr>
+            <p:ph type="title"/>
+          </p:nvPr>
+        </p:nvSpPr>
+        <p:spPr/>
+        <p:txBody>
+          <a:bodyPr/>
+          <a:lstStyle/>
+          <a:p>
+            <a:r>
+              <a:rPr lang="en-US" smtClean="0"/>
+              <a:t>Click to edit Master title style</a:t>
+            </a:r>
+            <a:endParaRPr lang="en-US"/>
+          </a:p>
+        </p:txBody>
+      </p:sp>
+      <p:sp>
+        <p:nvSpPr>
+          <p:cNvPr id="3" name="Content Placeholder 2"/>
+          <p:cNvSpPr>
+            <a:spLocks noGrp="1"/>
+          </p:cNvSpPr>
+          <p:nvPr>
+            <p:ph idx="1"/>
+          </p:nvPr>
+        </p:nvSpPr>
+        <p:spPr/>
+        <p:txBody>
+          <a:bodyPr/>
+          <a:lstStyle/>
+          <a:p>
+            <a:pPr lvl="0"/>
+            <a:r>
+              <a:rPr lang="en-US" smtClean="0"/>
+              <a:t>Click to edit Master text styles</a:t>
+            </a:r>
+          </a:p>
+          <a:p>
+            <a:pPr lvl="1"/>
+            <a:r>
+              <a:rPr lang="en-US" smtClean="0"/>
+              <a:t>Second level</a:t>
+            </a:r>
+          </a:p>
+          <a:p>
+            <a:pPr lvl="2"/>
+            <a:r>
+              <a:rPr lang="en-US" smtClean="0"/>
+              <a:t>Third level</a:t>
+            </a:r>
+          </a:p>
+          <a:p>
+            <a:pPr lvl="3"/>
+            <a:r>
+              <a:rPr lang="en-US" smtClean="0"/>
+              <a:t>Fourth level</a:t>
+            </a:r>
+          </a:p>
+          <a:p>
+            <a:pPr lvl="4"/>
+            <a:r>
+              <a:rPr lang="en-US" smtClean="0"/>
+              <a:t>Fifth level</a:t>
+            </a:r>
+            <a:endParaRPr lang="en-US"/>
+          </a:p>
+        </p:txBody>
+      </p:sp>
+      <p:sp>
+        <p:nvSpPr>
+          <p:cNvPr id="4" name="Date Placeholder 3"/>
+          <p:cNvSpPr>
+            <a:spLocks noGrp="1"/>
+          </p:cNvSpPr>
+          <p:nvPr>
+            <p:ph type="dt" sz="half" idx="10"/>
+          </p:nvPr>
+        </p:nvSpPr>
+        <p:spPr/>
+        <p:txBody>
+          <a:bodyPr/>
+          <a:lstStyle/>
+          <a:p>
+            <a:fld id="{535550C0-5D70-4405-B956-2B4ED937123E}" type="datetimeFigureOut">
+              <a:rPr lang="en-US" smtClean="0"/>
+              <a:t>6/29/2012</a:t>
+            </a:fld>
+            <a:endParaRPr lang="en-US"/>
+          </a:p>
+        </p:txBody>
+      </p:sp>
+      <p:sp>
+        <p:nvSpPr>
+          <p:cNvPr id="5" name="Footer Placeholder 4"/>
+          <p:cNvSpPr>
+            <a:spLocks noGrp="1"/>
+          </p:cNvSpPr>
+          <p:nvPr>
+            <p:ph type="ftr" sz="quarter" idx="11"/>
+          </p:nvPr>
+        </p:nvSpPr>
+        <p:spPr/>
+        <p:txBody>
+          <a:bodyPr/>
+          <a:lstStyle/>
+          <a:p>
+            <a:endParaRPr lang="en-US"/>
+          </a:p>
+        </p:txBody>
+      </p:sp>
+      <p:sp>
+        <p:nvSpPr>
+          <p:cNvPr id="6" name="Slide Number Placeholder 5"/>
+          <p:cNvSpPr>
+            <a:spLocks noGrp="1"/>
+          </p:cNvSpPr>
+          <p:nvPr>
+            <p:ph type="sldNum" sz="quarter" idx="12"/>
+          </p:nvPr>
+        </p:nvSpPr>
+        <p:spPr/>
+        <p:txBody>
+          <a:bodyPr/>
+          <a:lstStyle/>
+          <a:p>
+            <a:fld id="{2B3D637E-E549-4532-8B97-95C13BB837E9}" type="slidenum">
+              <a:rPr lang="en-US" smtClean="0"/>
+              <a:t>‹#›</a:t>
+            </a:fld>
+            <a:endParaRPr lang="en-US"/>
+          </a:p>
+        </p:txBody>
+      </p:sp>
+    </p:spTree>
+    <p:extLst>
+      <p:ext uri="{BB962C8B-B14F-4D97-AF65-F5344CB8AC3E}">
+        <p14:creationId xmlns:p14="http://schemas.microsoft.com/office/powerpoint/2010/main" val="2942431201"/>
+      </p:ext>
+    </p:extLst>
+  </p:cSld>
+  <p:clrMapOvr>
+    <a:masterClrMapping/>
+  </p:clrMapOvr>
+</p:sldLayout>
+</file>
+
+<file path=ppt/slideLayouts/slideLayout14.xml><?xml version="1.0" encoding="utf-8"?>
+<p:sldLayout xmlns:a="http://schemas.openxmlformats.org/drawingml/2006/main" xmlns:r="http://schemas.openxmlformats.org/officeDocument/2006/relationships" xmlns:p="http://schemas.openxmlformats.org/presentationml/2006/main" type="secHead" preserve="1">
+  <p:cSld name="Section Header">
+    <p:spTree>
+      <p:nvGrpSpPr>
+        <p:cNvPr id="1" name=""/>
+        <p:cNvGrpSpPr/>
+        <p:nvPr/>
+      </p:nvGrpSpPr>
+      <p:grpSpPr>
+        <a:xfrm>
+          <a:off x="0" y="0"/>
+          <a:ext cx="0" cy="0"/>
+          <a:chOff x="0" y="0"/>
+          <a:chExt cx="0" cy="0"/>
+        </a:xfrm>
+      </p:grpSpPr>
+      <p:sp>
+        <p:nvSpPr>
+          <p:cNvPr id="2" name="Title 1"/>
+          <p:cNvSpPr>
+            <a:spLocks noGrp="1"/>
+          </p:cNvSpPr>
+          <p:nvPr>
+            <p:ph type="title"/>
+          </p:nvPr>
+        </p:nvSpPr>
+        <p:spPr>
+          <a:xfrm>
+            <a:off x="722313" y="4406900"/>
+            <a:ext cx="7772400" cy="1362075"/>
+          </a:xfrm>
+        </p:spPr>
+        <p:txBody>
+          <a:bodyPr anchor="t"/>
+          <a:lstStyle>
+            <a:lvl1pPr algn="l">
+              <a:defRPr sz="4000" b="1" cap="all"/>
+            </a:lvl1pPr>
+          </a:lstStyle>
+          <a:p>
+            <a:r>
+              <a:rPr lang="en-US" smtClean="0"/>
+              <a:t>Click to edit Master title style</a:t>
+            </a:r>
+            <a:endParaRPr lang="en-US"/>
+          </a:p>
+        </p:txBody>
+      </p:sp>
+      <p:sp>
+        <p:nvSpPr>
+          <p:cNvPr id="3" name="Text Placeholder 2"/>
+          <p:cNvSpPr>
+            <a:spLocks noGrp="1"/>
+          </p:cNvSpPr>
+          <p:nvPr>
+            <p:ph type="body" idx="1"/>
+          </p:nvPr>
+        </p:nvSpPr>
+        <p:spPr>
+          <a:xfrm>
+            <a:off x="722313" y="2906713"/>
+            <a:ext cx="7772400" cy="1500187"/>
+          </a:xfrm>
+        </p:spPr>
+        <p:txBody>
+          <a:bodyPr anchor="b"/>
+          <a:lstStyle>
+            <a:lvl1pPr marL="0" indent="0">
+              <a:buNone/>
+              <a:defRPr sz="2000">
+                <a:solidFill>
+                  <a:schemeClr val="tx1">
+                    <a:tint val="75000"/>
+                  </a:schemeClr>
+                </a:solidFill>
+              </a:defRPr>
+            </a:lvl1pPr>
+            <a:lvl2pPr marL="457200" indent="0">
+              <a:buNone/>
+              <a:defRPr sz="1800">
+                <a:solidFill>
+                  <a:schemeClr val="tx1">
+                    <a:tint val="75000"/>
+                  </a:schemeClr>
+                </a:solidFill>
+              </a:defRPr>
+            </a:lvl2pPr>
+            <a:lvl3pPr marL="914400" indent="0">
+              <a:buNone/>
+              <a:defRPr sz="1600">
+                <a:solidFill>
+                  <a:schemeClr val="tx1">
+                    <a:tint val="75000"/>
+                  </a:schemeClr>
+                </a:solidFill>
+              </a:defRPr>
+            </a:lvl3pPr>
+            <a:lvl4pPr marL="1371600" indent="0">
+              <a:buNone/>
+              <a:defRPr sz="1400">
+                <a:solidFill>
+                  <a:schemeClr val="tx1">
+                    <a:tint val="75000"/>
+                  </a:schemeClr>
+                </a:solidFill>
+              </a:defRPr>
+            </a:lvl4pPr>
+            <a:lvl5pPr marL="1828800" indent="0">
+              <a:buNone/>
+              <a:defRPr sz="1400">
+                <a:solidFill>
+                  <a:schemeClr val="tx1">
+                    <a:tint val="75000"/>
+                  </a:schemeClr>
+                </a:solidFill>
+              </a:defRPr>
+            </a:lvl5pPr>
+            <a:lvl6pPr marL="2286000" indent="0">
+              <a:buNone/>
+              <a:defRPr sz="1400">
+                <a:solidFill>
+                  <a:schemeClr val="tx1">
+                    <a:tint val="75000"/>
+                  </a:schemeClr>
+                </a:solidFill>
+              </a:defRPr>
+            </a:lvl6pPr>
+            <a:lvl7pPr marL="2743200" indent="0">
+              <a:buNone/>
+              <a:defRPr sz="1400">
+                <a:solidFill>
+                  <a:schemeClr val="tx1">
+                    <a:tint val="75000"/>
+                  </a:schemeClr>
+                </a:solidFill>
+              </a:defRPr>
+            </a:lvl7pPr>
+            <a:lvl8pPr marL="3200400" indent="0">
+              <a:buNone/>
+              <a:defRPr sz="1400">
+                <a:solidFill>
+                  <a:schemeClr val="tx1">
+                    <a:tint val="75000"/>
+                  </a:schemeClr>
+                </a:solidFill>
+              </a:defRPr>
+            </a:lvl8pPr>
+            <a:lvl9pPr marL="3657600" indent="0">
+              <a:buNone/>
+              <a:defRPr sz="1400">
+                <a:solidFill>
+                  <a:schemeClr val="tx1">
+                    <a:tint val="75000"/>
+                  </a:schemeClr>
+                </a:solidFill>
+              </a:defRPr>
+            </a:lvl9pPr>
+          </a:lstStyle>
+          <a:p>
+            <a:pPr lvl="0"/>
+            <a:r>
+              <a:rPr lang="en-US" smtClean="0"/>
+              <a:t>Click to edit Master text styles</a:t>
+            </a:r>
+          </a:p>
+        </p:txBody>
+      </p:sp>
+      <p:sp>
+        <p:nvSpPr>
+          <p:cNvPr id="4" name="Date Placeholder 3"/>
+          <p:cNvSpPr>
+            <a:spLocks noGrp="1"/>
+          </p:cNvSpPr>
+          <p:nvPr>
+            <p:ph type="dt" sz="half" idx="10"/>
+          </p:nvPr>
+        </p:nvSpPr>
+        <p:spPr/>
+        <p:txBody>
+          <a:bodyPr/>
+          <a:lstStyle/>
+          <a:p>
+            <a:fld id="{535550C0-5D70-4405-B956-2B4ED937123E}" type="datetimeFigureOut">
+              <a:rPr lang="en-US" smtClean="0"/>
+              <a:t>6/29/2012</a:t>
+            </a:fld>
+            <a:endParaRPr lang="en-US"/>
+          </a:p>
+        </p:txBody>
+      </p:sp>
+      <p:sp>
+        <p:nvSpPr>
+          <p:cNvPr id="5" name="Footer Placeholder 4"/>
+          <p:cNvSpPr>
+            <a:spLocks noGrp="1"/>
+          </p:cNvSpPr>
+          <p:nvPr>
+            <p:ph type="ftr" sz="quarter" idx="11"/>
+          </p:nvPr>
+        </p:nvSpPr>
+        <p:spPr/>
+        <p:txBody>
+          <a:bodyPr/>
+          <a:lstStyle/>
+          <a:p>
+            <a:endParaRPr lang="en-US"/>
+          </a:p>
+        </p:txBody>
+      </p:sp>
+      <p:sp>
+        <p:nvSpPr>
+          <p:cNvPr id="6" name="Slide Number Placeholder 5"/>
+          <p:cNvSpPr>
+            <a:spLocks noGrp="1"/>
+          </p:cNvSpPr>
+          <p:nvPr>
+            <p:ph type="sldNum" sz="quarter" idx="12"/>
+          </p:nvPr>
+        </p:nvSpPr>
+        <p:spPr/>
+        <p:txBody>
+          <a:bodyPr/>
+          <a:lstStyle/>
+          <a:p>
+            <a:fld id="{2B3D637E-E549-4532-8B97-95C13BB837E9}" type="slidenum">
+              <a:rPr lang="en-US" smtClean="0"/>
+              <a:t>‹#›</a:t>
+            </a:fld>
+            <a:endParaRPr lang="en-US"/>
+          </a:p>
+        </p:txBody>
+      </p:sp>
+    </p:spTree>
+    <p:extLst>
+      <p:ext uri="{BB962C8B-B14F-4D97-AF65-F5344CB8AC3E}">
+        <p14:creationId xmlns:p14="http://schemas.microsoft.com/office/powerpoint/2010/main" val="1292010305"/>
+      </p:ext>
+    </p:extLst>
+  </p:cSld>
+  <p:clrMapOvr>
+    <a:masterClrMapping/>
+  </p:clrMapOvr>
+</p:sldLayout>
+</file>
+
+<file path=ppt/slideLayouts/slideLayout15.xml><?xml version="1.0" encoding="utf-8"?>
+<p:sldLayout xmlns:a="http://schemas.openxmlformats.org/drawingml/2006/main" xmlns:r="http://schemas.openxmlformats.org/officeDocument/2006/relationships" xmlns:p="http://schemas.openxmlformats.org/presentationml/2006/main" type="twoObj" preserve="1">
+  <p:cSld name="Two Content">
+    <p:spTree>
+      <p:nvGrpSpPr>
+        <p:cNvPr id="1" name=""/>
+        <p:cNvGrpSpPr/>
+        <p:nvPr/>
+      </p:nvGrpSpPr>
+      <p:grpSpPr>
+        <a:xfrm>
+          <a:off x="0" y="0"/>
+          <a:ext cx="0" cy="0"/>
+          <a:chOff x="0" y="0"/>
+          <a:chExt cx="0" cy="0"/>
+        </a:xfrm>
+      </p:grpSpPr>
+      <p:sp>
+        <p:nvSpPr>
+          <p:cNvPr id="2" name="Title 1"/>
+          <p:cNvSpPr>
+            <a:spLocks noGrp="1"/>
+          </p:cNvSpPr>
+          <p:nvPr>
+            <p:ph type="title"/>
+          </p:nvPr>
+        </p:nvSpPr>
+        <p:spPr/>
+        <p:txBody>
+          <a:bodyPr/>
+          <a:lstStyle/>
+          <a:p>
+            <a:r>
+              <a:rPr lang="en-US" smtClean="0"/>
+              <a:t>Click to edit Master title style</a:t>
+            </a:r>
+            <a:endParaRPr lang="en-US"/>
+          </a:p>
+        </p:txBody>
+      </p:sp>
+      <p:sp>
+        <p:nvSpPr>
+          <p:cNvPr id="3" name="Content Placeholder 2"/>
+          <p:cNvSpPr>
+            <a:spLocks noGrp="1"/>
+          </p:cNvSpPr>
+          <p:nvPr>
+            <p:ph sz="half" idx="1"/>
+          </p:nvPr>
+        </p:nvSpPr>
+        <p:spPr>
+          <a:xfrm>
+            <a:off x="457200" y="1600200"/>
+            <a:ext cx="4038600" cy="4525963"/>
+          </a:xfrm>
+        </p:spPr>
+        <p:txBody>
+          <a:bodyPr/>
+          <a:lstStyle>
+            <a:lvl1pPr>
+              <a:defRPr sz="2800"/>
+            </a:lvl1pPr>
+            <a:lvl2pPr>
+              <a:defRPr sz="2400"/>
+            </a:lvl2pPr>
+            <a:lvl3pPr>
+              <a:defRPr sz="2000"/>
+            </a:lvl3pPr>
+            <a:lvl4pPr>
+              <a:defRPr sz="1800"/>
+            </a:lvl4pPr>
+            <a:lvl5pPr>
+              <a:defRPr sz="1800"/>
+            </a:lvl5pPr>
+            <a:lvl6pPr>
+              <a:defRPr sz="1800"/>
+            </a:lvl6pPr>
+            <a:lvl7pPr>
+              <a:defRPr sz="1800"/>
+            </a:lvl7pPr>
+            <a:lvl8pPr>
+              <a:defRPr sz="1800"/>
+            </a:lvl8pPr>
+            <a:lvl9pPr>
+              <a:defRPr sz="1800"/>
+            </a:lvl9pPr>
+          </a:lstStyle>
+          <a:p>
+            <a:pPr lvl="0"/>
+            <a:r>
+              <a:rPr lang="en-US" smtClean="0"/>
+              <a:t>Click to edit Master text styles</a:t>
+            </a:r>
+          </a:p>
+          <a:p>
+            <a:pPr lvl="1"/>
+            <a:r>
+              <a:rPr lang="en-US" smtClean="0"/>
+              <a:t>Second level</a:t>
+            </a:r>
+          </a:p>
+          <a:p>
+            <a:pPr lvl="2"/>
+            <a:r>
+              <a:rPr lang="en-US" smtClean="0"/>
+              <a:t>Third level</a:t>
+            </a:r>
+          </a:p>
+          <a:p>
+            <a:pPr lvl="3"/>
+            <a:r>
+              <a:rPr lang="en-US" smtClean="0"/>
+              <a:t>Fourth level</a:t>
+            </a:r>
+          </a:p>
+          <a:p>
+            <a:pPr lvl="4"/>
+            <a:r>
+              <a:rPr lang="en-US" smtClean="0"/>
+              <a:t>Fifth level</a:t>
+            </a:r>
+            <a:endParaRPr lang="en-US"/>
+          </a:p>
+        </p:txBody>
+      </p:sp>
+      <p:sp>
+        <p:nvSpPr>
+          <p:cNvPr id="4" name="Content Placeholder 3"/>
+          <p:cNvSpPr>
+            <a:spLocks noGrp="1"/>
+          </p:cNvSpPr>
+          <p:nvPr>
+            <p:ph sz="half" idx="2"/>
+          </p:nvPr>
+        </p:nvSpPr>
+        <p:spPr>
+          <a:xfrm>
+            <a:off x="4648200" y="1600200"/>
+            <a:ext cx="4038600" cy="4525963"/>
+          </a:xfrm>
+        </p:spPr>
+        <p:txBody>
+          <a:bodyPr/>
+          <a:lstStyle>
+            <a:lvl1pPr>
+              <a:defRPr sz="2800"/>
+            </a:lvl1pPr>
+            <a:lvl2pPr>
+              <a:defRPr sz="2400"/>
+            </a:lvl2pPr>
+            <a:lvl3pPr>
+              <a:defRPr sz="2000"/>
+            </a:lvl3pPr>
+            <a:lvl4pPr>
+              <a:defRPr sz="1800"/>
+            </a:lvl4pPr>
+            <a:lvl5pPr>
+              <a:defRPr sz="1800"/>
+            </a:lvl5pPr>
+            <a:lvl6pPr>
+              <a:defRPr sz="1800"/>
+            </a:lvl6pPr>
+            <a:lvl7pPr>
+              <a:defRPr sz="1800"/>
+            </a:lvl7pPr>
+            <a:lvl8pPr>
+              <a:defRPr sz="1800"/>
+            </a:lvl8pPr>
+            <a:lvl9pPr>
+              <a:defRPr sz="1800"/>
+            </a:lvl9pPr>
+          </a:lstStyle>
+          <a:p>
+            <a:pPr lvl="0"/>
+            <a:r>
+              <a:rPr lang="en-US" smtClean="0"/>
+              <a:t>Click to edit Master text styles</a:t>
+            </a:r>
+          </a:p>
+          <a:p>
+            <a:pPr lvl="1"/>
+            <a:r>
+              <a:rPr lang="en-US" smtClean="0"/>
+              <a:t>Second level</a:t>
+            </a:r>
+          </a:p>
+          <a:p>
+            <a:pPr lvl="2"/>
+            <a:r>
+              <a:rPr lang="en-US" smtClean="0"/>
+              <a:t>Third level</a:t>
+            </a:r>
+          </a:p>
+          <a:p>
+            <a:pPr lvl="3"/>
+            <a:r>
+              <a:rPr lang="en-US" smtClean="0"/>
+              <a:t>Fourth level</a:t>
+            </a:r>
+          </a:p>
+          <a:p>
+            <a:pPr lvl="4"/>
+            <a:r>
+              <a:rPr lang="en-US" smtClean="0"/>
+              <a:t>Fifth level</a:t>
+            </a:r>
+            <a:endParaRPr lang="en-US"/>
+          </a:p>
+        </p:txBody>
+      </p:sp>
+      <p:sp>
+        <p:nvSpPr>
+          <p:cNvPr id="5" name="Date Placeholder 4"/>
+          <p:cNvSpPr>
+            <a:spLocks noGrp="1"/>
+          </p:cNvSpPr>
+          <p:nvPr>
+            <p:ph type="dt" sz="half" idx="10"/>
+          </p:nvPr>
+        </p:nvSpPr>
+        <p:spPr/>
+        <p:txBody>
+          <a:bodyPr/>
+          <a:lstStyle/>
+          <a:p>
+            <a:fld id="{535550C0-5D70-4405-B956-2B4ED937123E}" type="datetimeFigureOut">
+              <a:rPr lang="en-US" smtClean="0"/>
+              <a:t>6/29/2012</a:t>
+            </a:fld>
+            <a:endParaRPr lang="en-US"/>
+          </a:p>
+        </p:txBody>
+      </p:sp>
+      <p:sp>
+        <p:nvSpPr>
+          <p:cNvPr id="6" name="Footer Placeholder 5"/>
+          <p:cNvSpPr>
+            <a:spLocks noGrp="1"/>
+          </p:cNvSpPr>
+          <p:nvPr>
+            <p:ph type="ftr" sz="quarter" idx="11"/>
+          </p:nvPr>
+        </p:nvSpPr>
+        <p:spPr/>
+        <p:txBody>
+          <a:bodyPr/>
+          <a:lstStyle/>
+          <a:p>
+            <a:endParaRPr lang="en-US"/>
+          </a:p>
+        </p:txBody>
+      </p:sp>
+      <p:sp>
+        <p:nvSpPr>
+          <p:cNvPr id="7" name="Slide Number Placeholder 6"/>
+          <p:cNvSpPr>
+            <a:spLocks noGrp="1"/>
+          </p:cNvSpPr>
+          <p:nvPr>
+            <p:ph type="sldNum" sz="quarter" idx="12"/>
+          </p:nvPr>
+        </p:nvSpPr>
+        <p:spPr/>
+        <p:txBody>
+          <a:bodyPr/>
+          <a:lstStyle/>
+          <a:p>
+            <a:fld id="{2B3D637E-E549-4532-8B97-95C13BB837E9}" type="slidenum">
+              <a:rPr lang="en-US" smtClean="0"/>
+              <a:t>‹#›</a:t>
+            </a:fld>
+            <a:endParaRPr lang="en-US"/>
+          </a:p>
+        </p:txBody>
+      </p:sp>
+    </p:spTree>
+    <p:extLst>
+      <p:ext uri="{BB962C8B-B14F-4D97-AF65-F5344CB8AC3E}">
+        <p14:creationId xmlns:p14="http://schemas.microsoft.com/office/powerpoint/2010/main" val="1437514623"/>
+      </p:ext>
+    </p:extLst>
+  </p:cSld>
+  <p:clrMapOvr>
+    <a:masterClrMapping/>
+  </p:clrMapOvr>
+</p:sldLayout>
+</file>
+
+<file path=ppt/slideLayouts/slideLayout16.xml><?xml version="1.0" encoding="utf-8"?>
+<p:sldLayout xmlns:a="http://schemas.openxmlformats.org/drawingml/2006/main" xmlns:r="http://schemas.openxmlformats.org/officeDocument/2006/relationships" xmlns:p="http://schemas.openxmlformats.org/presentationml/2006/main" type="twoTxTwoObj" preserve="1">
+  <p:cSld name="Comparison">
+    <p:spTree>
+      <p:nvGrpSpPr>
+        <p:cNvPr id="1" name=""/>
+        <p:cNvGrpSpPr/>
+        <p:nvPr/>
+      </p:nvGrpSpPr>
+      <p:grpSpPr>
+        <a:xfrm>
+          <a:off x="0" y="0"/>
+          <a:ext cx="0" cy="0"/>
+          <a:chOff x="0" y="0"/>
+          <a:chExt cx="0" cy="0"/>
+        </a:xfrm>
+      </p:grpSpPr>
+      <p:sp>
+        <p:nvSpPr>
+          <p:cNvPr id="2" name="Title 1"/>
+          <p:cNvSpPr>
+            <a:spLocks noGrp="1"/>
+          </p:cNvSpPr>
+          <p:nvPr>
+            <p:ph type="title"/>
+          </p:nvPr>
+        </p:nvSpPr>
+        <p:spPr/>
+        <p:txBody>
+          <a:bodyPr/>
+          <a:lstStyle>
+            <a:lvl1pPr>
+              <a:defRPr/>
+            </a:lvl1pPr>
+          </a:lstStyle>
+          <a:p>
+            <a:r>
+              <a:rPr lang="en-US" smtClean="0"/>
+              <a:t>Click to edit Master title style</a:t>
+            </a:r>
+            <a:endParaRPr lang="en-US"/>
+          </a:p>
+        </p:txBody>
+      </p:sp>
+      <p:sp>
+        <p:nvSpPr>
+          <p:cNvPr id="3" name="Text Placeholder 2"/>
+          <p:cNvSpPr>
+            <a:spLocks noGrp="1"/>
+          </p:cNvSpPr>
+          <p:nvPr>
+            <p:ph type="body" idx="1"/>
+          </p:nvPr>
+        </p:nvSpPr>
+        <p:spPr>
+          <a:xfrm>
+            <a:off x="457200" y="1535113"/>
+            <a:ext cx="4040188" cy="639762"/>
+          </a:xfrm>
+        </p:spPr>
+        <p:txBody>
+          <a:bodyPr anchor="b"/>
+          <a:lstStyle>
+            <a:lvl1pPr marL="0" indent="0">
+              <a:buNone/>
+              <a:defRPr sz="2400" b="1"/>
+            </a:lvl1pPr>
+            <a:lvl2pPr marL="457200" indent="0">
+              <a:buNone/>
+              <a:defRPr sz="2000" b="1"/>
+            </a:lvl2pPr>
+            <a:lvl3pPr marL="914400" indent="0">
+              <a:buNone/>
+              <a:defRPr sz="1800" b="1"/>
+            </a:lvl3pPr>
+            <a:lvl4pPr marL="1371600" indent="0">
+              <a:buNone/>
+              <a:defRPr sz="1600" b="1"/>
+            </a:lvl4pPr>
+            <a:lvl5pPr marL="1828800" indent="0">
+              <a:buNone/>
+              <a:defRPr sz="1600" b="1"/>
+            </a:lvl5pPr>
+            <a:lvl6pPr marL="2286000" indent="0">
+              <a:buNone/>
+              <a:defRPr sz="1600" b="1"/>
+            </a:lvl6pPr>
+            <a:lvl7pPr marL="2743200" indent="0">
+              <a:buNone/>
+              <a:defRPr sz="1600" b="1"/>
+            </a:lvl7pPr>
+            <a:lvl8pPr marL="3200400" indent="0">
+              <a:buNone/>
+              <a:defRPr sz="1600" b="1"/>
+            </a:lvl8pPr>
+            <a:lvl9pPr marL="3657600" indent="0">
+              <a:buNone/>
+              <a:defRPr sz="1600" b="1"/>
+            </a:lvl9pPr>
+          </a:lstStyle>
+          <a:p>
+            <a:pPr lvl="0"/>
+            <a:r>
+              <a:rPr lang="en-US" smtClean="0"/>
+              <a:t>Click to edit Master text styles</a:t>
+            </a:r>
+          </a:p>
+        </p:txBody>
+      </p:sp>
+      <p:sp>
+        <p:nvSpPr>
+          <p:cNvPr id="4" name="Content Placeholder 3"/>
+          <p:cNvSpPr>
+            <a:spLocks noGrp="1"/>
+          </p:cNvSpPr>
+          <p:nvPr>
+            <p:ph sz="half" idx="2"/>
+          </p:nvPr>
+        </p:nvSpPr>
+        <p:spPr>
+          <a:xfrm>
+            <a:off x="457200" y="2174875"/>
+            <a:ext cx="4040188" cy="3951288"/>
+          </a:xfrm>
+        </p:spPr>
+        <p:txBody>
+          <a:bodyPr/>
+          <a:lstStyle>
+            <a:lvl1pPr>
+              <a:defRPr sz="2400"/>
+            </a:lvl1pPr>
+            <a:lvl2pPr>
+              <a:defRPr sz="2000"/>
+            </a:lvl2pPr>
+            <a:lvl3pPr>
+              <a:defRPr sz="1800"/>
+            </a:lvl3pPr>
+            <a:lvl4pPr>
+              <a:defRPr sz="1600"/>
+            </a:lvl4pPr>
+            <a:lvl5pPr>
+              <a:defRPr sz="1600"/>
+            </a:lvl5pPr>
+            <a:lvl6pPr>
+              <a:defRPr sz="1600"/>
+            </a:lvl6pPr>
+            <a:lvl7pPr>
+              <a:defRPr sz="1600"/>
+            </a:lvl7pPr>
+            <a:lvl8pPr>
+              <a:defRPr sz="1600"/>
+            </a:lvl8pPr>
+            <a:lvl9pPr>
+              <a:defRPr sz="1600"/>
+            </a:lvl9pPr>
+          </a:lstStyle>
+          <a:p>
+            <a:pPr lvl="0"/>
+            <a:r>
+              <a:rPr lang="en-US" smtClean="0"/>
+              <a:t>Click to edit Master text styles</a:t>
+            </a:r>
+          </a:p>
+          <a:p>
+            <a:pPr lvl="1"/>
+            <a:r>
+              <a:rPr lang="en-US" smtClean="0"/>
+              <a:t>Second level</a:t>
+            </a:r>
+          </a:p>
+          <a:p>
+            <a:pPr lvl="2"/>
+            <a:r>
+              <a:rPr lang="en-US" smtClean="0"/>
+              <a:t>Third level</a:t>
+            </a:r>
+          </a:p>
+          <a:p>
+            <a:pPr lvl="3"/>
+            <a:r>
+              <a:rPr lang="en-US" smtClean="0"/>
+              <a:t>Fourth level</a:t>
+            </a:r>
+          </a:p>
+          <a:p>
+            <a:pPr lvl="4"/>
+            <a:r>
+              <a:rPr lang="en-US" smtClean="0"/>
+              <a:t>Fifth level</a:t>
+            </a:r>
+            <a:endParaRPr lang="en-US"/>
+          </a:p>
+        </p:txBody>
+      </p:sp>
+      <p:sp>
+        <p:nvSpPr>
+          <p:cNvPr id="5" name="Text Placeholder 4"/>
+          <p:cNvSpPr>
+            <a:spLocks noGrp="1"/>
+          </p:cNvSpPr>
+          <p:nvPr>
+            <p:ph type="body" sz="quarter" idx="3"/>
+          </p:nvPr>
+        </p:nvSpPr>
+        <p:spPr>
+          <a:xfrm>
+            <a:off x="4645025" y="1535113"/>
+            <a:ext cx="4041775" cy="639762"/>
+          </a:xfrm>
+        </p:spPr>
+        <p:txBody>
+          <a:bodyPr anchor="b"/>
+          <a:lstStyle>
+            <a:lvl1pPr marL="0" indent="0">
+              <a:buNone/>
+              <a:defRPr sz="2400" b="1"/>
+            </a:lvl1pPr>
+            <a:lvl2pPr marL="457200" indent="0">
+              <a:buNone/>
+              <a:defRPr sz="2000" b="1"/>
+            </a:lvl2pPr>
+            <a:lvl3pPr marL="914400" indent="0">
+              <a:buNone/>
+              <a:defRPr sz="1800" b="1"/>
+            </a:lvl3pPr>
+            <a:lvl4pPr marL="1371600" indent="0">
+              <a:buNone/>
+              <a:defRPr sz="1600" b="1"/>
+            </a:lvl4pPr>
+            <a:lvl5pPr marL="1828800" indent="0">
+              <a:buNone/>
+              <a:defRPr sz="1600" b="1"/>
+            </a:lvl5pPr>
+            <a:lvl6pPr marL="2286000" indent="0">
+              <a:buNone/>
+              <a:defRPr sz="1600" b="1"/>
+            </a:lvl6pPr>
+            <a:lvl7pPr marL="2743200" indent="0">
+              <a:buNone/>
+              <a:defRPr sz="1600" b="1"/>
+            </a:lvl7pPr>
+            <a:lvl8pPr marL="3200400" indent="0">
+              <a:buNone/>
+              <a:defRPr sz="1600" b="1"/>
+            </a:lvl8pPr>
+            <a:lvl9pPr marL="3657600" indent="0">
+              <a:buNone/>
+              <a:defRPr sz="1600" b="1"/>
+            </a:lvl9pPr>
+          </a:lstStyle>
+          <a:p>
+            <a:pPr lvl="0"/>
+            <a:r>
+              <a:rPr lang="en-US" smtClean="0"/>
+              <a:t>Click to edit Master text styles</a:t>
+            </a:r>
+          </a:p>
+        </p:txBody>
+      </p:sp>
+      <p:sp>
+        <p:nvSpPr>
+          <p:cNvPr id="6" name="Content Placeholder 5"/>
+          <p:cNvSpPr>
+            <a:spLocks noGrp="1"/>
+          </p:cNvSpPr>
+          <p:nvPr>
+            <p:ph sz="quarter" idx="4"/>
+          </p:nvPr>
+        </p:nvSpPr>
+        <p:spPr>
+          <a:xfrm>
+            <a:off x="4645025" y="2174875"/>
+            <a:ext cx="4041775" cy="3951288"/>
+          </a:xfrm>
+        </p:spPr>
+        <p:txBody>
+          <a:bodyPr/>
+          <a:lstStyle>
+            <a:lvl1pPr>
+              <a:defRPr sz="2400"/>
+            </a:lvl1pPr>
+            <a:lvl2pPr>
+              <a:defRPr sz="2000"/>
+            </a:lvl2pPr>
+            <a:lvl3pPr>
+              <a:defRPr sz="1800"/>
+            </a:lvl3pPr>
+            <a:lvl4pPr>
+              <a:defRPr sz="1600"/>
+            </a:lvl4pPr>
+            <a:lvl5pPr>
+              <a:defRPr sz="1600"/>
+            </a:lvl5pPr>
+            <a:lvl6pPr>
+              <a:defRPr sz="1600"/>
+            </a:lvl6pPr>
+            <a:lvl7pPr>
+              <a:defRPr sz="1600"/>
+            </a:lvl7pPr>
+            <a:lvl8pPr>
+              <a:defRPr sz="1600"/>
+            </a:lvl8pPr>
+            <a:lvl9pPr>
+              <a:defRPr sz="1600"/>
+            </a:lvl9pPr>
+          </a:lstStyle>
+          <a:p>
+            <a:pPr lvl="0"/>
+            <a:r>
+              <a:rPr lang="en-US" smtClean="0"/>
+              <a:t>Click to edit Master text styles</a:t>
+            </a:r>
+          </a:p>
+          <a:p>
+            <a:pPr lvl="1"/>
+            <a:r>
+              <a:rPr lang="en-US" smtClean="0"/>
+              <a:t>Second level</a:t>
+            </a:r>
+          </a:p>
+          <a:p>
+            <a:pPr lvl="2"/>
+            <a:r>
+              <a:rPr lang="en-US" smtClean="0"/>
+              <a:t>Third level</a:t>
+            </a:r>
+          </a:p>
+          <a:p>
+            <a:pPr lvl="3"/>
+            <a:r>
+              <a:rPr lang="en-US" smtClean="0"/>
+              <a:t>Fourth level</a:t>
+            </a:r>
+          </a:p>
+          <a:p>
+            <a:pPr lvl="4"/>
+            <a:r>
+              <a:rPr lang="en-US" smtClean="0"/>
+              <a:t>Fifth level</a:t>
+            </a:r>
+            <a:endParaRPr lang="en-US"/>
+          </a:p>
+        </p:txBody>
+      </p:sp>
+      <p:sp>
+        <p:nvSpPr>
+          <p:cNvPr id="7" name="Date Placeholder 6"/>
+          <p:cNvSpPr>
+            <a:spLocks noGrp="1"/>
+          </p:cNvSpPr>
+          <p:nvPr>
+            <p:ph type="dt" sz="half" idx="10"/>
+          </p:nvPr>
+        </p:nvSpPr>
+        <p:spPr/>
+        <p:txBody>
+          <a:bodyPr/>
+          <a:lstStyle/>
+          <a:p>
+            <a:fld id="{535550C0-5D70-4405-B956-2B4ED937123E}" type="datetimeFigureOut">
+              <a:rPr lang="en-US" smtClean="0"/>
+              <a:t>6/29/2012</a:t>
+            </a:fld>
+            <a:endParaRPr lang="en-US"/>
+          </a:p>
+        </p:txBody>
+      </p:sp>
+      <p:sp>
+        <p:nvSpPr>
+          <p:cNvPr id="8" name="Footer Placeholder 7"/>
+          <p:cNvSpPr>
+            <a:spLocks noGrp="1"/>
+          </p:cNvSpPr>
+          <p:nvPr>
+            <p:ph type="ftr" sz="quarter" idx="11"/>
+          </p:nvPr>
+        </p:nvSpPr>
+        <p:spPr/>
+        <p:txBody>
+          <a:bodyPr/>
+          <a:lstStyle/>
+          <a:p>
+            <a:endParaRPr lang="en-US"/>
+          </a:p>
+        </p:txBody>
+      </p:sp>
+      <p:sp>
+        <p:nvSpPr>
+          <p:cNvPr id="9" name="Slide Number Placeholder 8"/>
+          <p:cNvSpPr>
+            <a:spLocks noGrp="1"/>
+          </p:cNvSpPr>
+          <p:nvPr>
+            <p:ph type="sldNum" sz="quarter" idx="12"/>
+          </p:nvPr>
+        </p:nvSpPr>
+        <p:spPr/>
+        <p:txBody>
+          <a:bodyPr/>
+          <a:lstStyle/>
+          <a:p>
+            <a:fld id="{2B3D637E-E549-4532-8B97-95C13BB837E9}" type="slidenum">
+              <a:rPr lang="en-US" smtClean="0"/>
+              <a:t>‹#›</a:t>
+            </a:fld>
+            <a:endParaRPr lang="en-US"/>
+          </a:p>
+        </p:txBody>
+      </p:sp>
+    </p:spTree>
+    <p:extLst>
+      <p:ext uri="{BB962C8B-B14F-4D97-AF65-F5344CB8AC3E}">
+        <p14:creationId xmlns:p14="http://schemas.microsoft.com/office/powerpoint/2010/main" val="1853497803"/>
+      </p:ext>
+    </p:extLst>
+  </p:cSld>
+  <p:clrMapOvr>
+    <a:masterClrMapping/>
+  </p:clrMapOvr>
+</p:sldLayout>
+</file>
+
+<file path=ppt/slideLayouts/slideLayout17.xml><?xml version="1.0" encoding="utf-8"?>
+<p:sldLayout xmlns:a="http://schemas.openxmlformats.org/drawingml/2006/main" xmlns:r="http://schemas.openxmlformats.org/officeDocument/2006/relationships" xmlns:p="http://schemas.openxmlformats.org/presentationml/2006/main" type="titleOnly" preserve="1">
+  <p:cSld name="Title Only">
+    <p:spTree>
+      <p:nvGrpSpPr>
+        <p:cNvPr id="1" name=""/>
+        <p:cNvGrpSpPr/>
+        <p:nvPr/>
+      </p:nvGrpSpPr>
+      <p:grpSpPr>
+        <a:xfrm>
+          <a:off x="0" y="0"/>
+          <a:ext cx="0" cy="0"/>
+          <a:chOff x="0" y="0"/>
+          <a:chExt cx="0" cy="0"/>
+        </a:xfrm>
+      </p:grpSpPr>
+      <p:sp>
+        <p:nvSpPr>
+          <p:cNvPr id="2" name="Title 1"/>
+          <p:cNvSpPr>
+            <a:spLocks noGrp="1"/>
+          </p:cNvSpPr>
+          <p:nvPr>
+            <p:ph type="title"/>
+          </p:nvPr>
+        </p:nvSpPr>
+        <p:spPr/>
+        <p:txBody>
+          <a:bodyPr/>
+          <a:lstStyle/>
+          <a:p>
+            <a:r>
+              <a:rPr lang="en-US" smtClean="0"/>
+              <a:t>Click to edit Master title style</a:t>
+            </a:r>
+            <a:endParaRPr lang="en-US"/>
+          </a:p>
+        </p:txBody>
+      </p:sp>
+      <p:sp>
+        <p:nvSpPr>
+          <p:cNvPr id="3" name="Date Placeholder 2"/>
+          <p:cNvSpPr>
+            <a:spLocks noGrp="1"/>
+          </p:cNvSpPr>
+          <p:nvPr>
+            <p:ph type="dt" sz="half" idx="10"/>
+          </p:nvPr>
+        </p:nvSpPr>
+        <p:spPr/>
+        <p:txBody>
+          <a:bodyPr/>
+          <a:lstStyle/>
+          <a:p>
+            <a:fld id="{535550C0-5D70-4405-B956-2B4ED937123E}" type="datetimeFigureOut">
+              <a:rPr lang="en-US" smtClean="0"/>
+              <a:t>6/29/2012</a:t>
+            </a:fld>
+            <a:endParaRPr lang="en-US"/>
+          </a:p>
+        </p:txBody>
+      </p:sp>
+      <p:sp>
+        <p:nvSpPr>
+          <p:cNvPr id="4" name="Footer Placeholder 3"/>
+          <p:cNvSpPr>
+            <a:spLocks noGrp="1"/>
+          </p:cNvSpPr>
+          <p:nvPr>
+            <p:ph type="ftr" sz="quarter" idx="11"/>
+          </p:nvPr>
+        </p:nvSpPr>
+        <p:spPr/>
+        <p:txBody>
+          <a:bodyPr/>
+          <a:lstStyle/>
+          <a:p>
+            <a:endParaRPr lang="en-US"/>
+          </a:p>
+        </p:txBody>
+      </p:sp>
+      <p:sp>
+        <p:nvSpPr>
+          <p:cNvPr id="5" name="Slide Number Placeholder 4"/>
+          <p:cNvSpPr>
+            <a:spLocks noGrp="1"/>
+          </p:cNvSpPr>
+          <p:nvPr>
+            <p:ph type="sldNum" sz="quarter" idx="12"/>
+          </p:nvPr>
+        </p:nvSpPr>
+        <p:spPr/>
+        <p:txBody>
+          <a:bodyPr/>
+          <a:lstStyle/>
+          <a:p>
+            <a:fld id="{2B3D637E-E549-4532-8B97-95C13BB837E9}" type="slidenum">
+              <a:rPr lang="en-US" smtClean="0"/>
+              <a:t>‹#›</a:t>
+            </a:fld>
+            <a:endParaRPr lang="en-US"/>
+          </a:p>
+        </p:txBody>
+      </p:sp>
+    </p:spTree>
+    <p:extLst>
+      <p:ext uri="{BB962C8B-B14F-4D97-AF65-F5344CB8AC3E}">
+        <p14:creationId xmlns:p14="http://schemas.microsoft.com/office/powerpoint/2010/main" val="2166349795"/>
+      </p:ext>
+    </p:extLst>
+  </p:cSld>
+  <p:clrMapOvr>
+    <a:masterClrMapping/>
+  </p:clrMapOvr>
+</p:sldLayout>
+</file>
+
+<file path=ppt/slideLayouts/slideLayout18.xml><?xml version="1.0" encoding="utf-8"?>
+<p:sldLayout xmlns:a="http://schemas.openxmlformats.org/drawingml/2006/main" xmlns:r="http://schemas.openxmlformats.org/officeDocument/2006/relationships" xmlns:p="http://schemas.openxmlformats.org/presentationml/2006/main" type="blank" preserve="1">
+  <p:cSld name="Blank">
+    <p:spTree>
+      <p:nvGrpSpPr>
+        <p:cNvPr id="1" name=""/>
+        <p:cNvGrpSpPr/>
+        <p:nvPr/>
+      </p:nvGrpSpPr>
+      <p:grpSpPr>
+        <a:xfrm>
+          <a:off x="0" y="0"/>
+          <a:ext cx="0" cy="0"/>
+          <a:chOff x="0" y="0"/>
+          <a:chExt cx="0" cy="0"/>
+        </a:xfrm>
+      </p:grpSpPr>
+      <p:sp>
+        <p:nvSpPr>
+          <p:cNvPr id="2" name="Date Placeholder 1"/>
+          <p:cNvSpPr>
+            <a:spLocks noGrp="1"/>
+          </p:cNvSpPr>
+          <p:nvPr>
+            <p:ph type="dt" sz="half" idx="10"/>
+          </p:nvPr>
+        </p:nvSpPr>
+        <p:spPr/>
+        <p:txBody>
+          <a:bodyPr/>
+          <a:lstStyle/>
+          <a:p>
+            <a:fld id="{535550C0-5D70-4405-B956-2B4ED937123E}" type="datetimeFigureOut">
+              <a:rPr lang="en-US" smtClean="0"/>
+              <a:t>6/29/2012</a:t>
+            </a:fld>
+            <a:endParaRPr lang="en-US"/>
+          </a:p>
+        </p:txBody>
+      </p:sp>
+      <p:sp>
+        <p:nvSpPr>
+          <p:cNvPr id="3" name="Footer Placeholder 2"/>
+          <p:cNvSpPr>
+            <a:spLocks noGrp="1"/>
+          </p:cNvSpPr>
+          <p:nvPr>
+            <p:ph type="ftr" sz="quarter" idx="11"/>
+          </p:nvPr>
+        </p:nvSpPr>
+        <p:spPr/>
+        <p:txBody>
+          <a:bodyPr/>
+          <a:lstStyle/>
+          <a:p>
+            <a:endParaRPr lang="en-US"/>
+          </a:p>
+        </p:txBody>
+      </p:sp>
+      <p:sp>
+        <p:nvSpPr>
+          <p:cNvPr id="4" name="Slide Number Placeholder 3"/>
+          <p:cNvSpPr>
+            <a:spLocks noGrp="1"/>
+          </p:cNvSpPr>
+          <p:nvPr>
+            <p:ph type="sldNum" sz="quarter" idx="12"/>
+          </p:nvPr>
+        </p:nvSpPr>
+        <p:spPr/>
+        <p:txBody>
+          <a:bodyPr/>
+          <a:lstStyle/>
+          <a:p>
+            <a:fld id="{2B3D637E-E549-4532-8B97-95C13BB837E9}" type="slidenum">
+              <a:rPr lang="en-US" smtClean="0"/>
+              <a:t>‹#›</a:t>
+            </a:fld>
+            <a:endParaRPr lang="en-US"/>
+          </a:p>
+        </p:txBody>
+      </p:sp>
+    </p:spTree>
+    <p:extLst>
+      <p:ext uri="{BB962C8B-B14F-4D97-AF65-F5344CB8AC3E}">
+        <p14:creationId xmlns:p14="http://schemas.microsoft.com/office/powerpoint/2010/main" val="3142710064"/>
+      </p:ext>
+    </p:extLst>
+  </p:cSld>
+  <p:clrMapOvr>
+    <a:masterClrMapping/>
+  </p:clrMapOvr>
+</p:sldLayout>
+</file>
+
+<file path=ppt/slideLayouts/slideLayout19.xml><?xml version="1.0" encoding="utf-8"?>
+<p:sldLayout xmlns:a="http://schemas.openxmlformats.org/drawingml/2006/main" xmlns:r="http://schemas.openxmlformats.org/officeDocument/2006/relationships" xmlns:p="http://schemas.openxmlformats.org/presentationml/2006/main" type="objTx" preserve="1">
+  <p:cSld name="Content with Caption">
+    <p:spTree>
+      <p:nvGrpSpPr>
+        <p:cNvPr id="1" name=""/>
+        <p:cNvGrpSpPr/>
+        <p:nvPr/>
+      </p:nvGrpSpPr>
+      <p:grpSpPr>
+        <a:xfrm>
+          <a:off x="0" y="0"/>
+          <a:ext cx="0" cy="0"/>
+          <a:chOff x="0" y="0"/>
+          <a:chExt cx="0" cy="0"/>
+        </a:xfrm>
+      </p:grpSpPr>
+      <p:sp>
+        <p:nvSpPr>
+          <p:cNvPr id="2" name="Title 1"/>
+          <p:cNvSpPr>
+            <a:spLocks noGrp="1"/>
+          </p:cNvSpPr>
+          <p:nvPr>
+            <p:ph type="title"/>
+          </p:nvPr>
+        </p:nvSpPr>
+        <p:spPr>
+          <a:xfrm>
+            <a:off x="457200" y="273050"/>
+            <a:ext cx="3008313" cy="1162050"/>
+          </a:xfrm>
+        </p:spPr>
+        <p:txBody>
+          <a:bodyPr anchor="b"/>
+          <a:lstStyle>
+            <a:lvl1pPr algn="l">
+              <a:defRPr sz="2000" b="1"/>
+            </a:lvl1pPr>
+          </a:lstStyle>
+          <a:p>
+            <a:r>
+              <a:rPr lang="en-US" smtClean="0"/>
+              <a:t>Click to edit Master title style</a:t>
+            </a:r>
+            <a:endParaRPr lang="en-US"/>
+          </a:p>
+        </p:txBody>
+      </p:sp>
+      <p:sp>
+        <p:nvSpPr>
+          <p:cNvPr id="3" name="Content Placeholder 2"/>
+          <p:cNvSpPr>
+            <a:spLocks noGrp="1"/>
+          </p:cNvSpPr>
+          <p:nvPr>
+            <p:ph idx="1"/>
+          </p:nvPr>
+        </p:nvSpPr>
+        <p:spPr>
+          <a:xfrm>
+            <a:off x="3575050" y="273050"/>
+            <a:ext cx="5111750" cy="5853113"/>
+          </a:xfrm>
+        </p:spPr>
+        <p:txBody>
+          <a:bodyPr/>
+          <a:lstStyle>
+            <a:lvl1pPr>
+              <a:defRPr sz="3200"/>
+            </a:lvl1pPr>
+            <a:lvl2pPr>
+              <a:defRPr sz="2800"/>
+            </a:lvl2pPr>
+            <a:lvl3pPr>
+              <a:defRPr sz="2400"/>
+            </a:lvl3pPr>
+            <a:lvl4pPr>
+              <a:defRPr sz="2000"/>
+            </a:lvl4pPr>
+            <a:lvl5pPr>
+              <a:defRPr sz="2000"/>
+            </a:lvl5pPr>
+            <a:lvl6pPr>
+              <a:defRPr sz="2000"/>
+            </a:lvl6pPr>
+            <a:lvl7pPr>
+              <a:defRPr sz="2000"/>
+            </a:lvl7pPr>
+            <a:lvl8pPr>
+              <a:defRPr sz="2000"/>
+            </a:lvl8pPr>
+            <a:lvl9pPr>
+              <a:defRPr sz="2000"/>
+            </a:lvl9pPr>
+          </a:lstStyle>
+          <a:p>
+            <a:pPr lvl="0"/>
+            <a:r>
+              <a:rPr lang="en-US" smtClean="0"/>
+              <a:t>Click to edit Master text styles</a:t>
+            </a:r>
+          </a:p>
+          <a:p>
+            <a:pPr lvl="1"/>
+            <a:r>
+              <a:rPr lang="en-US" smtClean="0"/>
+              <a:t>Second level</a:t>
+            </a:r>
+          </a:p>
+          <a:p>
+            <a:pPr lvl="2"/>
+            <a:r>
+              <a:rPr lang="en-US" smtClean="0"/>
+              <a:t>Third level</a:t>
+            </a:r>
+          </a:p>
+          <a:p>
+            <a:pPr lvl="3"/>
+            <a:r>
+              <a:rPr lang="en-US" smtClean="0"/>
+              <a:t>Fourth level</a:t>
+            </a:r>
+          </a:p>
+          <a:p>
+            <a:pPr lvl="4"/>
+            <a:r>
+              <a:rPr lang="en-US" smtClean="0"/>
+              <a:t>Fifth level</a:t>
+            </a:r>
+            <a:endParaRPr lang="en-US"/>
+          </a:p>
+        </p:txBody>
+      </p:sp>
+      <p:sp>
+        <p:nvSpPr>
+          <p:cNvPr id="4" name="Text Placeholder 3"/>
+          <p:cNvSpPr>
+            <a:spLocks noGrp="1"/>
+          </p:cNvSpPr>
+          <p:nvPr>
+            <p:ph type="body" sz="half" idx="2"/>
+          </p:nvPr>
+        </p:nvSpPr>
+        <p:spPr>
+          <a:xfrm>
+            <a:off x="457200" y="1435100"/>
+            <a:ext cx="3008313" cy="4691063"/>
+          </a:xfrm>
+        </p:spPr>
+        <p:txBody>
+          <a:bodyPr/>
+          <a:lstStyle>
+            <a:lvl1pPr marL="0" indent="0">
+              <a:buNone/>
+              <a:defRPr sz="1400"/>
+            </a:lvl1pPr>
+            <a:lvl2pPr marL="457200" indent="0">
+              <a:buNone/>
+              <a:defRPr sz="1200"/>
+            </a:lvl2pPr>
+            <a:lvl3pPr marL="914400" indent="0">
+              <a:buNone/>
+              <a:defRPr sz="1000"/>
+            </a:lvl3pPr>
+            <a:lvl4pPr marL="1371600" indent="0">
+              <a:buNone/>
+              <a:defRPr sz="900"/>
+            </a:lvl4pPr>
+            <a:lvl5pPr marL="1828800" indent="0">
+              <a:buNone/>
+              <a:defRPr sz="900"/>
+            </a:lvl5pPr>
+            <a:lvl6pPr marL="2286000" indent="0">
+              <a:buNone/>
+              <a:defRPr sz="900"/>
+            </a:lvl6pPr>
+            <a:lvl7pPr marL="2743200" indent="0">
+              <a:buNone/>
+              <a:defRPr sz="900"/>
+            </a:lvl7pPr>
+            <a:lvl8pPr marL="3200400" indent="0">
+              <a:buNone/>
+              <a:defRPr sz="900"/>
+            </a:lvl8pPr>
+            <a:lvl9pPr marL="3657600" indent="0">
+              <a:buNone/>
+              <a:defRPr sz="900"/>
+            </a:lvl9pPr>
+          </a:lstStyle>
+          <a:p>
+            <a:pPr lvl="0"/>
+            <a:r>
+              <a:rPr lang="en-US" smtClean="0"/>
+              <a:t>Click to edit Master text styles</a:t>
+            </a:r>
+          </a:p>
+        </p:txBody>
+      </p:sp>
+      <p:sp>
+        <p:nvSpPr>
+          <p:cNvPr id="5" name="Date Placeholder 4"/>
+          <p:cNvSpPr>
+            <a:spLocks noGrp="1"/>
+          </p:cNvSpPr>
+          <p:nvPr>
+            <p:ph type="dt" sz="half" idx="10"/>
+          </p:nvPr>
+        </p:nvSpPr>
+        <p:spPr/>
+        <p:txBody>
+          <a:bodyPr/>
+          <a:lstStyle/>
+          <a:p>
+            <a:fld id="{535550C0-5D70-4405-B956-2B4ED937123E}" type="datetimeFigureOut">
+              <a:rPr lang="en-US" smtClean="0"/>
+              <a:t>6/29/2012</a:t>
+            </a:fld>
+            <a:endParaRPr lang="en-US"/>
+          </a:p>
+        </p:txBody>
+      </p:sp>
+      <p:sp>
+        <p:nvSpPr>
+          <p:cNvPr id="6" name="Footer Placeholder 5"/>
+          <p:cNvSpPr>
+            <a:spLocks noGrp="1"/>
+          </p:cNvSpPr>
+          <p:nvPr>
+            <p:ph type="ftr" sz="quarter" idx="11"/>
+          </p:nvPr>
+        </p:nvSpPr>
+        <p:spPr/>
+        <p:txBody>
+          <a:bodyPr/>
+          <a:lstStyle/>
+          <a:p>
+            <a:endParaRPr lang="en-US"/>
+          </a:p>
+        </p:txBody>
+      </p:sp>
+      <p:sp>
+        <p:nvSpPr>
+          <p:cNvPr id="7" name="Slide Number Placeholder 6"/>
+          <p:cNvSpPr>
+            <a:spLocks noGrp="1"/>
+          </p:cNvSpPr>
+          <p:nvPr>
+            <p:ph type="sldNum" sz="quarter" idx="12"/>
+          </p:nvPr>
+        </p:nvSpPr>
+        <p:spPr/>
+        <p:txBody>
+          <a:bodyPr/>
+          <a:lstStyle/>
+          <a:p>
+            <a:fld id="{2B3D637E-E549-4532-8B97-95C13BB837E9}" type="slidenum">
+              <a:rPr lang="en-US" smtClean="0"/>
+              <a:t>‹#›</a:t>
+            </a:fld>
+            <a:endParaRPr lang="en-US"/>
+          </a:p>
+        </p:txBody>
+      </p:sp>
+    </p:spTree>
+    <p:extLst>
+      <p:ext uri="{BB962C8B-B14F-4D97-AF65-F5344CB8AC3E}">
+        <p14:creationId xmlns:p14="http://schemas.microsoft.com/office/powerpoint/2010/main" val="3154180861"/>
       </p:ext>
     </p:extLst>
   </p:cSld>
@@ -736,13 +3300,17 @@
         <p:spPr/>
         <p:txBody>
           <a:bodyPr/>
-          <a:lstStyle/>
-          <a:p>
-            <a:r>
-              <a:rPr lang="en-US" smtClean="0"/>
+          <a:lstStyle>
+            <a:lvl1pPr>
+              <a:defRPr sz="3600"/>
+            </a:lvl1pPr>
+          </a:lstStyle>
+          <a:p>
+            <a:r>
+              <a:rPr lang="en-US" dirty="0" smtClean="0"/>
               <a:t>Click to edit Master title style</a:t>
             </a:r>
-            <a:endParaRPr lang="en-US"/>
+            <a:endParaRPr lang="en-US" dirty="0"/>
           </a:p>
         </p:txBody>
       </p:sp>
@@ -815,7 +3383,7 @@
           <a:p>
             <a:fld id="{6A814141-4123-430A-9D32-7C9F93C128E8}" type="datetimeFigureOut">
               <a:rPr lang="en-US" smtClean="0"/>
-              <a:t>6/18/2012</a:t>
+              <a:t>6/29/2012</a:t>
             </a:fld>
             <a:endParaRPr lang="en-US"/>
           </a:p>
@@ -867,6 +3435,616 @@
     <p:extLst>
       <p:ext uri="{BB962C8B-B14F-4D97-AF65-F5344CB8AC3E}">
         <p14:creationId xmlns:p14="http://schemas.microsoft.com/office/powerpoint/2010/main" val="2447128395"/>
+      </p:ext>
+    </p:extLst>
+  </p:cSld>
+  <p:clrMapOvr>
+    <a:masterClrMapping/>
+  </p:clrMapOvr>
+  <p:timing>
+    <p:tnLst>
+      <p:par>
+        <p:cTn id="1" dur="indefinite" restart="never" nodeType="tmRoot"/>
+      </p:par>
+    </p:tnLst>
+  </p:timing>
+</p:sldLayout>
+</file>
+
+<file path=ppt/slideLayouts/slideLayout20.xml><?xml version="1.0" encoding="utf-8"?>
+<p:sldLayout xmlns:a="http://schemas.openxmlformats.org/drawingml/2006/main" xmlns:r="http://schemas.openxmlformats.org/officeDocument/2006/relationships" xmlns:p="http://schemas.openxmlformats.org/presentationml/2006/main" type="picTx" preserve="1">
+  <p:cSld name="Picture with Caption">
+    <p:spTree>
+      <p:nvGrpSpPr>
+        <p:cNvPr id="1" name=""/>
+        <p:cNvGrpSpPr/>
+        <p:nvPr/>
+      </p:nvGrpSpPr>
+      <p:grpSpPr>
+        <a:xfrm>
+          <a:off x="0" y="0"/>
+          <a:ext cx="0" cy="0"/>
+          <a:chOff x="0" y="0"/>
+          <a:chExt cx="0" cy="0"/>
+        </a:xfrm>
+      </p:grpSpPr>
+      <p:sp>
+        <p:nvSpPr>
+          <p:cNvPr id="2" name="Title 1"/>
+          <p:cNvSpPr>
+            <a:spLocks noGrp="1"/>
+          </p:cNvSpPr>
+          <p:nvPr>
+            <p:ph type="title"/>
+          </p:nvPr>
+        </p:nvSpPr>
+        <p:spPr>
+          <a:xfrm>
+            <a:off x="1792288" y="4800600"/>
+            <a:ext cx="5486400" cy="566738"/>
+          </a:xfrm>
+        </p:spPr>
+        <p:txBody>
+          <a:bodyPr anchor="b"/>
+          <a:lstStyle>
+            <a:lvl1pPr algn="l">
+              <a:defRPr sz="2000" b="1"/>
+            </a:lvl1pPr>
+          </a:lstStyle>
+          <a:p>
+            <a:r>
+              <a:rPr lang="en-US" smtClean="0"/>
+              <a:t>Click to edit Master title style</a:t>
+            </a:r>
+            <a:endParaRPr lang="en-US"/>
+          </a:p>
+        </p:txBody>
+      </p:sp>
+      <p:sp>
+        <p:nvSpPr>
+          <p:cNvPr id="3" name="Picture Placeholder 2"/>
+          <p:cNvSpPr>
+            <a:spLocks noGrp="1"/>
+          </p:cNvSpPr>
+          <p:nvPr>
+            <p:ph type="pic" idx="1"/>
+          </p:nvPr>
+        </p:nvSpPr>
+        <p:spPr>
+          <a:xfrm>
+            <a:off x="1792288" y="612775"/>
+            <a:ext cx="5486400" cy="4114800"/>
+          </a:xfrm>
+        </p:spPr>
+        <p:txBody>
+          <a:bodyPr/>
+          <a:lstStyle>
+            <a:lvl1pPr marL="0" indent="0">
+              <a:buNone/>
+              <a:defRPr sz="3200"/>
+            </a:lvl1pPr>
+            <a:lvl2pPr marL="457200" indent="0">
+              <a:buNone/>
+              <a:defRPr sz="2800"/>
+            </a:lvl2pPr>
+            <a:lvl3pPr marL="914400" indent="0">
+              <a:buNone/>
+              <a:defRPr sz="2400"/>
+            </a:lvl3pPr>
+            <a:lvl4pPr marL="1371600" indent="0">
+              <a:buNone/>
+              <a:defRPr sz="2000"/>
+            </a:lvl4pPr>
+            <a:lvl5pPr marL="1828800" indent="0">
+              <a:buNone/>
+              <a:defRPr sz="2000"/>
+            </a:lvl5pPr>
+            <a:lvl6pPr marL="2286000" indent="0">
+              <a:buNone/>
+              <a:defRPr sz="2000"/>
+            </a:lvl6pPr>
+            <a:lvl7pPr marL="2743200" indent="0">
+              <a:buNone/>
+              <a:defRPr sz="2000"/>
+            </a:lvl7pPr>
+            <a:lvl8pPr marL="3200400" indent="0">
+              <a:buNone/>
+              <a:defRPr sz="2000"/>
+            </a:lvl8pPr>
+            <a:lvl9pPr marL="3657600" indent="0">
+              <a:buNone/>
+              <a:defRPr sz="2000"/>
+            </a:lvl9pPr>
+          </a:lstStyle>
+          <a:p>
+            <a:endParaRPr lang="en-US"/>
+          </a:p>
+        </p:txBody>
+      </p:sp>
+      <p:sp>
+        <p:nvSpPr>
+          <p:cNvPr id="4" name="Text Placeholder 3"/>
+          <p:cNvSpPr>
+            <a:spLocks noGrp="1"/>
+          </p:cNvSpPr>
+          <p:nvPr>
+            <p:ph type="body" sz="half" idx="2"/>
+          </p:nvPr>
+        </p:nvSpPr>
+        <p:spPr>
+          <a:xfrm>
+            <a:off x="1792288" y="5367338"/>
+            <a:ext cx="5486400" cy="804862"/>
+          </a:xfrm>
+        </p:spPr>
+        <p:txBody>
+          <a:bodyPr/>
+          <a:lstStyle>
+            <a:lvl1pPr marL="0" indent="0">
+              <a:buNone/>
+              <a:defRPr sz="1400"/>
+            </a:lvl1pPr>
+            <a:lvl2pPr marL="457200" indent="0">
+              <a:buNone/>
+              <a:defRPr sz="1200"/>
+            </a:lvl2pPr>
+            <a:lvl3pPr marL="914400" indent="0">
+              <a:buNone/>
+              <a:defRPr sz="1000"/>
+            </a:lvl3pPr>
+            <a:lvl4pPr marL="1371600" indent="0">
+              <a:buNone/>
+              <a:defRPr sz="900"/>
+            </a:lvl4pPr>
+            <a:lvl5pPr marL="1828800" indent="0">
+              <a:buNone/>
+              <a:defRPr sz="900"/>
+            </a:lvl5pPr>
+            <a:lvl6pPr marL="2286000" indent="0">
+              <a:buNone/>
+              <a:defRPr sz="900"/>
+            </a:lvl6pPr>
+            <a:lvl7pPr marL="2743200" indent="0">
+              <a:buNone/>
+              <a:defRPr sz="900"/>
+            </a:lvl7pPr>
+            <a:lvl8pPr marL="3200400" indent="0">
+              <a:buNone/>
+              <a:defRPr sz="900"/>
+            </a:lvl8pPr>
+            <a:lvl9pPr marL="3657600" indent="0">
+              <a:buNone/>
+              <a:defRPr sz="900"/>
+            </a:lvl9pPr>
+          </a:lstStyle>
+          <a:p>
+            <a:pPr lvl="0"/>
+            <a:r>
+              <a:rPr lang="en-US" smtClean="0"/>
+              <a:t>Click to edit Master text styles</a:t>
+            </a:r>
+          </a:p>
+        </p:txBody>
+      </p:sp>
+      <p:sp>
+        <p:nvSpPr>
+          <p:cNvPr id="5" name="Date Placeholder 4"/>
+          <p:cNvSpPr>
+            <a:spLocks noGrp="1"/>
+          </p:cNvSpPr>
+          <p:nvPr>
+            <p:ph type="dt" sz="half" idx="10"/>
+          </p:nvPr>
+        </p:nvSpPr>
+        <p:spPr/>
+        <p:txBody>
+          <a:bodyPr/>
+          <a:lstStyle/>
+          <a:p>
+            <a:fld id="{535550C0-5D70-4405-B956-2B4ED937123E}" type="datetimeFigureOut">
+              <a:rPr lang="en-US" smtClean="0"/>
+              <a:t>6/29/2012</a:t>
+            </a:fld>
+            <a:endParaRPr lang="en-US"/>
+          </a:p>
+        </p:txBody>
+      </p:sp>
+      <p:sp>
+        <p:nvSpPr>
+          <p:cNvPr id="6" name="Footer Placeholder 5"/>
+          <p:cNvSpPr>
+            <a:spLocks noGrp="1"/>
+          </p:cNvSpPr>
+          <p:nvPr>
+            <p:ph type="ftr" sz="quarter" idx="11"/>
+          </p:nvPr>
+        </p:nvSpPr>
+        <p:spPr/>
+        <p:txBody>
+          <a:bodyPr/>
+          <a:lstStyle/>
+          <a:p>
+            <a:endParaRPr lang="en-US"/>
+          </a:p>
+        </p:txBody>
+      </p:sp>
+      <p:sp>
+        <p:nvSpPr>
+          <p:cNvPr id="7" name="Slide Number Placeholder 6"/>
+          <p:cNvSpPr>
+            <a:spLocks noGrp="1"/>
+          </p:cNvSpPr>
+          <p:nvPr>
+            <p:ph type="sldNum" sz="quarter" idx="12"/>
+          </p:nvPr>
+        </p:nvSpPr>
+        <p:spPr/>
+        <p:txBody>
+          <a:bodyPr/>
+          <a:lstStyle/>
+          <a:p>
+            <a:fld id="{2B3D637E-E549-4532-8B97-95C13BB837E9}" type="slidenum">
+              <a:rPr lang="en-US" smtClean="0"/>
+              <a:t>‹#›</a:t>
+            </a:fld>
+            <a:endParaRPr lang="en-US"/>
+          </a:p>
+        </p:txBody>
+      </p:sp>
+    </p:spTree>
+    <p:extLst>
+      <p:ext uri="{BB962C8B-B14F-4D97-AF65-F5344CB8AC3E}">
+        <p14:creationId xmlns:p14="http://schemas.microsoft.com/office/powerpoint/2010/main" val="1138546607"/>
+      </p:ext>
+    </p:extLst>
+  </p:cSld>
+  <p:clrMapOvr>
+    <a:masterClrMapping/>
+  </p:clrMapOvr>
+</p:sldLayout>
+</file>
+
+<file path=ppt/slideLayouts/slideLayout21.xml><?xml version="1.0" encoding="utf-8"?>
+<p:sldLayout xmlns:a="http://schemas.openxmlformats.org/drawingml/2006/main" xmlns:r="http://schemas.openxmlformats.org/officeDocument/2006/relationships" xmlns:p="http://schemas.openxmlformats.org/presentationml/2006/main" type="vertTx" preserve="1">
+  <p:cSld name="Title and Vertical Text">
+    <p:spTree>
+      <p:nvGrpSpPr>
+        <p:cNvPr id="1" name=""/>
+        <p:cNvGrpSpPr/>
+        <p:nvPr/>
+      </p:nvGrpSpPr>
+      <p:grpSpPr>
+        <a:xfrm>
+          <a:off x="0" y="0"/>
+          <a:ext cx="0" cy="0"/>
+          <a:chOff x="0" y="0"/>
+          <a:chExt cx="0" cy="0"/>
+        </a:xfrm>
+      </p:grpSpPr>
+      <p:sp>
+        <p:nvSpPr>
+          <p:cNvPr id="2" name="Title 1"/>
+          <p:cNvSpPr>
+            <a:spLocks noGrp="1"/>
+          </p:cNvSpPr>
+          <p:nvPr>
+            <p:ph type="title"/>
+          </p:nvPr>
+        </p:nvSpPr>
+        <p:spPr/>
+        <p:txBody>
+          <a:bodyPr/>
+          <a:lstStyle/>
+          <a:p>
+            <a:r>
+              <a:rPr lang="en-US" smtClean="0"/>
+              <a:t>Click to edit Master title style</a:t>
+            </a:r>
+            <a:endParaRPr lang="en-US"/>
+          </a:p>
+        </p:txBody>
+      </p:sp>
+      <p:sp>
+        <p:nvSpPr>
+          <p:cNvPr id="3" name="Vertical Text Placeholder 2"/>
+          <p:cNvSpPr>
+            <a:spLocks noGrp="1"/>
+          </p:cNvSpPr>
+          <p:nvPr>
+            <p:ph type="body" orient="vert" idx="1"/>
+          </p:nvPr>
+        </p:nvSpPr>
+        <p:spPr/>
+        <p:txBody>
+          <a:bodyPr vert="eaVert"/>
+          <a:lstStyle/>
+          <a:p>
+            <a:pPr lvl="0"/>
+            <a:r>
+              <a:rPr lang="en-US" smtClean="0"/>
+              <a:t>Click to edit Master text styles</a:t>
+            </a:r>
+          </a:p>
+          <a:p>
+            <a:pPr lvl="1"/>
+            <a:r>
+              <a:rPr lang="en-US" smtClean="0"/>
+              <a:t>Second level</a:t>
+            </a:r>
+          </a:p>
+          <a:p>
+            <a:pPr lvl="2"/>
+            <a:r>
+              <a:rPr lang="en-US" smtClean="0"/>
+              <a:t>Third level</a:t>
+            </a:r>
+          </a:p>
+          <a:p>
+            <a:pPr lvl="3"/>
+            <a:r>
+              <a:rPr lang="en-US" smtClean="0"/>
+              <a:t>Fourth level</a:t>
+            </a:r>
+          </a:p>
+          <a:p>
+            <a:pPr lvl="4"/>
+            <a:r>
+              <a:rPr lang="en-US" smtClean="0"/>
+              <a:t>Fifth level</a:t>
+            </a:r>
+            <a:endParaRPr lang="en-US"/>
+          </a:p>
+        </p:txBody>
+      </p:sp>
+      <p:sp>
+        <p:nvSpPr>
+          <p:cNvPr id="4" name="Date Placeholder 3"/>
+          <p:cNvSpPr>
+            <a:spLocks noGrp="1"/>
+          </p:cNvSpPr>
+          <p:nvPr>
+            <p:ph type="dt" sz="half" idx="10"/>
+          </p:nvPr>
+        </p:nvSpPr>
+        <p:spPr/>
+        <p:txBody>
+          <a:bodyPr/>
+          <a:lstStyle/>
+          <a:p>
+            <a:fld id="{535550C0-5D70-4405-B956-2B4ED937123E}" type="datetimeFigureOut">
+              <a:rPr lang="en-US" smtClean="0"/>
+              <a:t>6/29/2012</a:t>
+            </a:fld>
+            <a:endParaRPr lang="en-US"/>
+          </a:p>
+        </p:txBody>
+      </p:sp>
+      <p:sp>
+        <p:nvSpPr>
+          <p:cNvPr id="5" name="Footer Placeholder 4"/>
+          <p:cNvSpPr>
+            <a:spLocks noGrp="1"/>
+          </p:cNvSpPr>
+          <p:nvPr>
+            <p:ph type="ftr" sz="quarter" idx="11"/>
+          </p:nvPr>
+        </p:nvSpPr>
+        <p:spPr/>
+        <p:txBody>
+          <a:bodyPr/>
+          <a:lstStyle/>
+          <a:p>
+            <a:endParaRPr lang="en-US"/>
+          </a:p>
+        </p:txBody>
+      </p:sp>
+      <p:sp>
+        <p:nvSpPr>
+          <p:cNvPr id="6" name="Slide Number Placeholder 5"/>
+          <p:cNvSpPr>
+            <a:spLocks noGrp="1"/>
+          </p:cNvSpPr>
+          <p:nvPr>
+            <p:ph type="sldNum" sz="quarter" idx="12"/>
+          </p:nvPr>
+        </p:nvSpPr>
+        <p:spPr/>
+        <p:txBody>
+          <a:bodyPr/>
+          <a:lstStyle/>
+          <a:p>
+            <a:fld id="{2B3D637E-E549-4532-8B97-95C13BB837E9}" type="slidenum">
+              <a:rPr lang="en-US" smtClean="0"/>
+              <a:t>‹#›</a:t>
+            </a:fld>
+            <a:endParaRPr lang="en-US"/>
+          </a:p>
+        </p:txBody>
+      </p:sp>
+    </p:spTree>
+    <p:extLst>
+      <p:ext uri="{BB962C8B-B14F-4D97-AF65-F5344CB8AC3E}">
+        <p14:creationId xmlns:p14="http://schemas.microsoft.com/office/powerpoint/2010/main" val="1070964105"/>
+      </p:ext>
+    </p:extLst>
+  </p:cSld>
+  <p:clrMapOvr>
+    <a:masterClrMapping/>
+  </p:clrMapOvr>
+</p:sldLayout>
+</file>
+
+<file path=ppt/slideLayouts/slideLayout22.xml><?xml version="1.0" encoding="utf-8"?>
+<p:sldLayout xmlns:a="http://schemas.openxmlformats.org/drawingml/2006/main" xmlns:r="http://schemas.openxmlformats.org/officeDocument/2006/relationships" xmlns:p="http://schemas.openxmlformats.org/presentationml/2006/main" type="vertTitleAndTx" preserve="1">
+  <p:cSld name="Vertical Title and Text">
+    <p:spTree>
+      <p:nvGrpSpPr>
+        <p:cNvPr id="1" name=""/>
+        <p:cNvGrpSpPr/>
+        <p:nvPr/>
+      </p:nvGrpSpPr>
+      <p:grpSpPr>
+        <a:xfrm>
+          <a:off x="0" y="0"/>
+          <a:ext cx="0" cy="0"/>
+          <a:chOff x="0" y="0"/>
+          <a:chExt cx="0" cy="0"/>
+        </a:xfrm>
+      </p:grpSpPr>
+      <p:sp>
+        <p:nvSpPr>
+          <p:cNvPr id="2" name="Vertical Title 1"/>
+          <p:cNvSpPr>
+            <a:spLocks noGrp="1"/>
+          </p:cNvSpPr>
+          <p:nvPr>
+            <p:ph type="title" orient="vert"/>
+          </p:nvPr>
+        </p:nvSpPr>
+        <p:spPr>
+          <a:xfrm>
+            <a:off x="6629400" y="274638"/>
+            <a:ext cx="2057400" cy="5851525"/>
+          </a:xfrm>
+        </p:spPr>
+        <p:txBody>
+          <a:bodyPr vert="eaVert"/>
+          <a:lstStyle/>
+          <a:p>
+            <a:r>
+              <a:rPr lang="en-US" smtClean="0"/>
+              <a:t>Click to edit Master title style</a:t>
+            </a:r>
+            <a:endParaRPr lang="en-US"/>
+          </a:p>
+        </p:txBody>
+      </p:sp>
+      <p:sp>
+        <p:nvSpPr>
+          <p:cNvPr id="3" name="Vertical Text Placeholder 2"/>
+          <p:cNvSpPr>
+            <a:spLocks noGrp="1"/>
+          </p:cNvSpPr>
+          <p:nvPr>
+            <p:ph type="body" orient="vert" idx="1"/>
+          </p:nvPr>
+        </p:nvSpPr>
+        <p:spPr>
+          <a:xfrm>
+            <a:off x="457200" y="274638"/>
+            <a:ext cx="6019800" cy="5851525"/>
+          </a:xfrm>
+        </p:spPr>
+        <p:txBody>
+          <a:bodyPr vert="eaVert"/>
+          <a:lstStyle/>
+          <a:p>
+            <a:pPr lvl="0"/>
+            <a:r>
+              <a:rPr lang="en-US" smtClean="0"/>
+              <a:t>Click to edit Master text styles</a:t>
+            </a:r>
+          </a:p>
+          <a:p>
+            <a:pPr lvl="1"/>
+            <a:r>
+              <a:rPr lang="en-US" smtClean="0"/>
+              <a:t>Second level</a:t>
+            </a:r>
+          </a:p>
+          <a:p>
+            <a:pPr lvl="2"/>
+            <a:r>
+              <a:rPr lang="en-US" smtClean="0"/>
+              <a:t>Third level</a:t>
+            </a:r>
+          </a:p>
+          <a:p>
+            <a:pPr lvl="3"/>
+            <a:r>
+              <a:rPr lang="en-US" smtClean="0"/>
+              <a:t>Fourth level</a:t>
+            </a:r>
+          </a:p>
+          <a:p>
+            <a:pPr lvl="4"/>
+            <a:r>
+              <a:rPr lang="en-US" smtClean="0"/>
+              <a:t>Fifth level</a:t>
+            </a:r>
+            <a:endParaRPr lang="en-US"/>
+          </a:p>
+        </p:txBody>
+      </p:sp>
+      <p:sp>
+        <p:nvSpPr>
+          <p:cNvPr id="4" name="Date Placeholder 3"/>
+          <p:cNvSpPr>
+            <a:spLocks noGrp="1"/>
+          </p:cNvSpPr>
+          <p:nvPr>
+            <p:ph type="dt" sz="half" idx="10"/>
+          </p:nvPr>
+        </p:nvSpPr>
+        <p:spPr/>
+        <p:txBody>
+          <a:bodyPr/>
+          <a:lstStyle/>
+          <a:p>
+            <a:fld id="{535550C0-5D70-4405-B956-2B4ED937123E}" type="datetimeFigureOut">
+              <a:rPr lang="en-US" smtClean="0"/>
+              <a:t>6/29/2012</a:t>
+            </a:fld>
+            <a:endParaRPr lang="en-US"/>
+          </a:p>
+        </p:txBody>
+      </p:sp>
+      <p:sp>
+        <p:nvSpPr>
+          <p:cNvPr id="5" name="Footer Placeholder 4"/>
+          <p:cNvSpPr>
+            <a:spLocks noGrp="1"/>
+          </p:cNvSpPr>
+          <p:nvPr>
+            <p:ph type="ftr" sz="quarter" idx="11"/>
+          </p:nvPr>
+        </p:nvSpPr>
+        <p:spPr/>
+        <p:txBody>
+          <a:bodyPr/>
+          <a:lstStyle/>
+          <a:p>
+            <a:endParaRPr lang="en-US"/>
+          </a:p>
+        </p:txBody>
+      </p:sp>
+      <p:sp>
+        <p:nvSpPr>
+          <p:cNvPr id="6" name="Slide Number Placeholder 5"/>
+          <p:cNvSpPr>
+            <a:spLocks noGrp="1"/>
+          </p:cNvSpPr>
+          <p:nvPr>
+            <p:ph type="sldNum" sz="quarter" idx="12"/>
+          </p:nvPr>
+        </p:nvSpPr>
+        <p:spPr/>
+        <p:txBody>
+          <a:bodyPr/>
+          <a:lstStyle/>
+          <a:p>
+            <a:fld id="{2B3D637E-E549-4532-8B97-95C13BB837E9}" type="slidenum">
+              <a:rPr lang="en-US" smtClean="0"/>
+              <a:t>‹#›</a:t>
+            </a:fld>
+            <a:endParaRPr lang="en-US"/>
+          </a:p>
+        </p:txBody>
+      </p:sp>
+    </p:spTree>
+    <p:extLst>
+      <p:ext uri="{BB962C8B-B14F-4D97-AF65-F5344CB8AC3E}">
+        <p14:creationId xmlns:p14="http://schemas.microsoft.com/office/powerpoint/2010/main" val="37200936"/>
       </p:ext>
     </p:extLst>
   </p:cSld>
@@ -1061,7 +4239,7 @@
           <a:p>
             <a:fld id="{6A814141-4123-430A-9D32-7C9F93C128E8}" type="datetimeFigureOut">
               <a:rPr lang="en-US" smtClean="0"/>
-              <a:t>6/18/2012</a:t>
+              <a:t>6/29/2012</a:t>
             </a:fld>
             <a:endParaRPr lang="en-US"/>
           </a:p>
@@ -1349,7 +4527,7 @@
           <a:p>
             <a:fld id="{6A814141-4123-430A-9D32-7C9F93C128E8}" type="datetimeFigureOut">
               <a:rPr lang="en-US" smtClean="0"/>
-              <a:t>6/18/2012</a:t>
+              <a:t>6/29/2012</a:t>
             </a:fld>
             <a:endParaRPr lang="en-US"/>
           </a:p>
@@ -1407,6 +4585,13 @@
   <p:clrMapOvr>
     <a:masterClrMapping/>
   </p:clrMapOvr>
+  <p:timing>
+    <p:tnLst>
+      <p:par>
+        <p:cTn id="1" dur="indefinite" restart="never" nodeType="tmRoot"/>
+      </p:par>
+    </p:tnLst>
+  </p:timing>
 </p:sldLayout>
 </file>
 
@@ -1771,7 +4956,7 @@
           <a:p>
             <a:fld id="{6A814141-4123-430A-9D32-7C9F93C128E8}" type="datetimeFigureOut">
               <a:rPr lang="en-US" smtClean="0"/>
-              <a:t>6/18/2012</a:t>
+              <a:t>6/29/2012</a:t>
             </a:fld>
             <a:endParaRPr lang="en-US"/>
           </a:p>
@@ -1889,7 +5074,7 @@
           <a:p>
             <a:fld id="{6A814141-4123-430A-9D32-7C9F93C128E8}" type="datetimeFigureOut">
               <a:rPr lang="en-US" smtClean="0"/>
-              <a:t>6/18/2012</a:t>
+              <a:t>6/29/2012</a:t>
             </a:fld>
             <a:endParaRPr lang="en-US"/>
           </a:p>
@@ -1984,7 +5169,7 @@
           <a:p>
             <a:fld id="{6A814141-4123-430A-9D32-7C9F93C128E8}" type="datetimeFigureOut">
               <a:rPr lang="en-US" smtClean="0"/>
-              <a:t>6/18/2012</a:t>
+              <a:t>6/29/2012</a:t>
             </a:fld>
             <a:endParaRPr lang="en-US"/>
           </a:p>
@@ -2261,7 +5446,7 @@
           <a:p>
             <a:fld id="{6A814141-4123-430A-9D32-7C9F93C128E8}" type="datetimeFigureOut">
               <a:rPr lang="en-US" smtClean="0"/>
-              <a:t>6/18/2012</a:t>
+              <a:t>6/29/2012</a:t>
             </a:fld>
             <a:endParaRPr lang="en-US"/>
           </a:p>
@@ -2514,7 +5699,7 @@
           <a:p>
             <a:fld id="{6A814141-4123-430A-9D32-7C9F93C128E8}" type="datetimeFigureOut">
               <a:rPr lang="en-US" smtClean="0"/>
-              <a:t>6/18/2012</a:t>
+              <a:t>6/29/2012</a:t>
             </a:fld>
             <a:endParaRPr lang="en-US"/>
           </a:p>
@@ -2727,7 +5912,7 @@
           <a:p>
             <a:fld id="{6A814141-4123-430A-9D32-7C9F93C128E8}" type="datetimeFigureOut">
               <a:rPr lang="en-US" smtClean="0"/>
-              <a:t>6/18/2012</a:t>
+              <a:t>6/29/2012</a:t>
             </a:fld>
             <a:endParaRPr lang="en-US"/>
           </a:p>
@@ -2832,6 +6017,530 @@
     <p:sldLayoutId id="2147483658" r:id="rId10"/>
     <p:sldLayoutId id="2147483659" r:id="rId11"/>
   </p:sldLayoutIdLst>
+  <p:timing>
+    <p:tnLst>
+      <p:par>
+        <p:cTn id="1" dur="indefinite" restart="never" nodeType="tmRoot"/>
+      </p:par>
+    </p:tnLst>
+  </p:timing>
+  <p:txStyles>
+    <p:titleStyle>
+      <a:lvl1pPr algn="ctr" defTabSz="914400" rtl="0" eaLnBrk="1" latinLnBrk="0" hangingPunct="1">
+        <a:spcBef>
+          <a:spcPct val="0"/>
+        </a:spcBef>
+        <a:buNone/>
+        <a:defRPr sz="4400" kern="1200">
+          <a:solidFill>
+            <a:schemeClr val="tx1"/>
+          </a:solidFill>
+          <a:latin typeface="+mj-lt"/>
+          <a:ea typeface="+mj-ea"/>
+          <a:cs typeface="+mj-cs"/>
+        </a:defRPr>
+      </a:lvl1pPr>
+    </p:titleStyle>
+    <p:bodyStyle>
+      <a:lvl1pPr marL="342900" indent="-342900" algn="l" defTabSz="914400" rtl="0" eaLnBrk="1" latinLnBrk="0" hangingPunct="1">
+        <a:spcBef>
+          <a:spcPct val="20000"/>
+        </a:spcBef>
+        <a:buFont typeface="Arial" pitchFamily="34" charset="0"/>
+        <a:buChar char="•"/>
+        <a:defRPr sz="3200" kern="1200">
+          <a:solidFill>
+            <a:schemeClr val="tx1"/>
+          </a:solidFill>
+          <a:latin typeface="+mn-lt"/>
+          <a:ea typeface="+mn-ea"/>
+          <a:cs typeface="+mn-cs"/>
+        </a:defRPr>
+      </a:lvl1pPr>
+      <a:lvl2pPr marL="742950" indent="-285750" algn="l" defTabSz="914400" rtl="0" eaLnBrk="1" latinLnBrk="0" hangingPunct="1">
+        <a:spcBef>
+          <a:spcPct val="20000"/>
+        </a:spcBef>
+        <a:buFont typeface="Arial" pitchFamily="34" charset="0"/>
+        <a:buChar char="–"/>
+        <a:defRPr sz="2800" kern="1200">
+          <a:solidFill>
+            <a:schemeClr val="tx1"/>
+          </a:solidFill>
+          <a:latin typeface="+mn-lt"/>
+          <a:ea typeface="+mn-ea"/>
+          <a:cs typeface="+mn-cs"/>
+        </a:defRPr>
+      </a:lvl2pPr>
+      <a:lvl3pPr marL="1143000" indent="-228600" algn="l" defTabSz="914400" rtl="0" eaLnBrk="1" latinLnBrk="0" hangingPunct="1">
+        <a:spcBef>
+          <a:spcPct val="20000"/>
+        </a:spcBef>
+        <a:buFont typeface="Arial" pitchFamily="34" charset="0"/>
+        <a:buChar char="•"/>
+        <a:defRPr sz="2400" kern="1200">
+          <a:solidFill>
+            <a:schemeClr val="tx1"/>
+          </a:solidFill>
+          <a:latin typeface="+mn-lt"/>
+          <a:ea typeface="+mn-ea"/>
+          <a:cs typeface="+mn-cs"/>
+        </a:defRPr>
+      </a:lvl3pPr>
+      <a:lvl4pPr marL="1600200" indent="-228600" algn="l" defTabSz="914400" rtl="0" eaLnBrk="1" latinLnBrk="0" hangingPunct="1">
+        <a:spcBef>
+          <a:spcPct val="20000"/>
+        </a:spcBef>
+        <a:buFont typeface="Arial" pitchFamily="34" charset="0"/>
+        <a:buChar char="–"/>
+        <a:defRPr sz="2000" kern="1200">
+          <a:solidFill>
+            <a:schemeClr val="tx1"/>
+          </a:solidFill>
+          <a:latin typeface="+mn-lt"/>
+          <a:ea typeface="+mn-ea"/>
+          <a:cs typeface="+mn-cs"/>
+        </a:defRPr>
+      </a:lvl4pPr>
+      <a:lvl5pPr marL="2057400" indent="-228600" algn="l" defTabSz="914400" rtl="0" eaLnBrk="1" latinLnBrk="0" hangingPunct="1">
+        <a:spcBef>
+          <a:spcPct val="20000"/>
+        </a:spcBef>
+        <a:buFont typeface="Arial" pitchFamily="34" charset="0"/>
+        <a:buChar char="»"/>
+        <a:defRPr sz="2000" kern="1200">
+          <a:solidFill>
+            <a:schemeClr val="tx1"/>
+          </a:solidFill>
+          <a:latin typeface="+mn-lt"/>
+          <a:ea typeface="+mn-ea"/>
+          <a:cs typeface="+mn-cs"/>
+        </a:defRPr>
+      </a:lvl5pPr>
+      <a:lvl6pPr marL="2514600" indent="-228600" algn="l" defTabSz="914400" rtl="0" eaLnBrk="1" latinLnBrk="0" hangingPunct="1">
+        <a:spcBef>
+          <a:spcPct val="20000"/>
+        </a:spcBef>
+        <a:buFont typeface="Arial" pitchFamily="34" charset="0"/>
+        <a:buChar char="•"/>
+        <a:defRPr sz="2000" kern="1200">
+          <a:solidFill>
+            <a:schemeClr val="tx1"/>
+          </a:solidFill>
+          <a:latin typeface="+mn-lt"/>
+          <a:ea typeface="+mn-ea"/>
+          <a:cs typeface="+mn-cs"/>
+        </a:defRPr>
+      </a:lvl6pPr>
+      <a:lvl7pPr marL="2971800" indent="-228600" algn="l" defTabSz="914400" rtl="0" eaLnBrk="1" latinLnBrk="0" hangingPunct="1">
+        <a:spcBef>
+          <a:spcPct val="20000"/>
+        </a:spcBef>
+        <a:buFont typeface="Arial" pitchFamily="34" charset="0"/>
+        <a:buChar char="•"/>
+        <a:defRPr sz="2000" kern="1200">
+          <a:solidFill>
+            <a:schemeClr val="tx1"/>
+          </a:solidFill>
+          <a:latin typeface="+mn-lt"/>
+          <a:ea typeface="+mn-ea"/>
+          <a:cs typeface="+mn-cs"/>
+        </a:defRPr>
+      </a:lvl7pPr>
+      <a:lvl8pPr marL="3429000" indent="-228600" algn="l" defTabSz="914400" rtl="0" eaLnBrk="1" latinLnBrk="0" hangingPunct="1">
+        <a:spcBef>
+          <a:spcPct val="20000"/>
+        </a:spcBef>
+        <a:buFont typeface="Arial" pitchFamily="34" charset="0"/>
+        <a:buChar char="•"/>
+        <a:defRPr sz="2000" kern="1200">
+          <a:solidFill>
+            <a:schemeClr val="tx1"/>
+          </a:solidFill>
+          <a:latin typeface="+mn-lt"/>
+          <a:ea typeface="+mn-ea"/>
+          <a:cs typeface="+mn-cs"/>
+        </a:defRPr>
+      </a:lvl8pPr>
+      <a:lvl9pPr marL="3886200" indent="-228600" algn="l" defTabSz="914400" rtl="0" eaLnBrk="1" latinLnBrk="0" hangingPunct="1">
+        <a:spcBef>
+          <a:spcPct val="20000"/>
+        </a:spcBef>
+        <a:buFont typeface="Arial" pitchFamily="34" charset="0"/>
+        <a:buChar char="•"/>
+        <a:defRPr sz="2000" kern="1200">
+          <a:solidFill>
+            <a:schemeClr val="tx1"/>
+          </a:solidFill>
+          <a:latin typeface="+mn-lt"/>
+          <a:ea typeface="+mn-ea"/>
+          <a:cs typeface="+mn-cs"/>
+        </a:defRPr>
+      </a:lvl9pPr>
+    </p:bodyStyle>
+    <p:otherStyle>
+      <a:defPPr>
+        <a:defRPr lang="en-US"/>
+      </a:defPPr>
+      <a:lvl1pPr marL="0" algn="l" defTabSz="914400" rtl="0" eaLnBrk="1" latinLnBrk="0" hangingPunct="1">
+        <a:defRPr sz="1800" kern="1200">
+          <a:solidFill>
+            <a:schemeClr val="tx1"/>
+          </a:solidFill>
+          <a:latin typeface="+mn-lt"/>
+          <a:ea typeface="+mn-ea"/>
+          <a:cs typeface="+mn-cs"/>
+        </a:defRPr>
+      </a:lvl1pPr>
+      <a:lvl2pPr marL="457200" algn="l" defTabSz="914400" rtl="0" eaLnBrk="1" latinLnBrk="0" hangingPunct="1">
+        <a:defRPr sz="1800" kern="1200">
+          <a:solidFill>
+            <a:schemeClr val="tx1"/>
+          </a:solidFill>
+          <a:latin typeface="+mn-lt"/>
+          <a:ea typeface="+mn-ea"/>
+          <a:cs typeface="+mn-cs"/>
+        </a:defRPr>
+      </a:lvl2pPr>
+      <a:lvl3pPr marL="914400" algn="l" defTabSz="914400" rtl="0" eaLnBrk="1" latinLnBrk="0" hangingPunct="1">
+        <a:defRPr sz="1800" kern="1200">
+          <a:solidFill>
+            <a:schemeClr val="tx1"/>
+          </a:solidFill>
+          <a:latin typeface="+mn-lt"/>
+          <a:ea typeface="+mn-ea"/>
+          <a:cs typeface="+mn-cs"/>
+        </a:defRPr>
+      </a:lvl3pPr>
+      <a:lvl4pPr marL="1371600" algn="l" defTabSz="914400" rtl="0" eaLnBrk="1" latinLnBrk="0" hangingPunct="1">
+        <a:defRPr sz="1800" kern="1200">
+          <a:solidFill>
+            <a:schemeClr val="tx1"/>
+          </a:solidFill>
+          <a:latin typeface="+mn-lt"/>
+          <a:ea typeface="+mn-ea"/>
+          <a:cs typeface="+mn-cs"/>
+        </a:defRPr>
+      </a:lvl4pPr>
+      <a:lvl5pPr marL="1828800" algn="l" defTabSz="914400" rtl="0" eaLnBrk="1" latinLnBrk="0" hangingPunct="1">
+        <a:defRPr sz="1800" kern="1200">
+          <a:solidFill>
+            <a:schemeClr val="tx1"/>
+          </a:solidFill>
+          <a:latin typeface="+mn-lt"/>
+          <a:ea typeface="+mn-ea"/>
+          <a:cs typeface="+mn-cs"/>
+        </a:defRPr>
+      </a:lvl5pPr>
+      <a:lvl6pPr marL="2286000" algn="l" defTabSz="914400" rtl="0" eaLnBrk="1" latinLnBrk="0" hangingPunct="1">
+        <a:defRPr sz="1800" kern="1200">
+          <a:solidFill>
+            <a:schemeClr val="tx1"/>
+          </a:solidFill>
+          <a:latin typeface="+mn-lt"/>
+          <a:ea typeface="+mn-ea"/>
+          <a:cs typeface="+mn-cs"/>
+        </a:defRPr>
+      </a:lvl6pPr>
+      <a:lvl7pPr marL="2743200" algn="l" defTabSz="914400" rtl="0" eaLnBrk="1" latinLnBrk="0" hangingPunct="1">
+        <a:defRPr sz="1800" kern="1200">
+          <a:solidFill>
+            <a:schemeClr val="tx1"/>
+          </a:solidFill>
+          <a:latin typeface="+mn-lt"/>
+          <a:ea typeface="+mn-ea"/>
+          <a:cs typeface="+mn-cs"/>
+        </a:defRPr>
+      </a:lvl7pPr>
+      <a:lvl8pPr marL="3200400" algn="l" defTabSz="914400" rtl="0" eaLnBrk="1" latinLnBrk="0" hangingPunct="1">
+        <a:defRPr sz="1800" kern="1200">
+          <a:solidFill>
+            <a:schemeClr val="tx1"/>
+          </a:solidFill>
+          <a:latin typeface="+mn-lt"/>
+          <a:ea typeface="+mn-ea"/>
+          <a:cs typeface="+mn-cs"/>
+        </a:defRPr>
+      </a:lvl8pPr>
+      <a:lvl9pPr marL="3657600" algn="l" defTabSz="914400" rtl="0" eaLnBrk="1" latinLnBrk="0" hangingPunct="1">
+        <a:defRPr sz="1800" kern="1200">
+          <a:solidFill>
+            <a:schemeClr val="tx1"/>
+          </a:solidFill>
+          <a:latin typeface="+mn-lt"/>
+          <a:ea typeface="+mn-ea"/>
+          <a:cs typeface="+mn-cs"/>
+        </a:defRPr>
+      </a:lvl9pPr>
+    </p:otherStyle>
+  </p:txStyles>
+</p:sldMaster>
+</file>
+
+<file path=ppt/slideMasters/slideMaster2.xml><?xml version="1.0" encoding="utf-8"?>
+<p:sldMaster xmlns:a="http://schemas.openxmlformats.org/drawingml/2006/main" xmlns:r="http://schemas.openxmlformats.org/officeDocument/2006/relationships" xmlns:p="http://schemas.openxmlformats.org/presentationml/2006/main" preserve="1">
+  <p:cSld>
+    <p:bg>
+      <p:bgRef idx="1001">
+        <a:schemeClr val="bg1"/>
+      </p:bgRef>
+    </p:bg>
+    <p:spTree>
+      <p:nvGrpSpPr>
+        <p:cNvPr id="1" name=""/>
+        <p:cNvGrpSpPr/>
+        <p:nvPr/>
+      </p:nvGrpSpPr>
+      <p:grpSpPr>
+        <a:xfrm>
+          <a:off x="0" y="0"/>
+          <a:ext cx="0" cy="0"/>
+          <a:chOff x="0" y="0"/>
+          <a:chExt cx="0" cy="0"/>
+        </a:xfrm>
+      </p:grpSpPr>
+      <p:sp>
+        <p:nvSpPr>
+          <p:cNvPr id="2" name="Title Placeholder 1"/>
+          <p:cNvSpPr>
+            <a:spLocks noGrp="1"/>
+          </p:cNvSpPr>
+          <p:nvPr>
+            <p:ph type="title"/>
+          </p:nvPr>
+        </p:nvSpPr>
+        <p:spPr>
+          <a:xfrm>
+            <a:off x="457200" y="274638"/>
+            <a:ext cx="8229600" cy="1143000"/>
+          </a:xfrm>
+          <a:prstGeom prst="rect">
+            <a:avLst/>
+          </a:prstGeom>
+        </p:spPr>
+        <p:txBody>
+          <a:bodyPr vert="horz" lIns="91440" tIns="45720" rIns="91440" bIns="45720" rtlCol="0" anchor="ctr">
+            <a:normAutofit/>
+          </a:bodyPr>
+          <a:lstStyle/>
+          <a:p>
+            <a:r>
+              <a:rPr lang="en-US" smtClean="0"/>
+              <a:t>Click to edit Master title style</a:t>
+            </a:r>
+            <a:endParaRPr lang="en-US"/>
+          </a:p>
+        </p:txBody>
+      </p:sp>
+      <p:sp>
+        <p:nvSpPr>
+          <p:cNvPr id="3" name="Text Placeholder 2"/>
+          <p:cNvSpPr>
+            <a:spLocks noGrp="1"/>
+          </p:cNvSpPr>
+          <p:nvPr>
+            <p:ph type="body" idx="1"/>
+          </p:nvPr>
+        </p:nvSpPr>
+        <p:spPr>
+          <a:xfrm>
+            <a:off x="457200" y="1600200"/>
+            <a:ext cx="8229600" cy="4525963"/>
+          </a:xfrm>
+          <a:prstGeom prst="rect">
+            <a:avLst/>
+          </a:prstGeom>
+        </p:spPr>
+        <p:txBody>
+          <a:bodyPr vert="horz" lIns="91440" tIns="45720" rIns="91440" bIns="45720" rtlCol="0">
+            <a:normAutofit/>
+          </a:bodyPr>
+          <a:lstStyle/>
+          <a:p>
+            <a:pPr lvl="0"/>
+            <a:r>
+              <a:rPr lang="en-US" smtClean="0"/>
+              <a:t>Click to edit Master text styles</a:t>
+            </a:r>
+          </a:p>
+          <a:p>
+            <a:pPr lvl="1"/>
+            <a:r>
+              <a:rPr lang="en-US" smtClean="0"/>
+              <a:t>Second level</a:t>
+            </a:r>
+          </a:p>
+          <a:p>
+            <a:pPr lvl="2"/>
+            <a:r>
+              <a:rPr lang="en-US" smtClean="0"/>
+              <a:t>Third level</a:t>
+            </a:r>
+          </a:p>
+          <a:p>
+            <a:pPr lvl="3"/>
+            <a:r>
+              <a:rPr lang="en-US" smtClean="0"/>
+              <a:t>Fourth level</a:t>
+            </a:r>
+          </a:p>
+          <a:p>
+            <a:pPr lvl="4"/>
+            <a:r>
+              <a:rPr lang="en-US" smtClean="0"/>
+              <a:t>Fifth level</a:t>
+            </a:r>
+            <a:endParaRPr lang="en-US"/>
+          </a:p>
+        </p:txBody>
+      </p:sp>
+      <p:sp>
+        <p:nvSpPr>
+          <p:cNvPr id="4" name="Date Placeholder 3"/>
+          <p:cNvSpPr>
+            <a:spLocks noGrp="1"/>
+          </p:cNvSpPr>
+          <p:nvPr>
+            <p:ph type="dt" sz="half" idx="2"/>
+          </p:nvPr>
+        </p:nvSpPr>
+        <p:spPr>
+          <a:xfrm>
+            <a:off x="457200" y="6356350"/>
+            <a:ext cx="2133600" cy="365125"/>
+          </a:xfrm>
+          <a:prstGeom prst="rect">
+            <a:avLst/>
+          </a:prstGeom>
+        </p:spPr>
+        <p:txBody>
+          <a:bodyPr vert="horz" lIns="91440" tIns="45720" rIns="91440" bIns="45720" rtlCol="0" anchor="ctr"/>
+          <a:lstStyle>
+            <a:lvl1pPr algn="l">
+              <a:defRPr sz="1200">
+                <a:solidFill>
+                  <a:schemeClr val="tx1">
+                    <a:tint val="75000"/>
+                  </a:schemeClr>
+                </a:solidFill>
+              </a:defRPr>
+            </a:lvl1pPr>
+          </a:lstStyle>
+          <a:p>
+            <a:fld id="{535550C0-5D70-4405-B956-2B4ED937123E}" type="datetimeFigureOut">
+              <a:rPr lang="en-US" smtClean="0"/>
+              <a:t>6/29/2012</a:t>
+            </a:fld>
+            <a:endParaRPr lang="en-US"/>
+          </a:p>
+        </p:txBody>
+      </p:sp>
+      <p:sp>
+        <p:nvSpPr>
+          <p:cNvPr id="5" name="Footer Placeholder 4"/>
+          <p:cNvSpPr>
+            <a:spLocks noGrp="1"/>
+          </p:cNvSpPr>
+          <p:nvPr>
+            <p:ph type="ftr" sz="quarter" idx="3"/>
+          </p:nvPr>
+        </p:nvSpPr>
+        <p:spPr>
+          <a:xfrm>
+            <a:off x="3124200" y="6356350"/>
+            <a:ext cx="2895600" cy="365125"/>
+          </a:xfrm>
+          <a:prstGeom prst="rect">
+            <a:avLst/>
+          </a:prstGeom>
+        </p:spPr>
+        <p:txBody>
+          <a:bodyPr vert="horz" lIns="91440" tIns="45720" rIns="91440" bIns="45720" rtlCol="0" anchor="ctr"/>
+          <a:lstStyle>
+            <a:lvl1pPr algn="ctr">
+              <a:defRPr sz="1200">
+                <a:solidFill>
+                  <a:schemeClr val="tx1">
+                    <a:tint val="75000"/>
+                  </a:schemeClr>
+                </a:solidFill>
+              </a:defRPr>
+            </a:lvl1pPr>
+          </a:lstStyle>
+          <a:p>
+            <a:endParaRPr lang="en-US"/>
+          </a:p>
+        </p:txBody>
+      </p:sp>
+      <p:sp>
+        <p:nvSpPr>
+          <p:cNvPr id="6" name="Slide Number Placeholder 5"/>
+          <p:cNvSpPr>
+            <a:spLocks noGrp="1"/>
+          </p:cNvSpPr>
+          <p:nvPr>
+            <p:ph type="sldNum" sz="quarter" idx="4"/>
+          </p:nvPr>
+        </p:nvSpPr>
+        <p:spPr>
+          <a:xfrm>
+            <a:off x="6553200" y="6356350"/>
+            <a:ext cx="2133600" cy="365125"/>
+          </a:xfrm>
+          <a:prstGeom prst="rect">
+            <a:avLst/>
+          </a:prstGeom>
+        </p:spPr>
+        <p:txBody>
+          <a:bodyPr vert="horz" lIns="91440" tIns="45720" rIns="91440" bIns="45720" rtlCol="0" anchor="ctr"/>
+          <a:lstStyle>
+            <a:lvl1pPr algn="r">
+              <a:defRPr sz="1200">
+                <a:solidFill>
+                  <a:schemeClr val="tx1">
+                    <a:tint val="75000"/>
+                  </a:schemeClr>
+                </a:solidFill>
+              </a:defRPr>
+            </a:lvl1pPr>
+          </a:lstStyle>
+          <a:p>
+            <a:fld id="{2B3D637E-E549-4532-8B97-95C13BB837E9}" type="slidenum">
+              <a:rPr lang="en-US" smtClean="0"/>
+              <a:t>‹#›</a:t>
+            </a:fld>
+            <a:endParaRPr lang="en-US"/>
+          </a:p>
+        </p:txBody>
+      </p:sp>
+    </p:spTree>
+    <p:extLst>
+      <p:ext uri="{BB962C8B-B14F-4D97-AF65-F5344CB8AC3E}">
+        <p14:creationId xmlns:p14="http://schemas.microsoft.com/office/powerpoint/2010/main" val="2378647981"/>
+      </p:ext>
+    </p:extLst>
+  </p:cSld>
+  <p:clrMap bg1="lt1" tx1="dk1" bg2="lt2" tx2="dk2" accent1="accent1" accent2="accent2" accent3="accent3" accent4="accent4" accent5="accent5" accent6="accent6" hlink="hlink" folHlink="folHlink"/>
+  <p:sldLayoutIdLst>
+    <p:sldLayoutId id="2147483661" r:id="rId1"/>
+    <p:sldLayoutId id="2147483662" r:id="rId2"/>
+    <p:sldLayoutId id="2147483663" r:id="rId3"/>
+    <p:sldLayoutId id="2147483664" r:id="rId4"/>
+    <p:sldLayoutId id="2147483665" r:id="rId5"/>
+    <p:sldLayoutId id="2147483666" r:id="rId6"/>
+    <p:sldLayoutId id="2147483667" r:id="rId7"/>
+    <p:sldLayoutId id="2147483668" r:id="rId8"/>
+    <p:sldLayoutId id="2147483669" r:id="rId9"/>
+    <p:sldLayoutId id="2147483670" r:id="rId10"/>
+    <p:sldLayoutId id="2147483671" r:id="rId11"/>
+  </p:sldLayoutIdLst>
+  <p:timing>
+    <p:tnLst>
+      <p:par>
+        <p:cTn id="1" dur="indefinite" restart="never" nodeType="tmRoot"/>
+      </p:par>
+    </p:tnLst>
+  </p:timing>
   <p:txStyles>
     <p:titleStyle>
       <a:lvl1pPr algn="ctr" defTabSz="914400" rtl="0" eaLnBrk="1" latinLnBrk="0" hangingPunct="1">
@@ -3115,21 +6824,22 @@
         <p:spPr/>
         <p:txBody>
           <a:bodyPr>
-            <a:normAutofit fontScale="90000"/>
+            <a:normAutofit/>
           </a:bodyPr>
           <a:lstStyle/>
           <a:p>
             <a:r>
               <a:rPr lang="en-US" b="1" u="sng" dirty="0"/>
-              <a:t>A Proposal to benchmark android devices</a:t>
-            </a:r>
-            <a:r>
-              <a:rPr lang="en-US" dirty="0"/>
-              <a:t/>
-            </a:r>
-            <a:br>
-              <a:rPr lang="en-US" dirty="0"/>
-            </a:br>
+              <a:t>A</a:t>
+            </a:r>
+            <a:r>
+              <a:rPr lang="en-US" b="1" u="sng" dirty="0" smtClean="0"/>
+              <a:t>ndroid devices </a:t>
+            </a:r>
+            <a:r>
+              <a:rPr lang="en-US" b="1" u="sng" dirty="0" smtClean="0"/>
+              <a:t>benchmark</a:t>
+            </a:r>
             <a:endParaRPr lang="en-US" dirty="0"/>
           </a:p>
         </p:txBody>
@@ -3171,11 +6881,21 @@
                   <a:schemeClr val="tx1"/>
                 </a:solidFill>
               </a:rPr>
-              <a:t> Yee, Kelly</a:t>
-            </a:r>
-          </a:p>
-          <a:p>
-            <a:endParaRPr lang="en-US" dirty="0"/>
+              <a:t> Yee, </a:t>
+            </a:r>
+            <a:r>
+              <a:rPr lang="en-US" sz="1800" dirty="0" smtClean="0">
+                <a:solidFill>
+                  <a:schemeClr val="tx1"/>
+                </a:solidFill>
+              </a:rPr>
+              <a:t>Kelly</a:t>
+            </a:r>
+            <a:endParaRPr lang="en-US" sz="1800" dirty="0" smtClean="0">
+              <a:solidFill>
+                <a:schemeClr val="tx1"/>
+              </a:solidFill>
+            </a:endParaRPr>
           </a:p>
         </p:txBody>
       </p:sp>
@@ -3199,7 +6919,7 @@
 </p:sld>
 </file>
 
-<file path=ppt/slides/slide2.xml><?xml version="1.0" encoding="utf-8"?>
+<file path=ppt/slides/slide10.xml><?xml version="1.0" encoding="utf-8"?>
 <p:sld xmlns:a="http://schemas.openxmlformats.org/drawingml/2006/main" xmlns:r="http://schemas.openxmlformats.org/officeDocument/2006/relationships" xmlns:p="http://schemas.openxmlformats.org/presentationml/2006/main">
   <p:cSld>
     <p:spTree>
@@ -3228,252 +6948,133 @@
         </p:nvSpPr>
         <p:spPr/>
         <p:txBody>
+          <a:bodyPr/>
+          <a:lstStyle/>
+          <a:p>
+            <a:pPr marL="0" marR="0" indent="0" algn="ctr" defTabSz="914400" rtl="0" eaLnBrk="1" fontAlgn="auto" latinLnBrk="0" hangingPunct="1">
+              <a:lnSpc>
+                <a:spcPct val="100000"/>
+              </a:lnSpc>
+              <a:spcBef>
+                <a:spcPct val="0"/>
+              </a:spcBef>
+              <a:spcAft>
+                <a:spcPts val="0"/>
+              </a:spcAft>
+              <a:buClrTx/>
+              <a:buSzTx/>
+              <a:buFontTx/>
+              <a:buNone/>
+              <a:tabLst/>
+              <a:defRPr/>
+            </a:pPr>
+            <a:r>
+              <a:rPr lang="en-US" sz="3600" u="sng" kern="1200" dirty="0" smtClean="0">
+                <a:solidFill>
+                  <a:schemeClr val="tx1"/>
+                </a:solidFill>
+                <a:effectLst/>
+              </a:rPr>
+              <a:t>CF-Bench</a:t>
+            </a:r>
+            <a:endParaRPr lang="en-US" sz="3600" u="sng" dirty="0" smtClean="0">
+              <a:effectLst/>
+            </a:endParaRPr>
+          </a:p>
+        </p:txBody>
+      </p:sp>
+      <p:sp>
+        <p:nvSpPr>
+          <p:cNvPr id="4" name="Content Placeholder 3"/>
+          <p:cNvSpPr>
+            <a:spLocks noGrp="1"/>
+          </p:cNvSpPr>
+          <p:nvPr>
+            <p:ph sz="half" idx="1"/>
+          </p:nvPr>
+        </p:nvSpPr>
+        <p:spPr/>
+        <p:txBody>
           <a:bodyPr>
-            <a:normAutofit/>
+            <a:normAutofit fontScale="92500" lnSpcReduction="20000"/>
           </a:bodyPr>
           <a:lstStyle/>
           <a:p>
             <a:r>
-              <a:rPr lang="en-US" sz="2800" b="1" u="sng" dirty="0"/>
-              <a:t>Proposed Apps used for benchmarking android device</a:t>
-            </a:r>
-            <a:endParaRPr lang="en-US" sz="2800" dirty="0"/>
-          </a:p>
-        </p:txBody>
-      </p:sp>
-      <p:sp>
-        <p:nvSpPr>
-          <p:cNvPr id="3" name="Content Placeholder 2"/>
-          <p:cNvSpPr>
-            <a:spLocks noGrp="1"/>
-          </p:cNvSpPr>
-          <p:nvPr>
-            <p:ph idx="1"/>
-          </p:nvPr>
-        </p:nvSpPr>
-        <p:spPr/>
-        <p:txBody>
-          <a:bodyPr/>
-          <a:lstStyle/>
-          <a:p>
-            <a:pPr marL="514350" lvl="0" indent="-514350">
-              <a:lnSpc>
-                <a:spcPct val="200000"/>
-              </a:lnSpc>
-              <a:buFont typeface="+mj-lt"/>
-              <a:buAutoNum type="arabicPeriod"/>
-            </a:pPr>
-            <a:r>
-              <a:rPr lang="en-US" dirty="0" err="1"/>
-              <a:t>AnTuTu</a:t>
-            </a:r>
-            <a:r>
               <a:rPr lang="en-US" dirty="0"/>
-              <a:t> Benchmark </a:t>
-            </a:r>
-          </a:p>
-          <a:p>
-            <a:pPr marL="514350" lvl="0" indent="-514350">
-              <a:lnSpc>
-                <a:spcPct val="200000"/>
-              </a:lnSpc>
-              <a:buFont typeface="+mj-lt"/>
-              <a:buAutoNum type="arabicPeriod"/>
-            </a:pPr>
-            <a:r>
-              <a:rPr lang="en-US" dirty="0" err="1"/>
-              <a:t>Vellamo</a:t>
-            </a:r>
+              <a:t>CPU and memory benchmark tool </a:t>
+            </a:r>
+            <a:endParaRPr lang="en-US" dirty="0" smtClean="0"/>
+          </a:p>
+          <a:p>
+            <a:r>
+              <a:rPr lang="en-US" dirty="0" smtClean="0"/>
+              <a:t>Supports multi-core devices</a:t>
+            </a:r>
+          </a:p>
+          <a:p>
             <a:r>
               <a:rPr lang="en-US" dirty="0"/>
-              <a:t> Mobile Web Benchmark</a:t>
-            </a:r>
-          </a:p>
-          <a:p>
-            <a:pPr marL="514350" indent="-514350">
-              <a:lnSpc>
-                <a:spcPct val="200000"/>
-              </a:lnSpc>
-              <a:buFont typeface="+mj-lt"/>
-              <a:buAutoNum type="arabicPeriod"/>
-            </a:pPr>
+              <a:t>test both native and Java </a:t>
+            </a:r>
+            <a:r>
+              <a:rPr lang="en-US" dirty="0" smtClean="0"/>
+              <a:t>code</a:t>
+            </a:r>
+          </a:p>
+          <a:p>
+            <a:r>
+              <a:rPr lang="en-US" dirty="0" smtClean="0"/>
+              <a:t>Only full benchmark test is </a:t>
+            </a:r>
+            <a:r>
+              <a:rPr lang="en-US" dirty="0" smtClean="0"/>
+              <a:t>available</a:t>
+            </a:r>
+          </a:p>
+          <a:p>
+            <a:r>
+              <a:rPr lang="en-US" dirty="0" smtClean="0"/>
+              <a:t>Reason for not choosing:</a:t>
+            </a:r>
+          </a:p>
+          <a:p>
+            <a:pPr lvl="1"/>
+            <a:r>
+              <a:rPr lang="en-US" dirty="0" smtClean="0"/>
+              <a:t>CPU and memory </a:t>
+            </a:r>
+            <a:r>
+              <a:rPr lang="en-US" dirty="0"/>
+              <a:t>p</a:t>
+            </a:r>
+            <a:r>
+              <a:rPr lang="en-US" dirty="0" smtClean="0"/>
+              <a:t>erformance tests are included in the testing done by </a:t>
+            </a:r>
             <a:r>
               <a:rPr lang="en-US" dirty="0" err="1" smtClean="0"/>
-              <a:t>GlBenchmark</a:t>
+              <a:t>Antutu</a:t>
             </a:r>
             <a:r>
               <a:rPr lang="en-US" dirty="0" smtClean="0"/>
-              <a:t> </a:t>
-            </a:r>
-            <a:r>
-              <a:rPr lang="en-US" sz="2400" dirty="0" smtClean="0"/>
-              <a:t>(for additional information)</a:t>
-            </a:r>
-          </a:p>
-        </p:txBody>
-      </p:sp>
-    </p:spTree>
-    <p:extLst>
-      <p:ext uri="{BB962C8B-B14F-4D97-AF65-F5344CB8AC3E}">
-        <p14:creationId xmlns:p14="http://schemas.microsoft.com/office/powerpoint/2010/main" val="3715149438"/>
-      </p:ext>
-    </p:extLst>
-  </p:cSld>
-  <p:clrMapOvr>
-    <a:masterClrMapping/>
-  </p:clrMapOvr>
-  <p:timing>
-    <p:tnLst>
-      <p:par>
-        <p:cTn id="1" dur="indefinite" restart="never" nodeType="tmRoot"/>
-      </p:par>
-    </p:tnLst>
-  </p:timing>
-</p:sld>
-</file>
-
-<file path=ppt/slides/slide3.xml><?xml version="1.0" encoding="utf-8"?>
-<p:sld xmlns:a="http://schemas.openxmlformats.org/drawingml/2006/main" xmlns:r="http://schemas.openxmlformats.org/officeDocument/2006/relationships" xmlns:p="http://schemas.openxmlformats.org/presentationml/2006/main">
-  <p:cSld>
-    <p:spTree>
-      <p:nvGrpSpPr>
-        <p:cNvPr id="1" name=""/>
-        <p:cNvGrpSpPr/>
-        <p:nvPr/>
-      </p:nvGrpSpPr>
-      <p:grpSpPr>
-        <a:xfrm>
-          <a:off x="0" y="0"/>
-          <a:ext cx="0" cy="0"/>
-          <a:chOff x="0" y="0"/>
-          <a:chExt cx="0" cy="0"/>
-        </a:xfrm>
-      </p:grpSpPr>
-      <p:sp>
-        <p:nvSpPr>
-          <p:cNvPr id="2" name="Title 1"/>
-          <p:cNvSpPr>
-            <a:spLocks noGrp="1"/>
-          </p:cNvSpPr>
-          <p:nvPr>
-            <p:ph type="title"/>
-          </p:nvPr>
-        </p:nvSpPr>
-        <p:spPr/>
-        <p:txBody>
-          <a:bodyPr>
-            <a:normAutofit/>
-          </a:bodyPr>
-          <a:lstStyle/>
-          <a:p>
-            <a:pPr lvl="0"/>
-            <a:r>
-              <a:rPr lang="en-US" b="1" u="sng" dirty="0" err="1"/>
-              <a:t>AnTuTu</a:t>
-            </a:r>
-            <a:r>
-              <a:rPr lang="en-US" b="1" u="sng" dirty="0"/>
-              <a:t> Benchmark </a:t>
-            </a:r>
-            <a:endParaRPr lang="en-US" dirty="0"/>
-          </a:p>
-        </p:txBody>
-      </p:sp>
-      <p:sp>
-        <p:nvSpPr>
-          <p:cNvPr id="3" name="Content Placeholder 2"/>
-          <p:cNvSpPr>
-            <a:spLocks noGrp="1"/>
-          </p:cNvSpPr>
-          <p:nvPr>
-            <p:ph idx="1"/>
-          </p:nvPr>
-        </p:nvSpPr>
-        <p:spPr/>
-        <p:txBody>
-          <a:bodyPr>
-            <a:normAutofit/>
-          </a:bodyPr>
-          <a:lstStyle/>
-          <a:p>
-            <a:pPr marL="0" indent="0">
-              <a:buNone/>
-            </a:pPr>
-            <a:r>
-              <a:rPr lang="en-US" sz="2400" dirty="0" smtClean="0"/>
-              <a:t>Runs </a:t>
-            </a:r>
-            <a:r>
-              <a:rPr lang="en-US" sz="2400" dirty="0"/>
-              <a:t>tests on the following parts</a:t>
-            </a:r>
-          </a:p>
-          <a:p>
-            <a:pPr lvl="0"/>
-            <a:r>
-              <a:rPr lang="en-US" sz="2400" dirty="0"/>
-              <a:t>Memory Performance </a:t>
-            </a:r>
-          </a:p>
-          <a:p>
-            <a:pPr lvl="0"/>
-            <a:r>
-              <a:rPr lang="en-US" sz="2400" dirty="0"/>
-              <a:t>CPU Integer Performance</a:t>
-            </a:r>
-          </a:p>
-          <a:p>
-            <a:pPr lvl="0"/>
-            <a:r>
-              <a:rPr lang="en-US" sz="2400" dirty="0"/>
-              <a:t>CPU Floating point Performance</a:t>
-            </a:r>
-          </a:p>
-          <a:p>
-            <a:pPr lvl="0"/>
-            <a:r>
-              <a:rPr lang="en-US" sz="2400" dirty="0"/>
-              <a:t>2D Graphics Performance</a:t>
-            </a:r>
-          </a:p>
-          <a:p>
-            <a:pPr lvl="0"/>
-            <a:r>
-              <a:rPr lang="en-US" sz="2400" dirty="0"/>
-              <a:t>3D Graphics Performance</a:t>
-            </a:r>
-          </a:p>
-          <a:p>
-            <a:pPr lvl="0"/>
-            <a:r>
-              <a:rPr lang="en-US" sz="2400" dirty="0"/>
-              <a:t>SD card reading/writing speed</a:t>
-            </a:r>
-          </a:p>
-          <a:p>
-            <a:pPr lvl="0"/>
-            <a:r>
-              <a:rPr lang="en-US" sz="2400" dirty="0"/>
-              <a:t>Database IO performance testing</a:t>
-            </a:r>
-          </a:p>
-          <a:p>
-            <a:pPr marL="0" indent="0">
-              <a:buNone/>
-            </a:pPr>
+              <a:t> Benchmark</a:t>
+            </a:r>
             <a:endParaRPr lang="en-US" dirty="0"/>
           </a:p>
         </p:txBody>
       </p:sp>
       <p:pic>
         <p:nvPicPr>
-          <p:cNvPr id="4" name="Picture 3"/>
+          <p:cNvPr id="3" name="Content Placeholder 2"/>
           <p:cNvPicPr>
-            <a:picLocks noChangeAspect="1"/>
+            <a:picLocks noGrp="1" noChangeAspect="1"/>
           </p:cNvPicPr>
-          <p:nvPr/>
+          <p:nvPr>
+            <p:ph sz="half" idx="2"/>
+          </p:nvPr>
         </p:nvPicPr>
-        <p:blipFill rotWithShape="1">
+        <p:blipFill>
           <a:blip r:embed="rId2">
             <a:extLst>
               <a:ext uri="{28A0092B-C50C-407E-A947-70E740481C1C}">
@@ -3481,17 +7082,15 @@
               </a:ext>
             </a:extLst>
           </a:blip>
-          <a:srcRect t="4038"/>
-          <a:stretch/>
+          <a:stretch>
+            <a:fillRect/>
+          </a:stretch>
         </p:blipFill>
         <p:spPr>
           <a:xfrm>
-            <a:off x="5181600" y="2133599"/>
-            <a:ext cx="2133600" cy="3338955"/>
+            <a:off x="4495800" y="1676400"/>
+            <a:ext cx="2133600" cy="3658300"/>
           </a:xfrm>
-          <a:prstGeom prst="rect">
-            <a:avLst/>
-          </a:prstGeom>
         </p:spPr>
       </p:pic>
       <p:pic>
@@ -3502,7 +7101,7 @@
           </p:cNvPicPr>
           <p:nvPr/>
         </p:nvPicPr>
-        <p:blipFill rotWithShape="1">
+        <p:blipFill>
           <a:blip r:embed="rId3">
             <a:extLst>
               <a:ext uri="{28A0092B-C50C-407E-A947-70E740481C1C}">
@@ -3510,13 +7109,14 @@
               </a:ext>
             </a:extLst>
           </a:blip>
-          <a:srcRect t="4578" b="9804"/>
-          <a:stretch/>
+          <a:stretch>
+            <a:fillRect/>
+          </a:stretch>
         </p:blipFill>
         <p:spPr>
           <a:xfrm>
-            <a:off x="7414912" y="2133599"/>
-            <a:ext cx="1595032" cy="3338956"/>
+            <a:off x="5715000" y="381000"/>
+            <a:ext cx="742950" cy="742950"/>
           </a:xfrm>
           <a:prstGeom prst="rect">
             <a:avLst/>
@@ -3545,8 +7145,8 @@
         </p:blipFill>
         <p:spPr>
           <a:xfrm>
-            <a:off x="7043437" y="533400"/>
-            <a:ext cx="742950" cy="742950"/>
+            <a:off x="6754091" y="1676400"/>
+            <a:ext cx="2147440" cy="3657600"/>
           </a:xfrm>
           <a:prstGeom prst="rect">
             <a:avLst/>
@@ -3556,7 +7156,7 @@
     </p:spTree>
     <p:extLst>
       <p:ext uri="{BB962C8B-B14F-4D97-AF65-F5344CB8AC3E}">
-        <p14:creationId xmlns:p14="http://schemas.microsoft.com/office/powerpoint/2010/main" val="2206322671"/>
+        <p14:creationId xmlns:p14="http://schemas.microsoft.com/office/powerpoint/2010/main" val="1958941095"/>
       </p:ext>
     </p:extLst>
   </p:cSld>
@@ -3573,7 +7173,7 @@
 </p:sld>
 </file>
 
-<file path=ppt/slides/slide4.xml><?xml version="1.0" encoding="utf-8"?>
+<file path=ppt/slides/slide11.xml><?xml version="1.0" encoding="utf-8"?>
 <p:sld xmlns:a="http://schemas.openxmlformats.org/drawingml/2006/main" xmlns:r="http://schemas.openxmlformats.org/officeDocument/2006/relationships" xmlns:p="http://schemas.openxmlformats.org/presentationml/2006/main">
   <p:cSld>
     <p:spTree>
@@ -3602,110 +7202,199 @@
         </p:nvSpPr>
         <p:spPr/>
         <p:txBody>
+          <a:bodyPr/>
+          <a:lstStyle/>
+          <a:p>
+            <a:pPr marL="0" marR="0" indent="0" algn="ctr" defTabSz="914400" rtl="0" eaLnBrk="1" fontAlgn="auto" latinLnBrk="0" hangingPunct="1">
+              <a:lnSpc>
+                <a:spcPct val="100000"/>
+              </a:lnSpc>
+              <a:spcBef>
+                <a:spcPct val="0"/>
+              </a:spcBef>
+              <a:spcAft>
+                <a:spcPts val="0"/>
+              </a:spcAft>
+              <a:buClrTx/>
+              <a:buSzTx/>
+              <a:buFontTx/>
+              <a:buNone/>
+              <a:tabLst/>
+              <a:defRPr/>
+            </a:pPr>
+            <a:r>
+              <a:rPr lang="en-US" sz="3600" u="sng" kern="1200" dirty="0" err="1" smtClean="0">
+                <a:solidFill>
+                  <a:schemeClr val="tx1"/>
+                </a:solidFill>
+                <a:effectLst/>
+              </a:rPr>
+              <a:t>Linpack</a:t>
+            </a:r>
+            <a:r>
+              <a:rPr lang="en-US" sz="3600" u="sng" kern="1200" dirty="0" smtClean="0">
+                <a:solidFill>
+                  <a:schemeClr val="tx1"/>
+                </a:solidFill>
+                <a:effectLst/>
+              </a:rPr>
+              <a:t> for Android</a:t>
+            </a:r>
+            <a:endParaRPr lang="en-US" sz="3600" u="sng" dirty="0" smtClean="0">
+              <a:effectLst/>
+            </a:endParaRPr>
+          </a:p>
+        </p:txBody>
+      </p:sp>
+      <p:sp>
+        <p:nvSpPr>
+          <p:cNvPr id="4" name="Content Placeholder 3"/>
+          <p:cNvSpPr>
+            <a:spLocks noGrp="1"/>
+          </p:cNvSpPr>
+          <p:nvPr>
+            <p:ph sz="half" idx="1"/>
+          </p:nvPr>
+        </p:nvSpPr>
+        <p:spPr/>
+        <p:txBody>
           <a:bodyPr>
-            <a:normAutofit/>
+            <a:normAutofit fontScale="92500" lnSpcReduction="10000"/>
           </a:bodyPr>
           <a:lstStyle/>
           <a:p>
             <a:r>
-              <a:rPr lang="en-US" sz="3200" b="1" u="sng" dirty="0" err="1" smtClean="0"/>
-              <a:t>AnTuTu</a:t>
-            </a:r>
-            <a:r>
-              <a:rPr lang="en-US" sz="3200" b="1" u="sng" dirty="0" smtClean="0"/>
-              <a:t> Benchmark  VS Quadrant Standard</a:t>
-            </a:r>
-            <a:endParaRPr lang="en-US" sz="3200" dirty="0"/>
-          </a:p>
-        </p:txBody>
-      </p:sp>
-      <p:sp>
-        <p:nvSpPr>
+              <a:rPr lang="en-US" dirty="0" smtClean="0"/>
+              <a:t>Measures CPU performance</a:t>
+            </a:r>
+          </a:p>
+          <a:p>
+            <a:r>
+              <a:rPr lang="en-US" dirty="0" smtClean="0"/>
+              <a:t>Measures system’s floating point computing power</a:t>
+            </a:r>
+          </a:p>
+          <a:p>
+            <a:r>
+              <a:rPr lang="en-US" dirty="0" smtClean="0"/>
+              <a:t>Result presented in </a:t>
+            </a:r>
+            <a:r>
+              <a:rPr lang="en-US" dirty="0" smtClean="0"/>
+              <a:t>millions </a:t>
+            </a:r>
+            <a:r>
+              <a:rPr lang="en-US" dirty="0" smtClean="0"/>
+              <a:t>of floating point operations per </a:t>
+            </a:r>
+            <a:r>
+              <a:rPr lang="en-US" dirty="0" smtClean="0"/>
+              <a:t>second</a:t>
+            </a:r>
+          </a:p>
+          <a:p>
+            <a:r>
+              <a:rPr lang="en-US" dirty="0" smtClean="0"/>
+              <a:t>Reason for not choosing: </a:t>
+            </a:r>
+          </a:p>
+          <a:p>
+            <a:pPr lvl="1">
+              <a:lnSpc>
+                <a:spcPct val="90000"/>
+              </a:lnSpc>
+            </a:pPr>
+            <a:r>
+              <a:rPr lang="en-US" dirty="0"/>
+              <a:t>CPU Performance Test is included in the </a:t>
+            </a:r>
+            <a:r>
+              <a:rPr lang="en-US" dirty="0" smtClean="0"/>
+              <a:t>testing </a:t>
+            </a:r>
+            <a:r>
+              <a:rPr lang="en-US" dirty="0"/>
+              <a:t>done by </a:t>
+            </a:r>
+            <a:r>
+              <a:rPr lang="en-US" dirty="0" err="1"/>
+              <a:t>Antutu</a:t>
+            </a:r>
+            <a:r>
+              <a:rPr lang="en-US" dirty="0"/>
+              <a:t> </a:t>
+            </a:r>
+            <a:r>
+              <a:rPr lang="en-US" dirty="0" smtClean="0"/>
+              <a:t>Benchmark</a:t>
+            </a:r>
+            <a:endParaRPr lang="en-US" dirty="0"/>
+          </a:p>
+        </p:txBody>
+      </p:sp>
+      <p:pic>
+        <p:nvPicPr>
           <p:cNvPr id="3" name="Content Placeholder 2"/>
-          <p:cNvSpPr>
-            <a:spLocks noGrp="1"/>
-          </p:cNvSpPr>
-          <p:nvPr>
-            <p:ph idx="1"/>
-          </p:nvPr>
-        </p:nvSpPr>
-        <p:spPr/>
-        <p:txBody>
-          <a:bodyPr/>
-          <a:lstStyle/>
-          <a:p>
-            <a:r>
-              <a:rPr lang="en-US" sz="2400" dirty="0" smtClean="0"/>
-              <a:t>Quadrant </a:t>
-            </a:r>
-            <a:r>
-              <a:rPr lang="en-US" sz="2400" dirty="0"/>
-              <a:t>standard </a:t>
-            </a:r>
-            <a:r>
-              <a:rPr lang="en-US" sz="2400" dirty="0" smtClean="0"/>
-              <a:t>is a popular android application similar to </a:t>
-            </a:r>
-            <a:r>
-              <a:rPr lang="en-US" sz="2400" dirty="0" err="1" smtClean="0"/>
-              <a:t>AnTuTu</a:t>
-            </a:r>
-            <a:r>
-              <a:rPr lang="en-US" sz="2400" dirty="0" smtClean="0"/>
-              <a:t> Benchmark, it also performs </a:t>
-            </a:r>
-            <a:r>
-              <a:rPr lang="en-US" sz="2400" dirty="0"/>
-              <a:t>tests on CPU, Memory, I/O and 2D and 3D graphics performance </a:t>
-            </a:r>
-          </a:p>
-          <a:p>
-            <a:pPr marL="0" indent="0">
-              <a:buNone/>
-            </a:pPr>
-            <a:endParaRPr lang="en-US" sz="2400" dirty="0" smtClean="0"/>
-          </a:p>
-          <a:p>
-            <a:r>
-              <a:rPr lang="en-US" sz="2400" dirty="0" err="1" smtClean="0"/>
-              <a:t>AnTuTu</a:t>
-            </a:r>
-            <a:r>
-              <a:rPr lang="en-US" sz="2400" dirty="0" smtClean="0"/>
-              <a:t> Benchmark allows both full benchmark test and custom benchmark test, that is user can choose to test on certain parts of the device</a:t>
-            </a:r>
-          </a:p>
-          <a:p>
-            <a:pPr marL="0" indent="0">
-              <a:buNone/>
-            </a:pPr>
-            <a:r>
-              <a:rPr lang="en-US" sz="2400" dirty="0" smtClean="0"/>
-              <a:t>     Quadrant standard only allows full benchmark test</a:t>
-            </a:r>
-          </a:p>
-          <a:p>
-            <a:pPr marL="0" indent="0">
-              <a:buNone/>
-            </a:pPr>
-            <a:endParaRPr lang="en-US" sz="2400" dirty="0"/>
-          </a:p>
-          <a:p>
-            <a:r>
-              <a:rPr lang="en-US" sz="2400" dirty="0" err="1"/>
-              <a:t>AnTuTu</a:t>
-            </a:r>
-            <a:r>
-              <a:rPr lang="en-US" sz="2400" dirty="0"/>
-              <a:t> can finish the full benchmark test within 5 minutes</a:t>
-            </a:r>
-          </a:p>
-        </p:txBody>
-      </p:sp>
+          <p:cNvPicPr>
+            <a:picLocks noGrp="1" noChangeAspect="1"/>
+          </p:cNvPicPr>
+          <p:nvPr>
+            <p:ph sz="half" idx="2"/>
+          </p:nvPr>
+        </p:nvPicPr>
+        <p:blipFill>
+          <a:blip r:embed="rId3">
+            <a:extLst>
+              <a:ext uri="{28A0092B-C50C-407E-A947-70E740481C1C}">
+                <a14:useLocalDpi xmlns:a14="http://schemas.microsoft.com/office/drawing/2010/main" val="0"/>
+              </a:ext>
+            </a:extLst>
+          </a:blip>
+          <a:stretch>
+            <a:fillRect/>
+          </a:stretch>
+        </p:blipFill>
+        <p:spPr>
+          <a:xfrm>
+            <a:off x="5486400" y="1524000"/>
+            <a:ext cx="2713809" cy="4525963"/>
+          </a:xfrm>
+        </p:spPr>
+      </p:pic>
+      <p:pic>
+        <p:nvPicPr>
+          <p:cNvPr id="6" name="Picture 5"/>
+          <p:cNvPicPr>
+            <a:picLocks noChangeAspect="1"/>
+          </p:cNvPicPr>
+          <p:nvPr/>
+        </p:nvPicPr>
+        <p:blipFill>
+          <a:blip r:embed="rId4">
+            <a:extLst>
+              <a:ext uri="{28A0092B-C50C-407E-A947-70E740481C1C}">
+                <a14:useLocalDpi xmlns:a14="http://schemas.microsoft.com/office/drawing/2010/main" val="0"/>
+              </a:ext>
+            </a:extLst>
+          </a:blip>
+          <a:stretch>
+            <a:fillRect/>
+          </a:stretch>
+        </p:blipFill>
+        <p:spPr>
+          <a:xfrm>
+            <a:off x="6553200" y="381000"/>
+            <a:ext cx="742950" cy="742950"/>
+          </a:xfrm>
+          <a:prstGeom prst="rect">
+            <a:avLst/>
+          </a:prstGeom>
+        </p:spPr>
+      </p:pic>
     </p:spTree>
     <p:extLst>
       <p:ext uri="{BB962C8B-B14F-4D97-AF65-F5344CB8AC3E}">
-        <p14:creationId xmlns:p14="http://schemas.microsoft.com/office/powerpoint/2010/main" val="1445709920"/>
+        <p14:creationId xmlns:p14="http://schemas.microsoft.com/office/powerpoint/2010/main" val="1155469176"/>
       </p:ext>
     </p:extLst>
   </p:cSld>
@@ -3722,7 +7411,7 @@
 </p:sld>
 </file>
 
-<file path=ppt/slides/slide5.xml><?xml version="1.0" encoding="utf-8"?>
+<file path=ppt/slides/slide12.xml><?xml version="1.0" encoding="utf-8"?>
 <p:sld xmlns:a="http://schemas.openxmlformats.org/drawingml/2006/main" xmlns:r="http://schemas.openxmlformats.org/officeDocument/2006/relationships" xmlns:p="http://schemas.openxmlformats.org/presentationml/2006/main">
   <p:cSld>
     <p:spTree>
@@ -3749,166 +7438,118 @@
             <p:ph type="title"/>
           </p:nvPr>
         </p:nvSpPr>
-        <p:spPr>
-          <a:xfrm>
-            <a:off x="152400" y="152400"/>
-            <a:ext cx="8229600" cy="1143000"/>
-          </a:xfrm>
-        </p:spPr>
-        <p:txBody>
-          <a:bodyPr>
-            <a:normAutofit/>
-          </a:bodyPr>
-          <a:lstStyle/>
-          <a:p>
-            <a:pPr lvl="0"/>
-            <a:r>
-              <a:rPr lang="en-US" b="1" u="sng" dirty="0" err="1"/>
-              <a:t>Vellamo</a:t>
-            </a:r>
-            <a:r>
-              <a:rPr lang="en-US" b="1" u="sng" dirty="0"/>
-              <a:t> Mobile Web </a:t>
-            </a:r>
-            <a:r>
-              <a:rPr lang="en-US" b="1" u="sng" dirty="0" smtClean="0"/>
+        <p:spPr/>
+        <p:txBody>
+          <a:bodyPr/>
+          <a:lstStyle/>
+          <a:p>
+            <a:pPr marL="0" marR="0" indent="0" algn="ctr" defTabSz="914400" rtl="0" eaLnBrk="1" fontAlgn="auto" latinLnBrk="0" hangingPunct="1">
+              <a:lnSpc>
+                <a:spcPct val="100000"/>
+              </a:lnSpc>
+              <a:spcBef>
+                <a:spcPct val="0"/>
+              </a:spcBef>
+              <a:spcAft>
+                <a:spcPts val="0"/>
+              </a:spcAft>
+              <a:buClrTx/>
+              <a:buSzTx/>
+              <a:buFontTx/>
+              <a:buNone/>
+              <a:tabLst/>
+              <a:defRPr/>
+            </a:pPr>
+            <a:r>
+              <a:rPr lang="en-US" sz="3600" u="sng" kern="1200" dirty="0" smtClean="0">
+                <a:solidFill>
+                  <a:schemeClr val="tx1"/>
+                </a:solidFill>
+                <a:effectLst/>
+              </a:rPr>
+              <a:t>CPU Benchmark</a:t>
+            </a:r>
+            <a:endParaRPr lang="en-US" sz="3600" u="sng" dirty="0" smtClean="0">
+              <a:effectLst/>
+            </a:endParaRPr>
+          </a:p>
+        </p:txBody>
+      </p:sp>
+      <p:sp>
+        <p:nvSpPr>
+          <p:cNvPr id="4" name="Content Placeholder 3"/>
+          <p:cNvSpPr>
+            <a:spLocks noGrp="1"/>
+          </p:cNvSpPr>
+          <p:nvPr>
+            <p:ph sz="half" idx="1"/>
+          </p:nvPr>
+        </p:nvSpPr>
+        <p:spPr/>
+        <p:txBody>
+          <a:bodyPr/>
+          <a:lstStyle/>
+          <a:p>
+            <a:r>
+              <a:rPr lang="en-US" dirty="0" smtClean="0"/>
+              <a:t>CPU Benchmarking tool for android</a:t>
+            </a:r>
+          </a:p>
+          <a:p>
+            <a:r>
+              <a:rPr lang="en-US" dirty="0" smtClean="0"/>
+              <a:t>Simple test on the speed of </a:t>
+            </a:r>
+            <a:r>
+              <a:rPr lang="en-US" dirty="0" smtClean="0"/>
+              <a:t>CPU</a:t>
+            </a:r>
+          </a:p>
+          <a:p>
+            <a:r>
+              <a:rPr lang="en-US" dirty="0"/>
+              <a:t>Reason for not choosing:</a:t>
+            </a:r>
+          </a:p>
+          <a:p>
+            <a:pPr lvl="1"/>
+            <a:r>
+              <a:rPr lang="en-US" dirty="0"/>
+              <a:t>CPU Performance Test is included in the </a:t>
+            </a:r>
+            <a:r>
+              <a:rPr lang="en-US" dirty="0" smtClean="0"/>
+              <a:t>testing </a:t>
+            </a:r>
+            <a:r>
+              <a:rPr lang="en-US" dirty="0"/>
+              <a:t>done by </a:t>
+            </a:r>
+            <a:r>
+              <a:rPr lang="en-US" dirty="0" err="1"/>
+              <a:t>Antutu</a:t>
+            </a:r>
+            <a:r>
+              <a:rPr lang="en-US" dirty="0"/>
+              <a:t> </a:t>
+            </a:r>
+            <a:r>
+              <a:rPr lang="en-US" dirty="0" smtClean="0"/>
               <a:t>Benchmark</a:t>
             </a:r>
             <a:endParaRPr lang="en-US" dirty="0"/>
-          </a:p>
-        </p:txBody>
-      </p:sp>
-      <p:sp>
-        <p:nvSpPr>
-          <p:cNvPr id="3" name="Content Placeholder 2"/>
-          <p:cNvSpPr>
-            <a:spLocks noGrp="1"/>
-          </p:cNvSpPr>
-          <p:nvPr>
-            <p:ph idx="1"/>
-          </p:nvPr>
-        </p:nvSpPr>
-        <p:spPr>
-          <a:xfrm>
-            <a:off x="457200" y="1200150"/>
-            <a:ext cx="5334000" cy="5257800"/>
-          </a:xfrm>
-        </p:spPr>
-        <p:txBody>
-          <a:bodyPr>
-            <a:normAutofit lnSpcReduction="10000"/>
-          </a:bodyPr>
-          <a:lstStyle/>
-          <a:p>
-            <a:pPr marL="0" indent="0">
-              <a:buNone/>
-            </a:pPr>
-            <a:r>
-              <a:rPr lang="en-US" sz="2000" dirty="0" smtClean="0"/>
-              <a:t>Measures </a:t>
-            </a:r>
-            <a:r>
-              <a:rPr lang="en-US" sz="2000" dirty="0"/>
-              <a:t>the following things</a:t>
-            </a:r>
-          </a:p>
-          <a:p>
-            <a:r>
-              <a:rPr lang="en-US" sz="2000" dirty="0"/>
-              <a:t>the browser’s use of the HTML5 display processing subsystem</a:t>
-            </a:r>
-          </a:p>
-          <a:p>
-            <a:r>
-              <a:rPr lang="en-US" sz="2000" dirty="0"/>
-              <a:t>overall speed and efficiency of the JavaScript virtual machine</a:t>
-            </a:r>
-          </a:p>
-          <a:p>
-            <a:r>
-              <a:rPr lang="en-US" sz="2000" dirty="0"/>
-              <a:t>the efficiency between this engine and the core browser</a:t>
-            </a:r>
-          </a:p>
-          <a:p>
-            <a:r>
-              <a:rPr lang="en-US" sz="2000" dirty="0"/>
-              <a:t>responsiveness of panning, zooming, and scrolling of text, images, and standard web page objects</a:t>
-            </a:r>
-          </a:p>
-          <a:p>
-            <a:r>
-              <a:rPr lang="en-US" sz="2000" dirty="0"/>
-              <a:t>the performance of the browser’s HTTP and IP networking stack</a:t>
-            </a:r>
-          </a:p>
-          <a:p>
-            <a:pPr marL="0" indent="0">
-              <a:buNone/>
-            </a:pPr>
-            <a:endParaRPr lang="en-US" sz="1800" dirty="0" smtClean="0"/>
-          </a:p>
-          <a:p>
-            <a:pPr marL="0" indent="0">
-              <a:buNone/>
-            </a:pPr>
-            <a:r>
-              <a:rPr lang="en-US" sz="2000" dirty="0" smtClean="0"/>
-              <a:t>Reasons for choosing this application:</a:t>
-            </a:r>
-          </a:p>
-          <a:p>
-            <a:r>
-              <a:rPr lang="en-US" sz="2000" dirty="0"/>
-              <a:t>High user rating </a:t>
-            </a:r>
-            <a:r>
-              <a:rPr lang="en-US" sz="2000" dirty="0" smtClean="0"/>
-              <a:t>in </a:t>
-            </a:r>
-            <a:r>
-              <a:rPr lang="en-US" sz="2000" dirty="0" err="1" smtClean="0"/>
-              <a:t>google</a:t>
-            </a:r>
-            <a:r>
-              <a:rPr lang="en-US" sz="2000" dirty="0" smtClean="0"/>
-              <a:t> </a:t>
-            </a:r>
-            <a:r>
-              <a:rPr lang="en-US" sz="2000" dirty="0"/>
-              <a:t>play </a:t>
-            </a:r>
-            <a:r>
-              <a:rPr lang="en-US" sz="2000" dirty="0" smtClean="0"/>
-              <a:t>store </a:t>
-            </a:r>
-          </a:p>
-          <a:p>
-            <a:pPr marL="0" indent="0">
-              <a:buNone/>
-            </a:pPr>
-            <a:r>
-              <a:rPr lang="en-US" sz="2000" dirty="0"/>
-              <a:t> </a:t>
-            </a:r>
-            <a:r>
-              <a:rPr lang="en-US" sz="2000" dirty="0" smtClean="0"/>
-              <a:t>      </a:t>
-            </a:r>
-            <a:r>
-              <a:rPr lang="en-US" sz="1600" dirty="0" smtClean="0"/>
-              <a:t>(average rating : 4.3 / 5)</a:t>
-            </a:r>
           </a:p>
         </p:txBody>
       </p:sp>
       <p:pic>
         <p:nvPicPr>
-          <p:cNvPr id="4" name="Picture 3"/>
+          <p:cNvPr id="8" name="Content Placeholder 7"/>
           <p:cNvPicPr>
-            <a:picLocks noChangeAspect="1"/>
+            <a:picLocks noGrp="1" noChangeAspect="1"/>
           </p:cNvPicPr>
-          <p:nvPr/>
+          <p:nvPr>
+            <p:ph sz="half" idx="2"/>
+          </p:nvPr>
         </p:nvPicPr>
         <p:blipFill>
           <a:blip r:embed="rId2">
@@ -3924,12 +7565,688 @@
         </p:blipFill>
         <p:spPr>
           <a:xfrm>
-            <a:off x="5943600" y="1447800"/>
-            <a:ext cx="2924175" cy="4876800"/>
+            <a:off x="5562600" y="1905000"/>
+            <a:ext cx="2765954" cy="4148932"/>
+          </a:xfrm>
+        </p:spPr>
+      </p:pic>
+      <p:pic>
+        <p:nvPicPr>
+          <p:cNvPr id="6" name="Picture 5"/>
+          <p:cNvPicPr>
+            <a:picLocks noChangeAspect="1"/>
+          </p:cNvPicPr>
+          <p:nvPr/>
+        </p:nvPicPr>
+        <p:blipFill>
+          <a:blip r:embed="rId3">
+            <a:extLst>
+              <a:ext uri="{28A0092B-C50C-407E-A947-70E740481C1C}">
+                <a14:useLocalDpi xmlns:a14="http://schemas.microsoft.com/office/drawing/2010/main" val="0"/>
+              </a:ext>
+            </a:extLst>
+          </a:blip>
+          <a:stretch>
+            <a:fillRect/>
+          </a:stretch>
+        </p:blipFill>
+        <p:spPr>
+          <a:xfrm>
+            <a:off x="6400800" y="381000"/>
+            <a:ext cx="742950" cy="742950"/>
           </a:xfrm>
           <a:prstGeom prst="rect">
             <a:avLst/>
           </a:prstGeom>
+        </p:spPr>
+      </p:pic>
+    </p:spTree>
+    <p:extLst>
+      <p:ext uri="{BB962C8B-B14F-4D97-AF65-F5344CB8AC3E}">
+        <p14:creationId xmlns:p14="http://schemas.microsoft.com/office/powerpoint/2010/main" val="1552527555"/>
+      </p:ext>
+    </p:extLst>
+  </p:cSld>
+  <p:clrMapOvr>
+    <a:masterClrMapping/>
+  </p:clrMapOvr>
+  <p:timing>
+    <p:tnLst>
+      <p:par>
+        <p:cTn id="1" dur="indefinite" restart="never" nodeType="tmRoot"/>
+      </p:par>
+    </p:tnLst>
+  </p:timing>
+</p:sld>
+</file>
+
+<file path=ppt/slides/slide13.xml><?xml version="1.0" encoding="utf-8"?>
+<p:sld xmlns:a="http://schemas.openxmlformats.org/drawingml/2006/main" xmlns:r="http://schemas.openxmlformats.org/officeDocument/2006/relationships" xmlns:p="http://schemas.openxmlformats.org/presentationml/2006/main">
+  <p:cSld>
+    <p:spTree>
+      <p:nvGrpSpPr>
+        <p:cNvPr id="1" name=""/>
+        <p:cNvGrpSpPr/>
+        <p:nvPr/>
+      </p:nvGrpSpPr>
+      <p:grpSpPr>
+        <a:xfrm>
+          <a:off x="0" y="0"/>
+          <a:ext cx="0" cy="0"/>
+          <a:chOff x="0" y="0"/>
+          <a:chExt cx="0" cy="0"/>
+        </a:xfrm>
+      </p:grpSpPr>
+      <p:sp>
+        <p:nvSpPr>
+          <p:cNvPr id="2" name="Title 1"/>
+          <p:cNvSpPr>
+            <a:spLocks noGrp="1"/>
+          </p:cNvSpPr>
+          <p:nvPr>
+            <p:ph type="title"/>
+          </p:nvPr>
+        </p:nvSpPr>
+        <p:spPr/>
+        <p:txBody>
+          <a:bodyPr/>
+          <a:lstStyle/>
+          <a:p>
+            <a:pPr marL="0" marR="0" indent="0" algn="ctr" defTabSz="914400" rtl="0" eaLnBrk="1" fontAlgn="auto" latinLnBrk="0" hangingPunct="1">
+              <a:lnSpc>
+                <a:spcPct val="100000"/>
+              </a:lnSpc>
+              <a:spcBef>
+                <a:spcPct val="0"/>
+              </a:spcBef>
+              <a:spcAft>
+                <a:spcPts val="0"/>
+              </a:spcAft>
+              <a:buClrTx/>
+              <a:buSzTx/>
+              <a:buFontTx/>
+              <a:buNone/>
+              <a:tabLst/>
+              <a:defRPr/>
+            </a:pPr>
+            <a:r>
+              <a:rPr lang="en-US" sz="3600" u="sng" kern="1200" dirty="0" err="1" smtClean="0">
+                <a:solidFill>
+                  <a:schemeClr val="tx1"/>
+                </a:solidFill>
+                <a:effectLst/>
+              </a:rPr>
+              <a:t>RealPi</a:t>
+            </a:r>
+            <a:endParaRPr lang="en-US" sz="3600" u="sng" dirty="0" smtClean="0">
+              <a:effectLst/>
+            </a:endParaRPr>
+          </a:p>
+        </p:txBody>
+      </p:sp>
+      <p:sp>
+        <p:nvSpPr>
+          <p:cNvPr id="4" name="Content Placeholder 3"/>
+          <p:cNvSpPr>
+            <a:spLocks noGrp="1"/>
+          </p:cNvSpPr>
+          <p:nvPr>
+            <p:ph sz="half" idx="1"/>
+          </p:nvPr>
+        </p:nvSpPr>
+        <p:spPr/>
+        <p:txBody>
+          <a:bodyPr>
+            <a:normAutofit fontScale="92500"/>
+          </a:bodyPr>
+          <a:lstStyle/>
+          <a:p>
+            <a:r>
+              <a:rPr lang="en-US" dirty="0"/>
+              <a:t>tests </a:t>
+            </a:r>
+            <a:r>
+              <a:rPr lang="en-US" dirty="0" smtClean="0"/>
+              <a:t>on </a:t>
+            </a:r>
+            <a:r>
+              <a:rPr lang="en-US" dirty="0"/>
+              <a:t>CPU and memory </a:t>
+            </a:r>
+            <a:r>
+              <a:rPr lang="en-US" dirty="0" smtClean="0"/>
+              <a:t>performance</a:t>
+            </a:r>
+          </a:p>
+          <a:p>
+            <a:r>
+              <a:rPr lang="en-US" dirty="0" smtClean="0"/>
+              <a:t>Using tests on calculating the value of Pi to many decimal places</a:t>
+            </a:r>
+          </a:p>
+          <a:p>
+            <a:r>
+              <a:rPr lang="en-US" dirty="0" smtClean="0"/>
+              <a:t>Reason for not choosing:</a:t>
+            </a:r>
+          </a:p>
+          <a:p>
+            <a:pPr lvl="1"/>
+            <a:r>
+              <a:rPr lang="en-US" dirty="0" smtClean="0"/>
+              <a:t>CPU </a:t>
+            </a:r>
+            <a:r>
+              <a:rPr lang="en-US" dirty="0"/>
+              <a:t>and memory performance </a:t>
+            </a:r>
+            <a:r>
+              <a:rPr lang="en-US" dirty="0" smtClean="0"/>
+              <a:t>tests are </a:t>
+            </a:r>
+            <a:r>
+              <a:rPr lang="en-US" dirty="0"/>
+              <a:t>included in the </a:t>
+            </a:r>
+            <a:r>
+              <a:rPr lang="en-US" dirty="0" smtClean="0"/>
+              <a:t>testing done </a:t>
+            </a:r>
+            <a:r>
+              <a:rPr lang="en-US" dirty="0"/>
+              <a:t>by </a:t>
+            </a:r>
+            <a:r>
+              <a:rPr lang="en-US" dirty="0" err="1"/>
+              <a:t>Antutu</a:t>
+            </a:r>
+            <a:r>
+              <a:rPr lang="en-US" dirty="0"/>
+              <a:t> </a:t>
+            </a:r>
+            <a:r>
+              <a:rPr lang="en-US" dirty="0" smtClean="0"/>
+              <a:t>Benchmark</a:t>
+            </a:r>
+          </a:p>
+        </p:txBody>
+      </p:sp>
+      <p:pic>
+        <p:nvPicPr>
+          <p:cNvPr id="3" name="Content Placeholder 2"/>
+          <p:cNvPicPr>
+            <a:picLocks noGrp="1" noChangeAspect="1"/>
+          </p:cNvPicPr>
+          <p:nvPr>
+            <p:ph sz="half" idx="2"/>
+          </p:nvPr>
+        </p:nvPicPr>
+        <p:blipFill>
+          <a:blip r:embed="rId2">
+            <a:extLst>
+              <a:ext uri="{28A0092B-C50C-407E-A947-70E740481C1C}">
+                <a14:useLocalDpi xmlns:a14="http://schemas.microsoft.com/office/drawing/2010/main" val="0"/>
+              </a:ext>
+            </a:extLst>
+          </a:blip>
+          <a:stretch>
+            <a:fillRect/>
+          </a:stretch>
+        </p:blipFill>
+        <p:spPr>
+          <a:xfrm>
+            <a:off x="5486400" y="1447800"/>
+            <a:ext cx="3017308" cy="4525963"/>
+          </a:xfrm>
+        </p:spPr>
+      </p:pic>
+      <p:pic>
+        <p:nvPicPr>
+          <p:cNvPr id="6" name="Picture 5"/>
+          <p:cNvPicPr>
+            <a:picLocks noChangeAspect="1"/>
+          </p:cNvPicPr>
+          <p:nvPr/>
+        </p:nvPicPr>
+        <p:blipFill>
+          <a:blip r:embed="rId3">
+            <a:extLst>
+              <a:ext uri="{28A0092B-C50C-407E-A947-70E740481C1C}">
+                <a14:useLocalDpi xmlns:a14="http://schemas.microsoft.com/office/drawing/2010/main" val="0"/>
+              </a:ext>
+            </a:extLst>
+          </a:blip>
+          <a:stretch>
+            <a:fillRect/>
+          </a:stretch>
+        </p:blipFill>
+        <p:spPr>
+          <a:xfrm>
+            <a:off x="5638800" y="457200"/>
+            <a:ext cx="742950" cy="742950"/>
+          </a:xfrm>
+          <a:prstGeom prst="rect">
+            <a:avLst/>
+          </a:prstGeom>
+        </p:spPr>
+      </p:pic>
+    </p:spTree>
+    <p:extLst>
+      <p:ext uri="{BB962C8B-B14F-4D97-AF65-F5344CB8AC3E}">
+        <p14:creationId xmlns:p14="http://schemas.microsoft.com/office/powerpoint/2010/main" val="720312078"/>
+      </p:ext>
+    </p:extLst>
+  </p:cSld>
+  <p:clrMapOvr>
+    <a:masterClrMapping/>
+  </p:clrMapOvr>
+  <p:timing>
+    <p:tnLst>
+      <p:par>
+        <p:cTn id="1" dur="indefinite" restart="never" nodeType="tmRoot"/>
+      </p:par>
+    </p:tnLst>
+  </p:timing>
+</p:sld>
+</file>
+
+<file path=ppt/slides/slide14.xml><?xml version="1.0" encoding="utf-8"?>
+<p:sld xmlns:a="http://schemas.openxmlformats.org/drawingml/2006/main" xmlns:r="http://schemas.openxmlformats.org/officeDocument/2006/relationships" xmlns:p="http://schemas.openxmlformats.org/presentationml/2006/main">
+  <p:cSld>
+    <p:spTree>
+      <p:nvGrpSpPr>
+        <p:cNvPr id="1" name=""/>
+        <p:cNvGrpSpPr/>
+        <p:nvPr/>
+      </p:nvGrpSpPr>
+      <p:grpSpPr>
+        <a:xfrm>
+          <a:off x="0" y="0"/>
+          <a:ext cx="0" cy="0"/>
+          <a:chOff x="0" y="0"/>
+          <a:chExt cx="0" cy="0"/>
+        </a:xfrm>
+      </p:grpSpPr>
+      <p:sp>
+        <p:nvSpPr>
+          <p:cNvPr id="2" name="Title 1"/>
+          <p:cNvSpPr>
+            <a:spLocks noGrp="1"/>
+          </p:cNvSpPr>
+          <p:nvPr>
+            <p:ph type="title"/>
+          </p:nvPr>
+        </p:nvSpPr>
+        <p:spPr/>
+        <p:txBody>
+          <a:bodyPr/>
+          <a:lstStyle/>
+          <a:p>
+            <a:pPr marL="0" marR="0" indent="0" algn="ctr" defTabSz="914400" rtl="0" eaLnBrk="1" fontAlgn="auto" latinLnBrk="0" hangingPunct="1">
+              <a:lnSpc>
+                <a:spcPct val="100000"/>
+              </a:lnSpc>
+              <a:spcBef>
+                <a:spcPct val="0"/>
+              </a:spcBef>
+              <a:spcAft>
+                <a:spcPts val="0"/>
+              </a:spcAft>
+              <a:buClrTx/>
+              <a:buSzTx/>
+              <a:buFontTx/>
+              <a:buNone/>
+              <a:tabLst/>
+              <a:defRPr/>
+            </a:pPr>
+            <a:r>
+              <a:rPr lang="en-US" sz="3600" u="sng" kern="1200" dirty="0" smtClean="0">
+                <a:solidFill>
+                  <a:schemeClr val="tx1"/>
+                </a:solidFill>
+                <a:effectLst/>
+              </a:rPr>
+              <a:t>NenaMark2</a:t>
+            </a:r>
+            <a:endParaRPr lang="en-US" u="sng" dirty="0"/>
+          </a:p>
+        </p:txBody>
+      </p:sp>
+      <p:sp>
+        <p:nvSpPr>
+          <p:cNvPr id="4" name="Content Placeholder 3"/>
+          <p:cNvSpPr>
+            <a:spLocks noGrp="1"/>
+          </p:cNvSpPr>
+          <p:nvPr>
+            <p:ph sz="half" idx="1"/>
+          </p:nvPr>
+        </p:nvSpPr>
+        <p:spPr>
+          <a:xfrm>
+            <a:off x="457200" y="1600201"/>
+            <a:ext cx="4038600" cy="4495800"/>
+          </a:xfrm>
+        </p:spPr>
+        <p:txBody>
+          <a:bodyPr>
+            <a:normAutofit fontScale="25000" lnSpcReduction="20000"/>
+          </a:bodyPr>
+          <a:lstStyle/>
+          <a:p>
+            <a:r>
+              <a:rPr lang="en-US" sz="8800" dirty="0"/>
+              <a:t>Graphics performance benchmark application</a:t>
+            </a:r>
+          </a:p>
+          <a:p>
+            <a:r>
+              <a:rPr lang="en-US" sz="8800" dirty="0"/>
+              <a:t>Test on the performance of GPU</a:t>
+            </a:r>
+          </a:p>
+          <a:p>
+            <a:r>
+              <a:rPr lang="en-US" sz="8800" dirty="0"/>
+              <a:t>measures performance using realistic scenes that could be taken from a typical </a:t>
+            </a:r>
+            <a:r>
+              <a:rPr lang="en-US" sz="8800" dirty="0"/>
+              <a:t>game</a:t>
+            </a:r>
+          </a:p>
+          <a:p>
+            <a:r>
+              <a:rPr lang="en-US" sz="8800" dirty="0"/>
+              <a:t>result presented in </a:t>
+            </a:r>
+            <a:r>
+              <a:rPr lang="en-US" sz="8800" dirty="0"/>
+              <a:t>frames per </a:t>
+            </a:r>
+            <a:r>
+              <a:rPr lang="en-US" sz="8800" dirty="0"/>
+              <a:t>second</a:t>
+            </a:r>
+          </a:p>
+          <a:p>
+            <a:r>
+              <a:rPr lang="en-US" sz="8800" dirty="0"/>
+              <a:t>Reason for not </a:t>
+            </a:r>
+            <a:r>
+              <a:rPr lang="en-US" sz="8800" dirty="0"/>
+              <a:t>choosing:</a:t>
+            </a:r>
+          </a:p>
+          <a:p>
+            <a:pPr lvl="1"/>
+            <a:r>
+              <a:rPr lang="en-US" sz="7200" dirty="0"/>
+              <a:t>Graphics performance are being tested by </a:t>
+            </a:r>
+            <a:r>
+              <a:rPr lang="en-US" sz="7200" dirty="0" err="1"/>
+              <a:t>Antutu</a:t>
+            </a:r>
+            <a:r>
+              <a:rPr lang="en-US" sz="7200" dirty="0"/>
+              <a:t> Benchmark </a:t>
+            </a:r>
+          </a:p>
+          <a:p>
+            <a:pPr lvl="1"/>
+            <a:r>
+              <a:rPr lang="en-US" sz="7200" dirty="0"/>
+              <a:t>Some review say that fps score is meaningless due to low resolution scene can always give high fps</a:t>
+            </a:r>
+          </a:p>
+        </p:txBody>
+      </p:sp>
+      <p:pic>
+        <p:nvPicPr>
+          <p:cNvPr id="7" name="Content Placeholder 6"/>
+          <p:cNvPicPr>
+            <a:picLocks noGrp="1" noChangeAspect="1"/>
+          </p:cNvPicPr>
+          <p:nvPr>
+            <p:ph sz="half" idx="2"/>
+          </p:nvPr>
+        </p:nvPicPr>
+        <p:blipFill>
+          <a:blip r:embed="rId2">
+            <a:extLst>
+              <a:ext uri="{28A0092B-C50C-407E-A947-70E740481C1C}">
+                <a14:useLocalDpi xmlns:a14="http://schemas.microsoft.com/office/drawing/2010/main" val="0"/>
+              </a:ext>
+            </a:extLst>
+          </a:blip>
+          <a:stretch>
+            <a:fillRect/>
+          </a:stretch>
+        </p:blipFill>
+        <p:spPr>
+          <a:xfrm>
+            <a:off x="4715740" y="1592770"/>
+            <a:ext cx="4038600" cy="2522030"/>
+          </a:xfrm>
+        </p:spPr>
+      </p:pic>
+      <p:pic>
+        <p:nvPicPr>
+          <p:cNvPr id="6" name="Picture 5"/>
+          <p:cNvPicPr>
+            <a:picLocks noChangeAspect="1"/>
+          </p:cNvPicPr>
+          <p:nvPr/>
+        </p:nvPicPr>
+        <p:blipFill>
+          <a:blip r:embed="rId3">
+            <a:extLst>
+              <a:ext uri="{28A0092B-C50C-407E-A947-70E740481C1C}">
+                <a14:useLocalDpi xmlns:a14="http://schemas.microsoft.com/office/drawing/2010/main" val="0"/>
+              </a:ext>
+            </a:extLst>
+          </a:blip>
+          <a:stretch>
+            <a:fillRect/>
+          </a:stretch>
+        </p:blipFill>
+        <p:spPr>
+          <a:xfrm>
+            <a:off x="6019800" y="457200"/>
+            <a:ext cx="742950" cy="742950"/>
+          </a:xfrm>
+          <a:prstGeom prst="rect">
+            <a:avLst/>
+          </a:prstGeom>
+        </p:spPr>
+      </p:pic>
+      <p:pic>
+        <p:nvPicPr>
+          <p:cNvPr id="8" name="Picture 7"/>
+          <p:cNvPicPr>
+            <a:picLocks noChangeAspect="1"/>
+          </p:cNvPicPr>
+          <p:nvPr/>
+        </p:nvPicPr>
+        <p:blipFill>
+          <a:blip r:embed="rId4">
+            <a:extLst>
+              <a:ext uri="{28A0092B-C50C-407E-A947-70E740481C1C}">
+                <a14:useLocalDpi xmlns:a14="http://schemas.microsoft.com/office/drawing/2010/main" val="0"/>
+              </a:ext>
+            </a:extLst>
+          </a:blip>
+          <a:stretch>
+            <a:fillRect/>
+          </a:stretch>
+        </p:blipFill>
+        <p:spPr>
+          <a:xfrm>
+            <a:off x="4724400" y="4114800"/>
+            <a:ext cx="4038600" cy="2421582"/>
+          </a:xfrm>
+          <a:prstGeom prst="rect">
+            <a:avLst/>
+          </a:prstGeom>
+        </p:spPr>
+      </p:pic>
+    </p:spTree>
+    <p:extLst>
+      <p:ext uri="{BB962C8B-B14F-4D97-AF65-F5344CB8AC3E}">
+        <p14:creationId xmlns:p14="http://schemas.microsoft.com/office/powerpoint/2010/main" val="2242977115"/>
+      </p:ext>
+    </p:extLst>
+  </p:cSld>
+  <p:clrMapOvr>
+    <a:masterClrMapping/>
+  </p:clrMapOvr>
+  <p:timing>
+    <p:tnLst>
+      <p:par>
+        <p:cTn id="1" dur="indefinite" restart="never" nodeType="tmRoot"/>
+      </p:par>
+    </p:tnLst>
+  </p:timing>
+</p:sld>
+</file>
+
+<file path=ppt/slides/slide15.xml><?xml version="1.0" encoding="utf-8"?>
+<p:sld xmlns:a="http://schemas.openxmlformats.org/drawingml/2006/main" xmlns:r="http://schemas.openxmlformats.org/officeDocument/2006/relationships" xmlns:p="http://schemas.openxmlformats.org/presentationml/2006/main">
+  <p:cSld>
+    <p:spTree>
+      <p:nvGrpSpPr>
+        <p:cNvPr id="1" name=""/>
+        <p:cNvGrpSpPr/>
+        <p:nvPr/>
+      </p:nvGrpSpPr>
+      <p:grpSpPr>
+        <a:xfrm>
+          <a:off x="0" y="0"/>
+          <a:ext cx="0" cy="0"/>
+          <a:chOff x="0" y="0"/>
+          <a:chExt cx="0" cy="0"/>
+        </a:xfrm>
+      </p:grpSpPr>
+      <p:sp>
+        <p:nvSpPr>
+          <p:cNvPr id="2" name="Title 1"/>
+          <p:cNvSpPr>
+            <a:spLocks noGrp="1"/>
+          </p:cNvSpPr>
+          <p:nvPr>
+            <p:ph type="title"/>
+          </p:nvPr>
+        </p:nvSpPr>
+        <p:spPr/>
+        <p:txBody>
+          <a:bodyPr/>
+          <a:lstStyle/>
+          <a:p>
+            <a:r>
+              <a:rPr lang="en-US" u="sng" dirty="0" err="1" smtClean="0"/>
+              <a:t>Neocore</a:t>
+            </a:r>
+            <a:endParaRPr lang="en-US" u="sng" dirty="0"/>
+          </a:p>
+        </p:txBody>
+      </p:sp>
+      <p:sp>
+        <p:nvSpPr>
+          <p:cNvPr id="3" name="Content Placeholder 2"/>
+          <p:cNvSpPr>
+            <a:spLocks noGrp="1"/>
+          </p:cNvSpPr>
+          <p:nvPr>
+            <p:ph sz="half" idx="1"/>
+          </p:nvPr>
+        </p:nvSpPr>
+        <p:spPr/>
+        <p:txBody>
+          <a:bodyPr>
+            <a:normAutofit fontScale="92500" lnSpcReduction="10000"/>
+          </a:bodyPr>
+          <a:lstStyle/>
+          <a:p>
+            <a:r>
+              <a:rPr lang="en-US" dirty="0" smtClean="0"/>
+              <a:t>graphics </a:t>
+            </a:r>
+            <a:r>
+              <a:rPr lang="en-US" dirty="0"/>
+              <a:t>performance benchmark </a:t>
+            </a:r>
+            <a:endParaRPr lang="en-US" dirty="0" smtClean="0"/>
+          </a:p>
+          <a:p>
+            <a:r>
+              <a:rPr lang="en-US" dirty="0"/>
+              <a:t>result presented in frames per second</a:t>
+            </a:r>
+          </a:p>
+          <a:p>
+            <a:r>
+              <a:rPr lang="en-US" dirty="0"/>
+              <a:t>Reason for not choosing:</a:t>
+            </a:r>
+          </a:p>
+          <a:p>
+            <a:pPr lvl="1"/>
+            <a:r>
+              <a:rPr lang="en-US" dirty="0"/>
+              <a:t>Graphics performance are being tested by </a:t>
+            </a:r>
+            <a:r>
+              <a:rPr lang="en-US" dirty="0" err="1"/>
+              <a:t>Antutu</a:t>
+            </a:r>
+            <a:r>
+              <a:rPr lang="en-US" dirty="0"/>
+              <a:t> Benchmark </a:t>
+            </a:r>
+          </a:p>
+          <a:p>
+            <a:pPr lvl="1"/>
+            <a:r>
+              <a:rPr lang="en-US" dirty="0"/>
+              <a:t>Some review say that fps score is meaningless due to low resolution scene can always give high </a:t>
+            </a:r>
+            <a:r>
+              <a:rPr lang="en-US" dirty="0" smtClean="0"/>
+              <a:t>fps</a:t>
+            </a:r>
+            <a:endParaRPr lang="en-US" dirty="0"/>
+          </a:p>
+        </p:txBody>
+      </p:sp>
+      <p:pic>
+        <p:nvPicPr>
+          <p:cNvPr id="7" name="Content Placeholder 6"/>
+          <p:cNvPicPr>
+            <a:picLocks noGrp="1" noChangeAspect="1"/>
+          </p:cNvPicPr>
+          <p:nvPr>
+            <p:ph sz="half" idx="2"/>
+          </p:nvPr>
+        </p:nvPicPr>
+        <p:blipFill>
+          <a:blip r:embed="rId2">
+            <a:extLst>
+              <a:ext uri="{28A0092B-C50C-407E-A947-70E740481C1C}">
+                <a14:useLocalDpi xmlns:a14="http://schemas.microsoft.com/office/drawing/2010/main" val="0"/>
+              </a:ext>
+            </a:extLst>
+          </a:blip>
+          <a:stretch>
+            <a:fillRect/>
+          </a:stretch>
+        </p:blipFill>
+        <p:spPr>
+          <a:xfrm>
+            <a:off x="4648200" y="2057400"/>
+            <a:ext cx="4176677" cy="3437594"/>
+          </a:xfrm>
         </p:spPr>
       </p:pic>
       <p:pic>
@@ -3954,7 +8271,7 @@
         </p:blipFill>
         <p:spPr>
           <a:xfrm>
-            <a:off x="8229600" y="457200"/>
+            <a:off x="5867400" y="457200"/>
             <a:ext cx="742950" cy="742950"/>
           </a:xfrm>
           <a:prstGeom prst="rect">
@@ -3965,7 +8282,7 @@
     </p:spTree>
     <p:extLst>
       <p:ext uri="{BB962C8B-B14F-4D97-AF65-F5344CB8AC3E}">
-        <p14:creationId xmlns:p14="http://schemas.microsoft.com/office/powerpoint/2010/main" val="685361917"/>
+        <p14:creationId xmlns:p14="http://schemas.microsoft.com/office/powerpoint/2010/main" val="522611820"/>
       </p:ext>
     </p:extLst>
   </p:cSld>
@@ -3982,7 +8299,7 @@
 </p:sld>
 </file>
 
-<file path=ppt/slides/slide6.xml><?xml version="1.0" encoding="utf-8"?>
+<file path=ppt/slides/slide16.xml><?xml version="1.0" encoding="utf-8"?>
 <p:sld xmlns:a="http://schemas.openxmlformats.org/drawingml/2006/main" xmlns:r="http://schemas.openxmlformats.org/officeDocument/2006/relationships" xmlns:p="http://schemas.openxmlformats.org/presentationml/2006/main">
   <p:cSld>
     <p:spTree>
@@ -4011,308 +8328,33 @@
         </p:nvSpPr>
         <p:spPr/>
         <p:txBody>
-          <a:bodyPr/>
-          <a:lstStyle/>
-          <a:p>
-            <a:r>
-              <a:rPr lang="en-US" b="1" u="sng" dirty="0" err="1"/>
-              <a:t>GlBenchmark</a:t>
-            </a:r>
-            <a:r>
-              <a:rPr lang="en-US" u="sng" dirty="0"/>
-              <a:t> </a:t>
-            </a:r>
-            <a:endParaRPr lang="en-US" dirty="0"/>
-          </a:p>
-        </p:txBody>
-      </p:sp>
-      <p:sp>
-        <p:nvSpPr>
-          <p:cNvPr id="3" name="Content Placeholder 2"/>
-          <p:cNvSpPr>
-            <a:spLocks noGrp="1"/>
-          </p:cNvSpPr>
-          <p:nvPr>
-            <p:ph idx="1"/>
-          </p:nvPr>
-        </p:nvSpPr>
-        <p:spPr>
-          <a:xfrm>
-            <a:off x="457200" y="1600200"/>
-            <a:ext cx="8229600" cy="4953000"/>
-          </a:xfrm>
-        </p:spPr>
-        <p:txBody>
           <a:bodyPr>
             <a:normAutofit/>
           </a:bodyPr>
           <a:lstStyle/>
           <a:p>
             <a:r>
-              <a:rPr lang="en-US" dirty="0" smtClean="0"/>
-              <a:t>gives </a:t>
-            </a:r>
-            <a:r>
-              <a:rPr lang="en-US" dirty="0"/>
-              <a:t>more accurate 3D Graphics Performance measurement, it contains testing with high level 3D animation</a:t>
-            </a:r>
-            <a:r>
-              <a:rPr lang="en-US" dirty="0" smtClean="0"/>
-              <a:t>.</a:t>
-            </a:r>
-          </a:p>
-          <a:p>
-            <a:endParaRPr lang="en-US" sz="2000" dirty="0"/>
-          </a:p>
-          <a:p>
-            <a:pPr marL="0" indent="0">
-              <a:buNone/>
-            </a:pPr>
-            <a:r>
-              <a:rPr lang="en-US" sz="2000" dirty="0" smtClean="0"/>
-              <a:t>Reasons </a:t>
-            </a:r>
-            <a:r>
-              <a:rPr lang="en-US" sz="2000" dirty="0"/>
-              <a:t>for choosing this </a:t>
-            </a:r>
-            <a:endParaRPr lang="en-US" sz="2000" dirty="0" smtClean="0"/>
-          </a:p>
-          <a:p>
-            <a:pPr marL="0" indent="0">
-              <a:buNone/>
-            </a:pPr>
-            <a:r>
-              <a:rPr lang="en-US" sz="2000" dirty="0" smtClean="0"/>
-              <a:t>application</a:t>
-            </a:r>
-            <a:r>
-              <a:rPr lang="en-US" sz="2000" dirty="0"/>
-              <a:t>:</a:t>
-            </a:r>
-          </a:p>
-          <a:p>
-            <a:r>
-              <a:rPr lang="en-US" sz="2000" dirty="0" smtClean="0"/>
-              <a:t>Contains many different</a:t>
-            </a:r>
-          </a:p>
-          <a:p>
-            <a:pPr marL="0" indent="0">
-              <a:buNone/>
-            </a:pPr>
-            <a:r>
-              <a:rPr lang="en-US" sz="2000" dirty="0" smtClean="0"/>
-              <a:t>     performance tests on graphics</a:t>
-            </a:r>
-          </a:p>
-          <a:p>
-            <a:pPr marL="0" indent="0">
-              <a:buNone/>
-            </a:pPr>
-            <a:r>
-              <a:rPr lang="en-US" sz="2000" dirty="0" smtClean="0"/>
-              <a:t>     (33 different tests)</a:t>
-            </a:r>
-          </a:p>
-          <a:p>
-            <a:r>
-              <a:rPr lang="en-US" sz="2000" dirty="0" smtClean="0"/>
-              <a:t>Flexible selection of test</a:t>
-            </a:r>
-          </a:p>
-          <a:p>
-            <a:pPr marL="0" indent="0">
-              <a:buNone/>
-            </a:pPr>
-            <a:endParaRPr lang="en-US" sz="2000" dirty="0" smtClean="0"/>
-          </a:p>
-          <a:p>
-            <a:pPr marL="0" indent="0">
-              <a:buNone/>
-            </a:pPr>
-            <a:r>
-              <a:rPr lang="en-US" sz="2000" dirty="0"/>
-              <a:t>	</a:t>
-            </a:r>
-          </a:p>
-          <a:p>
-            <a:endParaRPr lang="en-US" dirty="0"/>
-          </a:p>
-          <a:p>
-            <a:pPr marL="0" indent="0">
-              <a:buNone/>
-            </a:pPr>
-            <a:endParaRPr lang="en-US" dirty="0"/>
-          </a:p>
-        </p:txBody>
-      </p:sp>
-      <p:pic>
-        <p:nvPicPr>
-          <p:cNvPr id="6" name="Picture 5"/>
-          <p:cNvPicPr>
-            <a:picLocks noChangeAspect="1"/>
-          </p:cNvPicPr>
-          <p:nvPr/>
-        </p:nvPicPr>
-        <p:blipFill>
-          <a:blip r:embed="rId2">
-            <a:extLst>
-              <a:ext uri="{28A0092B-C50C-407E-A947-70E740481C1C}">
-                <a14:useLocalDpi xmlns:a14="http://schemas.microsoft.com/office/drawing/2010/main" val="0"/>
-              </a:ext>
-            </a:extLst>
-          </a:blip>
-          <a:stretch>
-            <a:fillRect/>
-          </a:stretch>
-        </p:blipFill>
-        <p:spPr>
-          <a:xfrm>
-            <a:off x="6410325" y="533400"/>
-            <a:ext cx="742950" cy="742950"/>
-          </a:xfrm>
-          <a:prstGeom prst="rect">
-            <a:avLst/>
-          </a:prstGeom>
-        </p:spPr>
-      </p:pic>
-      <p:pic>
-        <p:nvPicPr>
-          <p:cNvPr id="10" name="Picture 9"/>
-          <p:cNvPicPr>
-            <a:picLocks noChangeAspect="1"/>
-          </p:cNvPicPr>
-          <p:nvPr/>
-        </p:nvPicPr>
-        <p:blipFill>
-          <a:blip r:embed="rId3">
-            <a:extLst>
-              <a:ext uri="{28A0092B-C50C-407E-A947-70E740481C1C}">
-                <a14:useLocalDpi xmlns:a14="http://schemas.microsoft.com/office/drawing/2010/main" val="0"/>
-              </a:ext>
-            </a:extLst>
-          </a:blip>
-          <a:stretch>
-            <a:fillRect/>
-          </a:stretch>
-        </p:blipFill>
-        <p:spPr>
-          <a:xfrm>
-            <a:off x="4619625" y="2905125"/>
-            <a:ext cx="1972596" cy="3116427"/>
-          </a:xfrm>
-          <a:prstGeom prst="rect">
-            <a:avLst/>
-          </a:prstGeom>
-        </p:spPr>
-      </p:pic>
-      <p:pic>
-        <p:nvPicPr>
-          <p:cNvPr id="11" name="Picture 10"/>
-          <p:cNvPicPr>
-            <a:picLocks noChangeAspect="1"/>
-          </p:cNvPicPr>
-          <p:nvPr/>
-        </p:nvPicPr>
-        <p:blipFill>
-          <a:blip r:embed="rId4">
-            <a:extLst>
-              <a:ext uri="{28A0092B-C50C-407E-A947-70E740481C1C}">
-                <a14:useLocalDpi xmlns:a14="http://schemas.microsoft.com/office/drawing/2010/main" val="0"/>
-              </a:ext>
-            </a:extLst>
-          </a:blip>
-          <a:stretch>
-            <a:fillRect/>
-          </a:stretch>
-        </p:blipFill>
-        <p:spPr>
-          <a:xfrm>
-            <a:off x="6781800" y="2905125"/>
-            <a:ext cx="1916515" cy="3021174"/>
-          </a:xfrm>
-          <a:prstGeom prst="rect">
-            <a:avLst/>
-          </a:prstGeom>
-        </p:spPr>
-      </p:pic>
-    </p:spTree>
-    <p:extLst>
-      <p:ext uri="{BB962C8B-B14F-4D97-AF65-F5344CB8AC3E}">
-        <p14:creationId xmlns:p14="http://schemas.microsoft.com/office/powerpoint/2010/main" val="14829009"/>
-      </p:ext>
-    </p:extLst>
-  </p:cSld>
-  <p:clrMapOvr>
-    <a:masterClrMapping/>
-  </p:clrMapOvr>
-  <p:timing>
-    <p:tnLst>
-      <p:par>
-        <p:cTn id="1" dur="indefinite" restart="never" nodeType="tmRoot"/>
-      </p:par>
-    </p:tnLst>
-  </p:timing>
-</p:sld>
-</file>
-
-<file path=ppt/slides/slide7.xml><?xml version="1.0" encoding="utf-8"?>
-<p:sld xmlns:a="http://schemas.openxmlformats.org/drawingml/2006/main" xmlns:r="http://schemas.openxmlformats.org/officeDocument/2006/relationships" xmlns:p="http://schemas.openxmlformats.org/presentationml/2006/main">
-  <p:cSld>
-    <p:spTree>
-      <p:nvGrpSpPr>
-        <p:cNvPr id="1" name=""/>
-        <p:cNvGrpSpPr/>
-        <p:nvPr/>
-      </p:nvGrpSpPr>
-      <p:grpSpPr>
-        <a:xfrm>
-          <a:off x="0" y="0"/>
-          <a:ext cx="0" cy="0"/>
-          <a:chOff x="0" y="0"/>
-          <a:chExt cx="0" cy="0"/>
-        </a:xfrm>
-      </p:grpSpPr>
-      <p:sp>
-        <p:nvSpPr>
-          <p:cNvPr id="2" name="Title 1"/>
-          <p:cNvSpPr>
-            <a:spLocks noGrp="1"/>
-          </p:cNvSpPr>
-          <p:nvPr>
-            <p:ph type="title"/>
+              <a:rPr lang="en-US" u="sng" dirty="0" smtClean="0"/>
+              <a:t>Overall Score Calculation</a:t>
+            </a:r>
+            <a:endParaRPr lang="en-US" u="sng" dirty="0"/>
+          </a:p>
+        </p:txBody>
+      </p:sp>
+      <p:sp>
+        <p:nvSpPr>
+          <p:cNvPr id="3" name="Content Placeholder 2"/>
+          <p:cNvSpPr>
+            <a:spLocks noGrp="1"/>
+          </p:cNvSpPr>
+          <p:nvPr>
+            <p:ph idx="1"/>
           </p:nvPr>
         </p:nvSpPr>
         <p:spPr/>
         <p:txBody>
           <a:bodyPr>
-            <a:normAutofit/>
-          </a:bodyPr>
-          <a:lstStyle/>
-          <a:p>
-            <a:r>
-              <a:rPr lang="en-US" dirty="0" smtClean="0"/>
-              <a:t>Overall Score</a:t>
-            </a:r>
-            <a:endParaRPr lang="en-US" dirty="0"/>
-          </a:p>
-        </p:txBody>
-      </p:sp>
-      <p:sp>
-        <p:nvSpPr>
-          <p:cNvPr id="3" name="Content Placeholder 2"/>
-          <p:cNvSpPr>
-            <a:spLocks noGrp="1"/>
-          </p:cNvSpPr>
-          <p:nvPr>
-            <p:ph idx="1"/>
-          </p:nvPr>
-        </p:nvSpPr>
-        <p:spPr/>
-        <p:txBody>
-          <a:bodyPr>
-            <a:normAutofit fontScale="92500" lnSpcReduction="10000"/>
+            <a:normAutofit fontScale="92500"/>
           </a:bodyPr>
           <a:lstStyle/>
           <a:p>
@@ -4369,12 +8411,6 @@
             <a:pPr marL="0" indent="0">
               <a:buNone/>
             </a:pPr>
-            <a:endParaRPr lang="en-US" sz="2800" dirty="0" smtClean="0"/>
-          </a:p>
-          <a:p>
-            <a:pPr marL="0" indent="0">
-              <a:buNone/>
-            </a:pPr>
             <a:endParaRPr lang="en-US" sz="2800" dirty="0"/>
           </a:p>
           <a:p>
@@ -4402,10 +8438,10 @@
               <a:t> score is used as an additional information for ranking when the overall scores of two devices are close to each other</a:t>
             </a:r>
             <a:r>
-              <a:rPr lang="en-US" sz="2200" dirty="0"/>
+              <a:rPr lang="en-US" sz="2200" dirty="0" smtClean="0"/>
               <a:t>)</a:t>
             </a:r>
-            <a:endParaRPr lang="en-US" sz="2200" dirty="0" smtClean="0"/>
+            <a:endParaRPr lang="en-US" sz="2200" dirty="0"/>
           </a:p>
         </p:txBody>
       </p:sp>
@@ -4429,7 +8465,7 @@
 </p:sld>
 </file>
 
-<file path=ppt/slides/slide8.xml><?xml version="1.0" encoding="utf-8"?>
+<file path=ppt/slides/slide17.xml><?xml version="1.0" encoding="utf-8"?>
 <p:sld xmlns:a="http://schemas.openxmlformats.org/drawingml/2006/main" xmlns:r="http://schemas.openxmlformats.org/officeDocument/2006/relationships" xmlns:p="http://schemas.openxmlformats.org/presentationml/2006/main">
   <p:cSld>
     <p:spTree>
@@ -5603,40 +9639,1749 @@
       </p:graphicFrame>
       <p:sp>
         <p:nvSpPr>
-          <p:cNvPr id="6" name="TextBox 5"/>
-          <p:cNvSpPr txBox="1"/>
-          <p:nvPr/>
+          <p:cNvPr id="2" name="Title 1"/>
+          <p:cNvSpPr>
+            <a:spLocks noGrp="1"/>
+          </p:cNvSpPr>
+          <p:nvPr>
+            <p:ph type="title"/>
+          </p:nvPr>
+        </p:nvSpPr>
+        <p:spPr/>
+        <p:txBody>
+          <a:bodyPr/>
+          <a:lstStyle/>
+          <a:p>
+            <a:r>
+              <a:rPr lang="en-US" u="sng" dirty="0" smtClean="0"/>
+              <a:t>Samples</a:t>
+            </a:r>
+            <a:endParaRPr lang="en-US" u="sng" dirty="0"/>
+          </a:p>
+        </p:txBody>
+      </p:sp>
+    </p:spTree>
+    <p:extLst>
+      <p:ext uri="{BB962C8B-B14F-4D97-AF65-F5344CB8AC3E}">
+        <p14:creationId xmlns:p14="http://schemas.microsoft.com/office/powerpoint/2010/main" val="3864081334"/>
+      </p:ext>
+    </p:extLst>
+  </p:cSld>
+  <p:clrMapOvr>
+    <a:masterClrMapping/>
+  </p:clrMapOvr>
+  <p:timing>
+    <p:tnLst>
+      <p:par>
+        <p:cTn id="1" dur="indefinite" restart="never" nodeType="tmRoot"/>
+      </p:par>
+    </p:tnLst>
+  </p:timing>
+</p:sld>
+</file>
+
+<file path=ppt/slides/slide2.xml><?xml version="1.0" encoding="utf-8"?>
+<p:sld xmlns:a="http://schemas.openxmlformats.org/drawingml/2006/main" xmlns:r="http://schemas.openxmlformats.org/officeDocument/2006/relationships" xmlns:p="http://schemas.openxmlformats.org/presentationml/2006/main">
+  <p:cSld>
+    <p:spTree>
+      <p:nvGrpSpPr>
+        <p:cNvPr id="1" name=""/>
+        <p:cNvGrpSpPr/>
+        <p:nvPr/>
+      </p:nvGrpSpPr>
+      <p:grpSpPr>
+        <a:xfrm>
+          <a:off x="0" y="0"/>
+          <a:ext cx="0" cy="0"/>
+          <a:chOff x="0" y="0"/>
+          <a:chExt cx="0" cy="0"/>
+        </a:xfrm>
+      </p:grpSpPr>
+      <p:sp>
+        <p:nvSpPr>
+          <p:cNvPr id="2" name="Title 1"/>
+          <p:cNvSpPr>
+            <a:spLocks noGrp="1"/>
+          </p:cNvSpPr>
+          <p:nvPr>
+            <p:ph type="title"/>
+          </p:nvPr>
+        </p:nvSpPr>
+        <p:spPr/>
+        <p:txBody>
+          <a:bodyPr>
+            <a:normAutofit/>
+          </a:bodyPr>
+          <a:lstStyle/>
+          <a:p>
+            <a:r>
+              <a:rPr lang="en-US" sz="4400" dirty="0" smtClean="0"/>
+              <a:t>List of Apps for benchmarking</a:t>
+            </a:r>
+            <a:endParaRPr lang="en-US" sz="4400" dirty="0"/>
+          </a:p>
+        </p:txBody>
+      </p:sp>
+      <p:sp>
+        <p:nvSpPr>
+          <p:cNvPr id="3" name="Content Placeholder 2"/>
+          <p:cNvSpPr>
+            <a:spLocks noGrp="1"/>
+          </p:cNvSpPr>
+          <p:nvPr>
+            <p:ph idx="1"/>
+          </p:nvPr>
         </p:nvSpPr>
         <p:spPr>
           <a:xfrm>
-            <a:off x="574964" y="775855"/>
-            <a:ext cx="2971800" cy="646331"/>
+            <a:off x="457200" y="1371600"/>
+            <a:ext cx="8229600" cy="5257800"/>
+          </a:xfrm>
+        </p:spPr>
+        <p:txBody>
+          <a:bodyPr>
+            <a:normAutofit fontScale="92500" lnSpcReduction="20000"/>
+          </a:bodyPr>
+          <a:lstStyle/>
+          <a:p>
+            <a:pPr marL="514350" lvl="0" indent="-514350">
+              <a:buFont typeface="+mj-lt"/>
+              <a:buAutoNum type="arabicPeriod"/>
+            </a:pPr>
+            <a:r>
+              <a:rPr lang="en-US" dirty="0" err="1" smtClean="0"/>
+              <a:t>AnTuTu</a:t>
+            </a:r>
+            <a:r>
+              <a:rPr lang="en-US" dirty="0" smtClean="0"/>
+              <a:t> Benchmark</a:t>
+            </a:r>
+          </a:p>
+          <a:p>
+            <a:pPr marL="514350" lvl="0" indent="-514350">
+              <a:buFont typeface="+mj-lt"/>
+              <a:buAutoNum type="arabicPeriod"/>
+            </a:pPr>
+            <a:r>
+              <a:rPr lang="en-US" dirty="0" smtClean="0"/>
+              <a:t>Quadrant Standard Edition</a:t>
+            </a:r>
+          </a:p>
+          <a:p>
+            <a:pPr marL="514350" lvl="0" indent="-514350">
+              <a:buFont typeface="+mj-lt"/>
+              <a:buAutoNum type="arabicPeriod"/>
+            </a:pPr>
+            <a:r>
+              <a:rPr lang="en-US" dirty="0" err="1" smtClean="0"/>
+              <a:t>Vellamo</a:t>
+            </a:r>
+            <a:r>
+              <a:rPr lang="en-US" dirty="0" smtClean="0"/>
+              <a:t> Mobile Web Benchmark</a:t>
+            </a:r>
+          </a:p>
+          <a:p>
+            <a:pPr marL="514350" indent="-514350">
+              <a:buFont typeface="+mj-lt"/>
+              <a:buAutoNum type="arabicPeriod"/>
+            </a:pPr>
+            <a:r>
+              <a:rPr lang="en-US" dirty="0" err="1" smtClean="0"/>
+              <a:t>GlBenchmark</a:t>
+            </a:r>
+            <a:endParaRPr lang="en-US" dirty="0" smtClean="0"/>
+          </a:p>
+          <a:p>
+            <a:pPr marL="514350" indent="-514350">
+              <a:buFont typeface="+mj-lt"/>
+              <a:buAutoNum type="arabicPeriod"/>
+            </a:pPr>
+            <a:r>
+              <a:rPr lang="en-US" dirty="0" smtClean="0"/>
+              <a:t>SD Tool</a:t>
+            </a:r>
+          </a:p>
+          <a:p>
+            <a:pPr marL="514350" indent="-514350">
+              <a:buFont typeface="+mj-lt"/>
+              <a:buAutoNum type="arabicPeriod"/>
+            </a:pPr>
+            <a:r>
+              <a:rPr lang="en-US" dirty="0" smtClean="0"/>
+              <a:t>CF-Bench</a:t>
+            </a:r>
+          </a:p>
+          <a:p>
+            <a:pPr marL="514350" indent="-514350">
+              <a:buFont typeface="+mj-lt"/>
+              <a:buAutoNum type="arabicPeriod"/>
+            </a:pPr>
+            <a:r>
+              <a:rPr lang="en-US" dirty="0" err="1" smtClean="0"/>
+              <a:t>Linpack</a:t>
+            </a:r>
+            <a:r>
+              <a:rPr lang="en-US" dirty="0" smtClean="0"/>
+              <a:t> for Android</a:t>
+            </a:r>
+          </a:p>
+          <a:p>
+            <a:pPr marL="514350" indent="-514350">
+              <a:buFont typeface="+mj-lt"/>
+              <a:buAutoNum type="arabicPeriod"/>
+            </a:pPr>
+            <a:r>
+              <a:rPr lang="en-US" dirty="0" smtClean="0"/>
+              <a:t>CPU Benchmark</a:t>
+            </a:r>
+          </a:p>
+          <a:p>
+            <a:pPr marL="514350" indent="-514350">
+              <a:buFont typeface="+mj-lt"/>
+              <a:buAutoNum type="arabicPeriod"/>
+            </a:pPr>
+            <a:r>
+              <a:rPr lang="en-US" dirty="0" err="1" smtClean="0"/>
+              <a:t>RealPi</a:t>
+            </a:r>
+            <a:endParaRPr lang="en-US" dirty="0" smtClean="0"/>
+          </a:p>
+          <a:p>
+            <a:pPr marL="514350" indent="-514350">
+              <a:buFont typeface="+mj-lt"/>
+              <a:buAutoNum type="arabicPeriod"/>
+            </a:pPr>
+            <a:r>
+              <a:rPr lang="en-US" dirty="0" smtClean="0"/>
+              <a:t>NenaMark2</a:t>
+            </a:r>
+          </a:p>
+          <a:p>
+            <a:pPr marL="514350" indent="-514350">
+              <a:buFont typeface="+mj-lt"/>
+              <a:buAutoNum type="arabicPeriod"/>
+            </a:pPr>
+            <a:r>
+              <a:rPr lang="en-US" dirty="0" err="1" smtClean="0"/>
+              <a:t>Neocore</a:t>
+            </a:r>
+            <a:endParaRPr lang="en-US" dirty="0" smtClean="0"/>
+          </a:p>
+        </p:txBody>
+      </p:sp>
+    </p:spTree>
+    <p:extLst>
+      <p:ext uri="{BB962C8B-B14F-4D97-AF65-F5344CB8AC3E}">
+        <p14:creationId xmlns:p14="http://schemas.microsoft.com/office/powerpoint/2010/main" val="3715149438"/>
+      </p:ext>
+    </p:extLst>
+  </p:cSld>
+  <p:clrMapOvr>
+    <a:masterClrMapping/>
+  </p:clrMapOvr>
+  <p:timing>
+    <p:tnLst>
+      <p:par>
+        <p:cTn id="1" dur="indefinite" restart="never" nodeType="tmRoot"/>
+      </p:par>
+    </p:tnLst>
+  </p:timing>
+</p:sld>
+</file>
+
+<file path=ppt/slides/slide3.xml><?xml version="1.0" encoding="utf-8"?>
+<p:sld xmlns:a="http://schemas.openxmlformats.org/drawingml/2006/main" xmlns:r="http://schemas.openxmlformats.org/officeDocument/2006/relationships" xmlns:p="http://schemas.openxmlformats.org/presentationml/2006/main">
+  <p:cSld>
+    <p:spTree>
+      <p:nvGrpSpPr>
+        <p:cNvPr id="1" name=""/>
+        <p:cNvGrpSpPr/>
+        <p:nvPr/>
+      </p:nvGrpSpPr>
+      <p:grpSpPr>
+        <a:xfrm>
+          <a:off x="0" y="0"/>
+          <a:ext cx="0" cy="0"/>
+          <a:chOff x="0" y="0"/>
+          <a:chExt cx="0" cy="0"/>
+        </a:xfrm>
+      </p:grpSpPr>
+      <p:sp>
+        <p:nvSpPr>
+          <p:cNvPr id="2" name="Title 1"/>
+          <p:cNvSpPr>
+            <a:spLocks noGrp="1"/>
+          </p:cNvSpPr>
+          <p:nvPr>
+            <p:ph type="title"/>
+          </p:nvPr>
+        </p:nvSpPr>
+        <p:spPr/>
+        <p:txBody>
+          <a:bodyPr/>
+          <a:lstStyle/>
+          <a:p>
+            <a:r>
+              <a:rPr lang="en-US" u="sng" dirty="0" smtClean="0"/>
+              <a:t>Proposed Apps</a:t>
+            </a:r>
+            <a:endParaRPr lang="en-US" u="sng" dirty="0"/>
+          </a:p>
+        </p:txBody>
+      </p:sp>
+      <p:sp>
+        <p:nvSpPr>
+          <p:cNvPr id="3" name="Content Placeholder 2"/>
+          <p:cNvSpPr>
+            <a:spLocks noGrp="1"/>
+          </p:cNvSpPr>
+          <p:nvPr>
+            <p:ph idx="1"/>
+          </p:nvPr>
+        </p:nvSpPr>
+        <p:spPr/>
+        <p:txBody>
+          <a:bodyPr/>
+          <a:lstStyle/>
+          <a:p>
+            <a:pPr marL="514350" lvl="0" indent="-514350">
+              <a:buFont typeface="+mj-lt"/>
+              <a:buAutoNum type="arabicPeriod"/>
+            </a:pPr>
+            <a:r>
+              <a:rPr lang="en-US" dirty="0" err="1"/>
+              <a:t>AnTuTu</a:t>
+            </a:r>
+            <a:r>
+              <a:rPr lang="en-US" dirty="0"/>
+              <a:t> Benchmark</a:t>
+            </a:r>
+          </a:p>
+          <a:p>
+            <a:pPr marL="514350" lvl="0" indent="-514350">
+              <a:buFont typeface="+mj-lt"/>
+              <a:buAutoNum type="arabicPeriod"/>
+            </a:pPr>
+            <a:r>
+              <a:rPr lang="en-US" dirty="0" err="1"/>
+              <a:t>Vellamo</a:t>
+            </a:r>
+            <a:r>
+              <a:rPr lang="en-US" dirty="0"/>
+              <a:t> Mobile Web Benchmark</a:t>
+            </a:r>
+          </a:p>
+          <a:p>
+            <a:pPr marL="0" indent="0">
+              <a:buNone/>
+            </a:pPr>
+            <a:r>
+              <a:rPr lang="en-US" dirty="0" smtClean="0"/>
+              <a:t>3. </a:t>
+            </a:r>
+            <a:r>
+              <a:rPr lang="en-US" dirty="0" err="1" smtClean="0"/>
+              <a:t>GlBenchmark</a:t>
+            </a:r>
+            <a:r>
+              <a:rPr lang="en-US" dirty="0" smtClean="0"/>
+              <a:t> (for additional information)</a:t>
+            </a:r>
+            <a:endParaRPr lang="en-US" dirty="0"/>
+          </a:p>
+        </p:txBody>
+      </p:sp>
+    </p:spTree>
+    <p:extLst>
+      <p:ext uri="{BB962C8B-B14F-4D97-AF65-F5344CB8AC3E}">
+        <p14:creationId xmlns:p14="http://schemas.microsoft.com/office/powerpoint/2010/main" val="4259909232"/>
+      </p:ext>
+    </p:extLst>
+  </p:cSld>
+  <p:clrMapOvr>
+    <a:masterClrMapping/>
+  </p:clrMapOvr>
+  <p:timing>
+    <p:tnLst>
+      <p:par>
+        <p:cTn id="1" dur="indefinite" restart="never" nodeType="tmRoot"/>
+      </p:par>
+    </p:tnLst>
+  </p:timing>
+</p:sld>
+</file>
+
+<file path=ppt/slides/slide4.xml><?xml version="1.0" encoding="utf-8"?>
+<p:sld xmlns:a="http://schemas.openxmlformats.org/drawingml/2006/main" xmlns:r="http://schemas.openxmlformats.org/officeDocument/2006/relationships" xmlns:p="http://schemas.openxmlformats.org/presentationml/2006/main">
+  <p:cSld>
+    <p:spTree>
+      <p:nvGrpSpPr>
+        <p:cNvPr id="1" name=""/>
+        <p:cNvGrpSpPr/>
+        <p:nvPr/>
+      </p:nvGrpSpPr>
+      <p:grpSpPr>
+        <a:xfrm>
+          <a:off x="0" y="0"/>
+          <a:ext cx="0" cy="0"/>
+          <a:chOff x="0" y="0"/>
+          <a:chExt cx="0" cy="0"/>
+        </a:xfrm>
+      </p:grpSpPr>
+      <p:sp>
+        <p:nvSpPr>
+          <p:cNvPr id="2" name="Title 1"/>
+          <p:cNvSpPr>
+            <a:spLocks noGrp="1"/>
+          </p:cNvSpPr>
+          <p:nvPr>
+            <p:ph type="title"/>
+          </p:nvPr>
+        </p:nvSpPr>
+        <p:spPr/>
+        <p:txBody>
+          <a:bodyPr>
+            <a:normAutofit/>
+          </a:bodyPr>
+          <a:lstStyle/>
+          <a:p>
+            <a:pPr lvl="0"/>
+            <a:r>
+              <a:rPr lang="en-US" b="1" u="sng" dirty="0" err="1"/>
+              <a:t>AnTuTu</a:t>
+            </a:r>
+            <a:r>
+              <a:rPr lang="en-US" b="1" u="sng" dirty="0"/>
+              <a:t> Benchmark </a:t>
+            </a:r>
+            <a:endParaRPr lang="en-US" dirty="0"/>
+          </a:p>
+        </p:txBody>
+      </p:sp>
+      <p:sp>
+        <p:nvSpPr>
+          <p:cNvPr id="3" name="Content Placeholder 2"/>
+          <p:cNvSpPr>
+            <a:spLocks noGrp="1"/>
+          </p:cNvSpPr>
+          <p:nvPr>
+            <p:ph sz="half" idx="1"/>
+          </p:nvPr>
+        </p:nvSpPr>
+        <p:spPr>
+          <a:xfrm>
+            <a:off x="457200" y="1600200"/>
+            <a:ext cx="4038600" cy="4525963"/>
+          </a:xfrm>
+        </p:spPr>
+        <p:txBody>
+          <a:bodyPr>
+            <a:normAutofit/>
+          </a:bodyPr>
+          <a:lstStyle/>
+          <a:p>
+            <a:r>
+              <a:rPr lang="en-US" sz="2400" dirty="0" smtClean="0"/>
+              <a:t>Runs </a:t>
+            </a:r>
+            <a:r>
+              <a:rPr lang="en-US" sz="2400" dirty="0"/>
+              <a:t>tests on the following parts</a:t>
+            </a:r>
+          </a:p>
+          <a:p>
+            <a:pPr lvl="1"/>
+            <a:r>
+              <a:rPr lang="en-US" sz="2000" dirty="0"/>
+              <a:t>Memory Performance </a:t>
+            </a:r>
+          </a:p>
+          <a:p>
+            <a:pPr lvl="1"/>
+            <a:r>
+              <a:rPr lang="en-US" sz="2000" dirty="0"/>
+              <a:t>CPU Integer Performance</a:t>
+            </a:r>
+          </a:p>
+          <a:p>
+            <a:pPr lvl="1"/>
+            <a:r>
+              <a:rPr lang="en-US" sz="2000" dirty="0"/>
+              <a:t>CPU Floating point Performance</a:t>
+            </a:r>
+          </a:p>
+          <a:p>
+            <a:pPr lvl="1"/>
+            <a:r>
+              <a:rPr lang="en-US" sz="2000" dirty="0"/>
+              <a:t>2D Graphics Performance</a:t>
+            </a:r>
+          </a:p>
+          <a:p>
+            <a:pPr lvl="1"/>
+            <a:r>
+              <a:rPr lang="en-US" sz="2000" dirty="0"/>
+              <a:t>3D Graphics Performance</a:t>
+            </a:r>
+          </a:p>
+          <a:p>
+            <a:pPr lvl="1"/>
+            <a:r>
+              <a:rPr lang="en-US" sz="2000" dirty="0"/>
+              <a:t>SD card reading/writing speed</a:t>
+            </a:r>
+          </a:p>
+          <a:p>
+            <a:pPr lvl="1"/>
+            <a:r>
+              <a:rPr lang="en-US" sz="2000" dirty="0"/>
+              <a:t>Database IO performance </a:t>
+            </a:r>
+            <a:r>
+              <a:rPr lang="en-US" sz="2000" dirty="0" smtClean="0"/>
+              <a:t>testing</a:t>
+            </a:r>
+            <a:endParaRPr lang="en-US" sz="2000" dirty="0"/>
+          </a:p>
+        </p:txBody>
+      </p:sp>
+      <p:sp>
+        <p:nvSpPr>
+          <p:cNvPr id="5" name="Content Placeholder 4"/>
+          <p:cNvSpPr>
+            <a:spLocks noGrp="1"/>
+          </p:cNvSpPr>
+          <p:nvPr>
+            <p:ph sz="half" idx="2"/>
+          </p:nvPr>
+        </p:nvSpPr>
+        <p:spPr/>
+        <p:txBody>
+          <a:bodyPr>
+            <a:normAutofit/>
+          </a:bodyPr>
+          <a:lstStyle/>
+          <a:p>
+            <a:pPr marL="0" indent="0">
+              <a:buNone/>
+            </a:pPr>
+            <a:endParaRPr lang="en-US" dirty="0"/>
+          </a:p>
+        </p:txBody>
+      </p:sp>
+      <p:pic>
+        <p:nvPicPr>
+          <p:cNvPr id="4" name="Picture 3"/>
+          <p:cNvPicPr>
+            <a:picLocks noChangeAspect="1"/>
+          </p:cNvPicPr>
+          <p:nvPr/>
+        </p:nvPicPr>
+        <p:blipFill rotWithShape="1">
+          <a:blip r:embed="rId2">
+            <a:extLst>
+              <a:ext uri="{28A0092B-C50C-407E-A947-70E740481C1C}">
+                <a14:useLocalDpi xmlns:a14="http://schemas.microsoft.com/office/drawing/2010/main" val="0"/>
+              </a:ext>
+            </a:extLst>
+          </a:blip>
+          <a:srcRect t="4038"/>
+          <a:stretch/>
+        </p:blipFill>
+        <p:spPr>
+          <a:xfrm>
+            <a:off x="4648200" y="1960418"/>
+            <a:ext cx="2133600" cy="3338955"/>
           </a:xfrm>
           <a:prstGeom prst="rect">
             <a:avLst/>
           </a:prstGeom>
-          <a:noFill/>
         </p:spPr>
-        <p:txBody>
-          <a:bodyPr wrap="square" rtlCol="0">
-            <a:spAutoFit/>
-          </a:bodyPr>
-          <a:lstStyle/>
-          <a:p>
-            <a:r>
-              <a:rPr lang="en-US" u="sng" dirty="0" smtClean="0"/>
-              <a:t>Samples</a:t>
-            </a:r>
-          </a:p>
-          <a:p>
-            <a:endParaRPr lang="en-US" u="sng" dirty="0"/>
-          </a:p>
-        </p:txBody>
-      </p:sp>
+      </p:pic>
+      <p:pic>
+        <p:nvPicPr>
+          <p:cNvPr id="6" name="Picture 5"/>
+          <p:cNvPicPr>
+            <a:picLocks noChangeAspect="1"/>
+          </p:cNvPicPr>
+          <p:nvPr/>
+        </p:nvPicPr>
+        <p:blipFill rotWithShape="1">
+          <a:blip r:embed="rId3">
+            <a:extLst>
+              <a:ext uri="{28A0092B-C50C-407E-A947-70E740481C1C}">
+                <a14:useLocalDpi xmlns:a14="http://schemas.microsoft.com/office/drawing/2010/main" val="0"/>
+              </a:ext>
+            </a:extLst>
+          </a:blip>
+          <a:srcRect t="4578" b="9804"/>
+          <a:stretch/>
+        </p:blipFill>
+        <p:spPr>
+          <a:xfrm>
+            <a:off x="6988869" y="1946562"/>
+            <a:ext cx="1926529" cy="3338956"/>
+          </a:xfrm>
+          <a:prstGeom prst="rect">
+            <a:avLst/>
+          </a:prstGeom>
+        </p:spPr>
+      </p:pic>
+      <p:pic>
+        <p:nvPicPr>
+          <p:cNvPr id="7" name="Picture 6"/>
+          <p:cNvPicPr>
+            <a:picLocks noChangeAspect="1"/>
+          </p:cNvPicPr>
+          <p:nvPr/>
+        </p:nvPicPr>
+        <p:blipFill>
+          <a:blip r:embed="rId4">
+            <a:extLst>
+              <a:ext uri="{28A0092B-C50C-407E-A947-70E740481C1C}">
+                <a14:useLocalDpi xmlns:a14="http://schemas.microsoft.com/office/drawing/2010/main" val="0"/>
+              </a:ext>
+            </a:extLst>
+          </a:blip>
+          <a:stretch>
+            <a:fillRect/>
+          </a:stretch>
+        </p:blipFill>
+        <p:spPr>
+          <a:xfrm>
+            <a:off x="7043437" y="533400"/>
+            <a:ext cx="742950" cy="742950"/>
+          </a:xfrm>
+          <a:prstGeom prst="rect">
+            <a:avLst/>
+          </a:prstGeom>
+        </p:spPr>
+      </p:pic>
     </p:spTree>
     <p:extLst>
       <p:ext uri="{BB962C8B-B14F-4D97-AF65-F5344CB8AC3E}">
-        <p14:creationId xmlns:p14="http://schemas.microsoft.com/office/powerpoint/2010/main" val="3864081334"/>
+        <p14:creationId xmlns:p14="http://schemas.microsoft.com/office/powerpoint/2010/main" val="2206322671"/>
+      </p:ext>
+    </p:extLst>
+  </p:cSld>
+  <p:clrMapOvr>
+    <a:masterClrMapping/>
+  </p:clrMapOvr>
+  <p:timing>
+    <p:tnLst>
+      <p:par>
+        <p:cTn id="1" dur="indefinite" restart="never" nodeType="tmRoot"/>
+      </p:par>
+    </p:tnLst>
+  </p:timing>
+</p:sld>
+</file>
+
+<file path=ppt/slides/slide5.xml><?xml version="1.0" encoding="utf-8"?>
+<p:sld xmlns:a="http://schemas.openxmlformats.org/drawingml/2006/main" xmlns:r="http://schemas.openxmlformats.org/officeDocument/2006/relationships" xmlns:p="http://schemas.openxmlformats.org/presentationml/2006/main">
+  <p:cSld>
+    <p:spTree>
+      <p:nvGrpSpPr>
+        <p:cNvPr id="1" name=""/>
+        <p:cNvGrpSpPr/>
+        <p:nvPr/>
+      </p:nvGrpSpPr>
+      <p:grpSpPr>
+        <a:xfrm>
+          <a:off x="0" y="0"/>
+          <a:ext cx="0" cy="0"/>
+          <a:chOff x="0" y="0"/>
+          <a:chExt cx="0" cy="0"/>
+        </a:xfrm>
+      </p:grpSpPr>
+      <p:sp>
+        <p:nvSpPr>
+          <p:cNvPr id="2" name="Title 1"/>
+          <p:cNvSpPr>
+            <a:spLocks noGrp="1"/>
+          </p:cNvSpPr>
+          <p:nvPr>
+            <p:ph type="title"/>
+          </p:nvPr>
+        </p:nvSpPr>
+        <p:spPr/>
+        <p:txBody>
+          <a:bodyPr/>
+          <a:lstStyle/>
+          <a:p>
+            <a:r>
+              <a:rPr lang="en-US" u="sng" dirty="0" smtClean="0"/>
+              <a:t>Quadrant Standard Edition</a:t>
+            </a:r>
+            <a:endParaRPr lang="en-US" u="sng" dirty="0"/>
+          </a:p>
+        </p:txBody>
+      </p:sp>
+      <p:sp>
+        <p:nvSpPr>
+          <p:cNvPr id="4" name="Content Placeholder 3"/>
+          <p:cNvSpPr>
+            <a:spLocks noGrp="1"/>
+          </p:cNvSpPr>
+          <p:nvPr>
+            <p:ph sz="half" idx="1"/>
+          </p:nvPr>
+        </p:nvSpPr>
+        <p:spPr/>
+        <p:txBody>
+          <a:bodyPr>
+            <a:normAutofit lnSpcReduction="10000"/>
+          </a:bodyPr>
+          <a:lstStyle/>
+          <a:p>
+            <a:r>
+              <a:rPr lang="en-US" sz="2600" dirty="0" smtClean="0"/>
+              <a:t>Runs </a:t>
+            </a:r>
+            <a:r>
+              <a:rPr lang="en-US" sz="2600" dirty="0"/>
+              <a:t>tests on the following parts</a:t>
+            </a:r>
+          </a:p>
+          <a:p>
+            <a:pPr lvl="1"/>
+            <a:r>
+              <a:rPr lang="en-US" sz="2200" dirty="0" smtClean="0"/>
+              <a:t>CPU </a:t>
+            </a:r>
+            <a:r>
+              <a:rPr lang="en-US" sz="2200" dirty="0"/>
+              <a:t>- arithmetic operations, XML parsing, multimedia decoding</a:t>
+            </a:r>
+          </a:p>
+          <a:p>
+            <a:pPr lvl="1"/>
+            <a:r>
+              <a:rPr lang="en-US" sz="2200" dirty="0"/>
+              <a:t>Memory throughput</a:t>
+            </a:r>
+          </a:p>
+          <a:p>
+            <a:pPr lvl="1"/>
+            <a:r>
+              <a:rPr lang="en-US" sz="2200" dirty="0"/>
+              <a:t>I/O - </a:t>
+            </a:r>
+            <a:r>
+              <a:rPr lang="en-US" sz="2200" dirty="0" err="1"/>
+              <a:t>filesystem</a:t>
+            </a:r>
+            <a:r>
+              <a:rPr lang="en-US" sz="2200" dirty="0"/>
+              <a:t> access and database operations</a:t>
+            </a:r>
+          </a:p>
+          <a:p>
+            <a:pPr lvl="1"/>
+            <a:r>
+              <a:rPr lang="en-US" sz="2200" dirty="0"/>
+              <a:t>2D graphics</a:t>
+            </a:r>
+          </a:p>
+          <a:p>
+            <a:pPr lvl="1"/>
+            <a:r>
+              <a:rPr lang="en-US" sz="2200" dirty="0"/>
+              <a:t>3D graphics - OpenGL single-pass and multi-pass rendering with stencil </a:t>
+            </a:r>
+            <a:r>
+              <a:rPr lang="en-US" sz="2200" dirty="0" smtClean="0"/>
+              <a:t>buffers</a:t>
+            </a:r>
+            <a:endParaRPr lang="en-US" sz="2200" dirty="0"/>
+          </a:p>
+        </p:txBody>
+      </p:sp>
+      <p:pic>
+        <p:nvPicPr>
+          <p:cNvPr id="3" name="Content Placeholder 2"/>
+          <p:cNvPicPr>
+            <a:picLocks noGrp="1" noChangeAspect="1"/>
+          </p:cNvPicPr>
+          <p:nvPr>
+            <p:ph sz="half" idx="2"/>
+          </p:nvPr>
+        </p:nvPicPr>
+        <p:blipFill>
+          <a:blip r:embed="rId2">
+            <a:extLst>
+              <a:ext uri="{28A0092B-C50C-407E-A947-70E740481C1C}">
+                <a14:useLocalDpi xmlns:a14="http://schemas.microsoft.com/office/drawing/2010/main" val="0"/>
+              </a:ext>
+            </a:extLst>
+          </a:blip>
+          <a:stretch>
+            <a:fillRect/>
+          </a:stretch>
+        </p:blipFill>
+        <p:spPr>
+          <a:xfrm>
+            <a:off x="4535728" y="2209800"/>
+            <a:ext cx="2052108" cy="3200400"/>
+          </a:xfrm>
+        </p:spPr>
+      </p:pic>
+      <p:pic>
+        <p:nvPicPr>
+          <p:cNvPr id="6" name="Picture 5"/>
+          <p:cNvPicPr>
+            <a:picLocks noChangeAspect="1"/>
+          </p:cNvPicPr>
+          <p:nvPr/>
+        </p:nvPicPr>
+        <p:blipFill>
+          <a:blip r:embed="rId3">
+            <a:extLst>
+              <a:ext uri="{28A0092B-C50C-407E-A947-70E740481C1C}">
+                <a14:useLocalDpi xmlns:a14="http://schemas.microsoft.com/office/drawing/2010/main" val="0"/>
+              </a:ext>
+            </a:extLst>
+          </a:blip>
+          <a:stretch>
+            <a:fillRect/>
+          </a:stretch>
+        </p:blipFill>
+        <p:spPr>
+          <a:xfrm>
+            <a:off x="6629400" y="2209800"/>
+            <a:ext cx="2133600" cy="3200400"/>
+          </a:xfrm>
+          <a:prstGeom prst="rect">
+            <a:avLst/>
+          </a:prstGeom>
+        </p:spPr>
+      </p:pic>
+    </p:spTree>
+    <p:extLst>
+      <p:ext uri="{BB962C8B-B14F-4D97-AF65-F5344CB8AC3E}">
+        <p14:creationId xmlns:p14="http://schemas.microsoft.com/office/powerpoint/2010/main" val="1804225097"/>
+      </p:ext>
+    </p:extLst>
+  </p:cSld>
+  <p:clrMapOvr>
+    <a:masterClrMapping/>
+  </p:clrMapOvr>
+  <p:timing>
+    <p:tnLst>
+      <p:par>
+        <p:cTn id="1" dur="indefinite" restart="never" nodeType="tmRoot"/>
+      </p:par>
+    </p:tnLst>
+  </p:timing>
+</p:sld>
+</file>
+
+<file path=ppt/slides/slide6.xml><?xml version="1.0" encoding="utf-8"?>
+<p:sld xmlns:a="http://schemas.openxmlformats.org/drawingml/2006/main" xmlns:r="http://schemas.openxmlformats.org/officeDocument/2006/relationships" xmlns:p="http://schemas.openxmlformats.org/presentationml/2006/main">
+  <p:cSld>
+    <p:spTree>
+      <p:nvGrpSpPr>
+        <p:cNvPr id="1" name=""/>
+        <p:cNvGrpSpPr/>
+        <p:nvPr/>
+      </p:nvGrpSpPr>
+      <p:grpSpPr>
+        <a:xfrm>
+          <a:off x="0" y="0"/>
+          <a:ext cx="0" cy="0"/>
+          <a:chOff x="0" y="0"/>
+          <a:chExt cx="0" cy="0"/>
+        </a:xfrm>
+      </p:grpSpPr>
+      <p:sp>
+        <p:nvSpPr>
+          <p:cNvPr id="2" name="Title 1"/>
+          <p:cNvSpPr>
+            <a:spLocks noGrp="1"/>
+          </p:cNvSpPr>
+          <p:nvPr>
+            <p:ph type="title"/>
+          </p:nvPr>
+        </p:nvSpPr>
+        <p:spPr/>
+        <p:txBody>
+          <a:bodyPr>
+            <a:normAutofit/>
+          </a:bodyPr>
+          <a:lstStyle/>
+          <a:p>
+            <a:r>
+              <a:rPr lang="en-US" sz="3200" b="1" u="sng" dirty="0" err="1" smtClean="0"/>
+              <a:t>AnTuTu</a:t>
+            </a:r>
+            <a:r>
+              <a:rPr lang="en-US" sz="3200" b="1" u="sng" dirty="0" smtClean="0"/>
+              <a:t> Benchmark  VS Quadrant</a:t>
+            </a:r>
+            <a:endParaRPr lang="en-US" sz="3200" dirty="0"/>
+          </a:p>
+        </p:txBody>
+      </p:sp>
+      <p:sp>
+        <p:nvSpPr>
+          <p:cNvPr id="3" name="Content Placeholder 2"/>
+          <p:cNvSpPr>
+            <a:spLocks noGrp="1"/>
+          </p:cNvSpPr>
+          <p:nvPr>
+            <p:ph idx="1"/>
+          </p:nvPr>
+        </p:nvSpPr>
+        <p:spPr/>
+        <p:txBody>
+          <a:bodyPr>
+            <a:normAutofit lnSpcReduction="10000"/>
+          </a:bodyPr>
+          <a:lstStyle/>
+          <a:p>
+            <a:r>
+              <a:rPr lang="en-US" sz="2400" dirty="0" smtClean="0"/>
+              <a:t>Quadrant is a popular android application similar to </a:t>
+            </a:r>
+            <a:r>
+              <a:rPr lang="en-US" sz="2400" dirty="0" err="1" smtClean="0"/>
+              <a:t>AnTuTu</a:t>
+            </a:r>
+            <a:r>
+              <a:rPr lang="en-US" sz="2400" dirty="0" smtClean="0"/>
+              <a:t> Benchmark, it also performs </a:t>
+            </a:r>
+            <a:r>
+              <a:rPr lang="en-US" sz="2400" dirty="0"/>
+              <a:t>tests on CPU, Memory, I/O and 2D and 3D graphics performance </a:t>
+            </a:r>
+          </a:p>
+          <a:p>
+            <a:pPr marL="0" indent="0">
+              <a:buNone/>
+            </a:pPr>
+            <a:endParaRPr lang="en-US" sz="2400" dirty="0" smtClean="0"/>
+          </a:p>
+          <a:p>
+            <a:r>
+              <a:rPr lang="en-US" sz="2400" dirty="0" err="1" smtClean="0"/>
+              <a:t>AnTuTu</a:t>
+            </a:r>
+            <a:r>
+              <a:rPr lang="en-US" sz="2400" dirty="0" smtClean="0"/>
+              <a:t> Benchmark allows both full benchmark test and custom benchmark test, that is user can choose to test on certain parts of the device</a:t>
+            </a:r>
+          </a:p>
+          <a:p>
+            <a:pPr marL="0" indent="0">
+              <a:buNone/>
+            </a:pPr>
+            <a:endParaRPr lang="en-US" sz="2400" dirty="0" smtClean="0"/>
+          </a:p>
+          <a:p>
+            <a:r>
+              <a:rPr lang="en-US" sz="2400" dirty="0" smtClean="0"/>
+              <a:t>Quadrant  </a:t>
+            </a:r>
+            <a:r>
+              <a:rPr lang="en-US" sz="2400" dirty="0"/>
+              <a:t>Standard Edition only allows full benchmark test,   custom test is only </a:t>
+            </a:r>
+            <a:r>
+              <a:rPr lang="en-US" sz="2400" dirty="0" err="1" smtClean="0"/>
+              <a:t>avaiable</a:t>
+            </a:r>
+            <a:r>
+              <a:rPr lang="en-US" sz="2400" dirty="0" smtClean="0"/>
+              <a:t> in </a:t>
+            </a:r>
+            <a:r>
+              <a:rPr lang="en-US" sz="2400" dirty="0"/>
+              <a:t>the </a:t>
+            </a:r>
+            <a:r>
+              <a:rPr lang="en-US" sz="2400" dirty="0" smtClean="0"/>
+              <a:t>advanced edition</a:t>
+            </a:r>
+            <a:endParaRPr lang="en-US" sz="2400" dirty="0"/>
+          </a:p>
+          <a:p>
+            <a:pPr marL="0" indent="0">
+              <a:buNone/>
+            </a:pPr>
+            <a:endParaRPr lang="en-US" sz="2400" dirty="0"/>
+          </a:p>
+          <a:p>
+            <a:r>
+              <a:rPr lang="en-US" sz="2400" dirty="0" err="1"/>
+              <a:t>AnTuTu</a:t>
+            </a:r>
+            <a:r>
+              <a:rPr lang="en-US" sz="2400" dirty="0"/>
+              <a:t> can finish the full benchmark test within 5 </a:t>
+            </a:r>
+            <a:r>
+              <a:rPr lang="en-US" sz="2400" dirty="0" smtClean="0"/>
+              <a:t>minutes</a:t>
+            </a:r>
+          </a:p>
+        </p:txBody>
+      </p:sp>
+    </p:spTree>
+    <p:extLst>
+      <p:ext uri="{BB962C8B-B14F-4D97-AF65-F5344CB8AC3E}">
+        <p14:creationId xmlns:p14="http://schemas.microsoft.com/office/powerpoint/2010/main" val="1445709920"/>
+      </p:ext>
+    </p:extLst>
+  </p:cSld>
+  <p:clrMapOvr>
+    <a:masterClrMapping/>
+  </p:clrMapOvr>
+  <p:timing>
+    <p:tnLst>
+      <p:par>
+        <p:cTn id="1" dur="indefinite" restart="never" nodeType="tmRoot"/>
+      </p:par>
+    </p:tnLst>
+  </p:timing>
+</p:sld>
+</file>
+
+<file path=ppt/slides/slide7.xml><?xml version="1.0" encoding="utf-8"?>
+<p:sld xmlns:a="http://schemas.openxmlformats.org/drawingml/2006/main" xmlns:r="http://schemas.openxmlformats.org/officeDocument/2006/relationships" xmlns:p="http://schemas.openxmlformats.org/presentationml/2006/main">
+  <p:cSld>
+    <p:spTree>
+      <p:nvGrpSpPr>
+        <p:cNvPr id="1" name=""/>
+        <p:cNvGrpSpPr/>
+        <p:nvPr/>
+      </p:nvGrpSpPr>
+      <p:grpSpPr>
+        <a:xfrm>
+          <a:off x="0" y="0"/>
+          <a:ext cx="0" cy="0"/>
+          <a:chOff x="0" y="0"/>
+          <a:chExt cx="0" cy="0"/>
+        </a:xfrm>
+      </p:grpSpPr>
+      <p:sp>
+        <p:nvSpPr>
+          <p:cNvPr id="2" name="Title 1"/>
+          <p:cNvSpPr>
+            <a:spLocks noGrp="1"/>
+          </p:cNvSpPr>
+          <p:nvPr>
+            <p:ph type="title"/>
+          </p:nvPr>
+        </p:nvSpPr>
+        <p:spPr>
+          <a:xfrm>
+            <a:off x="152400" y="152400"/>
+            <a:ext cx="8229600" cy="1143000"/>
+          </a:xfrm>
+        </p:spPr>
+        <p:txBody>
+          <a:bodyPr>
+            <a:normAutofit/>
+          </a:bodyPr>
+          <a:lstStyle/>
+          <a:p>
+            <a:pPr lvl="0"/>
+            <a:r>
+              <a:rPr lang="en-US" b="1" u="sng" dirty="0" err="1"/>
+              <a:t>Vellamo</a:t>
+            </a:r>
+            <a:r>
+              <a:rPr lang="en-US" b="1" u="sng" dirty="0"/>
+              <a:t> Mobile Web </a:t>
+            </a:r>
+            <a:r>
+              <a:rPr lang="en-US" b="1" u="sng" dirty="0" smtClean="0"/>
+              <a:t>Benchmark</a:t>
+            </a:r>
+            <a:endParaRPr lang="en-US" dirty="0"/>
+          </a:p>
+        </p:txBody>
+      </p:sp>
+      <p:sp>
+        <p:nvSpPr>
+          <p:cNvPr id="3" name="Content Placeholder 2"/>
+          <p:cNvSpPr>
+            <a:spLocks noGrp="1"/>
+          </p:cNvSpPr>
+          <p:nvPr>
+            <p:ph idx="1"/>
+          </p:nvPr>
+        </p:nvSpPr>
+        <p:spPr>
+          <a:xfrm>
+            <a:off x="457200" y="1200150"/>
+            <a:ext cx="5334000" cy="5257800"/>
+          </a:xfrm>
+        </p:spPr>
+        <p:txBody>
+          <a:bodyPr>
+            <a:normAutofit/>
+          </a:bodyPr>
+          <a:lstStyle/>
+          <a:p>
+            <a:pPr marL="0" indent="0">
+              <a:buNone/>
+            </a:pPr>
+            <a:r>
+              <a:rPr lang="en-US" sz="2000" dirty="0" smtClean="0"/>
+              <a:t>Measures </a:t>
+            </a:r>
+            <a:r>
+              <a:rPr lang="en-US" sz="2000" dirty="0"/>
+              <a:t>the following things</a:t>
+            </a:r>
+          </a:p>
+          <a:p>
+            <a:r>
+              <a:rPr lang="en-US" sz="2000" dirty="0"/>
+              <a:t>the browser’s use of the HTML5 display processing subsystem</a:t>
+            </a:r>
+          </a:p>
+          <a:p>
+            <a:r>
+              <a:rPr lang="en-US" sz="2000" dirty="0"/>
+              <a:t>overall speed and efficiency of the JavaScript virtual machine</a:t>
+            </a:r>
+          </a:p>
+          <a:p>
+            <a:r>
+              <a:rPr lang="en-US" sz="2000" dirty="0"/>
+              <a:t>the efficiency between this engine and the core browser</a:t>
+            </a:r>
+          </a:p>
+          <a:p>
+            <a:r>
+              <a:rPr lang="en-US" sz="2000" dirty="0"/>
+              <a:t>responsiveness of panning, zooming, and scrolling of text, images, and standard web page objects</a:t>
+            </a:r>
+          </a:p>
+          <a:p>
+            <a:r>
+              <a:rPr lang="en-US" sz="2000" dirty="0"/>
+              <a:t>the performance of the browser’s HTTP and IP networking </a:t>
+            </a:r>
+            <a:r>
+              <a:rPr lang="en-US" sz="2000" dirty="0" smtClean="0"/>
+              <a:t>stack</a:t>
+            </a:r>
+            <a:endParaRPr lang="en-US" sz="1800" dirty="0" smtClean="0"/>
+          </a:p>
+          <a:p>
+            <a:pPr marL="0" indent="0">
+              <a:buNone/>
+            </a:pPr>
+            <a:r>
+              <a:rPr lang="en-US" sz="2000" dirty="0" smtClean="0"/>
+              <a:t>Reasons for choosing this application:</a:t>
+            </a:r>
+          </a:p>
+          <a:p>
+            <a:r>
+              <a:rPr lang="en-US" sz="2000" dirty="0"/>
+              <a:t>High user rating </a:t>
+            </a:r>
+            <a:r>
+              <a:rPr lang="en-US" sz="2000" dirty="0" smtClean="0"/>
+              <a:t>in </a:t>
+            </a:r>
+            <a:r>
+              <a:rPr lang="en-US" sz="2000" dirty="0" err="1" smtClean="0"/>
+              <a:t>google</a:t>
+            </a:r>
+            <a:r>
+              <a:rPr lang="en-US" sz="2000" dirty="0" smtClean="0"/>
+              <a:t> </a:t>
+            </a:r>
+            <a:r>
+              <a:rPr lang="en-US" sz="2000" dirty="0"/>
+              <a:t>play </a:t>
+            </a:r>
+            <a:r>
+              <a:rPr lang="en-US" sz="2000" dirty="0" smtClean="0"/>
+              <a:t>store </a:t>
+            </a:r>
+          </a:p>
+          <a:p>
+            <a:pPr marL="0" indent="0">
+              <a:buNone/>
+            </a:pPr>
+            <a:r>
+              <a:rPr lang="en-US" sz="2000" dirty="0"/>
+              <a:t> </a:t>
+            </a:r>
+            <a:r>
+              <a:rPr lang="en-US" sz="2000" dirty="0" smtClean="0"/>
+              <a:t>      </a:t>
+            </a:r>
+            <a:r>
+              <a:rPr lang="en-US" sz="1600" dirty="0" smtClean="0"/>
+              <a:t>(average rating : 4.3 / 5)</a:t>
+            </a:r>
+          </a:p>
+        </p:txBody>
+      </p:sp>
+      <p:pic>
+        <p:nvPicPr>
+          <p:cNvPr id="4" name="Picture 3"/>
+          <p:cNvPicPr>
+            <a:picLocks noChangeAspect="1"/>
+          </p:cNvPicPr>
+          <p:nvPr/>
+        </p:nvPicPr>
+        <p:blipFill>
+          <a:blip r:embed="rId2">
+            <a:extLst>
+              <a:ext uri="{28A0092B-C50C-407E-A947-70E740481C1C}">
+                <a14:useLocalDpi xmlns:a14="http://schemas.microsoft.com/office/drawing/2010/main" val="0"/>
+              </a:ext>
+            </a:extLst>
+          </a:blip>
+          <a:stretch>
+            <a:fillRect/>
+          </a:stretch>
+        </p:blipFill>
+        <p:spPr>
+          <a:xfrm>
+            <a:off x="5943600" y="1447800"/>
+            <a:ext cx="2924175" cy="4876800"/>
+          </a:xfrm>
+          <a:prstGeom prst="rect">
+            <a:avLst/>
+          </a:prstGeom>
+        </p:spPr>
+      </p:pic>
+      <p:pic>
+        <p:nvPicPr>
+          <p:cNvPr id="5" name="Picture 4"/>
+          <p:cNvPicPr>
+            <a:picLocks noChangeAspect="1"/>
+          </p:cNvPicPr>
+          <p:nvPr/>
+        </p:nvPicPr>
+        <p:blipFill>
+          <a:blip r:embed="rId3">
+            <a:extLst>
+              <a:ext uri="{28A0092B-C50C-407E-A947-70E740481C1C}">
+                <a14:useLocalDpi xmlns:a14="http://schemas.microsoft.com/office/drawing/2010/main" val="0"/>
+              </a:ext>
+            </a:extLst>
+          </a:blip>
+          <a:stretch>
+            <a:fillRect/>
+          </a:stretch>
+        </p:blipFill>
+        <p:spPr>
+          <a:xfrm>
+            <a:off x="7497907" y="371475"/>
+            <a:ext cx="742950" cy="742950"/>
+          </a:xfrm>
+          <a:prstGeom prst="rect">
+            <a:avLst/>
+          </a:prstGeom>
+        </p:spPr>
+      </p:pic>
+    </p:spTree>
+    <p:extLst>
+      <p:ext uri="{BB962C8B-B14F-4D97-AF65-F5344CB8AC3E}">
+        <p14:creationId xmlns:p14="http://schemas.microsoft.com/office/powerpoint/2010/main" val="685361917"/>
+      </p:ext>
+    </p:extLst>
+  </p:cSld>
+  <p:clrMapOvr>
+    <a:masterClrMapping/>
+  </p:clrMapOvr>
+  <p:timing>
+    <p:tnLst>
+      <p:par>
+        <p:cTn id="1" dur="indefinite" restart="never" nodeType="tmRoot"/>
+      </p:par>
+    </p:tnLst>
+  </p:timing>
+</p:sld>
+</file>
+
+<file path=ppt/slides/slide8.xml><?xml version="1.0" encoding="utf-8"?>
+<p:sld xmlns:a="http://schemas.openxmlformats.org/drawingml/2006/main" xmlns:r="http://schemas.openxmlformats.org/officeDocument/2006/relationships" xmlns:p="http://schemas.openxmlformats.org/presentationml/2006/main">
+  <p:cSld>
+    <p:spTree>
+      <p:nvGrpSpPr>
+        <p:cNvPr id="1" name=""/>
+        <p:cNvGrpSpPr/>
+        <p:nvPr/>
+      </p:nvGrpSpPr>
+      <p:grpSpPr>
+        <a:xfrm>
+          <a:off x="0" y="0"/>
+          <a:ext cx="0" cy="0"/>
+          <a:chOff x="0" y="0"/>
+          <a:chExt cx="0" cy="0"/>
+        </a:xfrm>
+      </p:grpSpPr>
+      <p:sp>
+        <p:nvSpPr>
+          <p:cNvPr id="2" name="Title 1"/>
+          <p:cNvSpPr>
+            <a:spLocks noGrp="1"/>
+          </p:cNvSpPr>
+          <p:nvPr>
+            <p:ph type="title"/>
+          </p:nvPr>
+        </p:nvSpPr>
+        <p:spPr/>
+        <p:txBody>
+          <a:bodyPr/>
+          <a:lstStyle/>
+          <a:p>
+            <a:r>
+              <a:rPr lang="en-US" b="1" u="sng" dirty="0" err="1" smtClean="0"/>
+              <a:t>GlBenchmark</a:t>
+            </a:r>
+            <a:endParaRPr lang="en-US" dirty="0"/>
+          </a:p>
+        </p:txBody>
+      </p:sp>
+      <p:sp>
+        <p:nvSpPr>
+          <p:cNvPr id="4" name="Content Placeholder 3"/>
+          <p:cNvSpPr>
+            <a:spLocks noGrp="1"/>
+          </p:cNvSpPr>
+          <p:nvPr>
+            <p:ph sz="half" idx="1"/>
+          </p:nvPr>
+        </p:nvSpPr>
+        <p:spPr/>
+        <p:txBody>
+          <a:bodyPr>
+            <a:normAutofit fontScale="92500"/>
+          </a:bodyPr>
+          <a:lstStyle/>
+          <a:p>
+            <a:r>
+              <a:rPr lang="en-US" dirty="0"/>
+              <a:t>gives more accurate 3D Graphics Performance measurement, it contains testing with high level 3D animation</a:t>
+            </a:r>
+            <a:r>
+              <a:rPr lang="en-US" dirty="0" smtClean="0"/>
+              <a:t>.</a:t>
+            </a:r>
+            <a:endParaRPr lang="en-US" dirty="0"/>
+          </a:p>
+          <a:p>
+            <a:r>
+              <a:rPr lang="en-US" dirty="0" smtClean="0"/>
+              <a:t>Reasons for choosing this application:</a:t>
+            </a:r>
+          </a:p>
+          <a:p>
+            <a:pPr lvl="1"/>
+            <a:r>
+              <a:rPr lang="en-US" dirty="0"/>
+              <a:t>Contains many </a:t>
+            </a:r>
+            <a:r>
+              <a:rPr lang="en-US" dirty="0" smtClean="0"/>
+              <a:t>different</a:t>
+            </a:r>
+            <a:r>
+              <a:rPr lang="en-US" baseline="0" dirty="0" smtClean="0"/>
+              <a:t> </a:t>
+            </a:r>
+            <a:r>
+              <a:rPr lang="en-US" dirty="0" smtClean="0"/>
+              <a:t>performance </a:t>
+            </a:r>
+            <a:r>
+              <a:rPr lang="en-US" dirty="0"/>
+              <a:t>tests on </a:t>
+            </a:r>
+            <a:r>
+              <a:rPr lang="en-US" dirty="0" smtClean="0"/>
+              <a:t>graphic  </a:t>
+            </a:r>
+            <a:r>
+              <a:rPr lang="en-US" dirty="0"/>
+              <a:t>(33 different tests</a:t>
+            </a:r>
+            <a:r>
+              <a:rPr lang="en-US" dirty="0"/>
+              <a:t>)</a:t>
+            </a:r>
+          </a:p>
+          <a:p>
+            <a:pPr lvl="1"/>
+            <a:r>
+              <a:rPr lang="en-US" dirty="0"/>
+              <a:t>Flexible selection of </a:t>
+            </a:r>
+            <a:r>
+              <a:rPr lang="en-US" dirty="0" smtClean="0"/>
+              <a:t>test</a:t>
+            </a:r>
+            <a:endParaRPr lang="en-US" dirty="0"/>
+          </a:p>
+        </p:txBody>
+      </p:sp>
+      <p:sp>
+        <p:nvSpPr>
+          <p:cNvPr id="5" name="Content Placeholder 4"/>
+          <p:cNvSpPr>
+            <a:spLocks noGrp="1"/>
+          </p:cNvSpPr>
+          <p:nvPr>
+            <p:ph sz="half" idx="2"/>
+          </p:nvPr>
+        </p:nvSpPr>
+        <p:spPr/>
+        <p:txBody>
+          <a:bodyPr>
+            <a:normAutofit fontScale="92500"/>
+          </a:bodyPr>
+          <a:lstStyle/>
+          <a:p>
+            <a:endParaRPr lang="en-US" dirty="0"/>
+          </a:p>
+        </p:txBody>
+      </p:sp>
+      <p:pic>
+        <p:nvPicPr>
+          <p:cNvPr id="6" name="Picture 5"/>
+          <p:cNvPicPr>
+            <a:picLocks noChangeAspect="1"/>
+          </p:cNvPicPr>
+          <p:nvPr/>
+        </p:nvPicPr>
+        <p:blipFill>
+          <a:blip r:embed="rId2">
+            <a:extLst>
+              <a:ext uri="{28A0092B-C50C-407E-A947-70E740481C1C}">
+                <a14:useLocalDpi xmlns:a14="http://schemas.microsoft.com/office/drawing/2010/main" val="0"/>
+              </a:ext>
+            </a:extLst>
+          </a:blip>
+          <a:stretch>
+            <a:fillRect/>
+          </a:stretch>
+        </p:blipFill>
+        <p:spPr>
+          <a:xfrm>
+            <a:off x="6410325" y="533400"/>
+            <a:ext cx="742950" cy="742950"/>
+          </a:xfrm>
+          <a:prstGeom prst="rect">
+            <a:avLst/>
+          </a:prstGeom>
+        </p:spPr>
+      </p:pic>
+      <p:pic>
+        <p:nvPicPr>
+          <p:cNvPr id="10" name="Picture 9"/>
+          <p:cNvPicPr>
+            <a:picLocks noChangeAspect="1"/>
+          </p:cNvPicPr>
+          <p:nvPr/>
+        </p:nvPicPr>
+        <p:blipFill>
+          <a:blip r:embed="rId3">
+            <a:extLst>
+              <a:ext uri="{28A0092B-C50C-407E-A947-70E740481C1C}">
+                <a14:useLocalDpi xmlns:a14="http://schemas.microsoft.com/office/drawing/2010/main" val="0"/>
+              </a:ext>
+            </a:extLst>
+          </a:blip>
+          <a:stretch>
+            <a:fillRect/>
+          </a:stretch>
+        </p:blipFill>
+        <p:spPr>
+          <a:xfrm>
+            <a:off x="4479050" y="2093348"/>
+            <a:ext cx="2113172" cy="3338518"/>
+          </a:xfrm>
+          <a:prstGeom prst="rect">
+            <a:avLst/>
+          </a:prstGeom>
+        </p:spPr>
+      </p:pic>
+      <p:pic>
+        <p:nvPicPr>
+          <p:cNvPr id="11" name="Picture 10"/>
+          <p:cNvPicPr>
+            <a:picLocks noChangeAspect="1"/>
+          </p:cNvPicPr>
+          <p:nvPr/>
+        </p:nvPicPr>
+        <p:blipFill>
+          <a:blip r:embed="rId4">
+            <a:extLst>
+              <a:ext uri="{28A0092B-C50C-407E-A947-70E740481C1C}">
+                <a14:useLocalDpi xmlns:a14="http://schemas.microsoft.com/office/drawing/2010/main" val="0"/>
+              </a:ext>
+            </a:extLst>
+          </a:blip>
+          <a:stretch>
+            <a:fillRect/>
+          </a:stretch>
+        </p:blipFill>
+        <p:spPr>
+          <a:xfrm>
+            <a:off x="6781799" y="2093347"/>
+            <a:ext cx="2057401" cy="3338519"/>
+          </a:xfrm>
+          <a:prstGeom prst="rect">
+            <a:avLst/>
+          </a:prstGeom>
+        </p:spPr>
+      </p:pic>
+    </p:spTree>
+    <p:extLst>
+      <p:ext uri="{BB962C8B-B14F-4D97-AF65-F5344CB8AC3E}">
+        <p14:creationId xmlns:p14="http://schemas.microsoft.com/office/powerpoint/2010/main" val="14829009"/>
+      </p:ext>
+    </p:extLst>
+  </p:cSld>
+  <p:clrMapOvr>
+    <a:masterClrMapping/>
+  </p:clrMapOvr>
+  <p:timing>
+    <p:tnLst>
+      <p:par>
+        <p:cTn id="1" dur="indefinite" restart="never" nodeType="tmRoot"/>
+      </p:par>
+    </p:tnLst>
+  </p:timing>
+</p:sld>
+</file>
+
+<file path=ppt/slides/slide9.xml><?xml version="1.0" encoding="utf-8"?>
+<p:sld xmlns:a="http://schemas.openxmlformats.org/drawingml/2006/main" xmlns:r="http://schemas.openxmlformats.org/officeDocument/2006/relationships" xmlns:p="http://schemas.openxmlformats.org/presentationml/2006/main">
+  <p:cSld>
+    <p:spTree>
+      <p:nvGrpSpPr>
+        <p:cNvPr id="1" name=""/>
+        <p:cNvGrpSpPr/>
+        <p:nvPr/>
+      </p:nvGrpSpPr>
+      <p:grpSpPr>
+        <a:xfrm>
+          <a:off x="0" y="0"/>
+          <a:ext cx="0" cy="0"/>
+          <a:chOff x="0" y="0"/>
+          <a:chExt cx="0" cy="0"/>
+        </a:xfrm>
+      </p:grpSpPr>
+      <p:sp>
+        <p:nvSpPr>
+          <p:cNvPr id="2" name="Title 1"/>
+          <p:cNvSpPr>
+            <a:spLocks noGrp="1"/>
+          </p:cNvSpPr>
+          <p:nvPr>
+            <p:ph type="title"/>
+          </p:nvPr>
+        </p:nvSpPr>
+        <p:spPr/>
+        <p:txBody>
+          <a:bodyPr/>
+          <a:lstStyle/>
+          <a:p>
+            <a:pPr marL="0" marR="0" indent="0" algn="ctr" defTabSz="914400" rtl="0" eaLnBrk="1" fontAlgn="auto" latinLnBrk="0" hangingPunct="1">
+              <a:lnSpc>
+                <a:spcPct val="100000"/>
+              </a:lnSpc>
+              <a:spcBef>
+                <a:spcPct val="0"/>
+              </a:spcBef>
+              <a:spcAft>
+                <a:spcPts val="0"/>
+              </a:spcAft>
+              <a:buClrTx/>
+              <a:buSzTx/>
+              <a:buFontTx/>
+              <a:buNone/>
+              <a:tabLst/>
+              <a:defRPr/>
+            </a:pPr>
+            <a:r>
+              <a:rPr lang="en-US" sz="3600" u="sng" kern="1200" dirty="0" smtClean="0">
+                <a:solidFill>
+                  <a:schemeClr val="tx1"/>
+                </a:solidFill>
+                <a:effectLst/>
+              </a:rPr>
+              <a:t>SD Tool </a:t>
+            </a:r>
+            <a:endParaRPr lang="en-US" u="sng" dirty="0"/>
+          </a:p>
+        </p:txBody>
+      </p:sp>
+      <p:sp>
+        <p:nvSpPr>
+          <p:cNvPr id="3" name="Content Placeholder 2"/>
+          <p:cNvSpPr>
+            <a:spLocks noGrp="1"/>
+          </p:cNvSpPr>
+          <p:nvPr>
+            <p:ph sz="half" idx="1"/>
+          </p:nvPr>
+        </p:nvSpPr>
+        <p:spPr/>
+        <p:txBody>
+          <a:bodyPr>
+            <a:normAutofit/>
+          </a:bodyPr>
+          <a:lstStyle/>
+          <a:p>
+            <a:r>
+              <a:rPr lang="en-US" dirty="0"/>
+              <a:t>benchmark </a:t>
+            </a:r>
+            <a:r>
+              <a:rPr lang="en-US" dirty="0" smtClean="0"/>
+              <a:t>SD </a:t>
+            </a:r>
+            <a:r>
+              <a:rPr lang="en-US" dirty="0"/>
+              <a:t>card writing and reading </a:t>
+            </a:r>
+            <a:r>
+              <a:rPr lang="en-US" dirty="0" smtClean="0"/>
+              <a:t>speeds</a:t>
+            </a:r>
+            <a:endParaRPr lang="en-US" dirty="0"/>
+          </a:p>
+          <a:p>
+            <a:r>
+              <a:rPr lang="en-US" dirty="0" smtClean="0"/>
+              <a:t>Reason for not choosing:</a:t>
+            </a:r>
+          </a:p>
+          <a:p>
+            <a:pPr lvl="1"/>
+            <a:r>
+              <a:rPr lang="en-US" dirty="0" smtClean="0"/>
+              <a:t>Tests on SD writing and reading are already included in the </a:t>
+            </a:r>
+            <a:r>
+              <a:rPr lang="en-US" dirty="0" smtClean="0"/>
+              <a:t>testing </a:t>
+            </a:r>
+            <a:r>
+              <a:rPr lang="en-US" dirty="0" smtClean="0"/>
+              <a:t>done by </a:t>
+            </a:r>
+            <a:r>
+              <a:rPr lang="en-US" dirty="0" err="1" smtClean="0"/>
+              <a:t>Antutu</a:t>
+            </a:r>
+            <a:r>
+              <a:rPr lang="en-US" dirty="0" smtClean="0"/>
+              <a:t> Benchmark </a:t>
+            </a:r>
+            <a:endParaRPr lang="en-US" dirty="0"/>
+          </a:p>
+        </p:txBody>
+      </p:sp>
+      <p:pic>
+        <p:nvPicPr>
+          <p:cNvPr id="4" name="Content Placeholder 3"/>
+          <p:cNvPicPr>
+            <a:picLocks noGrp="1" noChangeAspect="1"/>
+          </p:cNvPicPr>
+          <p:nvPr>
+            <p:ph sz="half" idx="2"/>
+          </p:nvPr>
+        </p:nvPicPr>
+        <p:blipFill>
+          <a:blip r:embed="rId2">
+            <a:extLst>
+              <a:ext uri="{28A0092B-C50C-407E-A947-70E740481C1C}">
+                <a14:useLocalDpi xmlns:a14="http://schemas.microsoft.com/office/drawing/2010/main" val="0"/>
+              </a:ext>
+            </a:extLst>
+          </a:blip>
+          <a:stretch>
+            <a:fillRect/>
+          </a:stretch>
+        </p:blipFill>
+        <p:spPr>
+          <a:xfrm>
+            <a:off x="4419600" y="1600200"/>
+            <a:ext cx="2234781" cy="3715472"/>
+          </a:xfrm>
+        </p:spPr>
+      </p:pic>
+      <p:pic>
+        <p:nvPicPr>
+          <p:cNvPr id="6" name="Picture 5"/>
+          <p:cNvPicPr>
+            <a:picLocks noChangeAspect="1"/>
+          </p:cNvPicPr>
+          <p:nvPr/>
+        </p:nvPicPr>
+        <p:blipFill>
+          <a:blip r:embed="rId3">
+            <a:extLst>
+              <a:ext uri="{28A0092B-C50C-407E-A947-70E740481C1C}">
+                <a14:useLocalDpi xmlns:a14="http://schemas.microsoft.com/office/drawing/2010/main" val="0"/>
+              </a:ext>
+            </a:extLst>
+          </a:blip>
+          <a:stretch>
+            <a:fillRect/>
+          </a:stretch>
+        </p:blipFill>
+        <p:spPr>
+          <a:xfrm>
+            <a:off x="5562600" y="457200"/>
+            <a:ext cx="742950" cy="742950"/>
+          </a:xfrm>
+          <a:prstGeom prst="rect">
+            <a:avLst/>
+          </a:prstGeom>
+        </p:spPr>
+      </p:pic>
+      <p:pic>
+        <p:nvPicPr>
+          <p:cNvPr id="5" name="Picture 4"/>
+          <p:cNvPicPr>
+            <a:picLocks noChangeAspect="1"/>
+          </p:cNvPicPr>
+          <p:nvPr/>
+        </p:nvPicPr>
+        <p:blipFill>
+          <a:blip r:embed="rId4">
+            <a:extLst>
+              <a:ext uri="{28A0092B-C50C-407E-A947-70E740481C1C}">
+                <a14:useLocalDpi xmlns:a14="http://schemas.microsoft.com/office/drawing/2010/main" val="0"/>
+              </a:ext>
+            </a:extLst>
+          </a:blip>
+          <a:stretch>
+            <a:fillRect/>
+          </a:stretch>
+        </p:blipFill>
+        <p:spPr>
+          <a:xfrm>
+            <a:off x="6781800" y="1600200"/>
+            <a:ext cx="2209800" cy="3683000"/>
+          </a:xfrm>
+          <a:prstGeom prst="rect">
+            <a:avLst/>
+          </a:prstGeom>
+        </p:spPr>
+      </p:pic>
+    </p:spTree>
+    <p:extLst>
+      <p:ext uri="{BB962C8B-B14F-4D97-AF65-F5344CB8AC3E}">
+        <p14:creationId xmlns:p14="http://schemas.microsoft.com/office/powerpoint/2010/main" val="2211510816"/>
       </p:ext>
     </p:extLst>
   </p:cSld>
@@ -5936,4 +11681,859 @@
   <a:objectDefaults/>
   <a:extraClrSchemeLst/>
 </a:theme>
+</file>
+
+<file path=ppt/theme/theme2.xml><?xml version="1.0" encoding="utf-8"?>
+<a:theme xmlns:a="http://schemas.openxmlformats.org/drawingml/2006/main" name="Custom Design">
+  <a:themeElements>
+    <a:clrScheme name="Office">
+      <a:dk1>
+        <a:sysClr val="windowText" lastClr="000000"/>
+      </a:dk1>
+      <a:lt1>
+        <a:sysClr val="window" lastClr="FFFFFF"/>
+      </a:lt1>
+      <a:dk2>
+        <a:srgbClr val="1F497D"/>
+      </a:dk2>
+      <a:lt2>
+        <a:srgbClr val="EEECE1"/>
+      </a:lt2>
+      <a:accent1>
+        <a:srgbClr val="4F81BD"/>
+      </a:accent1>
+      <a:accent2>
+        <a:srgbClr val="C0504D"/>
+      </a:accent2>
+      <a:accent3>
+        <a:srgbClr val="9BBB59"/>
+      </a:accent3>
+      <a:accent4>
+        <a:srgbClr val="8064A2"/>
+      </a:accent4>
+      <a:accent5>
+        <a:srgbClr val="4BACC6"/>
+      </a:accent5>
+      <a:accent6>
+        <a:srgbClr val="F79646"/>
+      </a:accent6>
+      <a:hlink>
+        <a:srgbClr val="0000FF"/>
+      </a:hlink>
+      <a:folHlink>
+        <a:srgbClr val="800080"/>
+      </a:folHlink>
+    </a:clrScheme>
+    <a:fontScheme name="Office">
+      <a:majorFont>
+        <a:latin typeface="Calibri"/>
+        <a:ea typeface=""/>
+        <a:cs typeface=""/>
+        <a:font script="Jpan" typeface="ＭＳ Ｐゴシック"/>
+        <a:font script="Hang" typeface="맑은 고딕"/>
+        <a:font script="Hans" typeface="宋体"/>
+        <a:font script="Hant" typeface="新細明體"/>
+        <a:font script="Arab" typeface="Times New Roman"/>
+        <a:font script="Hebr" typeface="Times New Roman"/>
+        <a:font script="Thai" typeface="Angsana New"/>
+        <a:font script="Ethi" typeface="Nyala"/>
+        <a:font script="Beng" typeface="Vrinda"/>
+        <a:font script="Gujr" typeface="Shruti"/>
+        <a:font script="Khmr" typeface="MoolBoran"/>
+        <a:font script="Knda" typeface="Tunga"/>
+        <a:font script="Guru" typeface="Raavi"/>
+        <a:font script="Cans" typeface="Euphemia"/>
+        <a:font script="Cher" typeface="Plantagenet Cherokee"/>
+        <a:font script="Yiii" typeface="Microsoft Yi Baiti"/>
+        <a:font script="Tibt" typeface="Microsoft Himalaya"/>
+        <a:font script="Thaa" typeface="MV Boli"/>
+        <a:font script="Deva" typeface="Mangal"/>
+        <a:font script="Telu" typeface="Gautami"/>
+        <a:font script="Taml" typeface="Latha"/>
+        <a:font script="Syrc" typeface="Estrangelo Edessa"/>
+        <a:font script="Orya" typeface="Kalinga"/>
+        <a:font script="Mlym" typeface="Kartika"/>
+        <a:font script="Laoo" typeface="DokChampa"/>
+        <a:font script="Sinh" typeface="Iskoola Pota"/>
+        <a:font script="Mong" typeface="Mongolian Baiti"/>
+        <a:font script="Viet" typeface="Times New Roman"/>
+        <a:font script="Uigh" typeface="Microsoft Uighur"/>
+        <a:font script="Geor" typeface="Sylfaen"/>
+      </a:majorFont>
+      <a:minorFont>
+        <a:latin typeface="Calibri"/>
+        <a:ea typeface=""/>
+        <a:cs typeface=""/>
+        <a:font script="Jpan" typeface="ＭＳ Ｐゴシック"/>
+        <a:font script="Hang" typeface="맑은 고딕"/>
+        <a:font script="Hans" typeface="宋体"/>
+        <a:font script="Hant" typeface="新細明體"/>
+        <a:font script="Arab" typeface="Arial"/>
+        <a:font script="Hebr" typeface="Arial"/>
+        <a:font script="Thai" typeface="Cordia New"/>
+        <a:font script="Ethi" typeface="Nyala"/>
+        <a:font script="Beng" typeface="Vrinda"/>
+        <a:font script="Gujr" typeface="Shruti"/>
+        <a:font script="Khmr" typeface="DaunPenh"/>
+        <a:font script="Knda" typeface="Tunga"/>
+        <a:font script="Guru" typeface="Raavi"/>
+        <a:font script="Cans" typeface="Euphemia"/>
+        <a:font script="Cher" typeface="Plantagenet Cherokee"/>
+        <a:font script="Yiii" typeface="Microsoft Yi Baiti"/>
+        <a:font script="Tibt" typeface="Microsoft Himalaya"/>
+        <a:font script="Thaa" typeface="MV Boli"/>
+        <a:font script="Deva" typeface="Mangal"/>
+        <a:font script="Telu" typeface="Gautami"/>
+        <a:font script="Taml" typeface="Latha"/>
+        <a:font script="Syrc" typeface="Estrangelo Edessa"/>
+        <a:font script="Orya" typeface="Kalinga"/>
+        <a:font script="Mlym" typeface="Kartika"/>
+        <a:font script="Laoo" typeface="DokChampa"/>
+        <a:font script="Sinh" typeface="Iskoola Pota"/>
+        <a:font script="Mong" typeface="Mongolian Baiti"/>
+        <a:font script="Viet" typeface="Arial"/>
+        <a:font script="Uigh" typeface="Microsoft Uighur"/>
+        <a:font script="Geor" typeface="Sylfaen"/>
+      </a:minorFont>
+    </a:fontScheme>
+    <a:fmtScheme name="Office">
+      <a:fillStyleLst>
+        <a:solidFill>
+          <a:schemeClr val="phClr"/>
+        </a:solidFill>
+        <a:gradFill rotWithShape="1">
+          <a:gsLst>
+            <a:gs pos="0">
+              <a:schemeClr val="phClr">
+                <a:tint val="50000"/>
+                <a:satMod val="300000"/>
+              </a:schemeClr>
+            </a:gs>
+            <a:gs pos="35000">
+              <a:schemeClr val="phClr">
+                <a:tint val="37000"/>
+                <a:satMod val="300000"/>
+              </a:schemeClr>
+            </a:gs>
+            <a:gs pos="100000">
+              <a:schemeClr val="phClr">
+                <a:tint val="15000"/>
+                <a:satMod val="350000"/>
+              </a:schemeClr>
+            </a:gs>
+          </a:gsLst>
+          <a:lin ang="16200000" scaled="1"/>
+        </a:gradFill>
+        <a:gradFill rotWithShape="1">
+          <a:gsLst>
+            <a:gs pos="0">
+              <a:schemeClr val="phClr">
+                <a:shade val="51000"/>
+                <a:satMod val="130000"/>
+              </a:schemeClr>
+            </a:gs>
+            <a:gs pos="80000">
+              <a:schemeClr val="phClr">
+                <a:shade val="93000"/>
+                <a:satMod val="130000"/>
+              </a:schemeClr>
+            </a:gs>
+            <a:gs pos="100000">
+              <a:schemeClr val="phClr">
+                <a:shade val="94000"/>
+                <a:satMod val="135000"/>
+              </a:schemeClr>
+            </a:gs>
+          </a:gsLst>
+          <a:lin ang="16200000" scaled="0"/>
+        </a:gradFill>
+      </a:fillStyleLst>
+      <a:lnStyleLst>
+        <a:ln w="9525" cap="flat" cmpd="sng" algn="ctr">
+          <a:solidFill>
+            <a:schemeClr val="phClr">
+              <a:shade val="95000"/>
+              <a:satMod val="105000"/>
+            </a:schemeClr>
+          </a:solidFill>
+          <a:prstDash val="solid"/>
+        </a:ln>
+        <a:ln w="25400" cap="flat" cmpd="sng" algn="ctr">
+          <a:solidFill>
+            <a:schemeClr val="phClr"/>
+          </a:solidFill>
+          <a:prstDash val="solid"/>
+        </a:ln>
+        <a:ln w="38100" cap="flat" cmpd="sng" algn="ctr">
+          <a:solidFill>
+            <a:schemeClr val="phClr"/>
+          </a:solidFill>
+          <a:prstDash val="solid"/>
+        </a:ln>
+      </a:lnStyleLst>
+      <a:effectStyleLst>
+        <a:effectStyle>
+          <a:effectLst>
+            <a:outerShdw blurRad="40000" dist="20000" dir="5400000" rotWithShape="0">
+              <a:srgbClr val="000000">
+                <a:alpha val="38000"/>
+              </a:srgbClr>
+            </a:outerShdw>
+          </a:effectLst>
+        </a:effectStyle>
+        <a:effectStyle>
+          <a:effectLst>
+            <a:outerShdw blurRad="40000" dist="23000" dir="5400000" rotWithShape="0">
+              <a:srgbClr val="000000">
+                <a:alpha val="35000"/>
+              </a:srgbClr>
+            </a:outerShdw>
+          </a:effectLst>
+        </a:effectStyle>
+        <a:effectStyle>
+          <a:effectLst>
+            <a:outerShdw blurRad="40000" dist="23000" dir="5400000" rotWithShape="0">
+              <a:srgbClr val="000000">
+                <a:alpha val="35000"/>
+              </a:srgbClr>
+            </a:outerShdw>
+          </a:effectLst>
+          <a:scene3d>
+            <a:camera prst="orthographicFront">
+              <a:rot lat="0" lon="0" rev="0"/>
+            </a:camera>
+            <a:lightRig rig="threePt" dir="t">
+              <a:rot lat="0" lon="0" rev="1200000"/>
+            </a:lightRig>
+          </a:scene3d>
+          <a:sp3d>
+            <a:bevelT w="63500" h="25400"/>
+          </a:sp3d>
+        </a:effectStyle>
+      </a:effectStyleLst>
+      <a:bgFillStyleLst>
+        <a:solidFill>
+          <a:schemeClr val="phClr"/>
+        </a:solidFill>
+        <a:gradFill rotWithShape="1">
+          <a:gsLst>
+            <a:gs pos="0">
+              <a:schemeClr val="phClr">
+                <a:tint val="40000"/>
+                <a:satMod val="350000"/>
+              </a:schemeClr>
+            </a:gs>
+            <a:gs pos="40000">
+              <a:schemeClr val="phClr">
+                <a:tint val="45000"/>
+                <a:shade val="99000"/>
+                <a:satMod val="350000"/>
+              </a:schemeClr>
+            </a:gs>
+            <a:gs pos="100000">
+              <a:schemeClr val="phClr">
+                <a:shade val="20000"/>
+                <a:satMod val="255000"/>
+              </a:schemeClr>
+            </a:gs>
+          </a:gsLst>
+          <a:path path="circle">
+            <a:fillToRect l="50000" t="-80000" r="50000" b="180000"/>
+          </a:path>
+        </a:gradFill>
+        <a:gradFill rotWithShape="1">
+          <a:gsLst>
+            <a:gs pos="0">
+              <a:schemeClr val="phClr">
+                <a:tint val="80000"/>
+                <a:satMod val="300000"/>
+              </a:schemeClr>
+            </a:gs>
+            <a:gs pos="100000">
+              <a:schemeClr val="phClr">
+                <a:shade val="30000"/>
+                <a:satMod val="200000"/>
+              </a:schemeClr>
+            </a:gs>
+          </a:gsLst>
+          <a:path path="circle">
+            <a:fillToRect l="50000" t="50000" r="50000" b="50000"/>
+          </a:path>
+        </a:gradFill>
+      </a:bgFillStyleLst>
+    </a:fmtScheme>
+  </a:themeElements>
+  <a:objectDefaults/>
+  <a:extraClrSchemeLst/>
+</a:theme>
+</file>
+
+<file path=ppt/theme/theme3.xml><?xml version="1.0" encoding="utf-8"?>
+<a:theme xmlns:a="http://schemas.openxmlformats.org/drawingml/2006/main" name="Office Theme">
+  <a:themeElements>
+    <a:clrScheme name="Office">
+      <a:dk1>
+        <a:sysClr val="windowText" lastClr="000000"/>
+      </a:dk1>
+      <a:lt1>
+        <a:sysClr val="window" lastClr="FFFFFF"/>
+      </a:lt1>
+      <a:dk2>
+        <a:srgbClr val="1F497D"/>
+      </a:dk2>
+      <a:lt2>
+        <a:srgbClr val="EEECE1"/>
+      </a:lt2>
+      <a:accent1>
+        <a:srgbClr val="4F81BD"/>
+      </a:accent1>
+      <a:accent2>
+        <a:srgbClr val="C0504D"/>
+      </a:accent2>
+      <a:accent3>
+        <a:srgbClr val="9BBB59"/>
+      </a:accent3>
+      <a:accent4>
+        <a:srgbClr val="8064A2"/>
+      </a:accent4>
+      <a:accent5>
+        <a:srgbClr val="4BACC6"/>
+      </a:accent5>
+      <a:accent6>
+        <a:srgbClr val="F79646"/>
+      </a:accent6>
+      <a:hlink>
+        <a:srgbClr val="0000FF"/>
+      </a:hlink>
+      <a:folHlink>
+        <a:srgbClr val="800080"/>
+      </a:folHlink>
+    </a:clrScheme>
+    <a:fontScheme name="Office">
+      <a:majorFont>
+        <a:latin typeface="Calibri"/>
+        <a:ea typeface=""/>
+        <a:cs typeface=""/>
+        <a:font script="Jpan" typeface="ＭＳ Ｐゴシック"/>
+        <a:font script="Hang" typeface="맑은 고딕"/>
+        <a:font script="Hans" typeface="宋体"/>
+        <a:font script="Hant" typeface="新細明體"/>
+        <a:font script="Arab" typeface="Times New Roman"/>
+        <a:font script="Hebr" typeface="Times New Roman"/>
+        <a:font script="Thai" typeface="Angsana New"/>
+        <a:font script="Ethi" typeface="Nyala"/>
+        <a:font script="Beng" typeface="Vrinda"/>
+        <a:font script="Gujr" typeface="Shruti"/>
+        <a:font script="Khmr" typeface="MoolBoran"/>
+        <a:font script="Knda" typeface="Tunga"/>
+        <a:font script="Guru" typeface="Raavi"/>
+        <a:font script="Cans" typeface="Euphemia"/>
+        <a:font script="Cher" typeface="Plantagenet Cherokee"/>
+        <a:font script="Yiii" typeface="Microsoft Yi Baiti"/>
+        <a:font script="Tibt" typeface="Microsoft Himalaya"/>
+        <a:font script="Thaa" typeface="MV Boli"/>
+        <a:font script="Deva" typeface="Mangal"/>
+        <a:font script="Telu" typeface="Gautami"/>
+        <a:font script="Taml" typeface="Latha"/>
+        <a:font script="Syrc" typeface="Estrangelo Edessa"/>
+        <a:font script="Orya" typeface="Kalinga"/>
+        <a:font script="Mlym" typeface="Kartika"/>
+        <a:font script="Laoo" typeface="DokChampa"/>
+        <a:font script="Sinh" typeface="Iskoola Pota"/>
+        <a:font script="Mong" typeface="Mongolian Baiti"/>
+        <a:font script="Viet" typeface="Times New Roman"/>
+        <a:font script="Uigh" typeface="Microsoft Uighur"/>
+        <a:font script="Geor" typeface="Sylfaen"/>
+      </a:majorFont>
+      <a:minorFont>
+        <a:latin typeface="Calibri"/>
+        <a:ea typeface=""/>
+        <a:cs typeface=""/>
+        <a:font script="Jpan" typeface="ＭＳ Ｐゴシック"/>
+        <a:font script="Hang" typeface="맑은 고딕"/>
+        <a:font script="Hans" typeface="宋体"/>
+        <a:font script="Hant" typeface="新細明體"/>
+        <a:font script="Arab" typeface="Arial"/>
+        <a:font script="Hebr" typeface="Arial"/>
+        <a:font script="Thai" typeface="Cordia New"/>
+        <a:font script="Ethi" typeface="Nyala"/>
+        <a:font script="Beng" typeface="Vrinda"/>
+        <a:font script="Gujr" typeface="Shruti"/>
+        <a:font script="Khmr" typeface="DaunPenh"/>
+        <a:font script="Knda" typeface="Tunga"/>
+        <a:font script="Guru" typeface="Raavi"/>
+        <a:font script="Cans" typeface="Euphemia"/>
+        <a:font script="Cher" typeface="Plantagenet Cherokee"/>
+        <a:font script="Yiii" typeface="Microsoft Yi Baiti"/>
+        <a:font script="Tibt" typeface="Microsoft Himalaya"/>
+        <a:font script="Thaa" typeface="MV Boli"/>
+        <a:font script="Deva" typeface="Mangal"/>
+        <a:font script="Telu" typeface="Gautami"/>
+        <a:font script="Taml" typeface="Latha"/>
+        <a:font script="Syrc" typeface="Estrangelo Edessa"/>
+        <a:font script="Orya" typeface="Kalinga"/>
+        <a:font script="Mlym" typeface="Kartika"/>
+        <a:font script="Laoo" typeface="DokChampa"/>
+        <a:font script="Sinh" typeface="Iskoola Pota"/>
+        <a:font script="Mong" typeface="Mongolian Baiti"/>
+        <a:font script="Viet" typeface="Arial"/>
+        <a:font script="Uigh" typeface="Microsoft Uighur"/>
+        <a:font script="Geor" typeface="Sylfaen"/>
+      </a:minorFont>
+    </a:fontScheme>
+    <a:fmtScheme name="Office">
+      <a:fillStyleLst>
+        <a:solidFill>
+          <a:schemeClr val="phClr"/>
+        </a:solidFill>
+        <a:gradFill rotWithShape="1">
+          <a:gsLst>
+            <a:gs pos="0">
+              <a:schemeClr val="phClr">
+                <a:tint val="50000"/>
+                <a:satMod val="300000"/>
+              </a:schemeClr>
+            </a:gs>
+            <a:gs pos="35000">
+              <a:schemeClr val="phClr">
+                <a:tint val="37000"/>
+                <a:satMod val="300000"/>
+              </a:schemeClr>
+            </a:gs>
+            <a:gs pos="100000">
+              <a:schemeClr val="phClr">
+                <a:tint val="15000"/>
+                <a:satMod val="350000"/>
+              </a:schemeClr>
+            </a:gs>
+          </a:gsLst>
+          <a:lin ang="16200000" scaled="1"/>
+        </a:gradFill>
+        <a:gradFill rotWithShape="1">
+          <a:gsLst>
+            <a:gs pos="0">
+              <a:schemeClr val="phClr">
+                <a:shade val="51000"/>
+                <a:satMod val="130000"/>
+              </a:schemeClr>
+            </a:gs>
+            <a:gs pos="80000">
+              <a:schemeClr val="phClr">
+                <a:shade val="93000"/>
+                <a:satMod val="130000"/>
+              </a:schemeClr>
+            </a:gs>
+            <a:gs pos="100000">
+              <a:schemeClr val="phClr">
+                <a:shade val="94000"/>
+                <a:satMod val="135000"/>
+              </a:schemeClr>
+            </a:gs>
+          </a:gsLst>
+          <a:lin ang="16200000" scaled="0"/>
+        </a:gradFill>
+      </a:fillStyleLst>
+      <a:lnStyleLst>
+        <a:ln w="9525" cap="flat" cmpd="sng" algn="ctr">
+          <a:solidFill>
+            <a:schemeClr val="phClr">
+              <a:shade val="95000"/>
+              <a:satMod val="105000"/>
+            </a:schemeClr>
+          </a:solidFill>
+          <a:prstDash val="solid"/>
+        </a:ln>
+        <a:ln w="25400" cap="flat" cmpd="sng" algn="ctr">
+          <a:solidFill>
+            <a:schemeClr val="phClr"/>
+          </a:solidFill>
+          <a:prstDash val="solid"/>
+        </a:ln>
+        <a:ln w="38100" cap="flat" cmpd="sng" algn="ctr">
+          <a:solidFill>
+            <a:schemeClr val="phClr"/>
+          </a:solidFill>
+          <a:prstDash val="solid"/>
+        </a:ln>
+      </a:lnStyleLst>
+      <a:effectStyleLst>
+        <a:effectStyle>
+          <a:effectLst>
+            <a:outerShdw blurRad="40000" dist="20000" dir="5400000" rotWithShape="0">
+              <a:srgbClr val="000000">
+                <a:alpha val="38000"/>
+              </a:srgbClr>
+            </a:outerShdw>
+          </a:effectLst>
+        </a:effectStyle>
+        <a:effectStyle>
+          <a:effectLst>
+            <a:outerShdw blurRad="40000" dist="23000" dir="5400000" rotWithShape="0">
+              <a:srgbClr val="000000">
+                <a:alpha val="35000"/>
+              </a:srgbClr>
+            </a:outerShdw>
+          </a:effectLst>
+        </a:effectStyle>
+        <a:effectStyle>
+          <a:effectLst>
+            <a:outerShdw blurRad="40000" dist="23000" dir="5400000" rotWithShape="0">
+              <a:srgbClr val="000000">
+                <a:alpha val="35000"/>
+              </a:srgbClr>
+            </a:outerShdw>
+          </a:effectLst>
+          <a:scene3d>
+            <a:camera prst="orthographicFront">
+              <a:rot lat="0" lon="0" rev="0"/>
+            </a:camera>
+            <a:lightRig rig="threePt" dir="t">
+              <a:rot lat="0" lon="0" rev="1200000"/>
+            </a:lightRig>
+          </a:scene3d>
+          <a:sp3d>
+            <a:bevelT w="63500" h="25400"/>
+          </a:sp3d>
+        </a:effectStyle>
+      </a:effectStyleLst>
+      <a:bgFillStyleLst>
+        <a:solidFill>
+          <a:schemeClr val="phClr"/>
+        </a:solidFill>
+        <a:gradFill rotWithShape="1">
+          <a:gsLst>
+            <a:gs pos="0">
+              <a:schemeClr val="phClr">
+                <a:tint val="40000"/>
+                <a:satMod val="350000"/>
+              </a:schemeClr>
+            </a:gs>
+            <a:gs pos="40000">
+              <a:schemeClr val="phClr">
+                <a:tint val="45000"/>
+                <a:shade val="99000"/>
+                <a:satMod val="350000"/>
+              </a:schemeClr>
+            </a:gs>
+            <a:gs pos="100000">
+              <a:schemeClr val="phClr">
+                <a:shade val="20000"/>
+                <a:satMod val="255000"/>
+              </a:schemeClr>
+            </a:gs>
+          </a:gsLst>
+          <a:path path="circle">
+            <a:fillToRect l="50000" t="-80000" r="50000" b="180000"/>
+          </a:path>
+        </a:gradFill>
+        <a:gradFill rotWithShape="1">
+          <a:gsLst>
+            <a:gs pos="0">
+              <a:schemeClr val="phClr">
+                <a:tint val="80000"/>
+                <a:satMod val="300000"/>
+              </a:schemeClr>
+            </a:gs>
+            <a:gs pos="100000">
+              <a:schemeClr val="phClr">
+                <a:shade val="30000"/>
+                <a:satMod val="200000"/>
+              </a:schemeClr>
+            </a:gs>
+          </a:gsLst>
+          <a:path path="circle">
+            <a:fillToRect l="50000" t="50000" r="50000" b="50000"/>
+          </a:path>
+        </a:gradFill>
+      </a:bgFillStyleLst>
+    </a:fmtScheme>
+  </a:themeElements>
+  <a:objectDefaults/>
+  <a:extraClrSchemeLst/>
+</a:theme>
+</file>
+
+<file path=ppt/theme/theme4.xml><?xml version="1.0" encoding="utf-8"?>
+<a:theme xmlns:a="http://schemas.openxmlformats.org/drawingml/2006/main" name="Office Theme">
+  <a:themeElements>
+    <a:clrScheme name="Office">
+      <a:dk1>
+        <a:sysClr val="windowText" lastClr="000000"/>
+      </a:dk1>
+      <a:lt1>
+        <a:sysClr val="window" lastClr="FFFFFF"/>
+      </a:lt1>
+      <a:dk2>
+        <a:srgbClr val="1F497D"/>
+      </a:dk2>
+      <a:lt2>
+        <a:srgbClr val="EEECE1"/>
+      </a:lt2>
+      <a:accent1>
+        <a:srgbClr val="4F81BD"/>
+      </a:accent1>
+      <a:accent2>
+        <a:srgbClr val="C0504D"/>
+      </a:accent2>
+      <a:accent3>
+        <a:srgbClr val="9BBB59"/>
+      </a:accent3>
+      <a:accent4>
+        <a:srgbClr val="8064A2"/>
+      </a:accent4>
+      <a:accent5>
+        <a:srgbClr val="4BACC6"/>
+      </a:accent5>
+      <a:accent6>
+        <a:srgbClr val="F79646"/>
+      </a:accent6>
+      <a:hlink>
+        <a:srgbClr val="0000FF"/>
+      </a:hlink>
+      <a:folHlink>
+        <a:srgbClr val="800080"/>
+      </a:folHlink>
+    </a:clrScheme>
+    <a:fontScheme name="Office">
+      <a:majorFont>
+        <a:latin typeface="Calibri"/>
+        <a:ea typeface=""/>
+        <a:cs typeface=""/>
+        <a:font script="Jpan" typeface="ＭＳ Ｐゴシック"/>
+        <a:font script="Hang" typeface="맑은 고딕"/>
+        <a:font script="Hans" typeface="宋体"/>
+        <a:font script="Hant" typeface="新細明體"/>
+        <a:font script="Arab" typeface="Times New Roman"/>
+        <a:font script="Hebr" typeface="Times New Roman"/>
+        <a:font script="Thai" typeface="Angsana New"/>
+        <a:font script="Ethi" typeface="Nyala"/>
+        <a:font script="Beng" typeface="Vrinda"/>
+        <a:font script="Gujr" typeface="Shruti"/>
+        <a:font script="Khmr" typeface="MoolBoran"/>
+        <a:font script="Knda" typeface="Tunga"/>
+        <a:font script="Guru" typeface="Raavi"/>
+        <a:font script="Cans" typeface="Euphemia"/>
+        <a:font script="Cher" typeface="Plantagenet Cherokee"/>
+        <a:font script="Yiii" typeface="Microsoft Yi Baiti"/>
+        <a:font script="Tibt" typeface="Microsoft Himalaya"/>
+        <a:font script="Thaa" typeface="MV Boli"/>
+        <a:font script="Deva" typeface="Mangal"/>
+        <a:font script="Telu" typeface="Gautami"/>
+        <a:font script="Taml" typeface="Latha"/>
+        <a:font script="Syrc" typeface="Estrangelo Edessa"/>
+        <a:font script="Orya" typeface="Kalinga"/>
+        <a:font script="Mlym" typeface="Kartika"/>
+        <a:font script="Laoo" typeface="DokChampa"/>
+        <a:font script="Sinh" typeface="Iskoola Pota"/>
+        <a:font script="Mong" typeface="Mongolian Baiti"/>
+        <a:font script="Viet" typeface="Times New Roman"/>
+        <a:font script="Uigh" typeface="Microsoft Uighur"/>
+        <a:font script="Geor" typeface="Sylfaen"/>
+      </a:majorFont>
+      <a:minorFont>
+        <a:latin typeface="Calibri"/>
+        <a:ea typeface=""/>
+        <a:cs typeface=""/>
+        <a:font script="Jpan" typeface="ＭＳ Ｐゴシック"/>
+        <a:font script="Hang" typeface="맑은 고딕"/>
+        <a:font script="Hans" typeface="宋体"/>
+        <a:font script="Hant" typeface="新細明體"/>
+        <a:font script="Arab" typeface="Arial"/>
+        <a:font script="Hebr" typeface="Arial"/>
+        <a:font script="Thai" typeface="Cordia New"/>
+        <a:font script="Ethi" typeface="Nyala"/>
+        <a:font script="Beng" typeface="Vrinda"/>
+        <a:font script="Gujr" typeface="Shruti"/>
+        <a:font script="Khmr" typeface="DaunPenh"/>
+        <a:font script="Knda" typeface="Tunga"/>
+        <a:font script="Guru" typeface="Raavi"/>
+        <a:font script="Cans" typeface="Euphemia"/>
+        <a:font script="Cher" typeface="Plantagenet Cherokee"/>
+        <a:font script="Yiii" typeface="Microsoft Yi Baiti"/>
+        <a:font script="Tibt" typeface="Microsoft Himalaya"/>
+        <a:font script="Thaa" typeface="MV Boli"/>
+        <a:font script="Deva" typeface="Mangal"/>
+        <a:font script="Telu" typeface="Gautami"/>
+        <a:font script="Taml" typeface="Latha"/>
+        <a:font script="Syrc" typeface="Estrangelo Edessa"/>
+        <a:font script="Orya" typeface="Kalinga"/>
+        <a:font script="Mlym" typeface="Kartika"/>
+        <a:font script="Laoo" typeface="DokChampa"/>
+        <a:font script="Sinh" typeface="Iskoola Pota"/>
+        <a:font script="Mong" typeface="Mongolian Baiti"/>
+        <a:font script="Viet" typeface="Arial"/>
+        <a:font script="Uigh" typeface="Microsoft Uighur"/>
+        <a:font script="Geor" typeface="Sylfaen"/>
+      </a:minorFont>
+    </a:fontScheme>
+    <a:fmtScheme name="Office">
+      <a:fillStyleLst>
+        <a:solidFill>
+          <a:schemeClr val="phClr"/>
+        </a:solidFill>
+        <a:gradFill rotWithShape="1">
+          <a:gsLst>
+            <a:gs pos="0">
+              <a:schemeClr val="phClr">
+                <a:tint val="50000"/>
+                <a:satMod val="300000"/>
+              </a:schemeClr>
+            </a:gs>
+            <a:gs pos="35000">
+              <a:schemeClr val="phClr">
+                <a:tint val="37000"/>
+                <a:satMod val="300000"/>
+              </a:schemeClr>
+            </a:gs>
+            <a:gs pos="100000">
+              <a:schemeClr val="phClr">
+                <a:tint val="15000"/>
+                <a:satMod val="350000"/>
+              </a:schemeClr>
+            </a:gs>
+          </a:gsLst>
+          <a:lin ang="16200000" scaled="1"/>
+        </a:gradFill>
+        <a:gradFill rotWithShape="1">
+          <a:gsLst>
+            <a:gs pos="0">
+              <a:schemeClr val="phClr">
+                <a:shade val="51000"/>
+                <a:satMod val="130000"/>
+              </a:schemeClr>
+            </a:gs>
+            <a:gs pos="80000">
+              <a:schemeClr val="phClr">
+                <a:shade val="93000"/>
+                <a:satMod val="130000"/>
+              </a:schemeClr>
+            </a:gs>
+            <a:gs pos="100000">
+              <a:schemeClr val="phClr">
+                <a:shade val="94000"/>
+                <a:satMod val="135000"/>
+              </a:schemeClr>
+            </a:gs>
+          </a:gsLst>
+          <a:lin ang="16200000" scaled="0"/>
+        </a:gradFill>
+      </a:fillStyleLst>
+      <a:lnStyleLst>
+        <a:ln w="9525" cap="flat" cmpd="sng" algn="ctr">
+          <a:solidFill>
+            <a:schemeClr val="phClr">
+              <a:shade val="95000"/>
+              <a:satMod val="105000"/>
+            </a:schemeClr>
+          </a:solidFill>
+          <a:prstDash val="solid"/>
+        </a:ln>
+        <a:ln w="25400" cap="flat" cmpd="sng" algn="ctr">
+          <a:solidFill>
+            <a:schemeClr val="phClr"/>
+          </a:solidFill>
+          <a:prstDash val="solid"/>
+        </a:ln>
+        <a:ln w="38100" cap="flat" cmpd="sng" algn="ctr">
+          <a:solidFill>
+            <a:schemeClr val="phClr"/>
+          </a:solidFill>
+          <a:prstDash val="solid"/>
+        </a:ln>
+      </a:lnStyleLst>
+      <a:effectStyleLst>
+        <a:effectStyle>
+          <a:effectLst>
+            <a:outerShdw blurRad="40000" dist="20000" dir="5400000" rotWithShape="0">
+              <a:srgbClr val="000000">
+                <a:alpha val="38000"/>
+              </a:srgbClr>
+            </a:outerShdw>
+          </a:effectLst>
+        </a:effectStyle>
+        <a:effectStyle>
+          <a:effectLst>
+            <a:outerShdw blurRad="40000" dist="23000" dir="5400000" rotWithShape="0">
+              <a:srgbClr val="000000">
+                <a:alpha val="35000"/>
+              </a:srgbClr>
+            </a:outerShdw>
+          </a:effectLst>
+        </a:effectStyle>
+        <a:effectStyle>
+          <a:effectLst>
+            <a:outerShdw blurRad="40000" dist="23000" dir="5400000" rotWithShape="0">
+              <a:srgbClr val="000000">
+                <a:alpha val="35000"/>
+              </a:srgbClr>
+            </a:outerShdw>
+          </a:effectLst>
+          <a:scene3d>
+            <a:camera prst="orthographicFront">
+              <a:rot lat="0" lon="0" rev="0"/>
+            </a:camera>
+            <a:lightRig rig="threePt" dir="t">
+              <a:rot lat="0" lon="0" rev="1200000"/>
+            </a:lightRig>
+          </a:scene3d>
+          <a:sp3d>
+            <a:bevelT w="63500" h="25400"/>
+          </a:sp3d>
+        </a:effectStyle>
+      </a:effectStyleLst>
+      <a:bgFillStyleLst>
+        <a:solidFill>
+          <a:schemeClr val="phClr"/>
+        </a:solidFill>
+        <a:gradFill rotWithShape="1">
+          <a:gsLst>
+            <a:gs pos="0">
+              <a:schemeClr val="phClr">
+                <a:tint val="40000"/>
+                <a:satMod val="350000"/>
+              </a:schemeClr>
+            </a:gs>
+            <a:gs pos="40000">
+              <a:schemeClr val="phClr">
+                <a:tint val="45000"/>
+                <a:shade val="99000"/>
+                <a:satMod val="350000"/>
+              </a:schemeClr>
+            </a:gs>
+            <a:gs pos="100000">
+              <a:schemeClr val="phClr">
+                <a:shade val="20000"/>
+                <a:satMod val="255000"/>
+              </a:schemeClr>
+            </a:gs>
+          </a:gsLst>
+          <a:path path="circle">
+            <a:fillToRect l="50000" t="-80000" r="50000" b="180000"/>
+          </a:path>
+        </a:gradFill>
+        <a:gradFill rotWithShape="1">
+          <a:gsLst>
+            <a:gs pos="0">
+              <a:schemeClr val="phClr">
+                <a:tint val="80000"/>
+                <a:satMod val="300000"/>
+              </a:schemeClr>
+            </a:gs>
+            <a:gs pos="100000">
+              <a:schemeClr val="phClr">
+                <a:shade val="30000"/>
+                <a:satMod val="200000"/>
+              </a:schemeClr>
+            </a:gs>
+          </a:gsLst>
+          <a:path path="circle">
+            <a:fillToRect l="50000" t="50000" r="50000" b="50000"/>
+          </a:path>
+        </a:gradFill>
+      </a:bgFillStyleLst>
+    </a:fmtScheme>
+  </a:themeElements>
+  <a:objectDefaults/>
+  <a:extraClrSchemeLst/>
+</a:theme>
 </file>
--- a/benchmark.pptx
+++ b/benchmark.pptx
@@ -730,6 +730,90 @@
 </file>
 
 <file path=ppt/notesSlides/notesSlide2.xml><?xml version="1.0" encoding="utf-8"?>
+<p:notes xmlns:a="http://schemas.openxmlformats.org/drawingml/2006/main" xmlns:r="http://schemas.openxmlformats.org/officeDocument/2006/relationships" xmlns:p="http://schemas.openxmlformats.org/presentationml/2006/main">
+  <p:cSld>
+    <p:spTree>
+      <p:nvGrpSpPr>
+        <p:cNvPr id="1" name=""/>
+        <p:cNvGrpSpPr/>
+        <p:nvPr/>
+      </p:nvGrpSpPr>
+      <p:grpSpPr>
+        <a:xfrm>
+          <a:off x="0" y="0"/>
+          <a:ext cx="0" cy="0"/>
+          <a:chOff x="0" y="0"/>
+          <a:chExt cx="0" cy="0"/>
+        </a:xfrm>
+      </p:grpSpPr>
+      <p:sp>
+        <p:nvSpPr>
+          <p:cNvPr id="2" name="Slide Image Placeholder 1"/>
+          <p:cNvSpPr>
+            <a:spLocks noGrp="1" noRot="1" noChangeAspect="1"/>
+          </p:cNvSpPr>
+          <p:nvPr>
+            <p:ph type="sldImg"/>
+          </p:nvPr>
+        </p:nvSpPr>
+        <p:spPr/>
+      </p:sp>
+      <p:sp>
+        <p:nvSpPr>
+          <p:cNvPr id="3" name="Notes Placeholder 2"/>
+          <p:cNvSpPr>
+            <a:spLocks noGrp="1"/>
+          </p:cNvSpPr>
+          <p:nvPr>
+            <p:ph type="body" idx="1"/>
+          </p:nvPr>
+        </p:nvSpPr>
+        <p:spPr/>
+        <p:txBody>
+          <a:bodyPr/>
+          <a:lstStyle/>
+          <a:p>
+            <a:endParaRPr lang="en-US" dirty="0"/>
+          </a:p>
+        </p:txBody>
+      </p:sp>
+      <p:sp>
+        <p:nvSpPr>
+          <p:cNvPr id="4" name="Slide Number Placeholder 3"/>
+          <p:cNvSpPr>
+            <a:spLocks noGrp="1"/>
+          </p:cNvSpPr>
+          <p:nvPr>
+            <p:ph type="sldNum" sz="quarter" idx="10"/>
+          </p:nvPr>
+        </p:nvSpPr>
+        <p:spPr/>
+        <p:txBody>
+          <a:bodyPr/>
+          <a:lstStyle/>
+          <a:p>
+            <a:fld id="{B63DC3D0-48AD-48F3-8595-473248E95381}" type="slidenum">
+              <a:rPr lang="en-US" smtClean="0"/>
+              <a:t>7</a:t>
+            </a:fld>
+            <a:endParaRPr lang="en-US"/>
+          </a:p>
+        </p:txBody>
+      </p:sp>
+    </p:spTree>
+    <p:extLst>
+      <p:ext uri="{BB962C8B-B14F-4D97-AF65-F5344CB8AC3E}">
+        <p14:creationId xmlns:p14="http://schemas.microsoft.com/office/powerpoint/2010/main" val="3704116498"/>
+      </p:ext>
+    </p:extLst>
+  </p:cSld>
+  <p:clrMapOvr>
+    <a:masterClrMapping/>
+  </p:clrMapOvr>
+</p:notes>
+</file>
+
+<file path=ppt/notesSlides/notesSlide3.xml><?xml version="1.0" encoding="utf-8"?>
 <p:notes xmlns:a="http://schemas.openxmlformats.org/drawingml/2006/main" xmlns:r="http://schemas.openxmlformats.org/officeDocument/2006/relationships" xmlns:p="http://schemas.openxmlformats.org/presentationml/2006/main">
   <p:cSld>
     <p:spTree>
@@ -6834,11 +6918,7 @@
             </a:r>
             <a:r>
               <a:rPr lang="en-US" b="1" u="sng" dirty="0" smtClean="0"/>
-              <a:t>ndroid devices </a:t>
-            </a:r>
-            <a:r>
-              <a:rPr lang="en-US" b="1" u="sng" dirty="0" smtClean="0"/>
-              <a:t>benchmark</a:t>
+              <a:t>ndroid devices benchmark</a:t>
             </a:r>
             <a:endParaRPr lang="en-US" dirty="0"/>
           </a:p>
@@ -6881,21 +6961,8 @@
                   <a:schemeClr val="tx1"/>
                 </a:solidFill>
               </a:rPr>
-              <a:t> Yee, </a:t>
-            </a:r>
-            <a:r>
-              <a:rPr lang="en-US" sz="1800" dirty="0" smtClean="0">
-                <a:solidFill>
-                  <a:schemeClr val="tx1"/>
-                </a:solidFill>
-              </a:rPr>
-              <a:t>Kelly</a:t>
-            </a:r>
-            <a:endParaRPr lang="en-US" sz="1800" dirty="0" smtClean="0">
-              <a:solidFill>
-                <a:schemeClr val="tx1"/>
-              </a:solidFill>
-            </a:endParaRPr>
+              <a:t> Yee, Kelly</a:t>
+            </a:r>
           </a:p>
         </p:txBody>
       </p:sp>
@@ -7025,11 +7092,7 @@
           <a:p>
             <a:r>
               <a:rPr lang="en-US" dirty="0" smtClean="0"/>
-              <a:t>Only full benchmark test is </a:t>
-            </a:r>
-            <a:r>
-              <a:rPr lang="en-US" dirty="0" smtClean="0"/>
-              <a:t>available</a:t>
+              <a:t>Only full benchmark test is available</a:t>
             </a:r>
           </a:p>
           <a:p>
@@ -7259,7 +7322,7 @@
         <p:spPr/>
         <p:txBody>
           <a:bodyPr>
-            <a:normAutofit fontScale="92500" lnSpcReduction="10000"/>
+            <a:normAutofit fontScale="92500" lnSpcReduction="20000"/>
           </a:bodyPr>
           <a:lstStyle/>
           <a:p>
@@ -7277,19 +7340,7 @@
           <a:p>
             <a:r>
               <a:rPr lang="en-US" dirty="0" smtClean="0"/>
-              <a:t>Result presented in </a:t>
-            </a:r>
-            <a:r>
-              <a:rPr lang="en-US" dirty="0" smtClean="0"/>
-              <a:t>millions </a:t>
-            </a:r>
-            <a:r>
-              <a:rPr lang="en-US" dirty="0" smtClean="0"/>
-              <a:t>of floating point operations per </a:t>
-            </a:r>
-            <a:r>
-              <a:rPr lang="en-US" dirty="0" smtClean="0"/>
-              <a:t>second</a:t>
+              <a:t>Result presented in millions of floating point operations per second</a:t>
             </a:r>
           </a:p>
           <a:p>
@@ -7317,11 +7368,11 @@
               <a:t>done by </a:t>
             </a:r>
             <a:r>
-              <a:rPr lang="en-US" dirty="0" err="1"/>
-              <a:t>Antutu</a:t>
-            </a:r>
-            <a:r>
-              <a:rPr lang="en-US" dirty="0"/>
+              <a:rPr lang="en-US" dirty="0" err="1" smtClean="0"/>
+              <a:t>AnTuTu</a:t>
+            </a:r>
+            <a:r>
+              <a:rPr lang="en-US" dirty="0" smtClean="0"/>
               <a:t> </a:t>
             </a:r>
             <a:r>
@@ -7498,11 +7549,7 @@
           <a:p>
             <a:r>
               <a:rPr lang="en-US" dirty="0" smtClean="0"/>
-              <a:t>Simple test on the speed of </a:t>
-            </a:r>
-            <a:r>
-              <a:rPr lang="en-US" dirty="0" smtClean="0"/>
-              <a:t>CPU</a:t>
+              <a:t>Simple test on the speed of CPU</a:t>
             </a:r>
           </a:p>
           <a:p>
@@ -7526,11 +7573,11 @@
               <a:t>done by </a:t>
             </a:r>
             <a:r>
-              <a:rPr lang="en-US" dirty="0" err="1"/>
-              <a:t>Antutu</a:t>
-            </a:r>
-            <a:r>
-              <a:rPr lang="en-US" dirty="0"/>
+              <a:rPr lang="en-US" dirty="0" err="1" smtClean="0"/>
+              <a:t>AnTuTu</a:t>
+            </a:r>
+            <a:r>
+              <a:rPr lang="en-US" dirty="0" smtClean="0"/>
               <a:t> </a:t>
             </a:r>
             <a:r>
@@ -7948,35 +7995,19 @@
           <a:p>
             <a:r>
               <a:rPr lang="en-US" sz="8800" dirty="0"/>
-              <a:t>measures performance using realistic scenes that could be taken from a typical </a:t>
-            </a:r>
+              <a:t>measures performance using realistic scenes that could be taken from a typical game</a:t>
+            </a:r>
+          </a:p>
+          <a:p>
             <a:r>
               <a:rPr lang="en-US" sz="8800" dirty="0"/>
-              <a:t>game</a:t>
+              <a:t>result presented in frames per second</a:t>
             </a:r>
           </a:p>
           <a:p>
             <a:r>
               <a:rPr lang="en-US" sz="8800" dirty="0"/>
-              <a:t>result presented in </a:t>
-            </a:r>
-            <a:r>
-              <a:rPr lang="en-US" sz="8800" dirty="0"/>
-              <a:t>frames per </a:t>
-            </a:r>
-            <a:r>
-              <a:rPr lang="en-US" sz="8800" dirty="0"/>
-              <a:t>second</a:t>
-            </a:r>
-          </a:p>
-          <a:p>
-            <a:r>
-              <a:rPr lang="en-US" sz="8800" dirty="0"/>
-              <a:t>Reason for not </a:t>
-            </a:r>
-            <a:r>
-              <a:rPr lang="en-US" sz="8800" dirty="0"/>
-              <a:t>choosing:</a:t>
+              <a:t>Reason for not choosing:</a:t>
             </a:r>
           </a:p>
           <a:p>
@@ -7986,12 +8017,16 @@
               <a:t>Graphics performance are being tested by </a:t>
             </a:r>
             <a:r>
-              <a:rPr lang="en-US" sz="7200" dirty="0" err="1"/>
-              <a:t>Antutu</a:t>
+              <a:rPr lang="en-US" sz="7200" dirty="0" err="1" smtClean="0"/>
+              <a:t>AnTuTu</a:t>
+            </a:r>
+            <a:r>
+              <a:rPr lang="en-US" sz="7200" dirty="0" smtClean="0"/>
+              <a:t> </a:t>
             </a:r>
             <a:r>
               <a:rPr lang="en-US" sz="7200" dirty="0"/>
-              <a:t> Benchmark </a:t>
+              <a:t>Benchmark </a:t>
             </a:r>
           </a:p>
           <a:p>
@@ -8198,12 +8233,16 @@
               <a:t>Graphics performance are being tested by </a:t>
             </a:r>
             <a:r>
-              <a:rPr lang="en-US" dirty="0" err="1"/>
-              <a:t>Antutu</a:t>
+              <a:rPr lang="en-US" dirty="0" err="1" smtClean="0"/>
+              <a:t>AnTuTu</a:t>
+            </a:r>
+            <a:r>
+              <a:rPr lang="en-US" dirty="0" smtClean="0"/>
+              <a:t> </a:t>
             </a:r>
             <a:r>
               <a:rPr lang="en-US" dirty="0"/>
-              <a:t> Benchmark </a:t>
+              <a:t>Benchmark </a:t>
             </a:r>
           </a:p>
           <a:p>
@@ -8383,11 +8422,15 @@
             </a:r>
             <a:r>
               <a:rPr lang="en-US" sz="2600" b="1" dirty="0" err="1" smtClean="0"/>
-              <a:t>Antutu</a:t>
+              <a:t>AnTuTu</a:t>
             </a:r>
             <a:r>
               <a:rPr lang="en-US" sz="2600" b="1" dirty="0" smtClean="0"/>
-              <a:t> Benchmark * 80 %  +     </a:t>
+              <a:t> </a:t>
+            </a:r>
+            <a:r>
+              <a:rPr lang="en-US" sz="2600" b="1" dirty="0" smtClean="0"/>
+              <a:t>Benchmark * 80 %  +     </a:t>
             </a:r>
           </a:p>
           <a:p>
@@ -8435,11 +8478,7 @@
             </a:r>
             <a:r>
               <a:rPr lang="en-US" sz="2200" dirty="0" smtClean="0"/>
-              <a:t> score is used as an additional information for ranking when the overall scores of two devices are close to each other</a:t>
-            </a:r>
-            <a:r>
-              <a:rPr lang="en-US" sz="2200" dirty="0" smtClean="0"/>
-              <a:t>)</a:t>
+              <a:t> score is used as an additional information for ranking when the overall scores of two devices are close to each other)</a:t>
             </a:r>
             <a:endParaRPr lang="en-US" sz="2200" dirty="0"/>
           </a:p>
@@ -10570,13 +10609,14 @@
             </a:r>
             <a:r>
               <a:rPr lang="en-US" sz="2400" dirty="0" smtClean="0"/>
-              <a:t> Benchmark allows both full benchmark test and custom benchmark test, that is user can choose to test on certain parts of the device</a:t>
-            </a:r>
-          </a:p>
-          <a:p>
-            <a:pPr marL="0" indent="0">
-              <a:buNone/>
-            </a:pPr>
+              <a:t> Benchmark allows both full benchmark test and custom benchmark test, that is user can choose to test on certain parts of the </a:t>
+            </a:r>
+            <a:r>
+              <a:rPr lang="en-US" sz="2400" dirty="0" smtClean="0"/>
+              <a:t>device. </a:t>
+            </a:r>
+          </a:p>
+          <a:p>
             <a:endParaRPr lang="en-US" sz="2400" dirty="0" smtClean="0"/>
           </a:p>
           <a:p>
@@ -10722,15 +10762,12 @@
         </p:spPr>
         <p:txBody>
           <a:bodyPr>
-            <a:normAutofit/>
+            <a:normAutofit lnSpcReduction="10000"/>
           </a:bodyPr>
           <a:lstStyle/>
           <a:p>
-            <a:pPr marL="0" indent="0">
-              <a:buNone/>
-            </a:pPr>
-            <a:r>
-              <a:rPr lang="en-US" sz="2000" dirty="0" smtClean="0"/>
+            <a:r>
+              <a:rPr lang="en-US" sz="2000" dirty="0"/>
               <a:t>Measures </a:t>
             </a:r>
             <a:r>
@@ -10739,90 +10776,112 @@
             </a:r>
           </a:p>
           <a:p>
+            <a:pPr lvl="1"/>
+            <a:r>
+              <a:rPr lang="en-US" sz="1600" dirty="0"/>
+              <a:t>the browser’s use of the HTML5 display processing subsystem</a:t>
+            </a:r>
+          </a:p>
+          <a:p>
+            <a:pPr lvl="1"/>
+            <a:r>
+              <a:rPr lang="en-US" sz="1600" dirty="0"/>
+              <a:t>overall speed and efficiency of the JavaScript virtual machine</a:t>
+            </a:r>
+          </a:p>
+          <a:p>
+            <a:pPr lvl="1"/>
+            <a:r>
+              <a:rPr lang="en-US" sz="1600" dirty="0"/>
+              <a:t>the efficiency between this engine and the core browser</a:t>
+            </a:r>
+          </a:p>
+          <a:p>
+            <a:pPr lvl="1"/>
+            <a:r>
+              <a:rPr lang="en-US" sz="1600" dirty="0"/>
+              <a:t>responsiveness of panning, zooming, and scrolling of text, images, and standard web page objects</a:t>
+            </a:r>
+          </a:p>
+          <a:p>
+            <a:pPr lvl="1"/>
+            <a:r>
+              <a:rPr lang="en-US" sz="1600" dirty="0"/>
+              <a:t>the performance of the browser’s HTTP and IP networking </a:t>
+            </a:r>
+            <a:r>
+              <a:rPr lang="en-US" sz="1600" dirty="0" smtClean="0"/>
+              <a:t>stack</a:t>
+            </a:r>
+          </a:p>
+          <a:p>
+            <a:pPr marL="342900" lvl="1" indent="-342900">
+              <a:buFont typeface="Arial" pitchFamily="34" charset="0"/>
+              <a:buChar char="•"/>
+            </a:pPr>
             <a:r>
               <a:rPr lang="en-US" sz="2000" dirty="0"/>
-              <a:t>the browser’s use of the HTML5 display processing subsystem</a:t>
-            </a:r>
-          </a:p>
-          <a:p>
+              <a:t>Can be used to benchmark different android device if the same browser is being used on </a:t>
+            </a:r>
+            <a:r>
+              <a:rPr lang="en-US" sz="2000" dirty="0" smtClean="0"/>
+              <a:t>each</a:t>
+            </a:r>
+            <a:endParaRPr lang="en-US" sz="1800" dirty="0" smtClean="0"/>
+          </a:p>
+          <a:p>
+            <a:pPr marL="342900" lvl="1" indent="-342900">
+              <a:buFont typeface="Arial" pitchFamily="34" charset="0"/>
+              <a:buChar char="•"/>
+            </a:pPr>
             <a:r>
               <a:rPr lang="en-US" sz="2000" dirty="0"/>
-              <a:t>overall speed and efficiency of the JavaScript virtual machine</a:t>
-            </a:r>
-          </a:p>
-          <a:p>
-            <a:r>
-              <a:rPr lang="en-US" sz="2000" dirty="0"/>
-              <a:t>the efficiency between this engine and the core browser</a:t>
-            </a:r>
-          </a:p>
-          <a:p>
-            <a:r>
-              <a:rPr lang="en-US" sz="2000" dirty="0"/>
-              <a:t>responsiveness of panning, zooming, and scrolling of text, images, and standard web page objects</a:t>
-            </a:r>
-          </a:p>
-          <a:p>
-            <a:r>
-              <a:rPr lang="en-US" sz="2000" dirty="0"/>
-              <a:t>the performance of the browser’s HTTP and IP networking </a:t>
+              <a:t>Reasons for choosing this </a:t>
             </a:r>
             <a:r>
               <a:rPr lang="en-US" sz="2000" dirty="0" smtClean="0"/>
-              <a:t>stack</a:t>
-            </a:r>
-            <a:endParaRPr lang="en-US" sz="1800" dirty="0" smtClean="0"/>
-          </a:p>
-          <a:p>
-            <a:pPr marL="0" indent="0">
+              <a:t>application instead of other browser benchmark:</a:t>
+            </a:r>
+            <a:endParaRPr lang="en-US" sz="2000" dirty="0"/>
+          </a:p>
+          <a:p>
+            <a:pPr lvl="1"/>
+            <a:r>
+              <a:rPr lang="en-US" sz="1600" dirty="0"/>
+              <a:t>High user rating </a:t>
+            </a:r>
+            <a:r>
+              <a:rPr lang="en-US" sz="1600" dirty="0" smtClean="0"/>
+              <a:t>in </a:t>
+            </a:r>
+            <a:r>
+              <a:rPr lang="en-US" sz="1600" dirty="0" err="1" smtClean="0"/>
+              <a:t>google</a:t>
+            </a:r>
+            <a:r>
+              <a:rPr lang="en-US" sz="1600" dirty="0" smtClean="0"/>
+              <a:t> </a:t>
+            </a:r>
+            <a:r>
+              <a:rPr lang="en-US" sz="1600" dirty="0"/>
+              <a:t>play </a:t>
+            </a:r>
+            <a:r>
+              <a:rPr lang="en-US" sz="1600" dirty="0" smtClean="0"/>
+              <a:t>store </a:t>
+            </a:r>
+          </a:p>
+          <a:p>
+            <a:pPr marL="400050" lvl="1" indent="0">
               <a:buNone/>
             </a:pPr>
             <a:r>
-              <a:rPr lang="en-US" sz="2000" dirty="0" smtClean="0"/>
-              <a:t>Reasons for choosing this application:</a:t>
-            </a:r>
-          </a:p>
-          <a:p>
-            <a:r>
-              <a:rPr lang="en-US" sz="2000" dirty="0"/>
-              <a:t>High user rating </a:t>
-            </a:r>
-            <a:r>
-              <a:rPr lang="en-US" sz="2000" dirty="0" smtClean="0"/>
-              <a:t>in </a:t>
-            </a:r>
-            <a:r>
-              <a:rPr lang="en-US" sz="2000" dirty="0" err="1" smtClean="0"/>
-              <a:t>google</a:t>
-            </a:r>
-            <a:r>
-              <a:rPr lang="en-US" sz="2000" dirty="0" smtClean="0"/>
+              <a:rPr lang="en-US" sz="1600" dirty="0"/>
               <a:t> </a:t>
             </a:r>
             <a:r>
-              <a:rPr lang="en-US" sz="2000" dirty="0"/>
-              <a:t>play </a:t>
-            </a:r>
-            <a:r>
-              <a:rPr lang="en-US" sz="2000" dirty="0" smtClean="0"/>
-              <a:t>store </a:t>
-            </a:r>
-          </a:p>
-          <a:p>
-            <a:pPr marL="0" indent="0">
-              <a:buNone/>
-            </a:pPr>
-            <a:r>
-              <a:rPr lang="en-US" sz="2000" dirty="0"/>
-              <a:t> </a:t>
-            </a:r>
-            <a:r>
-              <a:rPr lang="en-US" sz="2000" dirty="0" smtClean="0"/>
-              <a:t>      </a:t>
-            </a:r>
-            <a:r>
-              <a:rPr lang="en-US" sz="1600" dirty="0" smtClean="0"/>
-              <a:t>(average rating : 4.3 / 5)</a:t>
+              <a:rPr lang="en-US" sz="1200" dirty="0" smtClean="0"/>
+              <a:t>      (average rating : 4.3 / 5)</a:t>
             </a:r>
           </a:p>
         </p:txBody>
@@ -10836,7 +10895,7 @@
           <p:nvPr/>
         </p:nvPicPr>
         <p:blipFill>
-          <a:blip r:embed="rId2">
+          <a:blip r:embed="rId3">
             <a:extLst>
               <a:ext uri="{28A0092B-C50C-407E-A947-70E740481C1C}">
                 <a14:useLocalDpi xmlns:a14="http://schemas.microsoft.com/office/drawing/2010/main" val="0"/>
@@ -10866,7 +10925,7 @@
           <p:nvPr/>
         </p:nvPicPr>
         <p:blipFill>
-          <a:blip r:embed="rId3">
+          <a:blip r:embed="rId4">
             <a:extLst>
               <a:ext uri="{28A0092B-C50C-407E-A947-70E740481C1C}">
                 <a14:useLocalDpi xmlns:a14="http://schemas.microsoft.com/office/drawing/2010/main" val="0"/>
@@ -11008,11 +11067,7 @@
             </a:r>
             <a:r>
               <a:rPr lang="en-US" dirty="0"/>
-              <a:t>(33 different tests</a:t>
-            </a:r>
-            <a:r>
-              <a:rPr lang="en-US" dirty="0"/>
-              <a:t>)</a:t>
+              <a:t>(33 different tests)</a:t>
             </a:r>
           </a:p>
           <a:p>
@@ -11267,23 +11322,19 @@
             <a:pPr lvl="1"/>
             <a:r>
               <a:rPr lang="en-US" dirty="0" smtClean="0"/>
-              <a:t>Tests on SD writing and reading are already included in the </a:t>
+              <a:t>Tests on SD writing and reading are already included in the testing done by </a:t>
+            </a:r>
+            <a:r>
+              <a:rPr lang="en-US" dirty="0" err="1" smtClean="0"/>
+              <a:t>AnTuTu</a:t>
             </a:r>
             <a:r>
               <a:rPr lang="en-US" dirty="0" smtClean="0"/>
-              <a:t>testing </a:t>
+              <a:t> </a:t>
             </a:r>
             <a:r>
               <a:rPr lang="en-US" dirty="0" smtClean="0"/>
-              <a:t>done by </a:t>
-            </a:r>
-            <a:r>
-              <a:rPr lang="en-US" dirty="0" err="1" smtClean="0"/>
-              <a:t>Antutu</a:t>
-            </a:r>
-            <a:r>
-              <a:rPr lang="en-US" dirty="0" smtClean="0"/>
-              <a:t> Benchmark </a:t>
+              <a:t>Benchmark </a:t>
             </a:r>
             <a:endParaRPr lang="en-US" dirty="0"/>
           </a:p>

--- a/benchmark.pptx
+++ b/benchmark.pptx
@@ -6,29 +6,30 @@
     <p:sldMasterId id="2147483660" r:id="rId2"/>
   </p:sldMasterIdLst>
   <p:notesMasterIdLst>
-    <p:notesMasterId r:id="rId20"/>
+    <p:notesMasterId r:id="rId21"/>
   </p:notesMasterIdLst>
   <p:handoutMasterIdLst>
-    <p:handoutMasterId r:id="rId21"/>
+    <p:handoutMasterId r:id="rId22"/>
   </p:handoutMasterIdLst>
   <p:sldIdLst>
     <p:sldId id="256" r:id="rId3"/>
     <p:sldId id="257" r:id="rId4"/>
     <p:sldId id="273" r:id="rId5"/>
     <p:sldId id="258" r:id="rId6"/>
-    <p:sldId id="265" r:id="rId7"/>
-    <p:sldId id="263" r:id="rId8"/>
-    <p:sldId id="259" r:id="rId9"/>
-    <p:sldId id="260" r:id="rId10"/>
-    <p:sldId id="266" r:id="rId11"/>
-    <p:sldId id="268" r:id="rId12"/>
-    <p:sldId id="269" r:id="rId13"/>
-    <p:sldId id="270" r:id="rId14"/>
-    <p:sldId id="271" r:id="rId15"/>
-    <p:sldId id="267" r:id="rId16"/>
-    <p:sldId id="272" r:id="rId17"/>
-    <p:sldId id="261" r:id="rId18"/>
-    <p:sldId id="264" r:id="rId19"/>
+    <p:sldId id="263" r:id="rId7"/>
+    <p:sldId id="259" r:id="rId8"/>
+    <p:sldId id="260" r:id="rId9"/>
+    <p:sldId id="261" r:id="rId10"/>
+    <p:sldId id="264" r:id="rId11"/>
+    <p:sldId id="275" r:id="rId12"/>
+    <p:sldId id="265" r:id="rId13"/>
+    <p:sldId id="266" r:id="rId14"/>
+    <p:sldId id="268" r:id="rId15"/>
+    <p:sldId id="269" r:id="rId16"/>
+    <p:sldId id="270" r:id="rId17"/>
+    <p:sldId id="271" r:id="rId18"/>
+    <p:sldId id="267" r:id="rId19"/>
+    <p:sldId id="272" r:id="rId20"/>
   </p:sldIdLst>
   <p:sldSz cx="9144000" cy="6858000" type="screen4x3"/>
   <p:notesSz cx="6858000" cy="9144000"/>
@@ -212,7 +213,7 @@
           <a:p>
             <a:fld id="{CCE33303-72BA-4FB2-B2EF-C4C02F7F8703}" type="datetimeFigureOut">
               <a:rPr lang="en-US" smtClean="0"/>
-              <a:t>6/29/2012</a:t>
+              <a:t>7/4/2012</a:t>
             </a:fld>
             <a:endParaRPr lang="en-US"/>
           </a:p>
@@ -377,7 +378,7 @@
           <a:p>
             <a:fld id="{A1E62AE7-B727-4968-8D78-71B0188CF367}" type="datetimeFigureOut">
               <a:rPr lang="en-US" smtClean="0"/>
-              <a:t>6/29/2012</a:t>
+              <a:t>7/4/2012</a:t>
             </a:fld>
             <a:endParaRPr lang="en-US"/>
           </a:p>
@@ -794,7 +795,7 @@
           <a:p>
             <a:fld id="{B63DC3D0-48AD-48F3-8595-473248E95381}" type="slidenum">
               <a:rPr lang="en-US" smtClean="0"/>
-              <a:t>7</a:t>
+              <a:t>6</a:t>
             </a:fld>
             <a:endParaRPr lang="en-US"/>
           </a:p>
@@ -878,7 +879,7 @@
           <a:p>
             <a:fld id="{B63DC3D0-48AD-48F3-8595-473248E95381}" type="slidenum">
               <a:rPr lang="en-US" smtClean="0"/>
-              <a:t>11</a:t>
+              <a:t>14</a:t>
             </a:fld>
             <a:endParaRPr lang="en-US"/>
           </a:p>
@@ -1078,7 +1079,7 @@
           <a:p>
             <a:fld id="{6A814141-4123-430A-9D32-7C9F93C128E8}" type="datetimeFigureOut">
               <a:rPr lang="en-US" smtClean="0"/>
-              <a:t>6/29/2012</a:t>
+              <a:t>7/4/2012</a:t>
             </a:fld>
             <a:endParaRPr lang="en-US"/>
           </a:p>
@@ -1255,7 +1256,7 @@
           <a:p>
             <a:fld id="{6A814141-4123-430A-9D32-7C9F93C128E8}" type="datetimeFigureOut">
               <a:rPr lang="en-US" smtClean="0"/>
-              <a:t>6/29/2012</a:t>
+              <a:t>7/4/2012</a:t>
             </a:fld>
             <a:endParaRPr lang="en-US"/>
           </a:p>
@@ -1435,7 +1436,7 @@
           <a:p>
             <a:fld id="{6A814141-4123-430A-9D32-7C9F93C128E8}" type="datetimeFigureOut">
               <a:rPr lang="en-US" smtClean="0"/>
-              <a:t>6/29/2012</a:t>
+              <a:t>7/4/2012</a:t>
             </a:fld>
             <a:endParaRPr lang="en-US"/>
           </a:p>
@@ -1677,7 +1678,7 @@
           <a:p>
             <a:fld id="{535550C0-5D70-4405-B956-2B4ED937123E}" type="datetimeFigureOut">
               <a:rPr lang="en-US" smtClean="0"/>
-              <a:t>6/29/2012</a:t>
+              <a:t>7/4/2012</a:t>
             </a:fld>
             <a:endParaRPr lang="en-US"/>
           </a:p>
@@ -1847,7 +1848,7 @@
           <a:p>
             <a:fld id="{535550C0-5D70-4405-B956-2B4ED937123E}" type="datetimeFigureOut">
               <a:rPr lang="en-US" smtClean="0"/>
-              <a:t>6/29/2012</a:t>
+              <a:t>7/4/2012</a:t>
             </a:fld>
             <a:endParaRPr lang="en-US"/>
           </a:p>
@@ -2093,7 +2094,7 @@
           <a:p>
             <a:fld id="{535550C0-5D70-4405-B956-2B4ED937123E}" type="datetimeFigureOut">
               <a:rPr lang="en-US" smtClean="0"/>
-              <a:t>6/29/2012</a:t>
+              <a:t>7/4/2012</a:t>
             </a:fld>
             <a:endParaRPr lang="en-US"/>
           </a:p>
@@ -2381,7 +2382,7 @@
           <a:p>
             <a:fld id="{535550C0-5D70-4405-B956-2B4ED937123E}" type="datetimeFigureOut">
               <a:rPr lang="en-US" smtClean="0"/>
-              <a:t>6/29/2012</a:t>
+              <a:t>7/4/2012</a:t>
             </a:fld>
             <a:endParaRPr lang="en-US"/>
           </a:p>
@@ -2803,7 +2804,7 @@
           <a:p>
             <a:fld id="{535550C0-5D70-4405-B956-2B4ED937123E}" type="datetimeFigureOut">
               <a:rPr lang="en-US" smtClean="0"/>
-              <a:t>6/29/2012</a:t>
+              <a:t>7/4/2012</a:t>
             </a:fld>
             <a:endParaRPr lang="en-US"/>
           </a:p>
@@ -2921,7 +2922,7 @@
           <a:p>
             <a:fld id="{535550C0-5D70-4405-B956-2B4ED937123E}" type="datetimeFigureOut">
               <a:rPr lang="en-US" smtClean="0"/>
-              <a:t>6/29/2012</a:t>
+              <a:t>7/4/2012</a:t>
             </a:fld>
             <a:endParaRPr lang="en-US"/>
           </a:p>
@@ -3016,7 +3017,7 @@
           <a:p>
             <a:fld id="{535550C0-5D70-4405-B956-2B4ED937123E}" type="datetimeFigureOut">
               <a:rPr lang="en-US" smtClean="0"/>
-              <a:t>6/29/2012</a:t>
+              <a:t>7/4/2012</a:t>
             </a:fld>
             <a:endParaRPr lang="en-US"/>
           </a:p>
@@ -3293,7 +3294,7 @@
           <a:p>
             <a:fld id="{535550C0-5D70-4405-B956-2B4ED937123E}" type="datetimeFigureOut">
               <a:rPr lang="en-US" smtClean="0"/>
-              <a:t>6/29/2012</a:t>
+              <a:t>7/4/2012</a:t>
             </a:fld>
             <a:endParaRPr lang="en-US"/>
           </a:p>
@@ -3467,7 +3468,7 @@
           <a:p>
             <a:fld id="{6A814141-4123-430A-9D32-7C9F93C128E8}" type="datetimeFigureOut">
               <a:rPr lang="en-US" smtClean="0"/>
-              <a:t>6/29/2012</a:t>
+              <a:t>7/4/2012</a:t>
             </a:fld>
             <a:endParaRPr lang="en-US"/>
           </a:p>
@@ -3727,7 +3728,7 @@
           <a:p>
             <a:fld id="{535550C0-5D70-4405-B956-2B4ED937123E}" type="datetimeFigureOut">
               <a:rPr lang="en-US" smtClean="0"/>
-              <a:t>6/29/2012</a:t>
+              <a:t>7/4/2012</a:t>
             </a:fld>
             <a:endParaRPr lang="en-US"/>
           </a:p>
@@ -3897,7 +3898,7 @@
           <a:p>
             <a:fld id="{535550C0-5D70-4405-B956-2B4ED937123E}" type="datetimeFigureOut">
               <a:rPr lang="en-US" smtClean="0"/>
-              <a:t>6/29/2012</a:t>
+              <a:t>7/4/2012</a:t>
             </a:fld>
             <a:endParaRPr lang="en-US"/>
           </a:p>
@@ -4077,7 +4078,7 @@
           <a:p>
             <a:fld id="{535550C0-5D70-4405-B956-2B4ED937123E}" type="datetimeFigureOut">
               <a:rPr lang="en-US" smtClean="0"/>
-              <a:t>6/29/2012</a:t>
+              <a:t>7/4/2012</a:t>
             </a:fld>
             <a:endParaRPr lang="en-US"/>
           </a:p>
@@ -4323,7 +4324,7 @@
           <a:p>
             <a:fld id="{6A814141-4123-430A-9D32-7C9F93C128E8}" type="datetimeFigureOut">
               <a:rPr lang="en-US" smtClean="0"/>
-              <a:t>6/29/2012</a:t>
+              <a:t>7/4/2012</a:t>
             </a:fld>
             <a:endParaRPr lang="en-US"/>
           </a:p>
@@ -4611,7 +4612,7 @@
           <a:p>
             <a:fld id="{6A814141-4123-430A-9D32-7C9F93C128E8}" type="datetimeFigureOut">
               <a:rPr lang="en-US" smtClean="0"/>
-              <a:t>6/29/2012</a:t>
+              <a:t>7/4/2012</a:t>
             </a:fld>
             <a:endParaRPr lang="en-US"/>
           </a:p>
@@ -5040,7 +5041,7 @@
           <a:p>
             <a:fld id="{6A814141-4123-430A-9D32-7C9F93C128E8}" type="datetimeFigureOut">
               <a:rPr lang="en-US" smtClean="0"/>
-              <a:t>6/29/2012</a:t>
+              <a:t>7/4/2012</a:t>
             </a:fld>
             <a:endParaRPr lang="en-US"/>
           </a:p>
@@ -5158,7 +5159,7 @@
           <a:p>
             <a:fld id="{6A814141-4123-430A-9D32-7C9F93C128E8}" type="datetimeFigureOut">
               <a:rPr lang="en-US" smtClean="0"/>
-              <a:t>6/29/2012</a:t>
+              <a:t>7/4/2012</a:t>
             </a:fld>
             <a:endParaRPr lang="en-US"/>
           </a:p>
@@ -5253,7 +5254,7 @@
           <a:p>
             <a:fld id="{6A814141-4123-430A-9D32-7C9F93C128E8}" type="datetimeFigureOut">
               <a:rPr lang="en-US" smtClean="0"/>
-              <a:t>6/29/2012</a:t>
+              <a:t>7/4/2012</a:t>
             </a:fld>
             <a:endParaRPr lang="en-US"/>
           </a:p>
@@ -5530,7 +5531,7 @@
           <a:p>
             <a:fld id="{6A814141-4123-430A-9D32-7C9F93C128E8}" type="datetimeFigureOut">
               <a:rPr lang="en-US" smtClean="0"/>
-              <a:t>6/29/2012</a:t>
+              <a:t>7/4/2012</a:t>
             </a:fld>
             <a:endParaRPr lang="en-US"/>
           </a:p>
@@ -5783,7 +5784,7 @@
           <a:p>
             <a:fld id="{6A814141-4123-430A-9D32-7C9F93C128E8}" type="datetimeFigureOut">
               <a:rPr lang="en-US" smtClean="0"/>
-              <a:t>6/29/2012</a:t>
+              <a:t>7/4/2012</a:t>
             </a:fld>
             <a:endParaRPr lang="en-US"/>
           </a:p>
@@ -5996,7 +5997,7 @@
           <a:p>
             <a:fld id="{6A814141-4123-430A-9D32-7C9F93C128E8}" type="datetimeFigureOut">
               <a:rPr lang="en-US" smtClean="0"/>
-              <a:t>6/29/2012</a:t>
+              <a:t>7/4/2012</a:t>
             </a:fld>
             <a:endParaRPr lang="en-US"/>
           </a:p>
@@ -6513,7 +6514,7 @@
           <a:p>
             <a:fld id="{535550C0-5D70-4405-B956-2B4ED937123E}" type="datetimeFigureOut">
               <a:rPr lang="en-US" smtClean="0"/>
-              <a:t>6/29/2012</a:t>
+              <a:t>7/4/2012</a:t>
             </a:fld>
             <a:endParaRPr lang="en-US"/>
           </a:p>
@@ -7010,6 +7011,514 @@
             <a:spLocks noGrp="1"/>
           </p:cNvSpPr>
           <p:nvPr>
+            <p:ph type="ctrTitle"/>
+          </p:nvPr>
+        </p:nvSpPr>
+        <p:spPr/>
+        <p:txBody>
+          <a:bodyPr/>
+          <a:lstStyle/>
+          <a:p>
+            <a:r>
+              <a:rPr lang="en-US" u="sng" dirty="0" smtClean="0"/>
+              <a:t>Brief for other candidates and their major weakness</a:t>
+            </a:r>
+            <a:endParaRPr lang="en-US" u="sng" dirty="0"/>
+          </a:p>
+        </p:txBody>
+      </p:sp>
+      <p:sp>
+        <p:nvSpPr>
+          <p:cNvPr id="3" name="Subtitle 2"/>
+          <p:cNvSpPr>
+            <a:spLocks noGrp="1"/>
+          </p:cNvSpPr>
+          <p:nvPr>
+            <p:ph type="subTitle" idx="1"/>
+          </p:nvPr>
+        </p:nvSpPr>
+        <p:spPr/>
+        <p:txBody>
+          <a:bodyPr/>
+          <a:lstStyle/>
+          <a:p>
+            <a:endParaRPr lang="en-US"/>
+          </a:p>
+        </p:txBody>
+      </p:sp>
+    </p:spTree>
+    <p:extLst>
+      <p:ext uri="{BB962C8B-B14F-4D97-AF65-F5344CB8AC3E}">
+        <p14:creationId xmlns:p14="http://schemas.microsoft.com/office/powerpoint/2010/main" val="1144100807"/>
+      </p:ext>
+    </p:extLst>
+  </p:cSld>
+  <p:clrMapOvr>
+    <a:masterClrMapping/>
+  </p:clrMapOvr>
+  <p:timing>
+    <p:tnLst>
+      <p:par>
+        <p:cTn id="1" dur="indefinite" restart="never" nodeType="tmRoot"/>
+      </p:par>
+    </p:tnLst>
+  </p:timing>
+</p:sld>
+</file>
+
+<file path=ppt/slides/slide11.xml><?xml version="1.0" encoding="utf-8"?>
+<p:sld xmlns:a="http://schemas.openxmlformats.org/drawingml/2006/main" xmlns:r="http://schemas.openxmlformats.org/officeDocument/2006/relationships" xmlns:p="http://schemas.openxmlformats.org/presentationml/2006/main">
+  <p:cSld>
+    <p:spTree>
+      <p:nvGrpSpPr>
+        <p:cNvPr id="1" name=""/>
+        <p:cNvGrpSpPr/>
+        <p:nvPr/>
+      </p:nvGrpSpPr>
+      <p:grpSpPr>
+        <a:xfrm>
+          <a:off x="0" y="0"/>
+          <a:ext cx="0" cy="0"/>
+          <a:chOff x="0" y="0"/>
+          <a:chExt cx="0" cy="0"/>
+        </a:xfrm>
+      </p:grpSpPr>
+      <p:sp>
+        <p:nvSpPr>
+          <p:cNvPr id="2" name="Title 1"/>
+          <p:cNvSpPr>
+            <a:spLocks noGrp="1"/>
+          </p:cNvSpPr>
+          <p:nvPr>
+            <p:ph type="title"/>
+          </p:nvPr>
+        </p:nvSpPr>
+        <p:spPr/>
+        <p:txBody>
+          <a:bodyPr/>
+          <a:lstStyle/>
+          <a:p>
+            <a:r>
+              <a:rPr lang="en-US" u="sng" dirty="0" smtClean="0"/>
+              <a:t>Quadrant Standard Edition</a:t>
+            </a:r>
+            <a:endParaRPr lang="en-US" u="sng" dirty="0"/>
+          </a:p>
+        </p:txBody>
+      </p:sp>
+      <p:sp>
+        <p:nvSpPr>
+          <p:cNvPr id="4" name="Content Placeholder 3"/>
+          <p:cNvSpPr>
+            <a:spLocks noGrp="1"/>
+          </p:cNvSpPr>
+          <p:nvPr>
+            <p:ph sz="half" idx="1"/>
+          </p:nvPr>
+        </p:nvSpPr>
+        <p:spPr/>
+        <p:txBody>
+          <a:bodyPr>
+            <a:normAutofit lnSpcReduction="10000"/>
+          </a:bodyPr>
+          <a:lstStyle/>
+          <a:p>
+            <a:r>
+              <a:rPr lang="en-US" sz="2600" dirty="0" smtClean="0"/>
+              <a:t>Runs </a:t>
+            </a:r>
+            <a:r>
+              <a:rPr lang="en-US" sz="2600" dirty="0"/>
+              <a:t>tests on the following parts</a:t>
+            </a:r>
+          </a:p>
+          <a:p>
+            <a:pPr lvl="1"/>
+            <a:r>
+              <a:rPr lang="en-US" sz="2200" dirty="0" smtClean="0"/>
+              <a:t>CPU </a:t>
+            </a:r>
+            <a:r>
+              <a:rPr lang="en-US" sz="2200" dirty="0"/>
+              <a:t>- arithmetic operations, XML parsing, multimedia decoding</a:t>
+            </a:r>
+          </a:p>
+          <a:p>
+            <a:pPr lvl="1"/>
+            <a:r>
+              <a:rPr lang="en-US" sz="2200" dirty="0"/>
+              <a:t>Memory throughput</a:t>
+            </a:r>
+          </a:p>
+          <a:p>
+            <a:pPr lvl="1"/>
+            <a:r>
+              <a:rPr lang="en-US" sz="2200" dirty="0"/>
+              <a:t>I/O </a:t>
+            </a:r>
+            <a:r>
+              <a:rPr lang="en-US" sz="2200" dirty="0" smtClean="0"/>
+              <a:t>– file system </a:t>
+            </a:r>
+            <a:r>
+              <a:rPr lang="en-US" sz="2200" dirty="0"/>
+              <a:t>access and database operations</a:t>
+            </a:r>
+          </a:p>
+          <a:p>
+            <a:pPr lvl="1"/>
+            <a:r>
+              <a:rPr lang="en-US" sz="2200" dirty="0"/>
+              <a:t>2D graphics</a:t>
+            </a:r>
+          </a:p>
+          <a:p>
+            <a:pPr lvl="1"/>
+            <a:r>
+              <a:rPr lang="en-US" sz="2200" dirty="0"/>
+              <a:t>3D graphics - OpenGL single-pass and multi-pass rendering with stencil </a:t>
+            </a:r>
+            <a:r>
+              <a:rPr lang="en-US" sz="2200" dirty="0" smtClean="0"/>
+              <a:t>buffers</a:t>
+            </a:r>
+            <a:endParaRPr lang="en-US" sz="2200" dirty="0"/>
+          </a:p>
+        </p:txBody>
+      </p:sp>
+      <p:pic>
+        <p:nvPicPr>
+          <p:cNvPr id="3" name="Content Placeholder 2"/>
+          <p:cNvPicPr>
+            <a:picLocks noGrp="1" noChangeAspect="1"/>
+          </p:cNvPicPr>
+          <p:nvPr>
+            <p:ph sz="half" idx="2"/>
+          </p:nvPr>
+        </p:nvPicPr>
+        <p:blipFill>
+          <a:blip r:embed="rId2">
+            <a:extLst>
+              <a:ext uri="{28A0092B-C50C-407E-A947-70E740481C1C}">
+                <a14:useLocalDpi xmlns:a14="http://schemas.microsoft.com/office/drawing/2010/main" val="0"/>
+              </a:ext>
+            </a:extLst>
+          </a:blip>
+          <a:stretch>
+            <a:fillRect/>
+          </a:stretch>
+        </p:blipFill>
+        <p:spPr>
+          <a:xfrm>
+            <a:off x="4535728" y="2209800"/>
+            <a:ext cx="2052108" cy="3200400"/>
+          </a:xfrm>
+        </p:spPr>
+      </p:pic>
+      <p:pic>
+        <p:nvPicPr>
+          <p:cNvPr id="6" name="Picture 5"/>
+          <p:cNvPicPr>
+            <a:picLocks noChangeAspect="1"/>
+          </p:cNvPicPr>
+          <p:nvPr/>
+        </p:nvPicPr>
+        <p:blipFill>
+          <a:blip r:embed="rId3">
+            <a:extLst>
+              <a:ext uri="{28A0092B-C50C-407E-A947-70E740481C1C}">
+                <a14:useLocalDpi xmlns:a14="http://schemas.microsoft.com/office/drawing/2010/main" val="0"/>
+              </a:ext>
+            </a:extLst>
+          </a:blip>
+          <a:stretch>
+            <a:fillRect/>
+          </a:stretch>
+        </p:blipFill>
+        <p:spPr>
+          <a:xfrm>
+            <a:off x="6629400" y="2209800"/>
+            <a:ext cx="2133600" cy="3200400"/>
+          </a:xfrm>
+          <a:prstGeom prst="rect">
+            <a:avLst/>
+          </a:prstGeom>
+        </p:spPr>
+      </p:pic>
+    </p:spTree>
+    <p:extLst>
+      <p:ext uri="{BB962C8B-B14F-4D97-AF65-F5344CB8AC3E}">
+        <p14:creationId xmlns:p14="http://schemas.microsoft.com/office/powerpoint/2010/main" val="1804225097"/>
+      </p:ext>
+    </p:extLst>
+  </p:cSld>
+  <p:clrMapOvr>
+    <a:masterClrMapping/>
+  </p:clrMapOvr>
+  <p:timing>
+    <p:tnLst>
+      <p:par>
+        <p:cTn id="1" dur="indefinite" restart="never" nodeType="tmRoot"/>
+      </p:par>
+    </p:tnLst>
+  </p:timing>
+</p:sld>
+</file>
+
+<file path=ppt/slides/slide12.xml><?xml version="1.0" encoding="utf-8"?>
+<p:sld xmlns:a="http://schemas.openxmlformats.org/drawingml/2006/main" xmlns:r="http://schemas.openxmlformats.org/officeDocument/2006/relationships" xmlns:p="http://schemas.openxmlformats.org/presentationml/2006/main">
+  <p:cSld>
+    <p:spTree>
+      <p:nvGrpSpPr>
+        <p:cNvPr id="1" name=""/>
+        <p:cNvGrpSpPr/>
+        <p:nvPr/>
+      </p:nvGrpSpPr>
+      <p:grpSpPr>
+        <a:xfrm>
+          <a:off x="0" y="0"/>
+          <a:ext cx="0" cy="0"/>
+          <a:chOff x="0" y="0"/>
+          <a:chExt cx="0" cy="0"/>
+        </a:xfrm>
+      </p:grpSpPr>
+      <p:sp>
+        <p:nvSpPr>
+          <p:cNvPr id="2" name="Title 1"/>
+          <p:cNvSpPr>
+            <a:spLocks noGrp="1"/>
+          </p:cNvSpPr>
+          <p:nvPr>
+            <p:ph type="title"/>
+          </p:nvPr>
+        </p:nvSpPr>
+        <p:spPr/>
+        <p:txBody>
+          <a:bodyPr/>
+          <a:lstStyle/>
+          <a:p>
+            <a:pPr marL="0" marR="0" indent="0" algn="ctr" defTabSz="914400" rtl="0" eaLnBrk="1" fontAlgn="auto" latinLnBrk="0" hangingPunct="1">
+              <a:lnSpc>
+                <a:spcPct val="100000"/>
+              </a:lnSpc>
+              <a:spcBef>
+                <a:spcPct val="0"/>
+              </a:spcBef>
+              <a:spcAft>
+                <a:spcPts val="0"/>
+              </a:spcAft>
+              <a:buClrTx/>
+              <a:buSzTx/>
+              <a:buFontTx/>
+              <a:buNone/>
+              <a:tabLst/>
+              <a:defRPr/>
+            </a:pPr>
+            <a:r>
+              <a:rPr lang="en-US" sz="3600" u="sng" kern="1200" dirty="0" smtClean="0">
+                <a:solidFill>
+                  <a:schemeClr val="tx1"/>
+                </a:solidFill>
+                <a:effectLst/>
+              </a:rPr>
+              <a:t>SD Tool </a:t>
+            </a:r>
+            <a:endParaRPr lang="en-US" u="sng" dirty="0"/>
+          </a:p>
+        </p:txBody>
+      </p:sp>
+      <p:sp>
+        <p:nvSpPr>
+          <p:cNvPr id="3" name="Content Placeholder 2"/>
+          <p:cNvSpPr>
+            <a:spLocks noGrp="1"/>
+          </p:cNvSpPr>
+          <p:nvPr>
+            <p:ph sz="half" idx="1"/>
+          </p:nvPr>
+        </p:nvSpPr>
+        <p:spPr/>
+        <p:txBody>
+          <a:bodyPr>
+            <a:normAutofit/>
+          </a:bodyPr>
+          <a:lstStyle/>
+          <a:p>
+            <a:r>
+              <a:rPr lang="en-US" dirty="0"/>
+              <a:t>benchmark </a:t>
+            </a:r>
+            <a:r>
+              <a:rPr lang="en-US" dirty="0" smtClean="0"/>
+              <a:t>SD </a:t>
+            </a:r>
+            <a:r>
+              <a:rPr lang="en-US" dirty="0"/>
+              <a:t>card writing and reading </a:t>
+            </a:r>
+            <a:r>
+              <a:rPr lang="en-US" dirty="0" smtClean="0"/>
+              <a:t>speeds</a:t>
+            </a:r>
+            <a:endParaRPr lang="en-US" dirty="0"/>
+          </a:p>
+          <a:p>
+            <a:r>
+              <a:rPr lang="en-US" dirty="0" smtClean="0"/>
+              <a:t>Reason for not choosing:</a:t>
+            </a:r>
+          </a:p>
+          <a:p>
+            <a:pPr lvl="1"/>
+            <a:r>
+              <a:rPr lang="en-US" dirty="0" smtClean="0"/>
+              <a:t>Tests on SD writing and reading are already included in the testing done by </a:t>
+            </a:r>
+            <a:r>
+              <a:rPr lang="en-US" dirty="0" err="1" smtClean="0"/>
+              <a:t>AnTuTu</a:t>
+            </a:r>
+            <a:r>
+              <a:rPr lang="en-US" dirty="0" smtClean="0"/>
+              <a:t> Benchmark </a:t>
+            </a:r>
+            <a:endParaRPr lang="en-US" dirty="0"/>
+          </a:p>
+        </p:txBody>
+      </p:sp>
+      <p:pic>
+        <p:nvPicPr>
+          <p:cNvPr id="4" name="Content Placeholder 3"/>
+          <p:cNvPicPr>
+            <a:picLocks noGrp="1" noChangeAspect="1"/>
+          </p:cNvPicPr>
+          <p:nvPr>
+            <p:ph sz="half" idx="2"/>
+          </p:nvPr>
+        </p:nvPicPr>
+        <p:blipFill>
+          <a:blip r:embed="rId2">
+            <a:extLst>
+              <a:ext uri="{28A0092B-C50C-407E-A947-70E740481C1C}">
+                <a14:useLocalDpi xmlns:a14="http://schemas.microsoft.com/office/drawing/2010/main" val="0"/>
+              </a:ext>
+            </a:extLst>
+          </a:blip>
+          <a:stretch>
+            <a:fillRect/>
+          </a:stretch>
+        </p:blipFill>
+        <p:spPr>
+          <a:xfrm>
+            <a:off x="4419600" y="1600200"/>
+            <a:ext cx="2234781" cy="3715472"/>
+          </a:xfrm>
+        </p:spPr>
+      </p:pic>
+      <p:pic>
+        <p:nvPicPr>
+          <p:cNvPr id="6" name="Picture 5"/>
+          <p:cNvPicPr>
+            <a:picLocks noChangeAspect="1"/>
+          </p:cNvPicPr>
+          <p:nvPr/>
+        </p:nvPicPr>
+        <p:blipFill>
+          <a:blip r:embed="rId3">
+            <a:extLst>
+              <a:ext uri="{28A0092B-C50C-407E-A947-70E740481C1C}">
+                <a14:useLocalDpi xmlns:a14="http://schemas.microsoft.com/office/drawing/2010/main" val="0"/>
+              </a:ext>
+            </a:extLst>
+          </a:blip>
+          <a:stretch>
+            <a:fillRect/>
+          </a:stretch>
+        </p:blipFill>
+        <p:spPr>
+          <a:xfrm>
+            <a:off x="5562600" y="457200"/>
+            <a:ext cx="742950" cy="742950"/>
+          </a:xfrm>
+          <a:prstGeom prst="rect">
+            <a:avLst/>
+          </a:prstGeom>
+        </p:spPr>
+      </p:pic>
+      <p:pic>
+        <p:nvPicPr>
+          <p:cNvPr id="5" name="Picture 4"/>
+          <p:cNvPicPr>
+            <a:picLocks noChangeAspect="1"/>
+          </p:cNvPicPr>
+          <p:nvPr/>
+        </p:nvPicPr>
+        <p:blipFill>
+          <a:blip r:embed="rId4">
+            <a:extLst>
+              <a:ext uri="{28A0092B-C50C-407E-A947-70E740481C1C}">
+                <a14:useLocalDpi xmlns:a14="http://schemas.microsoft.com/office/drawing/2010/main" val="0"/>
+              </a:ext>
+            </a:extLst>
+          </a:blip>
+          <a:stretch>
+            <a:fillRect/>
+          </a:stretch>
+        </p:blipFill>
+        <p:spPr>
+          <a:xfrm>
+            <a:off x="6781800" y="1600200"/>
+            <a:ext cx="2209800" cy="3683000"/>
+          </a:xfrm>
+          <a:prstGeom prst="rect">
+            <a:avLst/>
+          </a:prstGeom>
+        </p:spPr>
+      </p:pic>
+    </p:spTree>
+    <p:extLst>
+      <p:ext uri="{BB962C8B-B14F-4D97-AF65-F5344CB8AC3E}">
+        <p14:creationId xmlns:p14="http://schemas.microsoft.com/office/powerpoint/2010/main" val="2211510816"/>
+      </p:ext>
+    </p:extLst>
+  </p:cSld>
+  <p:clrMapOvr>
+    <a:masterClrMapping/>
+  </p:clrMapOvr>
+  <p:timing>
+    <p:tnLst>
+      <p:par>
+        <p:cTn id="1" dur="indefinite" restart="never" nodeType="tmRoot"/>
+      </p:par>
+    </p:tnLst>
+  </p:timing>
+</p:sld>
+</file>
+
+<file path=ppt/slides/slide13.xml><?xml version="1.0" encoding="utf-8"?>
+<p:sld xmlns:a="http://schemas.openxmlformats.org/drawingml/2006/main" xmlns:r="http://schemas.openxmlformats.org/officeDocument/2006/relationships" xmlns:p="http://schemas.openxmlformats.org/presentationml/2006/main">
+  <p:cSld>
+    <p:spTree>
+      <p:nvGrpSpPr>
+        <p:cNvPr id="1" name=""/>
+        <p:cNvGrpSpPr/>
+        <p:nvPr/>
+      </p:nvGrpSpPr>
+      <p:grpSpPr>
+        <a:xfrm>
+          <a:off x="0" y="0"/>
+          <a:ext cx="0" cy="0"/>
+          <a:chOff x="0" y="0"/>
+          <a:chExt cx="0" cy="0"/>
+        </a:xfrm>
+      </p:grpSpPr>
+      <p:sp>
+        <p:nvSpPr>
+          <p:cNvPr id="2" name="Title 1"/>
+          <p:cNvSpPr>
+            <a:spLocks noGrp="1"/>
+          </p:cNvSpPr>
+          <p:nvPr>
             <p:ph type="title"/>
           </p:nvPr>
         </p:nvSpPr>
@@ -7236,7 +7745,7 @@
 </p:sld>
 </file>
 
-<file path=ppt/slides/slide11.xml><?xml version="1.0" encoding="utf-8"?>
+<file path=ppt/slides/slide14.xml><?xml version="1.0" encoding="utf-8"?>
 <p:sld xmlns:a="http://schemas.openxmlformats.org/drawingml/2006/main" xmlns:r="http://schemas.openxmlformats.org/officeDocument/2006/relationships" xmlns:p="http://schemas.openxmlformats.org/presentationml/2006/main">
   <p:cSld>
     <p:spTree>
@@ -7373,11 +7882,7 @@
             </a:r>
             <a:r>
               <a:rPr lang="en-US" dirty="0" smtClean="0"/>
-              <a:t> </a:t>
-            </a:r>
-            <a:r>
-              <a:rPr lang="en-US" dirty="0" smtClean="0"/>
-              <a:t>Benchmark</a:t>
+              <a:t> Benchmark</a:t>
             </a:r>
             <a:endParaRPr lang="en-US" dirty="0"/>
           </a:p>
@@ -7462,7 +7967,7 @@
 </p:sld>
 </file>
 
-<file path=ppt/slides/slide12.xml><?xml version="1.0" encoding="utf-8"?>
+<file path=ppt/slides/slide15.xml><?xml version="1.0" encoding="utf-8"?>
 <p:sld xmlns:a="http://schemas.openxmlformats.org/drawingml/2006/main" xmlns:r="http://schemas.openxmlformats.org/officeDocument/2006/relationships" xmlns:p="http://schemas.openxmlformats.org/presentationml/2006/main">
   <p:cSld>
     <p:spTree>
@@ -7578,11 +8083,7 @@
             </a:r>
             <a:r>
               <a:rPr lang="en-US" dirty="0" smtClean="0"/>
-              <a:t> </a:t>
-            </a:r>
-            <a:r>
-              <a:rPr lang="en-US" dirty="0" smtClean="0"/>
-              <a:t>Benchmark</a:t>
+              <a:t> Benchmark</a:t>
             </a:r>
             <a:endParaRPr lang="en-US" dirty="0"/>
           </a:p>
@@ -7667,7 +8168,7 @@
 </p:sld>
 </file>
 
-<file path=ppt/slides/slide13.xml><?xml version="1.0" encoding="utf-8"?>
+<file path=ppt/slides/slide16.xml><?xml version="1.0" encoding="utf-8"?>
 <p:sld xmlns:a="http://schemas.openxmlformats.org/drawingml/2006/main" xmlns:r="http://schemas.openxmlformats.org/officeDocument/2006/relationships" xmlns:p="http://schemas.openxmlformats.org/presentationml/2006/main">
   <p:cSld>
     <p:spTree>
@@ -7897,7 +8398,7 @@
 </p:sld>
 </file>
 
-<file path=ppt/slides/slide14.xml><?xml version="1.0" encoding="utf-8"?>
+<file path=ppt/slides/slide17.xml><?xml version="1.0" encoding="utf-8"?>
 <p:sld xmlns:a="http://schemas.openxmlformats.org/drawingml/2006/main" xmlns:r="http://schemas.openxmlformats.org/officeDocument/2006/relationships" xmlns:p="http://schemas.openxmlformats.org/presentationml/2006/main">
   <p:cSld>
     <p:spTree>
@@ -8147,7 +8648,7 @@
 </p:sld>
 </file>
 
-<file path=ppt/slides/slide15.xml><?xml version="1.0" encoding="utf-8"?>
+<file path=ppt/slides/slide18.xml><?xml version="1.0" encoding="utf-8"?>
 <p:sld xmlns:a="http://schemas.openxmlformats.org/drawingml/2006/main" xmlns:r="http://schemas.openxmlformats.org/officeDocument/2006/relationships" xmlns:p="http://schemas.openxmlformats.org/presentationml/2006/main">
   <p:cSld>
     <p:spTree>
@@ -8338,7 +8839,7 @@
 </p:sld>
 </file>
 
-<file path=ppt/slides/slide16.xml><?xml version="1.0" encoding="utf-8"?>
+<file path=ppt/slides/slide2.xml><?xml version="1.0" encoding="utf-8"?>
 <p:sld xmlns:a="http://schemas.openxmlformats.org/drawingml/2006/main" xmlns:r="http://schemas.openxmlformats.org/officeDocument/2006/relationships" xmlns:p="http://schemas.openxmlformats.org/presentationml/2006/main">
   <p:cSld>
     <p:spTree>
@@ -8373,8 +8874,216 @@
           <a:lstStyle/>
           <a:p>
             <a:r>
+              <a:rPr lang="en-US" sz="4400" u="sng" dirty="0" smtClean="0"/>
+              <a:t>Most popular tools are evaluated</a:t>
+            </a:r>
+            <a:endParaRPr lang="en-US" sz="4400" u="sng" dirty="0"/>
+          </a:p>
+        </p:txBody>
+      </p:sp>
+      <p:sp>
+        <p:nvSpPr>
+          <p:cNvPr id="3" name="Content Placeholder 2"/>
+          <p:cNvSpPr>
+            <a:spLocks noGrp="1"/>
+          </p:cNvSpPr>
+          <p:nvPr>
+            <p:ph idx="1"/>
+          </p:nvPr>
+        </p:nvSpPr>
+        <p:spPr>
+          <a:xfrm>
+            <a:off x="457200" y="1371600"/>
+            <a:ext cx="8229600" cy="5257800"/>
+          </a:xfrm>
+        </p:spPr>
+        <p:txBody>
+          <a:bodyPr>
+            <a:normAutofit fontScale="92500" lnSpcReduction="20000"/>
+          </a:bodyPr>
+          <a:lstStyle/>
+          <a:p>
+            <a:pPr marL="514350" lvl="0" indent="-514350">
+              <a:buFont typeface="+mj-lt"/>
+              <a:buAutoNum type="arabicPeriod"/>
+            </a:pPr>
+            <a:r>
+              <a:rPr lang="en-US" dirty="0" err="1" smtClean="0"/>
+              <a:t>AnTuTu</a:t>
+            </a:r>
+            <a:r>
+              <a:rPr lang="en-US" dirty="0" smtClean="0"/>
+              <a:t> Benchmark</a:t>
+            </a:r>
+          </a:p>
+          <a:p>
+            <a:pPr marL="514350" lvl="0" indent="-514350">
+              <a:buFont typeface="+mj-lt"/>
+              <a:buAutoNum type="arabicPeriod"/>
+            </a:pPr>
+            <a:r>
+              <a:rPr lang="en-US" dirty="0" smtClean="0"/>
+              <a:t>Quadrant Standard Edition</a:t>
+            </a:r>
+          </a:p>
+          <a:p>
+            <a:pPr marL="514350" lvl="0" indent="-514350">
+              <a:buFont typeface="+mj-lt"/>
+              <a:buAutoNum type="arabicPeriod"/>
+            </a:pPr>
+            <a:r>
+              <a:rPr lang="en-US" dirty="0" err="1" smtClean="0"/>
+              <a:t>Vellamo</a:t>
+            </a:r>
+            <a:r>
+              <a:rPr lang="en-US" dirty="0" smtClean="0"/>
+              <a:t> Mobile Web Benchmark</a:t>
+            </a:r>
+          </a:p>
+          <a:p>
+            <a:pPr marL="514350" indent="-514350">
+              <a:buFont typeface="+mj-lt"/>
+              <a:buAutoNum type="arabicPeriod"/>
+            </a:pPr>
+            <a:r>
+              <a:rPr lang="en-US" dirty="0" err="1" smtClean="0"/>
+              <a:t>GlBenchmark</a:t>
+            </a:r>
+            <a:endParaRPr lang="en-US" dirty="0" smtClean="0"/>
+          </a:p>
+          <a:p>
+            <a:pPr marL="514350" indent="-514350">
+              <a:buFont typeface="+mj-lt"/>
+              <a:buAutoNum type="arabicPeriod"/>
+            </a:pPr>
+            <a:r>
+              <a:rPr lang="en-US" dirty="0" smtClean="0"/>
+              <a:t>SD Tool</a:t>
+            </a:r>
+          </a:p>
+          <a:p>
+            <a:pPr marL="514350" indent="-514350">
+              <a:buFont typeface="+mj-lt"/>
+              <a:buAutoNum type="arabicPeriod"/>
+            </a:pPr>
+            <a:r>
+              <a:rPr lang="en-US" dirty="0" smtClean="0"/>
+              <a:t>CF-Bench</a:t>
+            </a:r>
+          </a:p>
+          <a:p>
+            <a:pPr marL="514350" indent="-514350">
+              <a:buFont typeface="+mj-lt"/>
+              <a:buAutoNum type="arabicPeriod"/>
+            </a:pPr>
+            <a:r>
+              <a:rPr lang="en-US" dirty="0" err="1" smtClean="0"/>
+              <a:t>Linpack</a:t>
+            </a:r>
+            <a:r>
+              <a:rPr lang="en-US" dirty="0" smtClean="0"/>
+              <a:t> for Android</a:t>
+            </a:r>
+          </a:p>
+          <a:p>
+            <a:pPr marL="514350" indent="-514350">
+              <a:buFont typeface="+mj-lt"/>
+              <a:buAutoNum type="arabicPeriod"/>
+            </a:pPr>
+            <a:r>
+              <a:rPr lang="en-US" dirty="0" smtClean="0"/>
+              <a:t>CPU Benchmark</a:t>
+            </a:r>
+          </a:p>
+          <a:p>
+            <a:pPr marL="514350" indent="-514350">
+              <a:buFont typeface="+mj-lt"/>
+              <a:buAutoNum type="arabicPeriod"/>
+            </a:pPr>
+            <a:r>
+              <a:rPr lang="en-US" dirty="0" err="1" smtClean="0"/>
+              <a:t>RealPi</a:t>
+            </a:r>
+            <a:endParaRPr lang="en-US" dirty="0" smtClean="0"/>
+          </a:p>
+          <a:p>
+            <a:pPr marL="514350" indent="-514350">
+              <a:buFont typeface="+mj-lt"/>
+              <a:buAutoNum type="arabicPeriod"/>
+            </a:pPr>
+            <a:r>
+              <a:rPr lang="en-US" dirty="0" smtClean="0"/>
+              <a:t>NenaMark2</a:t>
+            </a:r>
+          </a:p>
+          <a:p>
+            <a:pPr marL="514350" indent="-514350">
+              <a:buFont typeface="+mj-lt"/>
+              <a:buAutoNum type="arabicPeriod"/>
+            </a:pPr>
+            <a:r>
+              <a:rPr lang="en-US" dirty="0" err="1" smtClean="0"/>
+              <a:t>Neocore</a:t>
+            </a:r>
+            <a:endParaRPr lang="en-US" dirty="0" smtClean="0"/>
+          </a:p>
+        </p:txBody>
+      </p:sp>
+    </p:spTree>
+    <p:extLst>
+      <p:ext uri="{BB962C8B-B14F-4D97-AF65-F5344CB8AC3E}">
+        <p14:creationId xmlns:p14="http://schemas.microsoft.com/office/powerpoint/2010/main" val="3715149438"/>
+      </p:ext>
+    </p:extLst>
+  </p:cSld>
+  <p:clrMapOvr>
+    <a:masterClrMapping/>
+  </p:clrMapOvr>
+  <p:timing>
+    <p:tnLst>
+      <p:par>
+        <p:cTn id="1" dur="indefinite" restart="never" nodeType="tmRoot"/>
+      </p:par>
+    </p:tnLst>
+  </p:timing>
+</p:sld>
+</file>
+
+<file path=ppt/slides/slide3.xml><?xml version="1.0" encoding="utf-8"?>
+<p:sld xmlns:a="http://schemas.openxmlformats.org/drawingml/2006/main" xmlns:r="http://schemas.openxmlformats.org/officeDocument/2006/relationships" xmlns:p="http://schemas.openxmlformats.org/presentationml/2006/main">
+  <p:cSld>
+    <p:spTree>
+      <p:nvGrpSpPr>
+        <p:cNvPr id="1" name=""/>
+        <p:cNvGrpSpPr/>
+        <p:nvPr/>
+      </p:nvGrpSpPr>
+      <p:grpSpPr>
+        <a:xfrm>
+          <a:off x="0" y="0"/>
+          <a:ext cx="0" cy="0"/>
+          <a:chOff x="0" y="0"/>
+          <a:chExt cx="0" cy="0"/>
+        </a:xfrm>
+      </p:grpSpPr>
+      <p:sp>
+        <p:nvSpPr>
+          <p:cNvPr id="2" name="Title 1"/>
+          <p:cNvSpPr>
+            <a:spLocks noGrp="1"/>
+          </p:cNvSpPr>
+          <p:nvPr>
+            <p:ph type="title"/>
+          </p:nvPr>
+        </p:nvSpPr>
+        <p:spPr/>
+        <p:txBody>
+          <a:bodyPr/>
+          <a:lstStyle/>
+          <a:p>
+            <a:r>
               <a:rPr lang="en-US" u="sng" dirty="0" smtClean="0"/>
-              <a:t>Overall Score Calculation</a:t>
+              <a:t>3 of them are selected</a:t>
             </a:r>
             <a:endParaRPr lang="en-US" u="sng" dirty="0"/>
           </a:p>
@@ -8388,6 +9097,856 @@
           </p:cNvSpPr>
           <p:nvPr>
             <p:ph idx="1"/>
+          </p:nvPr>
+        </p:nvSpPr>
+        <p:spPr/>
+        <p:txBody>
+          <a:bodyPr/>
+          <a:lstStyle/>
+          <a:p>
+            <a:pPr marL="514350" lvl="0" indent="-514350">
+              <a:buFont typeface="+mj-lt"/>
+              <a:buAutoNum type="arabicPeriod"/>
+            </a:pPr>
+            <a:r>
+              <a:rPr lang="en-US" dirty="0" err="1"/>
+              <a:t>AnTuTu</a:t>
+            </a:r>
+            <a:r>
+              <a:rPr lang="en-US" dirty="0"/>
+              <a:t> Benchmark</a:t>
+            </a:r>
+          </a:p>
+          <a:p>
+            <a:pPr marL="514350" lvl="0" indent="-514350">
+              <a:buFont typeface="+mj-lt"/>
+              <a:buAutoNum type="arabicPeriod"/>
+            </a:pPr>
+            <a:r>
+              <a:rPr lang="en-US" dirty="0" err="1"/>
+              <a:t>Vellamo</a:t>
+            </a:r>
+            <a:r>
+              <a:rPr lang="en-US" dirty="0"/>
+              <a:t> Mobile Web Benchmark</a:t>
+            </a:r>
+          </a:p>
+          <a:p>
+            <a:pPr marL="0" indent="0">
+              <a:buNone/>
+            </a:pPr>
+            <a:r>
+              <a:rPr lang="en-US" dirty="0" smtClean="0"/>
+              <a:t>3. </a:t>
+            </a:r>
+            <a:r>
+              <a:rPr lang="en-US" dirty="0" err="1" smtClean="0"/>
+              <a:t>GlBenchmark</a:t>
+            </a:r>
+            <a:r>
+              <a:rPr lang="en-US" dirty="0" smtClean="0"/>
+              <a:t> (for additional information)</a:t>
+            </a:r>
+            <a:endParaRPr lang="en-US" dirty="0"/>
+          </a:p>
+        </p:txBody>
+      </p:sp>
+    </p:spTree>
+    <p:extLst>
+      <p:ext uri="{BB962C8B-B14F-4D97-AF65-F5344CB8AC3E}">
+        <p14:creationId xmlns:p14="http://schemas.microsoft.com/office/powerpoint/2010/main" val="4259909232"/>
+      </p:ext>
+    </p:extLst>
+  </p:cSld>
+  <p:clrMapOvr>
+    <a:masterClrMapping/>
+  </p:clrMapOvr>
+  <p:timing>
+    <p:tnLst>
+      <p:par>
+        <p:cTn id="1" dur="indefinite" restart="never" nodeType="tmRoot"/>
+      </p:par>
+    </p:tnLst>
+  </p:timing>
+</p:sld>
+</file>
+
+<file path=ppt/slides/slide4.xml><?xml version="1.0" encoding="utf-8"?>
+<p:sld xmlns:a="http://schemas.openxmlformats.org/drawingml/2006/main" xmlns:r="http://schemas.openxmlformats.org/officeDocument/2006/relationships" xmlns:p="http://schemas.openxmlformats.org/presentationml/2006/main">
+  <p:cSld>
+    <p:spTree>
+      <p:nvGrpSpPr>
+        <p:cNvPr id="1" name=""/>
+        <p:cNvGrpSpPr/>
+        <p:nvPr/>
+      </p:nvGrpSpPr>
+      <p:grpSpPr>
+        <a:xfrm>
+          <a:off x="0" y="0"/>
+          <a:ext cx="0" cy="0"/>
+          <a:chOff x="0" y="0"/>
+          <a:chExt cx="0" cy="0"/>
+        </a:xfrm>
+      </p:grpSpPr>
+      <p:sp>
+        <p:nvSpPr>
+          <p:cNvPr id="2" name="Title 1"/>
+          <p:cNvSpPr>
+            <a:spLocks noGrp="1"/>
+          </p:cNvSpPr>
+          <p:nvPr>
+            <p:ph type="title"/>
+          </p:nvPr>
+        </p:nvSpPr>
+        <p:spPr/>
+        <p:txBody>
+          <a:bodyPr>
+            <a:normAutofit/>
+          </a:bodyPr>
+          <a:lstStyle/>
+          <a:p>
+            <a:pPr lvl="0"/>
+            <a:r>
+              <a:rPr lang="en-US" b="1" u="sng" dirty="0" smtClean="0"/>
+              <a:t>1. </a:t>
+            </a:r>
+            <a:r>
+              <a:rPr lang="en-US" b="1" u="sng" dirty="0" err="1" smtClean="0"/>
+              <a:t>AnTuTu</a:t>
+            </a:r>
+            <a:r>
+              <a:rPr lang="en-US" b="1" u="sng" dirty="0" smtClean="0"/>
+              <a:t> </a:t>
+            </a:r>
+            <a:r>
+              <a:rPr lang="en-US" b="1" u="sng" dirty="0"/>
+              <a:t>Benchmark </a:t>
+            </a:r>
+            <a:endParaRPr lang="en-US" dirty="0"/>
+          </a:p>
+        </p:txBody>
+      </p:sp>
+      <p:sp>
+        <p:nvSpPr>
+          <p:cNvPr id="3" name="Content Placeholder 2"/>
+          <p:cNvSpPr>
+            <a:spLocks noGrp="1"/>
+          </p:cNvSpPr>
+          <p:nvPr>
+            <p:ph sz="half" idx="1"/>
+          </p:nvPr>
+        </p:nvSpPr>
+        <p:spPr>
+          <a:xfrm>
+            <a:off x="457200" y="1600200"/>
+            <a:ext cx="4038600" cy="4525963"/>
+          </a:xfrm>
+        </p:spPr>
+        <p:txBody>
+          <a:bodyPr>
+            <a:normAutofit/>
+          </a:bodyPr>
+          <a:lstStyle/>
+          <a:p>
+            <a:r>
+              <a:rPr lang="en-US" sz="2400" dirty="0" smtClean="0"/>
+              <a:t>Runs </a:t>
+            </a:r>
+            <a:r>
+              <a:rPr lang="en-US" sz="2400" dirty="0"/>
+              <a:t>tests on the following parts</a:t>
+            </a:r>
+          </a:p>
+          <a:p>
+            <a:pPr lvl="1"/>
+            <a:r>
+              <a:rPr lang="en-US" sz="2000" dirty="0"/>
+              <a:t>Memory Performance </a:t>
+            </a:r>
+          </a:p>
+          <a:p>
+            <a:pPr lvl="1"/>
+            <a:r>
+              <a:rPr lang="en-US" sz="2000" dirty="0"/>
+              <a:t>CPU Integer Performance</a:t>
+            </a:r>
+          </a:p>
+          <a:p>
+            <a:pPr lvl="1"/>
+            <a:r>
+              <a:rPr lang="en-US" sz="2000" dirty="0"/>
+              <a:t>CPU Floating point Performance</a:t>
+            </a:r>
+          </a:p>
+          <a:p>
+            <a:pPr lvl="1"/>
+            <a:r>
+              <a:rPr lang="en-US" sz="2000" dirty="0"/>
+              <a:t>2D Graphics Performance</a:t>
+            </a:r>
+          </a:p>
+          <a:p>
+            <a:pPr lvl="1"/>
+            <a:r>
+              <a:rPr lang="en-US" sz="2000" dirty="0"/>
+              <a:t>3D Graphics Performance</a:t>
+            </a:r>
+          </a:p>
+          <a:p>
+            <a:pPr lvl="1"/>
+            <a:r>
+              <a:rPr lang="en-US" sz="2000" dirty="0"/>
+              <a:t>SD card reading/writing speed</a:t>
+            </a:r>
+          </a:p>
+          <a:p>
+            <a:pPr lvl="1"/>
+            <a:r>
+              <a:rPr lang="en-US" sz="2000" dirty="0"/>
+              <a:t>Database IO performance </a:t>
+            </a:r>
+            <a:r>
+              <a:rPr lang="en-US" sz="2000" dirty="0" smtClean="0"/>
+              <a:t>testing</a:t>
+            </a:r>
+            <a:endParaRPr lang="en-US" sz="2000" dirty="0"/>
+          </a:p>
+        </p:txBody>
+      </p:sp>
+      <p:sp>
+        <p:nvSpPr>
+          <p:cNvPr id="5" name="Content Placeholder 4"/>
+          <p:cNvSpPr>
+            <a:spLocks noGrp="1"/>
+          </p:cNvSpPr>
+          <p:nvPr>
+            <p:ph sz="half" idx="2"/>
+          </p:nvPr>
+        </p:nvSpPr>
+        <p:spPr/>
+        <p:txBody>
+          <a:bodyPr>
+            <a:normAutofit/>
+          </a:bodyPr>
+          <a:lstStyle/>
+          <a:p>
+            <a:pPr marL="0" indent="0">
+              <a:buNone/>
+            </a:pPr>
+            <a:endParaRPr lang="en-US" dirty="0"/>
+          </a:p>
+        </p:txBody>
+      </p:sp>
+      <p:pic>
+        <p:nvPicPr>
+          <p:cNvPr id="4" name="Picture 3"/>
+          <p:cNvPicPr>
+            <a:picLocks noChangeAspect="1"/>
+          </p:cNvPicPr>
+          <p:nvPr/>
+        </p:nvPicPr>
+        <p:blipFill rotWithShape="1">
+          <a:blip r:embed="rId2">
+            <a:extLst>
+              <a:ext uri="{28A0092B-C50C-407E-A947-70E740481C1C}">
+                <a14:useLocalDpi xmlns:a14="http://schemas.microsoft.com/office/drawing/2010/main" val="0"/>
+              </a:ext>
+            </a:extLst>
+          </a:blip>
+          <a:srcRect t="4038"/>
+          <a:stretch/>
+        </p:blipFill>
+        <p:spPr>
+          <a:xfrm>
+            <a:off x="4648200" y="1960418"/>
+            <a:ext cx="2133600" cy="3338955"/>
+          </a:xfrm>
+          <a:prstGeom prst="rect">
+            <a:avLst/>
+          </a:prstGeom>
+        </p:spPr>
+      </p:pic>
+      <p:pic>
+        <p:nvPicPr>
+          <p:cNvPr id="6" name="Picture 5"/>
+          <p:cNvPicPr>
+            <a:picLocks noChangeAspect="1"/>
+          </p:cNvPicPr>
+          <p:nvPr/>
+        </p:nvPicPr>
+        <p:blipFill rotWithShape="1">
+          <a:blip r:embed="rId3">
+            <a:extLst>
+              <a:ext uri="{28A0092B-C50C-407E-A947-70E740481C1C}">
+                <a14:useLocalDpi xmlns:a14="http://schemas.microsoft.com/office/drawing/2010/main" val="0"/>
+              </a:ext>
+            </a:extLst>
+          </a:blip>
+          <a:srcRect t="4578" b="9804"/>
+          <a:stretch/>
+        </p:blipFill>
+        <p:spPr>
+          <a:xfrm>
+            <a:off x="6988869" y="1946562"/>
+            <a:ext cx="1926529" cy="3338956"/>
+          </a:xfrm>
+          <a:prstGeom prst="rect">
+            <a:avLst/>
+          </a:prstGeom>
+        </p:spPr>
+      </p:pic>
+      <p:pic>
+        <p:nvPicPr>
+          <p:cNvPr id="7" name="Picture 6"/>
+          <p:cNvPicPr>
+            <a:picLocks noChangeAspect="1"/>
+          </p:cNvPicPr>
+          <p:nvPr/>
+        </p:nvPicPr>
+        <p:blipFill>
+          <a:blip r:embed="rId4">
+            <a:extLst>
+              <a:ext uri="{28A0092B-C50C-407E-A947-70E740481C1C}">
+                <a14:useLocalDpi xmlns:a14="http://schemas.microsoft.com/office/drawing/2010/main" val="0"/>
+              </a:ext>
+            </a:extLst>
+          </a:blip>
+          <a:stretch>
+            <a:fillRect/>
+          </a:stretch>
+        </p:blipFill>
+        <p:spPr>
+          <a:xfrm>
+            <a:off x="7043437" y="533400"/>
+            <a:ext cx="742950" cy="742950"/>
+          </a:xfrm>
+          <a:prstGeom prst="rect">
+            <a:avLst/>
+          </a:prstGeom>
+        </p:spPr>
+      </p:pic>
+    </p:spTree>
+    <p:extLst>
+      <p:ext uri="{BB962C8B-B14F-4D97-AF65-F5344CB8AC3E}">
+        <p14:creationId xmlns:p14="http://schemas.microsoft.com/office/powerpoint/2010/main" val="2206322671"/>
+      </p:ext>
+    </p:extLst>
+  </p:cSld>
+  <p:clrMapOvr>
+    <a:masterClrMapping/>
+  </p:clrMapOvr>
+  <p:timing>
+    <p:tnLst>
+      <p:par>
+        <p:cTn id="1" dur="indefinite" restart="never" nodeType="tmRoot"/>
+      </p:par>
+    </p:tnLst>
+  </p:timing>
+</p:sld>
+</file>
+
+<file path=ppt/slides/slide5.xml><?xml version="1.0" encoding="utf-8"?>
+<p:sld xmlns:a="http://schemas.openxmlformats.org/drawingml/2006/main" xmlns:r="http://schemas.openxmlformats.org/officeDocument/2006/relationships" xmlns:p="http://schemas.openxmlformats.org/presentationml/2006/main">
+  <p:cSld>
+    <p:spTree>
+      <p:nvGrpSpPr>
+        <p:cNvPr id="1" name=""/>
+        <p:cNvGrpSpPr/>
+        <p:nvPr/>
+      </p:nvGrpSpPr>
+      <p:grpSpPr>
+        <a:xfrm>
+          <a:off x="0" y="0"/>
+          <a:ext cx="0" cy="0"/>
+          <a:chOff x="0" y="0"/>
+          <a:chExt cx="0" cy="0"/>
+        </a:xfrm>
+      </p:grpSpPr>
+      <p:sp>
+        <p:nvSpPr>
+          <p:cNvPr id="2" name="Title 1"/>
+          <p:cNvSpPr>
+            <a:spLocks noGrp="1"/>
+          </p:cNvSpPr>
+          <p:nvPr>
+            <p:ph type="title"/>
+          </p:nvPr>
+        </p:nvSpPr>
+        <p:spPr/>
+        <p:txBody>
+          <a:bodyPr>
+            <a:normAutofit/>
+          </a:bodyPr>
+          <a:lstStyle/>
+          <a:p>
+            <a:r>
+              <a:rPr lang="en-US" sz="3200" b="1" u="sng" dirty="0" err="1" smtClean="0"/>
+              <a:t>AnTuTu</a:t>
+            </a:r>
+            <a:r>
+              <a:rPr lang="en-US" sz="3200" b="1" u="sng" dirty="0" smtClean="0"/>
+              <a:t> Benchmark  VS Quadrant</a:t>
+            </a:r>
+            <a:endParaRPr lang="en-US" sz="3200" dirty="0"/>
+          </a:p>
+        </p:txBody>
+      </p:sp>
+      <p:sp>
+        <p:nvSpPr>
+          <p:cNvPr id="3" name="Content Placeholder 2"/>
+          <p:cNvSpPr>
+            <a:spLocks noGrp="1"/>
+          </p:cNvSpPr>
+          <p:nvPr>
+            <p:ph idx="1"/>
+          </p:nvPr>
+        </p:nvSpPr>
+        <p:spPr/>
+        <p:txBody>
+          <a:bodyPr>
+            <a:normAutofit lnSpcReduction="10000"/>
+          </a:bodyPr>
+          <a:lstStyle/>
+          <a:p>
+            <a:r>
+              <a:rPr lang="en-US" sz="2400" dirty="0" smtClean="0"/>
+              <a:t>Quadrant is a popular android application similar to </a:t>
+            </a:r>
+            <a:r>
+              <a:rPr lang="en-US" sz="2400" dirty="0" err="1" smtClean="0"/>
+              <a:t>AnTuTu</a:t>
+            </a:r>
+            <a:r>
+              <a:rPr lang="en-US" sz="2400" dirty="0" smtClean="0"/>
+              <a:t> Benchmark, it also performs </a:t>
+            </a:r>
+            <a:r>
+              <a:rPr lang="en-US" sz="2400" dirty="0"/>
+              <a:t>tests on CPU, Memory, I/O and 2D and 3D graphics performance </a:t>
+            </a:r>
+          </a:p>
+          <a:p>
+            <a:pPr marL="0" indent="0">
+              <a:buNone/>
+            </a:pPr>
+            <a:endParaRPr lang="en-US" sz="2400" dirty="0" smtClean="0"/>
+          </a:p>
+          <a:p>
+            <a:r>
+              <a:rPr lang="en-US" sz="2400" dirty="0" err="1" smtClean="0"/>
+              <a:t>AnTuTu</a:t>
+            </a:r>
+            <a:r>
+              <a:rPr lang="en-US" sz="2400" dirty="0" smtClean="0"/>
+              <a:t> Benchmark allows both full benchmark test and custom benchmark test, that is user can choose to test on certain parts of the device. </a:t>
+            </a:r>
+          </a:p>
+          <a:p>
+            <a:endParaRPr lang="en-US" sz="2400" dirty="0" smtClean="0"/>
+          </a:p>
+          <a:p>
+            <a:r>
+              <a:rPr lang="en-US" sz="2400" dirty="0" smtClean="0"/>
+              <a:t>Quadrant  </a:t>
+            </a:r>
+            <a:r>
+              <a:rPr lang="en-US" sz="2400" dirty="0"/>
+              <a:t>Standard Edition only allows full benchmark test,   custom test is only </a:t>
+            </a:r>
+            <a:r>
+              <a:rPr lang="en-US" sz="2400" dirty="0" err="1" smtClean="0"/>
+              <a:t>avaiable</a:t>
+            </a:r>
+            <a:r>
+              <a:rPr lang="en-US" sz="2400" dirty="0" smtClean="0"/>
+              <a:t> in </a:t>
+            </a:r>
+            <a:r>
+              <a:rPr lang="en-US" sz="2400" dirty="0"/>
+              <a:t>the </a:t>
+            </a:r>
+            <a:r>
+              <a:rPr lang="en-US" sz="2400" dirty="0" smtClean="0"/>
+              <a:t>advanced edition</a:t>
+            </a:r>
+            <a:endParaRPr lang="en-US" sz="2400" dirty="0"/>
+          </a:p>
+          <a:p>
+            <a:pPr marL="0" indent="0">
+              <a:buNone/>
+            </a:pPr>
+            <a:endParaRPr lang="en-US" sz="2400" dirty="0"/>
+          </a:p>
+          <a:p>
+            <a:r>
+              <a:rPr lang="en-US" sz="2400" dirty="0" err="1"/>
+              <a:t>AnTuTu</a:t>
+            </a:r>
+            <a:r>
+              <a:rPr lang="en-US" sz="2400" dirty="0"/>
+              <a:t> can finish the full benchmark test within 5 </a:t>
+            </a:r>
+            <a:r>
+              <a:rPr lang="en-US" sz="2400" dirty="0" smtClean="0"/>
+              <a:t>minutes</a:t>
+            </a:r>
+          </a:p>
+        </p:txBody>
+      </p:sp>
+    </p:spTree>
+    <p:extLst>
+      <p:ext uri="{BB962C8B-B14F-4D97-AF65-F5344CB8AC3E}">
+        <p14:creationId xmlns:p14="http://schemas.microsoft.com/office/powerpoint/2010/main" val="1445709920"/>
+      </p:ext>
+    </p:extLst>
+  </p:cSld>
+  <p:clrMapOvr>
+    <a:masterClrMapping/>
+  </p:clrMapOvr>
+  <p:timing>
+    <p:tnLst>
+      <p:par>
+        <p:cTn id="1" dur="indefinite" restart="never" nodeType="tmRoot"/>
+      </p:par>
+    </p:tnLst>
+  </p:timing>
+</p:sld>
+</file>
+
+<file path=ppt/slides/slide6.xml><?xml version="1.0" encoding="utf-8"?>
+<p:sld xmlns:a="http://schemas.openxmlformats.org/drawingml/2006/main" xmlns:r="http://schemas.openxmlformats.org/officeDocument/2006/relationships" xmlns:p="http://schemas.openxmlformats.org/presentationml/2006/main">
+  <p:cSld>
+    <p:spTree>
+      <p:nvGrpSpPr>
+        <p:cNvPr id="1" name=""/>
+        <p:cNvGrpSpPr/>
+        <p:nvPr/>
+      </p:nvGrpSpPr>
+      <p:grpSpPr>
+        <a:xfrm>
+          <a:off x="0" y="0"/>
+          <a:ext cx="0" cy="0"/>
+          <a:chOff x="0" y="0"/>
+          <a:chExt cx="0" cy="0"/>
+        </a:xfrm>
+      </p:grpSpPr>
+      <p:sp>
+        <p:nvSpPr>
+          <p:cNvPr id="2" name="Title 1"/>
+          <p:cNvSpPr>
+            <a:spLocks noGrp="1"/>
+          </p:cNvSpPr>
+          <p:nvPr>
+            <p:ph type="title"/>
+          </p:nvPr>
+        </p:nvSpPr>
+        <p:spPr>
+          <a:xfrm>
+            <a:off x="152400" y="152400"/>
+            <a:ext cx="8229600" cy="1143000"/>
+          </a:xfrm>
+        </p:spPr>
+        <p:txBody>
+          <a:bodyPr>
+            <a:normAutofit/>
+          </a:bodyPr>
+          <a:lstStyle/>
+          <a:p>
+            <a:pPr lvl="0"/>
+            <a:r>
+              <a:rPr lang="en-US" b="1" u="sng" dirty="0" smtClean="0"/>
+              <a:t>2. </a:t>
+            </a:r>
+            <a:r>
+              <a:rPr lang="en-US" b="1" u="sng" dirty="0" err="1" smtClean="0"/>
+              <a:t>Vellamo</a:t>
+            </a:r>
+            <a:r>
+              <a:rPr lang="en-US" b="1" u="sng" dirty="0" smtClean="0"/>
+              <a:t> </a:t>
+            </a:r>
+            <a:r>
+              <a:rPr lang="en-US" b="1" u="sng" dirty="0"/>
+              <a:t>Mobile Web </a:t>
+            </a:r>
+            <a:r>
+              <a:rPr lang="en-US" b="1" u="sng" dirty="0" smtClean="0"/>
+              <a:t>Benchmark</a:t>
+            </a:r>
+            <a:endParaRPr lang="en-US" dirty="0"/>
+          </a:p>
+        </p:txBody>
+      </p:sp>
+      <p:sp>
+        <p:nvSpPr>
+          <p:cNvPr id="3" name="Content Placeholder 2"/>
+          <p:cNvSpPr>
+            <a:spLocks noGrp="1"/>
+          </p:cNvSpPr>
+          <p:nvPr>
+            <p:ph idx="1"/>
+          </p:nvPr>
+        </p:nvSpPr>
+        <p:spPr>
+          <a:xfrm>
+            <a:off x="457200" y="1200150"/>
+            <a:ext cx="5334000" cy="5257800"/>
+          </a:xfrm>
+        </p:spPr>
+        <p:txBody>
+          <a:bodyPr>
+            <a:normAutofit lnSpcReduction="10000"/>
+          </a:bodyPr>
+          <a:lstStyle/>
+          <a:p>
+            <a:r>
+              <a:rPr lang="en-US" sz="2000" dirty="0"/>
+              <a:t>Measures the following things</a:t>
+            </a:r>
+          </a:p>
+          <a:p>
+            <a:pPr lvl="1"/>
+            <a:r>
+              <a:rPr lang="en-US" sz="1600" dirty="0"/>
+              <a:t>the browser’s use of the HTML5 display processing subsystem</a:t>
+            </a:r>
+          </a:p>
+          <a:p>
+            <a:pPr lvl="1"/>
+            <a:r>
+              <a:rPr lang="en-US" sz="1600" dirty="0"/>
+              <a:t>overall speed and efficiency of the JavaScript virtual machine</a:t>
+            </a:r>
+          </a:p>
+          <a:p>
+            <a:pPr lvl="1"/>
+            <a:r>
+              <a:rPr lang="en-US" sz="1600" dirty="0"/>
+              <a:t>the efficiency between this engine and the core browser</a:t>
+            </a:r>
+          </a:p>
+          <a:p>
+            <a:pPr lvl="1"/>
+            <a:r>
+              <a:rPr lang="en-US" sz="1600" dirty="0"/>
+              <a:t>responsiveness of panning, zooming, and scrolling of text, images, and standard web page objects</a:t>
+            </a:r>
+          </a:p>
+          <a:p>
+            <a:pPr lvl="1"/>
+            <a:r>
+              <a:rPr lang="en-US" sz="1600" dirty="0"/>
+              <a:t>the performance of the browser’s HTTP and IP networking </a:t>
+            </a:r>
+            <a:r>
+              <a:rPr lang="en-US" sz="1600" dirty="0" smtClean="0"/>
+              <a:t>stack</a:t>
+            </a:r>
+          </a:p>
+          <a:p>
+            <a:pPr marL="342900" lvl="1" indent="-342900">
+              <a:buFont typeface="Arial" pitchFamily="34" charset="0"/>
+              <a:buChar char="•"/>
+            </a:pPr>
+            <a:r>
+              <a:rPr lang="en-US" sz="2000" dirty="0"/>
+              <a:t>Can be used to benchmark different android device if the same browser is being used on </a:t>
+            </a:r>
+            <a:r>
+              <a:rPr lang="en-US" sz="2000" dirty="0" smtClean="0"/>
+              <a:t>each</a:t>
+            </a:r>
+            <a:endParaRPr lang="en-US" sz="1800" dirty="0" smtClean="0"/>
+          </a:p>
+          <a:p>
+            <a:pPr marL="342900" lvl="1" indent="-342900">
+              <a:buFont typeface="Arial" pitchFamily="34" charset="0"/>
+              <a:buChar char="•"/>
+            </a:pPr>
+            <a:r>
+              <a:rPr lang="en-US" sz="2000" dirty="0"/>
+              <a:t>Reasons for choosing this </a:t>
+            </a:r>
+            <a:r>
+              <a:rPr lang="en-US" sz="2000" dirty="0" smtClean="0"/>
+              <a:t>application instead of other browser benchmark:</a:t>
+            </a:r>
+            <a:endParaRPr lang="en-US" sz="2000" dirty="0"/>
+          </a:p>
+          <a:p>
+            <a:pPr lvl="1"/>
+            <a:r>
+              <a:rPr lang="en-US" sz="1600" dirty="0"/>
+              <a:t>High user rating </a:t>
+            </a:r>
+            <a:r>
+              <a:rPr lang="en-US" sz="1600" dirty="0" smtClean="0"/>
+              <a:t>in </a:t>
+            </a:r>
+            <a:r>
+              <a:rPr lang="en-US" sz="1600" dirty="0" err="1" smtClean="0"/>
+              <a:t>google</a:t>
+            </a:r>
+            <a:r>
+              <a:rPr lang="en-US" sz="1600" dirty="0" smtClean="0"/>
+              <a:t> </a:t>
+            </a:r>
+            <a:r>
+              <a:rPr lang="en-US" sz="1600" dirty="0"/>
+              <a:t>play </a:t>
+            </a:r>
+            <a:r>
+              <a:rPr lang="en-US" sz="1600" dirty="0" smtClean="0"/>
+              <a:t>store </a:t>
+            </a:r>
+          </a:p>
+          <a:p>
+            <a:pPr marL="400050" lvl="1" indent="0">
+              <a:buNone/>
+            </a:pPr>
+            <a:r>
+              <a:rPr lang="en-US" sz="1600" dirty="0"/>
+              <a:t> </a:t>
+            </a:r>
+            <a:r>
+              <a:rPr lang="en-US" sz="1200" dirty="0" smtClean="0"/>
+              <a:t>      (average rating : 4.3 / 5)</a:t>
+            </a:r>
+          </a:p>
+        </p:txBody>
+      </p:sp>
+      <p:pic>
+        <p:nvPicPr>
+          <p:cNvPr id="4" name="Picture 3"/>
+          <p:cNvPicPr>
+            <a:picLocks noChangeAspect="1"/>
+          </p:cNvPicPr>
+          <p:nvPr/>
+        </p:nvPicPr>
+        <p:blipFill>
+          <a:blip r:embed="rId3">
+            <a:extLst>
+              <a:ext uri="{28A0092B-C50C-407E-A947-70E740481C1C}">
+                <a14:useLocalDpi xmlns:a14="http://schemas.microsoft.com/office/drawing/2010/main" val="0"/>
+              </a:ext>
+            </a:extLst>
+          </a:blip>
+          <a:stretch>
+            <a:fillRect/>
+          </a:stretch>
+        </p:blipFill>
+        <p:spPr>
+          <a:xfrm>
+            <a:off x="5943600" y="1447800"/>
+            <a:ext cx="2924175" cy="4876800"/>
+          </a:xfrm>
+          <a:prstGeom prst="rect">
+            <a:avLst/>
+          </a:prstGeom>
+        </p:spPr>
+      </p:pic>
+      <p:pic>
+        <p:nvPicPr>
+          <p:cNvPr id="5" name="Picture 4"/>
+          <p:cNvPicPr>
+            <a:picLocks noChangeAspect="1"/>
+          </p:cNvPicPr>
+          <p:nvPr/>
+        </p:nvPicPr>
+        <p:blipFill>
+          <a:blip r:embed="rId4">
+            <a:extLst>
+              <a:ext uri="{28A0092B-C50C-407E-A947-70E740481C1C}">
+                <a14:useLocalDpi xmlns:a14="http://schemas.microsoft.com/office/drawing/2010/main" val="0"/>
+              </a:ext>
+            </a:extLst>
+          </a:blip>
+          <a:stretch>
+            <a:fillRect/>
+          </a:stretch>
+        </p:blipFill>
+        <p:spPr>
+          <a:xfrm>
+            <a:off x="7497907" y="371475"/>
+            <a:ext cx="742950" cy="742950"/>
+          </a:xfrm>
+          <a:prstGeom prst="rect">
+            <a:avLst/>
+          </a:prstGeom>
+        </p:spPr>
+      </p:pic>
+    </p:spTree>
+    <p:extLst>
+      <p:ext uri="{BB962C8B-B14F-4D97-AF65-F5344CB8AC3E}">
+        <p14:creationId xmlns:p14="http://schemas.microsoft.com/office/powerpoint/2010/main" val="685361917"/>
+      </p:ext>
+    </p:extLst>
+  </p:cSld>
+  <p:clrMapOvr>
+    <a:masterClrMapping/>
+  </p:clrMapOvr>
+  <p:timing>
+    <p:tnLst>
+      <p:par>
+        <p:cTn id="1" dur="indefinite" restart="never" nodeType="tmRoot"/>
+      </p:par>
+    </p:tnLst>
+  </p:timing>
+</p:sld>
+</file>
+
+<file path=ppt/slides/slide7.xml><?xml version="1.0" encoding="utf-8"?>
+<p:sld xmlns:a="http://schemas.openxmlformats.org/drawingml/2006/main" xmlns:r="http://schemas.openxmlformats.org/officeDocument/2006/relationships" xmlns:p="http://schemas.openxmlformats.org/presentationml/2006/main">
+  <p:cSld>
+    <p:spTree>
+      <p:nvGrpSpPr>
+        <p:cNvPr id="1" name=""/>
+        <p:cNvGrpSpPr/>
+        <p:nvPr/>
+      </p:nvGrpSpPr>
+      <p:grpSpPr>
+        <a:xfrm>
+          <a:off x="0" y="0"/>
+          <a:ext cx="0" cy="0"/>
+          <a:chOff x="0" y="0"/>
+          <a:chExt cx="0" cy="0"/>
+        </a:xfrm>
+      </p:grpSpPr>
+      <p:sp>
+        <p:nvSpPr>
+          <p:cNvPr id="2" name="Title 1"/>
+          <p:cNvSpPr>
+            <a:spLocks noGrp="1"/>
+          </p:cNvSpPr>
+          <p:nvPr>
+            <p:ph type="title"/>
+          </p:nvPr>
+        </p:nvSpPr>
+        <p:spPr/>
+        <p:txBody>
+          <a:bodyPr/>
+          <a:lstStyle/>
+          <a:p>
+            <a:r>
+              <a:rPr lang="en-US" b="1" u="sng" dirty="0" smtClean="0"/>
+              <a:t>3. </a:t>
+            </a:r>
+            <a:r>
+              <a:rPr lang="en-US" b="1" u="sng" dirty="0" err="1" smtClean="0"/>
+              <a:t>GlBenchmark</a:t>
+            </a:r>
+            <a:endParaRPr lang="en-US" dirty="0"/>
+          </a:p>
+        </p:txBody>
+      </p:sp>
+      <p:sp>
+        <p:nvSpPr>
+          <p:cNvPr id="4" name="Content Placeholder 3"/>
+          <p:cNvSpPr>
+            <a:spLocks noGrp="1"/>
+          </p:cNvSpPr>
+          <p:nvPr>
+            <p:ph sz="half" idx="1"/>
           </p:nvPr>
         </p:nvSpPr>
         <p:spPr/>
@@ -8398,6 +9957,257 @@
           <a:lstStyle/>
           <a:p>
             <a:r>
+              <a:rPr lang="en-US" dirty="0"/>
+              <a:t>gives more accurate 3D Graphics Performance measurement, it contains testing with high level 3D animation</a:t>
+            </a:r>
+            <a:r>
+              <a:rPr lang="en-US" dirty="0" smtClean="0"/>
+              <a:t>.</a:t>
+            </a:r>
+            <a:endParaRPr lang="en-US" dirty="0"/>
+          </a:p>
+          <a:p>
+            <a:r>
+              <a:rPr lang="en-US" dirty="0" smtClean="0"/>
+              <a:t>Reasons for choosing this application:</a:t>
+            </a:r>
+          </a:p>
+          <a:p>
+            <a:pPr lvl="1"/>
+            <a:r>
+              <a:rPr lang="en-US" dirty="0"/>
+              <a:t>Contains many </a:t>
+            </a:r>
+            <a:r>
+              <a:rPr lang="en-US" dirty="0" smtClean="0"/>
+              <a:t>different</a:t>
+            </a:r>
+            <a:r>
+              <a:rPr lang="en-US" baseline="0" dirty="0" smtClean="0"/>
+              <a:t> </a:t>
+            </a:r>
+            <a:r>
+              <a:rPr lang="en-US" dirty="0" smtClean="0"/>
+              <a:t>performance </a:t>
+            </a:r>
+            <a:r>
+              <a:rPr lang="en-US" dirty="0"/>
+              <a:t>tests on </a:t>
+            </a:r>
+            <a:r>
+              <a:rPr lang="en-US" dirty="0" smtClean="0"/>
+              <a:t>graphic  </a:t>
+            </a:r>
+            <a:r>
+              <a:rPr lang="en-US" dirty="0"/>
+              <a:t>(33 different tests)</a:t>
+            </a:r>
+          </a:p>
+          <a:p>
+            <a:pPr lvl="1"/>
+            <a:r>
+              <a:rPr lang="en-US" dirty="0"/>
+              <a:t>Flexible selection of </a:t>
+            </a:r>
+            <a:r>
+              <a:rPr lang="en-US" dirty="0" smtClean="0"/>
+              <a:t>test</a:t>
+            </a:r>
+            <a:endParaRPr lang="en-US" dirty="0"/>
+          </a:p>
+        </p:txBody>
+      </p:sp>
+      <p:sp>
+        <p:nvSpPr>
+          <p:cNvPr id="5" name="Content Placeholder 4"/>
+          <p:cNvSpPr>
+            <a:spLocks noGrp="1"/>
+          </p:cNvSpPr>
+          <p:nvPr>
+            <p:ph sz="half" idx="2"/>
+          </p:nvPr>
+        </p:nvSpPr>
+        <p:spPr/>
+        <p:txBody>
+          <a:bodyPr>
+            <a:normAutofit fontScale="92500"/>
+          </a:bodyPr>
+          <a:lstStyle/>
+          <a:p>
+            <a:endParaRPr lang="en-US" dirty="0"/>
+          </a:p>
+        </p:txBody>
+      </p:sp>
+      <p:pic>
+        <p:nvPicPr>
+          <p:cNvPr id="6" name="Picture 5"/>
+          <p:cNvPicPr>
+            <a:picLocks noChangeAspect="1"/>
+          </p:cNvPicPr>
+          <p:nvPr/>
+        </p:nvPicPr>
+        <p:blipFill>
+          <a:blip r:embed="rId2">
+            <a:extLst>
+              <a:ext uri="{28A0092B-C50C-407E-A947-70E740481C1C}">
+                <a14:useLocalDpi xmlns:a14="http://schemas.microsoft.com/office/drawing/2010/main" val="0"/>
+              </a:ext>
+            </a:extLst>
+          </a:blip>
+          <a:stretch>
+            <a:fillRect/>
+          </a:stretch>
+        </p:blipFill>
+        <p:spPr>
+          <a:xfrm>
+            <a:off x="6410325" y="533400"/>
+            <a:ext cx="742950" cy="742950"/>
+          </a:xfrm>
+          <a:prstGeom prst="rect">
+            <a:avLst/>
+          </a:prstGeom>
+        </p:spPr>
+      </p:pic>
+      <p:pic>
+        <p:nvPicPr>
+          <p:cNvPr id="10" name="Picture 9"/>
+          <p:cNvPicPr>
+            <a:picLocks noChangeAspect="1"/>
+          </p:cNvPicPr>
+          <p:nvPr/>
+        </p:nvPicPr>
+        <p:blipFill>
+          <a:blip r:embed="rId3">
+            <a:extLst>
+              <a:ext uri="{28A0092B-C50C-407E-A947-70E740481C1C}">
+                <a14:useLocalDpi xmlns:a14="http://schemas.microsoft.com/office/drawing/2010/main" val="0"/>
+              </a:ext>
+            </a:extLst>
+          </a:blip>
+          <a:stretch>
+            <a:fillRect/>
+          </a:stretch>
+        </p:blipFill>
+        <p:spPr>
+          <a:xfrm>
+            <a:off x="4479050" y="2093348"/>
+            <a:ext cx="2113172" cy="3338518"/>
+          </a:xfrm>
+          <a:prstGeom prst="rect">
+            <a:avLst/>
+          </a:prstGeom>
+        </p:spPr>
+      </p:pic>
+      <p:pic>
+        <p:nvPicPr>
+          <p:cNvPr id="11" name="Picture 10"/>
+          <p:cNvPicPr>
+            <a:picLocks noChangeAspect="1"/>
+          </p:cNvPicPr>
+          <p:nvPr/>
+        </p:nvPicPr>
+        <p:blipFill>
+          <a:blip r:embed="rId4">
+            <a:extLst>
+              <a:ext uri="{28A0092B-C50C-407E-A947-70E740481C1C}">
+                <a14:useLocalDpi xmlns:a14="http://schemas.microsoft.com/office/drawing/2010/main" val="0"/>
+              </a:ext>
+            </a:extLst>
+          </a:blip>
+          <a:stretch>
+            <a:fillRect/>
+          </a:stretch>
+        </p:blipFill>
+        <p:spPr>
+          <a:xfrm>
+            <a:off x="6781799" y="2093347"/>
+            <a:ext cx="2057401" cy="3338519"/>
+          </a:xfrm>
+          <a:prstGeom prst="rect">
+            <a:avLst/>
+          </a:prstGeom>
+        </p:spPr>
+      </p:pic>
+    </p:spTree>
+    <p:extLst>
+      <p:ext uri="{BB962C8B-B14F-4D97-AF65-F5344CB8AC3E}">
+        <p14:creationId xmlns:p14="http://schemas.microsoft.com/office/powerpoint/2010/main" val="14829009"/>
+      </p:ext>
+    </p:extLst>
+  </p:cSld>
+  <p:clrMapOvr>
+    <a:masterClrMapping/>
+  </p:clrMapOvr>
+  <p:timing>
+    <p:tnLst>
+      <p:par>
+        <p:cTn id="1" dur="indefinite" restart="never" nodeType="tmRoot"/>
+      </p:par>
+    </p:tnLst>
+  </p:timing>
+</p:sld>
+</file>
+
+<file path=ppt/slides/slide8.xml><?xml version="1.0" encoding="utf-8"?>
+<p:sld xmlns:a="http://schemas.openxmlformats.org/drawingml/2006/main" xmlns:r="http://schemas.openxmlformats.org/officeDocument/2006/relationships" xmlns:p="http://schemas.openxmlformats.org/presentationml/2006/main">
+  <p:cSld>
+    <p:spTree>
+      <p:nvGrpSpPr>
+        <p:cNvPr id="1" name=""/>
+        <p:cNvGrpSpPr/>
+        <p:nvPr/>
+      </p:nvGrpSpPr>
+      <p:grpSpPr>
+        <a:xfrm>
+          <a:off x="0" y="0"/>
+          <a:ext cx="0" cy="0"/>
+          <a:chOff x="0" y="0"/>
+          <a:chExt cx="0" cy="0"/>
+        </a:xfrm>
+      </p:grpSpPr>
+      <p:sp>
+        <p:nvSpPr>
+          <p:cNvPr id="2" name="Title 1"/>
+          <p:cNvSpPr>
+            <a:spLocks noGrp="1"/>
+          </p:cNvSpPr>
+          <p:nvPr>
+            <p:ph type="title"/>
+          </p:nvPr>
+        </p:nvSpPr>
+        <p:spPr/>
+        <p:txBody>
+          <a:bodyPr>
+            <a:normAutofit/>
+          </a:bodyPr>
+          <a:lstStyle/>
+          <a:p>
+            <a:r>
+              <a:rPr lang="en-US" u="sng" dirty="0" smtClean="0"/>
+              <a:t>Compound index is recommended</a:t>
+            </a:r>
+            <a:endParaRPr lang="en-US" u="sng" dirty="0"/>
+          </a:p>
+        </p:txBody>
+      </p:sp>
+      <p:sp>
+        <p:nvSpPr>
+          <p:cNvPr id="3" name="Content Placeholder 2"/>
+          <p:cNvSpPr>
+            <a:spLocks noGrp="1"/>
+          </p:cNvSpPr>
+          <p:nvPr>
+            <p:ph idx="1"/>
+          </p:nvPr>
+        </p:nvSpPr>
+        <p:spPr/>
+        <p:txBody>
+          <a:bodyPr>
+            <a:normAutofit fontScale="92500"/>
+          </a:bodyPr>
+          <a:lstStyle/>
+          <a:p>
+            <a:r>
               <a:rPr lang="en-US" sz="3000" dirty="0" smtClean="0"/>
               <a:t>To rank devices using the above applications mentioned, we calculate the overall score for the devices using the following formula</a:t>
             </a:r>
@@ -8426,11 +10236,7 @@
             </a:r>
             <a:r>
               <a:rPr lang="en-US" sz="2600" b="1" dirty="0" smtClean="0"/>
-              <a:t> </a:t>
-            </a:r>
-            <a:r>
-              <a:rPr lang="en-US" sz="2600" b="1" dirty="0" smtClean="0"/>
-              <a:t>Benchmark * 80 %  +     </a:t>
+              <a:t> Benchmark * 80 %  +     </a:t>
             </a:r>
           </a:p>
           <a:p>
@@ -8504,7 +10310,7 @@
 </p:sld>
 </file>
 
-<file path=ppt/slides/slide17.xml><?xml version="1.0" encoding="utf-8"?>
+<file path=ppt/slides/slide9.xml><?xml version="1.0" encoding="utf-8"?>
 <p:sld xmlns:a="http://schemas.openxmlformats.org/drawingml/2006/main" xmlns:r="http://schemas.openxmlformats.org/officeDocument/2006/relationships" xmlns:p="http://schemas.openxmlformats.org/presentationml/2006/main">
   <p:cSld>
     <p:spTree>
@@ -9703,1736 +11509,6 @@
     <p:extLst>
       <p:ext uri="{BB962C8B-B14F-4D97-AF65-F5344CB8AC3E}">
         <p14:creationId xmlns:p14="http://schemas.microsoft.com/office/powerpoint/2010/main" val="3864081334"/>
-      </p:ext>
-    </p:extLst>
-  </p:cSld>
-  <p:clrMapOvr>
-    <a:masterClrMapping/>
-  </p:clrMapOvr>
-  <p:timing>
-    <p:tnLst>
-      <p:par>
-        <p:cTn id="1" dur="indefinite" restart="never" nodeType="tmRoot"/>
-      </p:par>
-    </p:tnLst>
-  </p:timing>
-</p:sld>
-</file>
-
-<file path=ppt/slides/slide2.xml><?xml version="1.0" encoding="utf-8"?>
-<p:sld xmlns:a="http://schemas.openxmlformats.org/drawingml/2006/main" xmlns:r="http://schemas.openxmlformats.org/officeDocument/2006/relationships" xmlns:p="http://schemas.openxmlformats.org/presentationml/2006/main">
-  <p:cSld>
-    <p:spTree>
-      <p:nvGrpSpPr>
-        <p:cNvPr id="1" name=""/>
-        <p:cNvGrpSpPr/>
-        <p:nvPr/>
-      </p:nvGrpSpPr>
-      <p:grpSpPr>
-        <a:xfrm>
-          <a:off x="0" y="0"/>
-          <a:ext cx="0" cy="0"/>
-          <a:chOff x="0" y="0"/>
-          <a:chExt cx="0" cy="0"/>
-        </a:xfrm>
-      </p:grpSpPr>
-      <p:sp>
-        <p:nvSpPr>
-          <p:cNvPr id="2" name="Title 1"/>
-          <p:cNvSpPr>
-            <a:spLocks noGrp="1"/>
-          </p:cNvSpPr>
-          <p:nvPr>
-            <p:ph type="title"/>
-          </p:nvPr>
-        </p:nvSpPr>
-        <p:spPr/>
-        <p:txBody>
-          <a:bodyPr>
-            <a:normAutofit/>
-          </a:bodyPr>
-          <a:lstStyle/>
-          <a:p>
-            <a:r>
-              <a:rPr lang="en-US" sz="4400" dirty="0" smtClean="0"/>
-              <a:t>List of Apps for benchmarking</a:t>
-            </a:r>
-            <a:endParaRPr lang="en-US" sz="4400" dirty="0"/>
-          </a:p>
-        </p:txBody>
-      </p:sp>
-      <p:sp>
-        <p:nvSpPr>
-          <p:cNvPr id="3" name="Content Placeholder 2"/>
-          <p:cNvSpPr>
-            <a:spLocks noGrp="1"/>
-          </p:cNvSpPr>
-          <p:nvPr>
-            <p:ph idx="1"/>
-          </p:nvPr>
-        </p:nvSpPr>
-        <p:spPr>
-          <a:xfrm>
-            <a:off x="457200" y="1371600"/>
-            <a:ext cx="8229600" cy="5257800"/>
-          </a:xfrm>
-        </p:spPr>
-        <p:txBody>
-          <a:bodyPr>
-            <a:normAutofit fontScale="92500" lnSpcReduction="20000"/>
-          </a:bodyPr>
-          <a:lstStyle/>
-          <a:p>
-            <a:pPr marL="514350" lvl="0" indent="-514350">
-              <a:buFont typeface="+mj-lt"/>
-              <a:buAutoNum type="arabicPeriod"/>
-            </a:pPr>
-            <a:r>
-              <a:rPr lang="en-US" dirty="0" err="1" smtClean="0"/>
-              <a:t>AnTuTu</a:t>
-            </a:r>
-            <a:r>
-              <a:rPr lang="en-US" dirty="0" smtClean="0"/>
-              <a:t> Benchmark</a:t>
-            </a:r>
-          </a:p>
-          <a:p>
-            <a:pPr marL="514350" lvl="0" indent="-514350">
-              <a:buFont typeface="+mj-lt"/>
-              <a:buAutoNum type="arabicPeriod"/>
-            </a:pPr>
-            <a:r>
-              <a:rPr lang="en-US" dirty="0" smtClean="0"/>
-              <a:t>Quadrant Standard Edition</a:t>
-            </a:r>
-          </a:p>
-          <a:p>
-            <a:pPr marL="514350" lvl="0" indent="-514350">
-              <a:buFont typeface="+mj-lt"/>
-              <a:buAutoNum type="arabicPeriod"/>
-            </a:pPr>
-            <a:r>
-              <a:rPr lang="en-US" dirty="0" err="1" smtClean="0"/>
-              <a:t>Vellamo</a:t>
-            </a:r>
-            <a:r>
-              <a:rPr lang="en-US" dirty="0" smtClean="0"/>
-              <a:t> Mobile Web Benchmark</a:t>
-            </a:r>
-          </a:p>
-          <a:p>
-            <a:pPr marL="514350" indent="-514350">
-              <a:buFont typeface="+mj-lt"/>
-              <a:buAutoNum type="arabicPeriod"/>
-            </a:pPr>
-            <a:r>
-              <a:rPr lang="en-US" dirty="0" err="1" smtClean="0"/>
-              <a:t>GlBenchmark</a:t>
-            </a:r>
-            <a:endParaRPr lang="en-US" dirty="0" smtClean="0"/>
-          </a:p>
-          <a:p>
-            <a:pPr marL="514350" indent="-514350">
-              <a:buFont typeface="+mj-lt"/>
-              <a:buAutoNum type="arabicPeriod"/>
-            </a:pPr>
-            <a:r>
-              <a:rPr lang="en-US" dirty="0" smtClean="0"/>
-              <a:t>SD Tool</a:t>
-            </a:r>
-          </a:p>
-          <a:p>
-            <a:pPr marL="514350" indent="-514350">
-              <a:buFont typeface="+mj-lt"/>
-              <a:buAutoNum type="arabicPeriod"/>
-            </a:pPr>
-            <a:r>
-              <a:rPr lang="en-US" dirty="0" smtClean="0"/>
-              <a:t>CF-Bench</a:t>
-            </a:r>
-          </a:p>
-          <a:p>
-            <a:pPr marL="514350" indent="-514350">
-              <a:buFont typeface="+mj-lt"/>
-              <a:buAutoNum type="arabicPeriod"/>
-            </a:pPr>
-            <a:r>
-              <a:rPr lang="en-US" dirty="0" err="1" smtClean="0"/>
-              <a:t>Linpack</a:t>
-            </a:r>
-            <a:r>
-              <a:rPr lang="en-US" dirty="0" smtClean="0"/>
-              <a:t> for Android</a:t>
-            </a:r>
-          </a:p>
-          <a:p>
-            <a:pPr marL="514350" indent="-514350">
-              <a:buFont typeface="+mj-lt"/>
-              <a:buAutoNum type="arabicPeriod"/>
-            </a:pPr>
-            <a:r>
-              <a:rPr lang="en-US" dirty="0" smtClean="0"/>
-              <a:t>CPU Benchmark</a:t>
-            </a:r>
-          </a:p>
-          <a:p>
-            <a:pPr marL="514350" indent="-514350">
-              <a:buFont typeface="+mj-lt"/>
-              <a:buAutoNum type="arabicPeriod"/>
-            </a:pPr>
-            <a:r>
-              <a:rPr lang="en-US" dirty="0" err="1" smtClean="0"/>
-              <a:t>RealPi</a:t>
-            </a:r>
-            <a:endParaRPr lang="en-US" dirty="0" smtClean="0"/>
-          </a:p>
-          <a:p>
-            <a:pPr marL="514350" indent="-514350">
-              <a:buFont typeface="+mj-lt"/>
-              <a:buAutoNum type="arabicPeriod"/>
-            </a:pPr>
-            <a:r>
-              <a:rPr lang="en-US" dirty="0" smtClean="0"/>
-              <a:t>NenaMark2</a:t>
-            </a:r>
-          </a:p>
-          <a:p>
-            <a:pPr marL="514350" indent="-514350">
-              <a:buFont typeface="+mj-lt"/>
-              <a:buAutoNum type="arabicPeriod"/>
-            </a:pPr>
-            <a:r>
-              <a:rPr lang="en-US" dirty="0" err="1" smtClean="0"/>
-              <a:t>Neocore</a:t>
-            </a:r>
-            <a:endParaRPr lang="en-US" dirty="0" smtClean="0"/>
-          </a:p>
-        </p:txBody>
-      </p:sp>
-    </p:spTree>
-    <p:extLst>
-      <p:ext uri="{BB962C8B-B14F-4D97-AF65-F5344CB8AC3E}">
-        <p14:creationId xmlns:p14="http://schemas.microsoft.com/office/powerpoint/2010/main" val="3715149438"/>
-      </p:ext>
-    </p:extLst>
-  </p:cSld>
-  <p:clrMapOvr>
-    <a:masterClrMapping/>
-  </p:clrMapOvr>
-  <p:timing>
-    <p:tnLst>
-      <p:par>
-        <p:cTn id="1" dur="indefinite" restart="never" nodeType="tmRoot"/>
-      </p:par>
-    </p:tnLst>
-  </p:timing>
-</p:sld>
-</file>
-
-<file path=ppt/slides/slide3.xml><?xml version="1.0" encoding="utf-8"?>
-<p:sld xmlns:a="http://schemas.openxmlformats.org/drawingml/2006/main" xmlns:r="http://schemas.openxmlformats.org/officeDocument/2006/relationships" xmlns:p="http://schemas.openxmlformats.org/presentationml/2006/main">
-  <p:cSld>
-    <p:spTree>
-      <p:nvGrpSpPr>
-        <p:cNvPr id="1" name=""/>
-        <p:cNvGrpSpPr/>
-        <p:nvPr/>
-      </p:nvGrpSpPr>
-      <p:grpSpPr>
-        <a:xfrm>
-          <a:off x="0" y="0"/>
-          <a:ext cx="0" cy="0"/>
-          <a:chOff x="0" y="0"/>
-          <a:chExt cx="0" cy="0"/>
-        </a:xfrm>
-      </p:grpSpPr>
-      <p:sp>
-        <p:nvSpPr>
-          <p:cNvPr id="2" name="Title 1"/>
-          <p:cNvSpPr>
-            <a:spLocks noGrp="1"/>
-          </p:cNvSpPr>
-          <p:nvPr>
-            <p:ph type="title"/>
-          </p:nvPr>
-        </p:nvSpPr>
-        <p:spPr/>
-        <p:txBody>
-          <a:bodyPr/>
-          <a:lstStyle/>
-          <a:p>
-            <a:r>
-              <a:rPr lang="en-US" u="sng" dirty="0" smtClean="0"/>
-              <a:t>Proposed Apps</a:t>
-            </a:r>
-            <a:endParaRPr lang="en-US" u="sng" dirty="0"/>
-          </a:p>
-        </p:txBody>
-      </p:sp>
-      <p:sp>
-        <p:nvSpPr>
-          <p:cNvPr id="3" name="Content Placeholder 2"/>
-          <p:cNvSpPr>
-            <a:spLocks noGrp="1"/>
-          </p:cNvSpPr>
-          <p:nvPr>
-            <p:ph idx="1"/>
-          </p:nvPr>
-        </p:nvSpPr>
-        <p:spPr/>
-        <p:txBody>
-          <a:bodyPr/>
-          <a:lstStyle/>
-          <a:p>
-            <a:pPr marL="514350" lvl="0" indent="-514350">
-              <a:buFont typeface="+mj-lt"/>
-              <a:buAutoNum type="arabicPeriod"/>
-            </a:pPr>
-            <a:r>
-              <a:rPr lang="en-US" dirty="0" err="1"/>
-              <a:t>AnTuTu</a:t>
-            </a:r>
-            <a:r>
-              <a:rPr lang="en-US" dirty="0"/>
-              <a:t> Benchmark</a:t>
-            </a:r>
-          </a:p>
-          <a:p>
-            <a:pPr marL="514350" lvl="0" indent="-514350">
-              <a:buFont typeface="+mj-lt"/>
-              <a:buAutoNum type="arabicPeriod"/>
-            </a:pPr>
-            <a:r>
-              <a:rPr lang="en-US" dirty="0" err="1"/>
-              <a:t>Vellamo</a:t>
-            </a:r>
-            <a:r>
-              <a:rPr lang="en-US" dirty="0"/>
-              <a:t> Mobile Web Benchmark</a:t>
-            </a:r>
-          </a:p>
-          <a:p>
-            <a:pPr marL="0" indent="0">
-              <a:buNone/>
-            </a:pPr>
-            <a:r>
-              <a:rPr lang="en-US" dirty="0" smtClean="0"/>
-              <a:t>3. </a:t>
-            </a:r>
-            <a:r>
-              <a:rPr lang="en-US" dirty="0" err="1" smtClean="0"/>
-              <a:t>GlBenchmark</a:t>
-            </a:r>
-            <a:r>
-              <a:rPr lang="en-US" dirty="0" smtClean="0"/>
-              <a:t> (for additional information)</a:t>
-            </a:r>
-            <a:endParaRPr lang="en-US" dirty="0"/>
-          </a:p>
-        </p:txBody>
-      </p:sp>
-    </p:spTree>
-    <p:extLst>
-      <p:ext uri="{BB962C8B-B14F-4D97-AF65-F5344CB8AC3E}">
-        <p14:creationId xmlns:p14="http://schemas.microsoft.com/office/powerpoint/2010/main" val="4259909232"/>
-      </p:ext>
-    </p:extLst>
-  </p:cSld>
-  <p:clrMapOvr>
-    <a:masterClrMapping/>
-  </p:clrMapOvr>
-  <p:timing>
-    <p:tnLst>
-      <p:par>
-        <p:cTn id="1" dur="indefinite" restart="never" nodeType="tmRoot"/>
-      </p:par>
-    </p:tnLst>
-  </p:timing>
-</p:sld>
-</file>
-
-<file path=ppt/slides/slide4.xml><?xml version="1.0" encoding="utf-8"?>
-<p:sld xmlns:a="http://schemas.openxmlformats.org/drawingml/2006/main" xmlns:r="http://schemas.openxmlformats.org/officeDocument/2006/relationships" xmlns:p="http://schemas.openxmlformats.org/presentationml/2006/main">
-  <p:cSld>
-    <p:spTree>
-      <p:nvGrpSpPr>
-        <p:cNvPr id="1" name=""/>
-        <p:cNvGrpSpPr/>
-        <p:nvPr/>
-      </p:nvGrpSpPr>
-      <p:grpSpPr>
-        <a:xfrm>
-          <a:off x="0" y="0"/>
-          <a:ext cx="0" cy="0"/>
-          <a:chOff x="0" y="0"/>
-          <a:chExt cx="0" cy="0"/>
-        </a:xfrm>
-      </p:grpSpPr>
-      <p:sp>
-        <p:nvSpPr>
-          <p:cNvPr id="2" name="Title 1"/>
-          <p:cNvSpPr>
-            <a:spLocks noGrp="1"/>
-          </p:cNvSpPr>
-          <p:nvPr>
-            <p:ph type="title"/>
-          </p:nvPr>
-        </p:nvSpPr>
-        <p:spPr/>
-        <p:txBody>
-          <a:bodyPr>
-            <a:normAutofit/>
-          </a:bodyPr>
-          <a:lstStyle/>
-          <a:p>
-            <a:pPr lvl="0"/>
-            <a:r>
-              <a:rPr lang="en-US" b="1" u="sng" dirty="0" err="1"/>
-              <a:t>AnTuTu</a:t>
-            </a:r>
-            <a:r>
-              <a:rPr lang="en-US" b="1" u="sng" dirty="0"/>
-              <a:t> Benchmark </a:t>
-            </a:r>
-            <a:endParaRPr lang="en-US" dirty="0"/>
-          </a:p>
-        </p:txBody>
-      </p:sp>
-      <p:sp>
-        <p:nvSpPr>
-          <p:cNvPr id="3" name="Content Placeholder 2"/>
-          <p:cNvSpPr>
-            <a:spLocks noGrp="1"/>
-          </p:cNvSpPr>
-          <p:nvPr>
-            <p:ph sz="half" idx="1"/>
-          </p:nvPr>
-        </p:nvSpPr>
-        <p:spPr>
-          <a:xfrm>
-            <a:off x="457200" y="1600200"/>
-            <a:ext cx="4038600" cy="4525963"/>
-          </a:xfrm>
-        </p:spPr>
-        <p:txBody>
-          <a:bodyPr>
-            <a:normAutofit/>
-          </a:bodyPr>
-          <a:lstStyle/>
-          <a:p>
-            <a:r>
-              <a:rPr lang="en-US" sz="2400" dirty="0" smtClean="0"/>
-              <a:t>Runs </a:t>
-            </a:r>
-            <a:r>
-              <a:rPr lang="en-US" sz="2400" dirty="0"/>
-              <a:t>tests on the following parts</a:t>
-            </a:r>
-          </a:p>
-          <a:p>
-            <a:pPr lvl="1"/>
-            <a:r>
-              <a:rPr lang="en-US" sz="2000" dirty="0"/>
-              <a:t>Memory Performance </a:t>
-            </a:r>
-          </a:p>
-          <a:p>
-            <a:pPr lvl="1"/>
-            <a:r>
-              <a:rPr lang="en-US" sz="2000" dirty="0"/>
-              <a:t>CPU Integer Performance</a:t>
-            </a:r>
-          </a:p>
-          <a:p>
-            <a:pPr lvl="1"/>
-            <a:r>
-              <a:rPr lang="en-US" sz="2000" dirty="0"/>
-              <a:t>CPU Floating point Performance</a:t>
-            </a:r>
-          </a:p>
-          <a:p>
-            <a:pPr lvl="1"/>
-            <a:r>
-              <a:rPr lang="en-US" sz="2000" dirty="0"/>
-              <a:t>2D Graphics Performance</a:t>
-            </a:r>
-          </a:p>
-          <a:p>
-            <a:pPr lvl="1"/>
-            <a:r>
-              <a:rPr lang="en-US" sz="2000" dirty="0"/>
-              <a:t>3D Graphics Performance</a:t>
-            </a:r>
-          </a:p>
-          <a:p>
-            <a:pPr lvl="1"/>
-            <a:r>
-              <a:rPr lang="en-US" sz="2000" dirty="0"/>
-              <a:t>SD card reading/writing speed</a:t>
-            </a:r>
-          </a:p>
-          <a:p>
-            <a:pPr lvl="1"/>
-            <a:r>
-              <a:rPr lang="en-US" sz="2000" dirty="0"/>
-              <a:t>Database IO performance </a:t>
-            </a:r>
-            <a:r>
-              <a:rPr lang="en-US" sz="2000" dirty="0" smtClean="0"/>
-              <a:t>testing</a:t>
-            </a:r>
-            <a:endParaRPr lang="en-US" sz="2000" dirty="0"/>
-          </a:p>
-        </p:txBody>
-      </p:sp>
-      <p:sp>
-        <p:nvSpPr>
-          <p:cNvPr id="5" name="Content Placeholder 4"/>
-          <p:cNvSpPr>
-            <a:spLocks noGrp="1"/>
-          </p:cNvSpPr>
-          <p:nvPr>
-            <p:ph sz="half" idx="2"/>
-          </p:nvPr>
-        </p:nvSpPr>
-        <p:spPr/>
-        <p:txBody>
-          <a:bodyPr>
-            <a:normAutofit/>
-          </a:bodyPr>
-          <a:lstStyle/>
-          <a:p>
-            <a:pPr marL="0" indent="0">
-              <a:buNone/>
-            </a:pPr>
-            <a:endParaRPr lang="en-US" dirty="0"/>
-          </a:p>
-        </p:txBody>
-      </p:sp>
-      <p:pic>
-        <p:nvPicPr>
-          <p:cNvPr id="4" name="Picture 3"/>
-          <p:cNvPicPr>
-            <a:picLocks noChangeAspect="1"/>
-          </p:cNvPicPr>
-          <p:nvPr/>
-        </p:nvPicPr>
-        <p:blipFill rotWithShape="1">
-          <a:blip r:embed="rId2">
-            <a:extLst>
-              <a:ext uri="{28A0092B-C50C-407E-A947-70E740481C1C}">
-                <a14:useLocalDpi xmlns:a14="http://schemas.microsoft.com/office/drawing/2010/main" val="0"/>
-              </a:ext>
-            </a:extLst>
-          </a:blip>
-          <a:srcRect t="4038"/>
-          <a:stretch/>
-        </p:blipFill>
-        <p:spPr>
-          <a:xfrm>
-            <a:off x="4648200" y="1960418"/>
-            <a:ext cx="2133600" cy="3338955"/>
-          </a:xfrm>
-          <a:prstGeom prst="rect">
-            <a:avLst/>
-          </a:prstGeom>
-        </p:spPr>
-      </p:pic>
-      <p:pic>
-        <p:nvPicPr>
-          <p:cNvPr id="6" name="Picture 5"/>
-          <p:cNvPicPr>
-            <a:picLocks noChangeAspect="1"/>
-          </p:cNvPicPr>
-          <p:nvPr/>
-        </p:nvPicPr>
-        <p:blipFill rotWithShape="1">
-          <a:blip r:embed="rId3">
-            <a:extLst>
-              <a:ext uri="{28A0092B-C50C-407E-A947-70E740481C1C}">
-                <a14:useLocalDpi xmlns:a14="http://schemas.microsoft.com/office/drawing/2010/main" val="0"/>
-              </a:ext>
-            </a:extLst>
-          </a:blip>
-          <a:srcRect t="4578" b="9804"/>
-          <a:stretch/>
-        </p:blipFill>
-        <p:spPr>
-          <a:xfrm>
-            <a:off x="6988869" y="1946562"/>
-            <a:ext cx="1926529" cy="3338956"/>
-          </a:xfrm>
-          <a:prstGeom prst="rect">
-            <a:avLst/>
-          </a:prstGeom>
-        </p:spPr>
-      </p:pic>
-      <p:pic>
-        <p:nvPicPr>
-          <p:cNvPr id="7" name="Picture 6"/>
-          <p:cNvPicPr>
-            <a:picLocks noChangeAspect="1"/>
-          </p:cNvPicPr>
-          <p:nvPr/>
-        </p:nvPicPr>
-        <p:blipFill>
-          <a:blip r:embed="rId4">
-            <a:extLst>
-              <a:ext uri="{28A0092B-C50C-407E-A947-70E740481C1C}">
-                <a14:useLocalDpi xmlns:a14="http://schemas.microsoft.com/office/drawing/2010/main" val="0"/>
-              </a:ext>
-            </a:extLst>
-          </a:blip>
-          <a:stretch>
-            <a:fillRect/>
-          </a:stretch>
-        </p:blipFill>
-        <p:spPr>
-          <a:xfrm>
-            <a:off x="7043437" y="533400"/>
-            <a:ext cx="742950" cy="742950"/>
-          </a:xfrm>
-          <a:prstGeom prst="rect">
-            <a:avLst/>
-          </a:prstGeom>
-        </p:spPr>
-      </p:pic>
-    </p:spTree>
-    <p:extLst>
-      <p:ext uri="{BB962C8B-B14F-4D97-AF65-F5344CB8AC3E}">
-        <p14:creationId xmlns:p14="http://schemas.microsoft.com/office/powerpoint/2010/main" val="2206322671"/>
-      </p:ext>
-    </p:extLst>
-  </p:cSld>
-  <p:clrMapOvr>
-    <a:masterClrMapping/>
-  </p:clrMapOvr>
-  <p:timing>
-    <p:tnLst>
-      <p:par>
-        <p:cTn id="1" dur="indefinite" restart="never" nodeType="tmRoot"/>
-      </p:par>
-    </p:tnLst>
-  </p:timing>
-</p:sld>
-</file>
-
-<file path=ppt/slides/slide5.xml><?xml version="1.0" encoding="utf-8"?>
-<p:sld xmlns:a="http://schemas.openxmlformats.org/drawingml/2006/main" xmlns:r="http://schemas.openxmlformats.org/officeDocument/2006/relationships" xmlns:p="http://schemas.openxmlformats.org/presentationml/2006/main">
-  <p:cSld>
-    <p:spTree>
-      <p:nvGrpSpPr>
-        <p:cNvPr id="1" name=""/>
-        <p:cNvGrpSpPr/>
-        <p:nvPr/>
-      </p:nvGrpSpPr>
-      <p:grpSpPr>
-        <a:xfrm>
-          <a:off x="0" y="0"/>
-          <a:ext cx="0" cy="0"/>
-          <a:chOff x="0" y="0"/>
-          <a:chExt cx="0" cy="0"/>
-        </a:xfrm>
-      </p:grpSpPr>
-      <p:sp>
-        <p:nvSpPr>
-          <p:cNvPr id="2" name="Title 1"/>
-          <p:cNvSpPr>
-            <a:spLocks noGrp="1"/>
-          </p:cNvSpPr>
-          <p:nvPr>
-            <p:ph type="title"/>
-          </p:nvPr>
-        </p:nvSpPr>
-        <p:spPr/>
-        <p:txBody>
-          <a:bodyPr/>
-          <a:lstStyle/>
-          <a:p>
-            <a:r>
-              <a:rPr lang="en-US" u="sng" dirty="0" smtClean="0"/>
-              <a:t>Quadrant Standard Edition</a:t>
-            </a:r>
-            <a:endParaRPr lang="en-US" u="sng" dirty="0"/>
-          </a:p>
-        </p:txBody>
-      </p:sp>
-      <p:sp>
-        <p:nvSpPr>
-          <p:cNvPr id="4" name="Content Placeholder 3"/>
-          <p:cNvSpPr>
-            <a:spLocks noGrp="1"/>
-          </p:cNvSpPr>
-          <p:nvPr>
-            <p:ph sz="half" idx="1"/>
-          </p:nvPr>
-        </p:nvSpPr>
-        <p:spPr/>
-        <p:txBody>
-          <a:bodyPr>
-            <a:normAutofit lnSpcReduction="10000"/>
-          </a:bodyPr>
-          <a:lstStyle/>
-          <a:p>
-            <a:r>
-              <a:rPr lang="en-US" sz="2600" dirty="0" smtClean="0"/>
-              <a:t>Runs </a:t>
-            </a:r>
-            <a:r>
-              <a:rPr lang="en-US" sz="2600" dirty="0"/>
-              <a:t>tests on the following parts</a:t>
-            </a:r>
-          </a:p>
-          <a:p>
-            <a:pPr lvl="1"/>
-            <a:r>
-              <a:rPr lang="en-US" sz="2200" dirty="0" smtClean="0"/>
-              <a:t>CPU </a:t>
-            </a:r>
-            <a:r>
-              <a:rPr lang="en-US" sz="2200" dirty="0"/>
-              <a:t>- arithmetic operations, XML parsing, multimedia decoding</a:t>
-            </a:r>
-          </a:p>
-          <a:p>
-            <a:pPr lvl="1"/>
-            <a:r>
-              <a:rPr lang="en-US" sz="2200" dirty="0"/>
-              <a:t>Memory throughput</a:t>
-            </a:r>
-          </a:p>
-          <a:p>
-            <a:pPr lvl="1"/>
-            <a:r>
-              <a:rPr lang="en-US" sz="2200" dirty="0"/>
-              <a:t>I/O - </a:t>
-            </a:r>
-            <a:r>
-              <a:rPr lang="en-US" sz="2200" dirty="0" err="1"/>
-              <a:t>filesystem</a:t>
-            </a:r>
-            <a:r>
-              <a:rPr lang="en-US" sz="2200" dirty="0"/>
-              <a:t> access and database operations</a:t>
-            </a:r>
-          </a:p>
-          <a:p>
-            <a:pPr lvl="1"/>
-            <a:r>
-              <a:rPr lang="en-US" sz="2200" dirty="0"/>
-              <a:t>2D graphics</a:t>
-            </a:r>
-          </a:p>
-          <a:p>
-            <a:pPr lvl="1"/>
-            <a:r>
-              <a:rPr lang="en-US" sz="2200" dirty="0"/>
-              <a:t>3D graphics - OpenGL single-pass and multi-pass rendering with stencil </a:t>
-            </a:r>
-            <a:r>
-              <a:rPr lang="en-US" sz="2200" dirty="0" smtClean="0"/>
-              <a:t>buffers</a:t>
-            </a:r>
-            <a:endParaRPr lang="en-US" sz="2200" dirty="0"/>
-          </a:p>
-        </p:txBody>
-      </p:sp>
-      <p:pic>
-        <p:nvPicPr>
-          <p:cNvPr id="3" name="Content Placeholder 2"/>
-          <p:cNvPicPr>
-            <a:picLocks noGrp="1" noChangeAspect="1"/>
-          </p:cNvPicPr>
-          <p:nvPr>
-            <p:ph sz="half" idx="2"/>
-          </p:nvPr>
-        </p:nvPicPr>
-        <p:blipFill>
-          <a:blip r:embed="rId2">
-            <a:extLst>
-              <a:ext uri="{28A0092B-C50C-407E-A947-70E740481C1C}">
-                <a14:useLocalDpi xmlns:a14="http://schemas.microsoft.com/office/drawing/2010/main" val="0"/>
-              </a:ext>
-            </a:extLst>
-          </a:blip>
-          <a:stretch>
-            <a:fillRect/>
-          </a:stretch>
-        </p:blipFill>
-        <p:spPr>
-          <a:xfrm>
-            <a:off x="4535728" y="2209800"/>
-            <a:ext cx="2052108" cy="3200400"/>
-          </a:xfrm>
-        </p:spPr>
-      </p:pic>
-      <p:pic>
-        <p:nvPicPr>
-          <p:cNvPr id="6" name="Picture 5"/>
-          <p:cNvPicPr>
-            <a:picLocks noChangeAspect="1"/>
-          </p:cNvPicPr>
-          <p:nvPr/>
-        </p:nvPicPr>
-        <p:blipFill>
-          <a:blip r:embed="rId3">
-            <a:extLst>
-              <a:ext uri="{28A0092B-C50C-407E-A947-70E740481C1C}">
-                <a14:useLocalDpi xmlns:a14="http://schemas.microsoft.com/office/drawing/2010/main" val="0"/>
-              </a:ext>
-            </a:extLst>
-          </a:blip>
-          <a:stretch>
-            <a:fillRect/>
-          </a:stretch>
-        </p:blipFill>
-        <p:spPr>
-          <a:xfrm>
-            <a:off x="6629400" y="2209800"/>
-            <a:ext cx="2133600" cy="3200400"/>
-          </a:xfrm>
-          <a:prstGeom prst="rect">
-            <a:avLst/>
-          </a:prstGeom>
-        </p:spPr>
-      </p:pic>
-    </p:spTree>
-    <p:extLst>
-      <p:ext uri="{BB962C8B-B14F-4D97-AF65-F5344CB8AC3E}">
-        <p14:creationId xmlns:p14="http://schemas.microsoft.com/office/powerpoint/2010/main" val="1804225097"/>
-      </p:ext>
-    </p:extLst>
-  </p:cSld>
-  <p:clrMapOvr>
-    <a:masterClrMapping/>
-  </p:clrMapOvr>
-  <p:timing>
-    <p:tnLst>
-      <p:par>
-        <p:cTn id="1" dur="indefinite" restart="never" nodeType="tmRoot"/>
-      </p:par>
-    </p:tnLst>
-  </p:timing>
-</p:sld>
-</file>
-
-<file path=ppt/slides/slide6.xml><?xml version="1.0" encoding="utf-8"?>
-<p:sld xmlns:a="http://schemas.openxmlformats.org/drawingml/2006/main" xmlns:r="http://schemas.openxmlformats.org/officeDocument/2006/relationships" xmlns:p="http://schemas.openxmlformats.org/presentationml/2006/main">
-  <p:cSld>
-    <p:spTree>
-      <p:nvGrpSpPr>
-        <p:cNvPr id="1" name=""/>
-        <p:cNvGrpSpPr/>
-        <p:nvPr/>
-      </p:nvGrpSpPr>
-      <p:grpSpPr>
-        <a:xfrm>
-          <a:off x="0" y="0"/>
-          <a:ext cx="0" cy="0"/>
-          <a:chOff x="0" y="0"/>
-          <a:chExt cx="0" cy="0"/>
-        </a:xfrm>
-      </p:grpSpPr>
-      <p:sp>
-        <p:nvSpPr>
-          <p:cNvPr id="2" name="Title 1"/>
-          <p:cNvSpPr>
-            <a:spLocks noGrp="1"/>
-          </p:cNvSpPr>
-          <p:nvPr>
-            <p:ph type="title"/>
-          </p:nvPr>
-        </p:nvSpPr>
-        <p:spPr/>
-        <p:txBody>
-          <a:bodyPr>
-            <a:normAutofit/>
-          </a:bodyPr>
-          <a:lstStyle/>
-          <a:p>
-            <a:r>
-              <a:rPr lang="en-US" sz="3200" b="1" u="sng" dirty="0" err="1" smtClean="0"/>
-              <a:t>AnTuTu</a:t>
-            </a:r>
-            <a:r>
-              <a:rPr lang="en-US" sz="3200" b="1" u="sng" dirty="0" smtClean="0"/>
-              <a:t> Benchmark  VS Quadrant</a:t>
-            </a:r>
-            <a:endParaRPr lang="en-US" sz="3200" dirty="0"/>
-          </a:p>
-        </p:txBody>
-      </p:sp>
-      <p:sp>
-        <p:nvSpPr>
-          <p:cNvPr id="3" name="Content Placeholder 2"/>
-          <p:cNvSpPr>
-            <a:spLocks noGrp="1"/>
-          </p:cNvSpPr>
-          <p:nvPr>
-            <p:ph idx="1"/>
-          </p:nvPr>
-        </p:nvSpPr>
-        <p:spPr/>
-        <p:txBody>
-          <a:bodyPr>
-            <a:normAutofit lnSpcReduction="10000"/>
-          </a:bodyPr>
-          <a:lstStyle/>
-          <a:p>
-            <a:r>
-              <a:rPr lang="en-US" sz="2400" dirty="0" smtClean="0"/>
-              <a:t>Quadrant is a popular android application similar to </a:t>
-            </a:r>
-            <a:r>
-              <a:rPr lang="en-US" sz="2400" dirty="0" err="1" smtClean="0"/>
-              <a:t>AnTuTu</a:t>
-            </a:r>
-            <a:r>
-              <a:rPr lang="en-US" sz="2400" dirty="0" smtClean="0"/>
-              <a:t> Benchmark, it also performs </a:t>
-            </a:r>
-            <a:r>
-              <a:rPr lang="en-US" sz="2400" dirty="0"/>
-              <a:t>tests on CPU, Memory, I/O and 2D and 3D graphics performance </a:t>
-            </a:r>
-          </a:p>
-          <a:p>
-            <a:pPr marL="0" indent="0">
-              <a:buNone/>
-            </a:pPr>
-            <a:endParaRPr lang="en-US" sz="2400" dirty="0" smtClean="0"/>
-          </a:p>
-          <a:p>
-            <a:r>
-              <a:rPr lang="en-US" sz="2400" dirty="0" err="1" smtClean="0"/>
-              <a:t>AnTuTu</a:t>
-            </a:r>
-            <a:r>
-              <a:rPr lang="en-US" sz="2400" dirty="0" smtClean="0"/>
-              <a:t> Benchmark allows both full benchmark test and custom benchmark test, that is user can choose to test on certain parts of the </a:t>
-            </a:r>
-            <a:r>
-              <a:rPr lang="en-US" sz="2400" dirty="0" smtClean="0"/>
-              <a:t>device. </a:t>
-            </a:r>
-          </a:p>
-          <a:p>
-            <a:endParaRPr lang="en-US" sz="2400" dirty="0" smtClean="0"/>
-          </a:p>
-          <a:p>
-            <a:r>
-              <a:rPr lang="en-US" sz="2400" dirty="0" smtClean="0"/>
-              <a:t>Quadrant  </a:t>
-            </a:r>
-            <a:r>
-              <a:rPr lang="en-US" sz="2400" dirty="0"/>
-              <a:t>Standard Edition only allows full benchmark test,   custom test is only </a:t>
-            </a:r>
-            <a:r>
-              <a:rPr lang="en-US" sz="2400" dirty="0" err="1" smtClean="0"/>
-              <a:t>avaiable</a:t>
-            </a:r>
-            <a:r>
-              <a:rPr lang="en-US" sz="2400" dirty="0" smtClean="0"/>
-              <a:t> in </a:t>
-            </a:r>
-            <a:r>
-              <a:rPr lang="en-US" sz="2400" dirty="0"/>
-              <a:t>the </a:t>
-            </a:r>
-            <a:r>
-              <a:rPr lang="en-US" sz="2400" dirty="0" smtClean="0"/>
-              <a:t>advanced edition</a:t>
-            </a:r>
-            <a:endParaRPr lang="en-US" sz="2400" dirty="0"/>
-          </a:p>
-          <a:p>
-            <a:pPr marL="0" indent="0">
-              <a:buNone/>
-            </a:pPr>
-            <a:endParaRPr lang="en-US" sz="2400" dirty="0"/>
-          </a:p>
-          <a:p>
-            <a:r>
-              <a:rPr lang="en-US" sz="2400" dirty="0" err="1"/>
-              <a:t>AnTuTu</a:t>
-            </a:r>
-            <a:r>
-              <a:rPr lang="en-US" sz="2400" dirty="0"/>
-              <a:t> can finish the full benchmark test within 5 </a:t>
-            </a:r>
-            <a:r>
-              <a:rPr lang="en-US" sz="2400" dirty="0" smtClean="0"/>
-              <a:t>minutes</a:t>
-            </a:r>
-          </a:p>
-        </p:txBody>
-      </p:sp>
-    </p:spTree>
-    <p:extLst>
-      <p:ext uri="{BB962C8B-B14F-4D97-AF65-F5344CB8AC3E}">
-        <p14:creationId xmlns:p14="http://schemas.microsoft.com/office/powerpoint/2010/main" val="1445709920"/>
-      </p:ext>
-    </p:extLst>
-  </p:cSld>
-  <p:clrMapOvr>
-    <a:masterClrMapping/>
-  </p:clrMapOvr>
-  <p:timing>
-    <p:tnLst>
-      <p:par>
-        <p:cTn id="1" dur="indefinite" restart="never" nodeType="tmRoot"/>
-      </p:par>
-    </p:tnLst>
-  </p:timing>
-</p:sld>
-</file>
-
-<file path=ppt/slides/slide7.xml><?xml version="1.0" encoding="utf-8"?>
-<p:sld xmlns:a="http://schemas.openxmlformats.org/drawingml/2006/main" xmlns:r="http://schemas.openxmlformats.org/officeDocument/2006/relationships" xmlns:p="http://schemas.openxmlformats.org/presentationml/2006/main">
-  <p:cSld>
-    <p:spTree>
-      <p:nvGrpSpPr>
-        <p:cNvPr id="1" name=""/>
-        <p:cNvGrpSpPr/>
-        <p:nvPr/>
-      </p:nvGrpSpPr>
-      <p:grpSpPr>
-        <a:xfrm>
-          <a:off x="0" y="0"/>
-          <a:ext cx="0" cy="0"/>
-          <a:chOff x="0" y="0"/>
-          <a:chExt cx="0" cy="0"/>
-        </a:xfrm>
-      </p:grpSpPr>
-      <p:sp>
-        <p:nvSpPr>
-          <p:cNvPr id="2" name="Title 1"/>
-          <p:cNvSpPr>
-            <a:spLocks noGrp="1"/>
-          </p:cNvSpPr>
-          <p:nvPr>
-            <p:ph type="title"/>
-          </p:nvPr>
-        </p:nvSpPr>
-        <p:spPr>
-          <a:xfrm>
-            <a:off x="152400" y="152400"/>
-            <a:ext cx="8229600" cy="1143000"/>
-          </a:xfrm>
-        </p:spPr>
-        <p:txBody>
-          <a:bodyPr>
-            <a:normAutofit/>
-          </a:bodyPr>
-          <a:lstStyle/>
-          <a:p>
-            <a:pPr lvl="0"/>
-            <a:r>
-              <a:rPr lang="en-US" b="1" u="sng" dirty="0" err="1"/>
-              <a:t>Vellamo</a:t>
-            </a:r>
-            <a:r>
-              <a:rPr lang="en-US" b="1" u="sng" dirty="0"/>
-              <a:t> Mobile Web </a:t>
-            </a:r>
-            <a:r>
-              <a:rPr lang="en-US" b="1" u="sng" dirty="0" smtClean="0"/>
-              <a:t>Benchmark</a:t>
-            </a:r>
-            <a:endParaRPr lang="en-US" dirty="0"/>
-          </a:p>
-        </p:txBody>
-      </p:sp>
-      <p:sp>
-        <p:nvSpPr>
-          <p:cNvPr id="3" name="Content Placeholder 2"/>
-          <p:cNvSpPr>
-            <a:spLocks noGrp="1"/>
-          </p:cNvSpPr>
-          <p:nvPr>
-            <p:ph idx="1"/>
-          </p:nvPr>
-        </p:nvSpPr>
-        <p:spPr>
-          <a:xfrm>
-            <a:off x="457200" y="1200150"/>
-            <a:ext cx="5334000" cy="5257800"/>
-          </a:xfrm>
-        </p:spPr>
-        <p:txBody>
-          <a:bodyPr>
-            <a:normAutofit lnSpcReduction="10000"/>
-          </a:bodyPr>
-          <a:lstStyle/>
-          <a:p>
-            <a:r>
-              <a:rPr lang="en-US" sz="2000" dirty="0"/>
-              <a:t>Measures </a:t>
-            </a:r>
-            <a:r>
-              <a:rPr lang="en-US" sz="2000" dirty="0"/>
-              <a:t>the following things</a:t>
-            </a:r>
-          </a:p>
-          <a:p>
-            <a:pPr lvl="1"/>
-            <a:r>
-              <a:rPr lang="en-US" sz="1600" dirty="0"/>
-              <a:t>the browser’s use of the HTML5 display processing subsystem</a:t>
-            </a:r>
-          </a:p>
-          <a:p>
-            <a:pPr lvl="1"/>
-            <a:r>
-              <a:rPr lang="en-US" sz="1600" dirty="0"/>
-              <a:t>overall speed and efficiency of the JavaScript virtual machine</a:t>
-            </a:r>
-          </a:p>
-          <a:p>
-            <a:pPr lvl="1"/>
-            <a:r>
-              <a:rPr lang="en-US" sz="1600" dirty="0"/>
-              <a:t>the efficiency between this engine and the core browser</a:t>
-            </a:r>
-          </a:p>
-          <a:p>
-            <a:pPr lvl="1"/>
-            <a:r>
-              <a:rPr lang="en-US" sz="1600" dirty="0"/>
-              <a:t>responsiveness of panning, zooming, and scrolling of text, images, and standard web page objects</a:t>
-            </a:r>
-          </a:p>
-          <a:p>
-            <a:pPr lvl="1"/>
-            <a:r>
-              <a:rPr lang="en-US" sz="1600" dirty="0"/>
-              <a:t>the performance of the browser’s HTTP and IP networking </a:t>
-            </a:r>
-            <a:r>
-              <a:rPr lang="en-US" sz="1600" dirty="0" smtClean="0"/>
-              <a:t>stack</a:t>
-            </a:r>
-          </a:p>
-          <a:p>
-            <a:pPr marL="342900" lvl="1" indent="-342900">
-              <a:buFont typeface="Arial" pitchFamily="34" charset="0"/>
-              <a:buChar char="•"/>
-            </a:pPr>
-            <a:r>
-              <a:rPr lang="en-US" sz="2000" dirty="0"/>
-              <a:t>Can be used to benchmark different android device if the same browser is being used on </a:t>
-            </a:r>
-            <a:r>
-              <a:rPr lang="en-US" sz="2000" dirty="0" smtClean="0"/>
-              <a:t>each</a:t>
-            </a:r>
-            <a:endParaRPr lang="en-US" sz="1800" dirty="0" smtClean="0"/>
-          </a:p>
-          <a:p>
-            <a:pPr marL="342900" lvl="1" indent="-342900">
-              <a:buFont typeface="Arial" pitchFamily="34" charset="0"/>
-              <a:buChar char="•"/>
-            </a:pPr>
-            <a:r>
-              <a:rPr lang="en-US" sz="2000" dirty="0"/>
-              <a:t>Reasons for choosing this </a:t>
-            </a:r>
-            <a:r>
-              <a:rPr lang="en-US" sz="2000" dirty="0" smtClean="0"/>
-              <a:t>application instead of other browser benchmark:</a:t>
-            </a:r>
-            <a:endParaRPr lang="en-US" sz="2000" dirty="0"/>
-          </a:p>
-          <a:p>
-            <a:pPr lvl="1"/>
-            <a:r>
-              <a:rPr lang="en-US" sz="1600" dirty="0"/>
-              <a:t>High user rating </a:t>
-            </a:r>
-            <a:r>
-              <a:rPr lang="en-US" sz="1600" dirty="0" smtClean="0"/>
-              <a:t>in </a:t>
-            </a:r>
-            <a:r>
-              <a:rPr lang="en-US" sz="1600" dirty="0" err="1" smtClean="0"/>
-              <a:t>google</a:t>
-            </a:r>
-            <a:r>
-              <a:rPr lang="en-US" sz="1600" dirty="0" smtClean="0"/>
-              <a:t> </a:t>
-            </a:r>
-            <a:r>
-              <a:rPr lang="en-US" sz="1600" dirty="0"/>
-              <a:t>play </a:t>
-            </a:r>
-            <a:r>
-              <a:rPr lang="en-US" sz="1600" dirty="0" smtClean="0"/>
-              <a:t>store </a:t>
-            </a:r>
-          </a:p>
-          <a:p>
-            <a:pPr marL="400050" lvl="1" indent="0">
-              <a:buNone/>
-            </a:pPr>
-            <a:r>
-              <a:rPr lang="en-US" sz="1600" dirty="0"/>
-              <a:t> </a:t>
-            </a:r>
-            <a:r>
-              <a:rPr lang="en-US" sz="1200" dirty="0" smtClean="0"/>
-              <a:t>      (average rating : 4.3 / 5)</a:t>
-            </a:r>
-          </a:p>
-        </p:txBody>
-      </p:sp>
-      <p:pic>
-        <p:nvPicPr>
-          <p:cNvPr id="4" name="Picture 3"/>
-          <p:cNvPicPr>
-            <a:picLocks noChangeAspect="1"/>
-          </p:cNvPicPr>
-          <p:nvPr/>
-        </p:nvPicPr>
-        <p:blipFill>
-          <a:blip r:embed="rId3">
-            <a:extLst>
-              <a:ext uri="{28A0092B-C50C-407E-A947-70E740481C1C}">
-                <a14:useLocalDpi xmlns:a14="http://schemas.microsoft.com/office/drawing/2010/main" val="0"/>
-              </a:ext>
-            </a:extLst>
-          </a:blip>
-          <a:stretch>
-            <a:fillRect/>
-          </a:stretch>
-        </p:blipFill>
-        <p:spPr>
-          <a:xfrm>
-            <a:off x="5943600" y="1447800"/>
-            <a:ext cx="2924175" cy="4876800"/>
-          </a:xfrm>
-          <a:prstGeom prst="rect">
-            <a:avLst/>
-          </a:prstGeom>
-        </p:spPr>
-      </p:pic>
-      <p:pic>
-        <p:nvPicPr>
-          <p:cNvPr id="5" name="Picture 4"/>
-          <p:cNvPicPr>
-            <a:picLocks noChangeAspect="1"/>
-          </p:cNvPicPr>
-          <p:nvPr/>
-        </p:nvPicPr>
-        <p:blipFill>
-          <a:blip r:embed="rId4">
-            <a:extLst>
-              <a:ext uri="{28A0092B-C50C-407E-A947-70E740481C1C}">
-                <a14:useLocalDpi xmlns:a14="http://schemas.microsoft.com/office/drawing/2010/main" val="0"/>
-              </a:ext>
-            </a:extLst>
-          </a:blip>
-          <a:stretch>
-            <a:fillRect/>
-          </a:stretch>
-        </p:blipFill>
-        <p:spPr>
-          <a:xfrm>
-            <a:off x="7497907" y="371475"/>
-            <a:ext cx="742950" cy="742950"/>
-          </a:xfrm>
-          <a:prstGeom prst="rect">
-            <a:avLst/>
-          </a:prstGeom>
-        </p:spPr>
-      </p:pic>
-    </p:spTree>
-    <p:extLst>
-      <p:ext uri="{BB962C8B-B14F-4D97-AF65-F5344CB8AC3E}">
-        <p14:creationId xmlns:p14="http://schemas.microsoft.com/office/powerpoint/2010/main" val="685361917"/>
-      </p:ext>
-    </p:extLst>
-  </p:cSld>
-  <p:clrMapOvr>
-    <a:masterClrMapping/>
-  </p:clrMapOvr>
-  <p:timing>
-    <p:tnLst>
-      <p:par>
-        <p:cTn id="1" dur="indefinite" restart="never" nodeType="tmRoot"/>
-      </p:par>
-    </p:tnLst>
-  </p:timing>
-</p:sld>
-</file>
-
-<file path=ppt/slides/slide8.xml><?xml version="1.0" encoding="utf-8"?>
-<p:sld xmlns:a="http://schemas.openxmlformats.org/drawingml/2006/main" xmlns:r="http://schemas.openxmlformats.org/officeDocument/2006/relationships" xmlns:p="http://schemas.openxmlformats.org/presentationml/2006/main">
-  <p:cSld>
-    <p:spTree>
-      <p:nvGrpSpPr>
-        <p:cNvPr id="1" name=""/>
-        <p:cNvGrpSpPr/>
-        <p:nvPr/>
-      </p:nvGrpSpPr>
-      <p:grpSpPr>
-        <a:xfrm>
-          <a:off x="0" y="0"/>
-          <a:ext cx="0" cy="0"/>
-          <a:chOff x="0" y="0"/>
-          <a:chExt cx="0" cy="0"/>
-        </a:xfrm>
-      </p:grpSpPr>
-      <p:sp>
-        <p:nvSpPr>
-          <p:cNvPr id="2" name="Title 1"/>
-          <p:cNvSpPr>
-            <a:spLocks noGrp="1"/>
-          </p:cNvSpPr>
-          <p:nvPr>
-            <p:ph type="title"/>
-          </p:nvPr>
-        </p:nvSpPr>
-        <p:spPr/>
-        <p:txBody>
-          <a:bodyPr/>
-          <a:lstStyle/>
-          <a:p>
-            <a:r>
-              <a:rPr lang="en-US" b="1" u="sng" dirty="0" err="1" smtClean="0"/>
-              <a:t>GlBenchmark</a:t>
-            </a:r>
-            <a:endParaRPr lang="en-US" dirty="0"/>
-          </a:p>
-        </p:txBody>
-      </p:sp>
-      <p:sp>
-        <p:nvSpPr>
-          <p:cNvPr id="4" name="Content Placeholder 3"/>
-          <p:cNvSpPr>
-            <a:spLocks noGrp="1"/>
-          </p:cNvSpPr>
-          <p:nvPr>
-            <p:ph sz="half" idx="1"/>
-          </p:nvPr>
-        </p:nvSpPr>
-        <p:spPr/>
-        <p:txBody>
-          <a:bodyPr>
-            <a:normAutofit fontScale="92500"/>
-          </a:bodyPr>
-          <a:lstStyle/>
-          <a:p>
-            <a:r>
-              <a:rPr lang="en-US" dirty="0"/>
-              <a:t>gives more accurate 3D Graphics Performance measurement, it contains testing with high level 3D animation</a:t>
-            </a:r>
-            <a:r>
-              <a:rPr lang="en-US" dirty="0" smtClean="0"/>
-              <a:t>.</a:t>
-            </a:r>
-            <a:endParaRPr lang="en-US" dirty="0"/>
-          </a:p>
-          <a:p>
-            <a:r>
-              <a:rPr lang="en-US" dirty="0" smtClean="0"/>
-              <a:t>Reasons for choosing this application:</a:t>
-            </a:r>
-          </a:p>
-          <a:p>
-            <a:pPr lvl="1"/>
-            <a:r>
-              <a:rPr lang="en-US" dirty="0"/>
-              <a:t>Contains many </a:t>
-            </a:r>
-            <a:r>
-              <a:rPr lang="en-US" dirty="0" smtClean="0"/>
-              <a:t>different</a:t>
-            </a:r>
-            <a:r>
-              <a:rPr lang="en-US" baseline="0" dirty="0" smtClean="0"/>
-              <a:t> </a:t>
-            </a:r>
-            <a:r>
-              <a:rPr lang="en-US" dirty="0" smtClean="0"/>
-              <a:t>performance </a:t>
-            </a:r>
-            <a:r>
-              <a:rPr lang="en-US" dirty="0"/>
-              <a:t>tests on </a:t>
-            </a:r>
-            <a:r>
-              <a:rPr lang="en-US" dirty="0" smtClean="0"/>
-              <a:t>graphic  </a:t>
-            </a:r>
-            <a:r>
-              <a:rPr lang="en-US" dirty="0"/>
-              <a:t>(33 different tests)</a:t>
-            </a:r>
-          </a:p>
-          <a:p>
-            <a:pPr lvl="1"/>
-            <a:r>
-              <a:rPr lang="en-US" dirty="0"/>
-              <a:t>Flexible selection of </a:t>
-            </a:r>
-            <a:r>
-              <a:rPr lang="en-US" dirty="0" smtClean="0"/>
-              <a:t>test</a:t>
-            </a:r>
-            <a:endParaRPr lang="en-US" dirty="0"/>
-          </a:p>
-        </p:txBody>
-      </p:sp>
-      <p:sp>
-        <p:nvSpPr>
-          <p:cNvPr id="5" name="Content Placeholder 4"/>
-          <p:cNvSpPr>
-            <a:spLocks noGrp="1"/>
-          </p:cNvSpPr>
-          <p:nvPr>
-            <p:ph sz="half" idx="2"/>
-          </p:nvPr>
-        </p:nvSpPr>
-        <p:spPr/>
-        <p:txBody>
-          <a:bodyPr>
-            <a:normAutofit fontScale="92500"/>
-          </a:bodyPr>
-          <a:lstStyle/>
-          <a:p>
-            <a:endParaRPr lang="en-US" dirty="0"/>
-          </a:p>
-        </p:txBody>
-      </p:sp>
-      <p:pic>
-        <p:nvPicPr>
-          <p:cNvPr id="6" name="Picture 5"/>
-          <p:cNvPicPr>
-            <a:picLocks noChangeAspect="1"/>
-          </p:cNvPicPr>
-          <p:nvPr/>
-        </p:nvPicPr>
-        <p:blipFill>
-          <a:blip r:embed="rId2">
-            <a:extLst>
-              <a:ext uri="{28A0092B-C50C-407E-A947-70E740481C1C}">
-                <a14:useLocalDpi xmlns:a14="http://schemas.microsoft.com/office/drawing/2010/main" val="0"/>
-              </a:ext>
-            </a:extLst>
-          </a:blip>
-          <a:stretch>
-            <a:fillRect/>
-          </a:stretch>
-        </p:blipFill>
-        <p:spPr>
-          <a:xfrm>
-            <a:off x="6410325" y="533400"/>
-            <a:ext cx="742950" cy="742950"/>
-          </a:xfrm>
-          <a:prstGeom prst="rect">
-            <a:avLst/>
-          </a:prstGeom>
-        </p:spPr>
-      </p:pic>
-      <p:pic>
-        <p:nvPicPr>
-          <p:cNvPr id="10" name="Picture 9"/>
-          <p:cNvPicPr>
-            <a:picLocks noChangeAspect="1"/>
-          </p:cNvPicPr>
-          <p:nvPr/>
-        </p:nvPicPr>
-        <p:blipFill>
-          <a:blip r:embed="rId3">
-            <a:extLst>
-              <a:ext uri="{28A0092B-C50C-407E-A947-70E740481C1C}">
-                <a14:useLocalDpi xmlns:a14="http://schemas.microsoft.com/office/drawing/2010/main" val="0"/>
-              </a:ext>
-            </a:extLst>
-          </a:blip>
-          <a:stretch>
-            <a:fillRect/>
-          </a:stretch>
-        </p:blipFill>
-        <p:spPr>
-          <a:xfrm>
-            <a:off x="4479050" y="2093348"/>
-            <a:ext cx="2113172" cy="3338518"/>
-          </a:xfrm>
-          <a:prstGeom prst="rect">
-            <a:avLst/>
-          </a:prstGeom>
-        </p:spPr>
-      </p:pic>
-      <p:pic>
-        <p:nvPicPr>
-          <p:cNvPr id="11" name="Picture 10"/>
-          <p:cNvPicPr>
-            <a:picLocks noChangeAspect="1"/>
-          </p:cNvPicPr>
-          <p:nvPr/>
-        </p:nvPicPr>
-        <p:blipFill>
-          <a:blip r:embed="rId4">
-            <a:extLst>
-              <a:ext uri="{28A0092B-C50C-407E-A947-70E740481C1C}">
-                <a14:useLocalDpi xmlns:a14="http://schemas.microsoft.com/office/drawing/2010/main" val="0"/>
-              </a:ext>
-            </a:extLst>
-          </a:blip>
-          <a:stretch>
-            <a:fillRect/>
-          </a:stretch>
-        </p:blipFill>
-        <p:spPr>
-          <a:xfrm>
-            <a:off x="6781799" y="2093347"/>
-            <a:ext cx="2057401" cy="3338519"/>
-          </a:xfrm>
-          <a:prstGeom prst="rect">
-            <a:avLst/>
-          </a:prstGeom>
-        </p:spPr>
-      </p:pic>
-    </p:spTree>
-    <p:extLst>
-      <p:ext uri="{BB962C8B-B14F-4D97-AF65-F5344CB8AC3E}">
-        <p14:creationId xmlns:p14="http://schemas.microsoft.com/office/powerpoint/2010/main" val="14829009"/>
-      </p:ext>
-    </p:extLst>
-  </p:cSld>
-  <p:clrMapOvr>
-    <a:masterClrMapping/>
-  </p:clrMapOvr>
-  <p:timing>
-    <p:tnLst>
-      <p:par>
-        <p:cTn id="1" dur="indefinite" restart="never" nodeType="tmRoot"/>
-      </p:par>
-    </p:tnLst>
-  </p:timing>
-</p:sld>
-</file>
-
-<file path=ppt/slides/slide9.xml><?xml version="1.0" encoding="utf-8"?>
-<p:sld xmlns:a="http://schemas.openxmlformats.org/drawingml/2006/main" xmlns:r="http://schemas.openxmlformats.org/officeDocument/2006/relationships" xmlns:p="http://schemas.openxmlformats.org/presentationml/2006/main">
-  <p:cSld>
-    <p:spTree>
-      <p:nvGrpSpPr>
-        <p:cNvPr id="1" name=""/>
-        <p:cNvGrpSpPr/>
-        <p:nvPr/>
-      </p:nvGrpSpPr>
-      <p:grpSpPr>
-        <a:xfrm>
-          <a:off x="0" y="0"/>
-          <a:ext cx="0" cy="0"/>
-          <a:chOff x="0" y="0"/>
-          <a:chExt cx="0" cy="0"/>
-        </a:xfrm>
-      </p:grpSpPr>
-      <p:sp>
-        <p:nvSpPr>
-          <p:cNvPr id="2" name="Title 1"/>
-          <p:cNvSpPr>
-            <a:spLocks noGrp="1"/>
-          </p:cNvSpPr>
-          <p:nvPr>
-            <p:ph type="title"/>
-          </p:nvPr>
-        </p:nvSpPr>
-        <p:spPr/>
-        <p:txBody>
-          <a:bodyPr/>
-          <a:lstStyle/>
-          <a:p>
-            <a:pPr marL="0" marR="0" indent="0" algn="ctr" defTabSz="914400" rtl="0" eaLnBrk="1" fontAlgn="auto" latinLnBrk="0" hangingPunct="1">
-              <a:lnSpc>
-                <a:spcPct val="100000"/>
-              </a:lnSpc>
-              <a:spcBef>
-                <a:spcPct val="0"/>
-              </a:spcBef>
-              <a:spcAft>
-                <a:spcPts val="0"/>
-              </a:spcAft>
-              <a:buClrTx/>
-              <a:buSzTx/>
-              <a:buFontTx/>
-              <a:buNone/>
-              <a:tabLst/>
-              <a:defRPr/>
-            </a:pPr>
-            <a:r>
-              <a:rPr lang="en-US" sz="3600" u="sng" kern="1200" dirty="0" smtClean="0">
-                <a:solidFill>
-                  <a:schemeClr val="tx1"/>
-                </a:solidFill>
-                <a:effectLst/>
-              </a:rPr>
-              <a:t>SD Tool </a:t>
-            </a:r>
-            <a:endParaRPr lang="en-US" u="sng" dirty="0"/>
-          </a:p>
-        </p:txBody>
-      </p:sp>
-      <p:sp>
-        <p:nvSpPr>
-          <p:cNvPr id="3" name="Content Placeholder 2"/>
-          <p:cNvSpPr>
-            <a:spLocks noGrp="1"/>
-          </p:cNvSpPr>
-          <p:nvPr>
-            <p:ph sz="half" idx="1"/>
-          </p:nvPr>
-        </p:nvSpPr>
-        <p:spPr/>
-        <p:txBody>
-          <a:bodyPr>
-            <a:normAutofit/>
-          </a:bodyPr>
-          <a:lstStyle/>
-          <a:p>
-            <a:r>
-              <a:rPr lang="en-US" dirty="0"/>
-              <a:t>benchmark </a:t>
-            </a:r>
-            <a:r>
-              <a:rPr lang="en-US" dirty="0" smtClean="0"/>
-              <a:t>SD </a:t>
-            </a:r>
-            <a:r>
-              <a:rPr lang="en-US" dirty="0"/>
-              <a:t>card writing and reading </a:t>
-            </a:r>
-            <a:r>
-              <a:rPr lang="en-US" dirty="0" smtClean="0"/>
-              <a:t>speeds</a:t>
-            </a:r>
-            <a:endParaRPr lang="en-US" dirty="0"/>
-          </a:p>
-          <a:p>
-            <a:r>
-              <a:rPr lang="en-US" dirty="0" smtClean="0"/>
-              <a:t>Reason for not choosing:</a:t>
-            </a:r>
-          </a:p>
-          <a:p>
-            <a:pPr lvl="1"/>
-            <a:r>
-              <a:rPr lang="en-US" dirty="0" smtClean="0"/>
-              <a:t>Tests on SD writing and reading are already included in the testing done by </a:t>
-            </a:r>
-            <a:r>
-              <a:rPr lang="en-US" dirty="0" err="1" smtClean="0"/>
-              <a:t>AnTuTu</a:t>
-            </a:r>
-            <a:r>
-              <a:rPr lang="en-US" dirty="0" smtClean="0"/>
-              <a:t> </a:t>
-            </a:r>
-            <a:r>
-              <a:rPr lang="en-US" dirty="0" smtClean="0"/>
-              <a:t>Benchmark </a:t>
-            </a:r>
-            <a:endParaRPr lang="en-US" dirty="0"/>
-          </a:p>
-        </p:txBody>
-      </p:sp>
-      <p:pic>
-        <p:nvPicPr>
-          <p:cNvPr id="4" name="Content Placeholder 3"/>
-          <p:cNvPicPr>
-            <a:picLocks noGrp="1" noChangeAspect="1"/>
-          </p:cNvPicPr>
-          <p:nvPr>
-            <p:ph sz="half" idx="2"/>
-          </p:nvPr>
-        </p:nvPicPr>
-        <p:blipFill>
-          <a:blip r:embed="rId2">
-            <a:extLst>
-              <a:ext uri="{28A0092B-C50C-407E-A947-70E740481C1C}">
-                <a14:useLocalDpi xmlns:a14="http://schemas.microsoft.com/office/drawing/2010/main" val="0"/>
-              </a:ext>
-            </a:extLst>
-          </a:blip>
-          <a:stretch>
-            <a:fillRect/>
-          </a:stretch>
-        </p:blipFill>
-        <p:spPr>
-          <a:xfrm>
-            <a:off x="4419600" y="1600200"/>
-            <a:ext cx="2234781" cy="3715472"/>
-          </a:xfrm>
-        </p:spPr>
-      </p:pic>
-      <p:pic>
-        <p:nvPicPr>
-          <p:cNvPr id="6" name="Picture 5"/>
-          <p:cNvPicPr>
-            <a:picLocks noChangeAspect="1"/>
-          </p:cNvPicPr>
-          <p:nvPr/>
-        </p:nvPicPr>
-        <p:blipFill>
-          <a:blip r:embed="rId3">
-            <a:extLst>
-              <a:ext uri="{28A0092B-C50C-407E-A947-70E740481C1C}">
-                <a14:useLocalDpi xmlns:a14="http://schemas.microsoft.com/office/drawing/2010/main" val="0"/>
-              </a:ext>
-            </a:extLst>
-          </a:blip>
-          <a:stretch>
-            <a:fillRect/>
-          </a:stretch>
-        </p:blipFill>
-        <p:spPr>
-          <a:xfrm>
-            <a:off x="5562600" y="457200"/>
-            <a:ext cx="742950" cy="742950"/>
-          </a:xfrm>
-          <a:prstGeom prst="rect">
-            <a:avLst/>
-          </a:prstGeom>
-        </p:spPr>
-      </p:pic>
-      <p:pic>
-        <p:nvPicPr>
-          <p:cNvPr id="5" name="Picture 4"/>
-          <p:cNvPicPr>
-            <a:picLocks noChangeAspect="1"/>
-          </p:cNvPicPr>
-          <p:nvPr/>
-        </p:nvPicPr>
-        <p:blipFill>
-          <a:blip r:embed="rId4">
-            <a:extLst>
-              <a:ext uri="{28A0092B-C50C-407E-A947-70E740481C1C}">
-                <a14:useLocalDpi xmlns:a14="http://schemas.microsoft.com/office/drawing/2010/main" val="0"/>
-              </a:ext>
-            </a:extLst>
-          </a:blip>
-          <a:stretch>
-            <a:fillRect/>
-          </a:stretch>
-        </p:blipFill>
-        <p:spPr>
-          <a:xfrm>
-            <a:off x="6781800" y="1600200"/>
-            <a:ext cx="2209800" cy="3683000"/>
-          </a:xfrm>
-          <a:prstGeom prst="rect">
-            <a:avLst/>
-          </a:prstGeom>
-        </p:spPr>
-      </p:pic>
-    </p:spTree>
-    <p:extLst>
-      <p:ext uri="{BB962C8B-B14F-4D97-AF65-F5344CB8AC3E}">
-        <p14:creationId xmlns:p14="http://schemas.microsoft.com/office/powerpoint/2010/main" val="2211510816"/>
       </p:ext>
     </p:extLst>
   </p:cSld>

--- a/benchmark.pptx
+++ b/benchmark.pptx
@@ -213,7 +213,7 @@
           <a:p>
             <a:fld id="{CCE33303-72BA-4FB2-B2EF-C4C02F7F8703}" type="datetimeFigureOut">
               <a:rPr lang="en-US" smtClean="0"/>
-              <a:t>7/4/2012</a:t>
+              <a:t>7/10/2012</a:t>
             </a:fld>
             <a:endParaRPr lang="en-US"/>
           </a:p>
@@ -378,7 +378,7 @@
           <a:p>
             <a:fld id="{A1E62AE7-B727-4968-8D78-71B0188CF367}" type="datetimeFigureOut">
               <a:rPr lang="en-US" smtClean="0"/>
-              <a:t>7/4/2012</a:t>
+              <a:t>7/10/2012</a:t>
             </a:fld>
             <a:endParaRPr lang="en-US"/>
           </a:p>
@@ -1079,7 +1079,7 @@
           <a:p>
             <a:fld id="{6A814141-4123-430A-9D32-7C9F93C128E8}" type="datetimeFigureOut">
               <a:rPr lang="en-US" smtClean="0"/>
-              <a:t>7/4/2012</a:t>
+              <a:t>7/10/2012</a:t>
             </a:fld>
             <a:endParaRPr lang="en-US"/>
           </a:p>
@@ -1256,7 +1256,7 @@
           <a:p>
             <a:fld id="{6A814141-4123-430A-9D32-7C9F93C128E8}" type="datetimeFigureOut">
               <a:rPr lang="en-US" smtClean="0"/>
-              <a:t>7/4/2012</a:t>
+              <a:t>7/10/2012</a:t>
             </a:fld>
             <a:endParaRPr lang="en-US"/>
           </a:p>
@@ -1436,7 +1436,7 @@
           <a:p>
             <a:fld id="{6A814141-4123-430A-9D32-7C9F93C128E8}" type="datetimeFigureOut">
               <a:rPr lang="en-US" smtClean="0"/>
-              <a:t>7/4/2012</a:t>
+              <a:t>7/10/2012</a:t>
             </a:fld>
             <a:endParaRPr lang="en-US"/>
           </a:p>
@@ -1678,7 +1678,7 @@
           <a:p>
             <a:fld id="{535550C0-5D70-4405-B956-2B4ED937123E}" type="datetimeFigureOut">
               <a:rPr lang="en-US" smtClean="0"/>
-              <a:t>7/4/2012</a:t>
+              <a:t>7/10/2012</a:t>
             </a:fld>
             <a:endParaRPr lang="en-US"/>
           </a:p>
@@ -1848,7 +1848,7 @@
           <a:p>
             <a:fld id="{535550C0-5D70-4405-B956-2B4ED937123E}" type="datetimeFigureOut">
               <a:rPr lang="en-US" smtClean="0"/>
-              <a:t>7/4/2012</a:t>
+              <a:t>7/10/2012</a:t>
             </a:fld>
             <a:endParaRPr lang="en-US"/>
           </a:p>
@@ -2094,7 +2094,7 @@
           <a:p>
             <a:fld id="{535550C0-5D70-4405-B956-2B4ED937123E}" type="datetimeFigureOut">
               <a:rPr lang="en-US" smtClean="0"/>
-              <a:t>7/4/2012</a:t>
+              <a:t>7/10/2012</a:t>
             </a:fld>
             <a:endParaRPr lang="en-US"/>
           </a:p>
@@ -2382,7 +2382,7 @@
           <a:p>
             <a:fld id="{535550C0-5D70-4405-B956-2B4ED937123E}" type="datetimeFigureOut">
               <a:rPr lang="en-US" smtClean="0"/>
-              <a:t>7/4/2012</a:t>
+              <a:t>7/10/2012</a:t>
             </a:fld>
             <a:endParaRPr lang="en-US"/>
           </a:p>
@@ -2804,7 +2804,7 @@
           <a:p>
             <a:fld id="{535550C0-5D70-4405-B956-2B4ED937123E}" type="datetimeFigureOut">
               <a:rPr lang="en-US" smtClean="0"/>
-              <a:t>7/4/2012</a:t>
+              <a:t>7/10/2012</a:t>
             </a:fld>
             <a:endParaRPr lang="en-US"/>
           </a:p>
@@ -2922,7 +2922,7 @@
           <a:p>
             <a:fld id="{535550C0-5D70-4405-B956-2B4ED937123E}" type="datetimeFigureOut">
               <a:rPr lang="en-US" smtClean="0"/>
-              <a:t>7/4/2012</a:t>
+              <a:t>7/10/2012</a:t>
             </a:fld>
             <a:endParaRPr lang="en-US"/>
           </a:p>
@@ -3017,7 +3017,7 @@
           <a:p>
             <a:fld id="{535550C0-5D70-4405-B956-2B4ED937123E}" type="datetimeFigureOut">
               <a:rPr lang="en-US" smtClean="0"/>
-              <a:t>7/4/2012</a:t>
+              <a:t>7/10/2012</a:t>
             </a:fld>
             <a:endParaRPr lang="en-US"/>
           </a:p>
@@ -3294,7 +3294,7 @@
           <a:p>
             <a:fld id="{535550C0-5D70-4405-B956-2B4ED937123E}" type="datetimeFigureOut">
               <a:rPr lang="en-US" smtClean="0"/>
-              <a:t>7/4/2012</a:t>
+              <a:t>7/10/2012</a:t>
             </a:fld>
             <a:endParaRPr lang="en-US"/>
           </a:p>
@@ -3468,7 +3468,7 @@
           <a:p>
             <a:fld id="{6A814141-4123-430A-9D32-7C9F93C128E8}" type="datetimeFigureOut">
               <a:rPr lang="en-US" smtClean="0"/>
-              <a:t>7/4/2012</a:t>
+              <a:t>7/10/2012</a:t>
             </a:fld>
             <a:endParaRPr lang="en-US"/>
           </a:p>
@@ -3728,7 +3728,7 @@
           <a:p>
             <a:fld id="{535550C0-5D70-4405-B956-2B4ED937123E}" type="datetimeFigureOut">
               <a:rPr lang="en-US" smtClean="0"/>
-              <a:t>7/4/2012</a:t>
+              <a:t>7/10/2012</a:t>
             </a:fld>
             <a:endParaRPr lang="en-US"/>
           </a:p>
@@ -3898,7 +3898,7 @@
           <a:p>
             <a:fld id="{535550C0-5D70-4405-B956-2B4ED937123E}" type="datetimeFigureOut">
               <a:rPr lang="en-US" smtClean="0"/>
-              <a:t>7/4/2012</a:t>
+              <a:t>7/10/2012</a:t>
             </a:fld>
             <a:endParaRPr lang="en-US"/>
           </a:p>
@@ -4078,7 +4078,7 @@
           <a:p>
             <a:fld id="{535550C0-5D70-4405-B956-2B4ED937123E}" type="datetimeFigureOut">
               <a:rPr lang="en-US" smtClean="0"/>
-              <a:t>7/4/2012</a:t>
+              <a:t>7/10/2012</a:t>
             </a:fld>
             <a:endParaRPr lang="en-US"/>
           </a:p>
@@ -4324,7 +4324,7 @@
           <a:p>
             <a:fld id="{6A814141-4123-430A-9D32-7C9F93C128E8}" type="datetimeFigureOut">
               <a:rPr lang="en-US" smtClean="0"/>
-              <a:t>7/4/2012</a:t>
+              <a:t>7/10/2012</a:t>
             </a:fld>
             <a:endParaRPr lang="en-US"/>
           </a:p>
@@ -4612,7 +4612,7 @@
           <a:p>
             <a:fld id="{6A814141-4123-430A-9D32-7C9F93C128E8}" type="datetimeFigureOut">
               <a:rPr lang="en-US" smtClean="0"/>
-              <a:t>7/4/2012</a:t>
+              <a:t>7/10/2012</a:t>
             </a:fld>
             <a:endParaRPr lang="en-US"/>
           </a:p>
@@ -5041,7 +5041,7 @@
           <a:p>
             <a:fld id="{6A814141-4123-430A-9D32-7C9F93C128E8}" type="datetimeFigureOut">
               <a:rPr lang="en-US" smtClean="0"/>
-              <a:t>7/4/2012</a:t>
+              <a:t>7/10/2012</a:t>
             </a:fld>
             <a:endParaRPr lang="en-US"/>
           </a:p>
@@ -5159,7 +5159,7 @@
           <a:p>
             <a:fld id="{6A814141-4123-430A-9D32-7C9F93C128E8}" type="datetimeFigureOut">
               <a:rPr lang="en-US" smtClean="0"/>
-              <a:t>7/4/2012</a:t>
+              <a:t>7/10/2012</a:t>
             </a:fld>
             <a:endParaRPr lang="en-US"/>
           </a:p>
@@ -5254,7 +5254,7 @@
           <a:p>
             <a:fld id="{6A814141-4123-430A-9D32-7C9F93C128E8}" type="datetimeFigureOut">
               <a:rPr lang="en-US" smtClean="0"/>
-              <a:t>7/4/2012</a:t>
+              <a:t>7/10/2012</a:t>
             </a:fld>
             <a:endParaRPr lang="en-US"/>
           </a:p>
@@ -5531,7 +5531,7 @@
           <a:p>
             <a:fld id="{6A814141-4123-430A-9D32-7C9F93C128E8}" type="datetimeFigureOut">
               <a:rPr lang="en-US" smtClean="0"/>
-              <a:t>7/4/2012</a:t>
+              <a:t>7/10/2012</a:t>
             </a:fld>
             <a:endParaRPr lang="en-US"/>
           </a:p>
@@ -5784,7 +5784,7 @@
           <a:p>
             <a:fld id="{6A814141-4123-430A-9D32-7C9F93C128E8}" type="datetimeFigureOut">
               <a:rPr lang="en-US" smtClean="0"/>
-              <a:t>7/4/2012</a:t>
+              <a:t>7/10/2012</a:t>
             </a:fld>
             <a:endParaRPr lang="en-US"/>
           </a:p>
@@ -5997,7 +5997,7 @@
           <a:p>
             <a:fld id="{6A814141-4123-430A-9D32-7C9F93C128E8}" type="datetimeFigureOut">
               <a:rPr lang="en-US" smtClean="0"/>
-              <a:t>7/4/2012</a:t>
+              <a:t>7/10/2012</a:t>
             </a:fld>
             <a:endParaRPr lang="en-US"/>
           </a:p>
@@ -6514,7 +6514,7 @@
           <a:p>
             <a:fld id="{535550C0-5D70-4405-B956-2B4ED937123E}" type="datetimeFigureOut">
               <a:rPr lang="en-US" smtClean="0"/>
-              <a:t>7/4/2012</a:t>
+              <a:t>7/10/2012</a:t>
             </a:fld>
             <a:endParaRPr lang="en-US"/>
           </a:p>
@@ -7245,6 +7245,36 @@
           </a:prstGeom>
         </p:spPr>
       </p:pic>
+      <p:pic>
+        <p:nvPicPr>
+          <p:cNvPr id="5" name="Picture 4"/>
+          <p:cNvPicPr>
+            <a:picLocks noChangeAspect="1"/>
+          </p:cNvPicPr>
+          <p:nvPr/>
+        </p:nvPicPr>
+        <p:blipFill>
+          <a:blip r:embed="rId4">
+            <a:extLst>
+              <a:ext uri="{28A0092B-C50C-407E-A947-70E740481C1C}">
+                <a14:useLocalDpi xmlns:a14="http://schemas.microsoft.com/office/drawing/2010/main" val="0"/>
+              </a:ext>
+            </a:extLst>
+          </a:blip>
+          <a:stretch>
+            <a:fillRect/>
+          </a:stretch>
+        </p:blipFill>
+        <p:spPr>
+          <a:xfrm>
+            <a:off x="7848600" y="457200"/>
+            <a:ext cx="742950" cy="742950"/>
+          </a:xfrm>
+          <a:prstGeom prst="rect">
+            <a:avLst/>
+          </a:prstGeom>
+        </p:spPr>
+      </p:pic>
     </p:spTree>
     <p:extLst>
       <p:ext uri="{BB962C8B-B14F-4D97-AF65-F5344CB8AC3E}">
@@ -9244,9 +9274,19 @@
         </p:spPr>
         <p:txBody>
           <a:bodyPr>
-            <a:normAutofit/>
+            <a:normAutofit fontScale="92500"/>
           </a:bodyPr>
           <a:lstStyle/>
+          <a:p>
+            <a:r>
+              <a:rPr lang="en-US" sz="2400" dirty="0"/>
+              <a:t>Measure almost every aspects of performance on the </a:t>
+            </a:r>
+            <a:r>
+              <a:rPr lang="en-US" sz="2400" dirty="0" smtClean="0"/>
+              <a:t>device</a:t>
+            </a:r>
+          </a:p>
           <a:p>
             <a:r>
               <a:rPr lang="en-US" sz="2400" dirty="0" smtClean="0"/>
@@ -9326,7 +9366,7 @@
         <p:spPr/>
         <p:txBody>
           <a:bodyPr>
-            <a:normAutofit/>
+            <a:normAutofit fontScale="92500"/>
           </a:bodyPr>
           <a:lstStyle/>
           <a:p>
@@ -9417,7 +9457,7 @@
         </p:blipFill>
         <p:spPr>
           <a:xfrm>
-            <a:off x="7043437" y="533400"/>
+            <a:off x="7221213" y="457200"/>
             <a:ext cx="742950" cy="742950"/>
           </a:xfrm>
           <a:prstGeom prst="rect">
@@ -9867,7 +9907,7 @@
         </p:blipFill>
         <p:spPr>
           <a:xfrm>
-            <a:off x="7497907" y="371475"/>
+            <a:off x="7696200" y="371475"/>
             <a:ext cx="742950" cy="742950"/>
           </a:xfrm>
           <a:prstGeom prst="rect">
@@ -9952,17 +9992,28 @@
         <p:spPr/>
         <p:txBody>
           <a:bodyPr>
-            <a:normAutofit fontScale="92500"/>
+            <a:normAutofit fontScale="85000" lnSpcReduction="10000"/>
           </a:bodyPr>
           <a:lstStyle/>
           <a:p>
             <a:r>
               <a:rPr lang="en-US" dirty="0"/>
-              <a:t>gives more accurate 3D Graphics Performance measurement, it contains testing with high level 3D animation</a:t>
+              <a:t>gives more accurate 3D Graphics Performance measurement, it contains testing with high level 3D </a:t>
             </a:r>
             <a:r>
               <a:rPr lang="en-US" dirty="0" smtClean="0"/>
-              <a:t>.</a:t>
+              <a:t>animation</a:t>
+            </a:r>
+            <a:endParaRPr lang="en-US" dirty="0"/>
+          </a:p>
+          <a:p>
+            <a:r>
+              <a:rPr lang="en-US" dirty="0"/>
+              <a:t>c</a:t>
+            </a:r>
+            <a:r>
+              <a:rPr lang="en-US" dirty="0" smtClean="0"/>
+              <a:t>an test screen capabilities of device at HD resolutions</a:t>
             </a:r>
             <a:endParaRPr lang="en-US" dirty="0"/>
           </a:p>
@@ -10030,7 +10081,7 @@
         <p:spPr/>
         <p:txBody>
           <a:bodyPr>
-            <a:normAutofit fontScale="92500"/>
+            <a:normAutofit fontScale="85000" lnSpcReduction="10000"/>
           </a:bodyPr>
           <a:lstStyle/>
           <a:p>
@@ -10060,7 +10111,7 @@
         </p:blipFill>
         <p:spPr>
           <a:xfrm>
-            <a:off x="6410325" y="533400"/>
+            <a:off x="6720669" y="506260"/>
             <a:ext cx="742950" cy="742950"/>
           </a:xfrm>
           <a:prstGeom prst="rect">
